--- a/Git_20140210.pptx
+++ b/Git_20140210.pptx
@@ -5,10 +5,10 @@
     <p:sldMasterId id="2147483660" r:id="rId1"/>
   </p:sldMasterIdLst>
   <p:notesMasterIdLst>
-    <p:notesMasterId r:id="rId25"/>
+    <p:notesMasterId r:id="rId27"/>
   </p:notesMasterIdLst>
   <p:handoutMasterIdLst>
-    <p:handoutMasterId r:id="rId26"/>
+    <p:handoutMasterId r:id="rId28"/>
   </p:handoutMasterIdLst>
   <p:sldIdLst>
     <p:sldId id="256" r:id="rId2"/>
@@ -34,6 +34,8 @@
     <p:sldId id="293" r:id="rId22"/>
     <p:sldId id="294" r:id="rId23"/>
     <p:sldId id="295" r:id="rId24"/>
+    <p:sldId id="297" r:id="rId25"/>
+    <p:sldId id="298" r:id="rId26"/>
   </p:sldIdLst>
   <p:sldSz cx="9144000" cy="6858000" type="screen4x3"/>
   <p:notesSz cx="6797675" cy="9926638"/>
@@ -218,7 +220,7 @@
             <a:fld id="{3D16B11E-995B-437A-B687-6DDFBBD0AC09}" type="datetimeFigureOut">
               <a:rPr lang="ko-KR" altLang="en-US" smtClean="0"/>
               <a:pPr/>
-              <a:t>2014-02-11</a:t>
+              <a:t>2014-02-12</a:t>
             </a:fld>
             <a:endParaRPr lang="ko-KR" altLang="en-US"/>
           </a:p>
@@ -294,7 +296,7 @@
     </p:spTree>
     <p:extLst>
       <p:ext uri="{BB962C8B-B14F-4D97-AF65-F5344CB8AC3E}">
-        <p14:creationId xmlns="" xmlns:p14="http://schemas.microsoft.com/office/powerpoint/2010/main" val="1280770348"/>
+        <p14:creationId xmlns:p14="http://schemas.microsoft.com/office/powerpoint/2010/main" xmlns="" val="1280770348"/>
       </p:ext>
     </p:extLst>
   </p:cSld>
@@ -385,7 +387,7 @@
             <a:fld id="{740DC9D5-EF98-4286-8B05-972EA017FD17}" type="datetimeFigureOut">
               <a:rPr lang="ko-KR" altLang="en-US" smtClean="0"/>
               <a:pPr/>
-              <a:t>2014-02-11</a:t>
+              <a:t>2014-02-12</a:t>
             </a:fld>
             <a:endParaRPr lang="ko-KR" altLang="en-US"/>
           </a:p>
@@ -554,7 +556,7 @@
     </p:spTree>
     <p:extLst>
       <p:ext uri="{BB962C8B-B14F-4D97-AF65-F5344CB8AC3E}">
-        <p14:creationId xmlns="" xmlns:p14="http://schemas.microsoft.com/office/powerpoint/2010/main" val="1904345690"/>
+        <p14:creationId xmlns:p14="http://schemas.microsoft.com/office/powerpoint/2010/main" xmlns="" val="1904345690"/>
       </p:ext>
     </p:extLst>
   </p:cSld>
@@ -729,7 +731,7 @@
     </p:spTree>
     <p:extLst>
       <p:ext uri="{BB962C8B-B14F-4D97-AF65-F5344CB8AC3E}">
-        <p14:creationId xmlns="" xmlns:p14="http://schemas.microsoft.com/office/powerpoint/2010/main" val="1192273510"/>
+        <p14:creationId xmlns:p14="http://schemas.microsoft.com/office/powerpoint/2010/main" xmlns="" val="1192273510"/>
       </p:ext>
     </p:extLst>
   </p:cSld>
@@ -814,7 +816,7 @@
     </p:spTree>
     <p:extLst>
       <p:ext uri="{BB962C8B-B14F-4D97-AF65-F5344CB8AC3E}">
-        <p14:creationId xmlns="" xmlns:p14="http://schemas.microsoft.com/office/powerpoint/2010/main" val="1607070737"/>
+        <p14:creationId xmlns:p14="http://schemas.microsoft.com/office/powerpoint/2010/main" xmlns="" val="1607070737"/>
       </p:ext>
     </p:extLst>
   </p:cSld>
@@ -899,7 +901,7 @@
     </p:spTree>
     <p:extLst>
       <p:ext uri="{BB962C8B-B14F-4D97-AF65-F5344CB8AC3E}">
-        <p14:creationId xmlns="" xmlns:p14="http://schemas.microsoft.com/office/powerpoint/2010/main" val="1607070737"/>
+        <p14:creationId xmlns:p14="http://schemas.microsoft.com/office/powerpoint/2010/main" xmlns="" val="1607070737"/>
       </p:ext>
     </p:extLst>
   </p:cSld>
@@ -984,7 +986,7 @@
     </p:spTree>
     <p:extLst>
       <p:ext uri="{BB962C8B-B14F-4D97-AF65-F5344CB8AC3E}">
-        <p14:creationId xmlns="" xmlns:p14="http://schemas.microsoft.com/office/powerpoint/2010/main" val="1607070737"/>
+        <p14:creationId xmlns:p14="http://schemas.microsoft.com/office/powerpoint/2010/main" xmlns="" val="1607070737"/>
       </p:ext>
     </p:extLst>
   </p:cSld>
@@ -1069,7 +1071,7 @@
     </p:spTree>
     <p:extLst>
       <p:ext uri="{BB962C8B-B14F-4D97-AF65-F5344CB8AC3E}">
-        <p14:creationId xmlns="" xmlns:p14="http://schemas.microsoft.com/office/powerpoint/2010/main" val="1607070737"/>
+        <p14:creationId xmlns:p14="http://schemas.microsoft.com/office/powerpoint/2010/main" xmlns="" val="1607070737"/>
       </p:ext>
     </p:extLst>
   </p:cSld>
@@ -1154,7 +1156,7 @@
     </p:spTree>
     <p:extLst>
       <p:ext uri="{BB962C8B-B14F-4D97-AF65-F5344CB8AC3E}">
-        <p14:creationId xmlns="" xmlns:p14="http://schemas.microsoft.com/office/powerpoint/2010/main" val="1607070737"/>
+        <p14:creationId xmlns:p14="http://schemas.microsoft.com/office/powerpoint/2010/main" xmlns="" val="1607070737"/>
       </p:ext>
     </p:extLst>
   </p:cSld>
@@ -1239,7 +1241,7 @@
     </p:spTree>
     <p:extLst>
       <p:ext uri="{BB962C8B-B14F-4D97-AF65-F5344CB8AC3E}">
-        <p14:creationId xmlns="" xmlns:p14="http://schemas.microsoft.com/office/powerpoint/2010/main" val="1607070737"/>
+        <p14:creationId xmlns:p14="http://schemas.microsoft.com/office/powerpoint/2010/main" xmlns="" val="1607070737"/>
       </p:ext>
     </p:extLst>
   </p:cSld>
@@ -1324,7 +1326,7 @@
     </p:spTree>
     <p:extLst>
       <p:ext uri="{BB962C8B-B14F-4D97-AF65-F5344CB8AC3E}">
-        <p14:creationId xmlns="" xmlns:p14="http://schemas.microsoft.com/office/powerpoint/2010/main" val="1607070737"/>
+        <p14:creationId xmlns:p14="http://schemas.microsoft.com/office/powerpoint/2010/main" xmlns="" val="1607070737"/>
       </p:ext>
     </p:extLst>
   </p:cSld>
@@ -1409,7 +1411,7 @@
     </p:spTree>
     <p:extLst>
       <p:ext uri="{BB962C8B-B14F-4D97-AF65-F5344CB8AC3E}">
-        <p14:creationId xmlns="" xmlns:p14="http://schemas.microsoft.com/office/powerpoint/2010/main" val="1607070737"/>
+        <p14:creationId xmlns:p14="http://schemas.microsoft.com/office/powerpoint/2010/main" xmlns="" val="1607070737"/>
       </p:ext>
     </p:extLst>
   </p:cSld>
@@ -1494,7 +1496,7 @@
     </p:spTree>
     <p:extLst>
       <p:ext uri="{BB962C8B-B14F-4D97-AF65-F5344CB8AC3E}">
-        <p14:creationId xmlns="" xmlns:p14="http://schemas.microsoft.com/office/powerpoint/2010/main" val="1607070737"/>
+        <p14:creationId xmlns:p14="http://schemas.microsoft.com/office/powerpoint/2010/main" xmlns="" val="1607070737"/>
       </p:ext>
     </p:extLst>
   </p:cSld>
@@ -1579,7 +1581,7 @@
     </p:spTree>
     <p:extLst>
       <p:ext uri="{BB962C8B-B14F-4D97-AF65-F5344CB8AC3E}">
-        <p14:creationId xmlns="" xmlns:p14="http://schemas.microsoft.com/office/powerpoint/2010/main" val="1607070737"/>
+        <p14:creationId xmlns:p14="http://schemas.microsoft.com/office/powerpoint/2010/main" xmlns="" val="1607070737"/>
       </p:ext>
     </p:extLst>
   </p:cSld>
@@ -1664,7 +1666,7 @@
     </p:spTree>
     <p:extLst>
       <p:ext uri="{BB962C8B-B14F-4D97-AF65-F5344CB8AC3E}">
-        <p14:creationId xmlns="" xmlns:p14="http://schemas.microsoft.com/office/powerpoint/2010/main" val="2331768756"/>
+        <p14:creationId xmlns:p14="http://schemas.microsoft.com/office/powerpoint/2010/main" xmlns="" val="2331768756"/>
       </p:ext>
     </p:extLst>
   </p:cSld>
@@ -1749,7 +1751,7 @@
     </p:spTree>
     <p:extLst>
       <p:ext uri="{BB962C8B-B14F-4D97-AF65-F5344CB8AC3E}">
-        <p14:creationId xmlns="" xmlns:p14="http://schemas.microsoft.com/office/powerpoint/2010/main" val="1607070737"/>
+        <p14:creationId xmlns:p14="http://schemas.microsoft.com/office/powerpoint/2010/main" xmlns="" val="1607070737"/>
       </p:ext>
     </p:extLst>
   </p:cSld>
@@ -1834,7 +1836,7 @@
     </p:spTree>
     <p:extLst>
       <p:ext uri="{BB962C8B-B14F-4D97-AF65-F5344CB8AC3E}">
-        <p14:creationId xmlns="" xmlns:p14="http://schemas.microsoft.com/office/powerpoint/2010/main" val="1607070737"/>
+        <p14:creationId xmlns:p14="http://schemas.microsoft.com/office/powerpoint/2010/main" xmlns="" val="1607070737"/>
       </p:ext>
     </p:extLst>
   </p:cSld>
@@ -1919,7 +1921,7 @@
     </p:spTree>
     <p:extLst>
       <p:ext uri="{BB962C8B-B14F-4D97-AF65-F5344CB8AC3E}">
-        <p14:creationId xmlns="" xmlns:p14="http://schemas.microsoft.com/office/powerpoint/2010/main" val="1607070737"/>
+        <p14:creationId xmlns:p14="http://schemas.microsoft.com/office/powerpoint/2010/main" xmlns="" val="1607070737"/>
       </p:ext>
     </p:extLst>
   </p:cSld>
@@ -2004,7 +2006,177 @@
     </p:spTree>
     <p:extLst>
       <p:ext uri="{BB962C8B-B14F-4D97-AF65-F5344CB8AC3E}">
-        <p14:creationId xmlns="" xmlns:p14="http://schemas.microsoft.com/office/powerpoint/2010/main" val="1607070737"/>
+        <p14:creationId xmlns:p14="http://schemas.microsoft.com/office/powerpoint/2010/main" xmlns="" val="1607070737"/>
+      </p:ext>
+    </p:extLst>
+  </p:cSld>
+  <p:clrMapOvr>
+    <a:masterClrMapping/>
+  </p:clrMapOvr>
+</p:notes>
+</file>
+
+<file path=ppt/notesSlides/notesSlide24.xml><?xml version="1.0" encoding="utf-8"?>
+<p:notes xmlns:a="http://schemas.openxmlformats.org/drawingml/2006/main" xmlns:r="http://schemas.openxmlformats.org/officeDocument/2006/relationships" xmlns:p="http://schemas.openxmlformats.org/presentationml/2006/main">
+  <p:cSld>
+    <p:spTree>
+      <p:nvGrpSpPr>
+        <p:cNvPr id="1" name=""/>
+        <p:cNvGrpSpPr/>
+        <p:nvPr/>
+      </p:nvGrpSpPr>
+      <p:grpSpPr>
+        <a:xfrm>
+          <a:off x="0" y="0"/>
+          <a:ext cx="0" cy="0"/>
+          <a:chOff x="0" y="0"/>
+          <a:chExt cx="0" cy="0"/>
+        </a:xfrm>
+      </p:grpSpPr>
+      <p:sp>
+        <p:nvSpPr>
+          <p:cNvPr id="2" name="슬라이드 이미지 개체 틀 1"/>
+          <p:cNvSpPr>
+            <a:spLocks noGrp="1" noRot="1" noChangeAspect="1"/>
+          </p:cNvSpPr>
+          <p:nvPr>
+            <p:ph type="sldImg"/>
+          </p:nvPr>
+        </p:nvSpPr>
+        <p:spPr/>
+      </p:sp>
+      <p:sp>
+        <p:nvSpPr>
+          <p:cNvPr id="3" name="슬라이드 노트 개체 틀 2"/>
+          <p:cNvSpPr>
+            <a:spLocks noGrp="1"/>
+          </p:cNvSpPr>
+          <p:nvPr>
+            <p:ph type="body" idx="1"/>
+          </p:nvPr>
+        </p:nvSpPr>
+        <p:spPr/>
+        <p:txBody>
+          <a:bodyPr/>
+          <a:lstStyle/>
+          <a:p>
+            <a:endParaRPr lang="ko-KR" altLang="en-US"/>
+          </a:p>
+        </p:txBody>
+      </p:sp>
+      <p:sp>
+        <p:nvSpPr>
+          <p:cNvPr id="4" name="슬라이드 번호 개체 틀 3"/>
+          <p:cNvSpPr>
+            <a:spLocks noGrp="1"/>
+          </p:cNvSpPr>
+          <p:nvPr>
+            <p:ph type="sldNum" sz="quarter" idx="10"/>
+          </p:nvPr>
+        </p:nvSpPr>
+        <p:spPr/>
+        <p:txBody>
+          <a:bodyPr/>
+          <a:lstStyle/>
+          <a:p>
+            <a:fld id="{94A50560-EF6A-477A-B111-0CDBBA052D05}" type="slidenum">
+              <a:rPr lang="ko-KR" altLang="en-US" smtClean="0"/>
+              <a:pPr/>
+              <a:t>24</a:t>
+            </a:fld>
+            <a:endParaRPr lang="ko-KR" altLang="en-US"/>
+          </a:p>
+        </p:txBody>
+      </p:sp>
+    </p:spTree>
+    <p:extLst>
+      <p:ext uri="{BB962C8B-B14F-4D97-AF65-F5344CB8AC3E}">
+        <p14:creationId xmlns:p14="http://schemas.microsoft.com/office/powerpoint/2010/main" xmlns="" val="1607070737"/>
+      </p:ext>
+    </p:extLst>
+  </p:cSld>
+  <p:clrMapOvr>
+    <a:masterClrMapping/>
+  </p:clrMapOvr>
+</p:notes>
+</file>
+
+<file path=ppt/notesSlides/notesSlide25.xml><?xml version="1.0" encoding="utf-8"?>
+<p:notes xmlns:a="http://schemas.openxmlformats.org/drawingml/2006/main" xmlns:r="http://schemas.openxmlformats.org/officeDocument/2006/relationships" xmlns:p="http://schemas.openxmlformats.org/presentationml/2006/main">
+  <p:cSld>
+    <p:spTree>
+      <p:nvGrpSpPr>
+        <p:cNvPr id="1" name=""/>
+        <p:cNvGrpSpPr/>
+        <p:nvPr/>
+      </p:nvGrpSpPr>
+      <p:grpSpPr>
+        <a:xfrm>
+          <a:off x="0" y="0"/>
+          <a:ext cx="0" cy="0"/>
+          <a:chOff x="0" y="0"/>
+          <a:chExt cx="0" cy="0"/>
+        </a:xfrm>
+      </p:grpSpPr>
+      <p:sp>
+        <p:nvSpPr>
+          <p:cNvPr id="2" name="슬라이드 이미지 개체 틀 1"/>
+          <p:cNvSpPr>
+            <a:spLocks noGrp="1" noRot="1" noChangeAspect="1"/>
+          </p:cNvSpPr>
+          <p:nvPr>
+            <p:ph type="sldImg"/>
+          </p:nvPr>
+        </p:nvSpPr>
+        <p:spPr/>
+      </p:sp>
+      <p:sp>
+        <p:nvSpPr>
+          <p:cNvPr id="3" name="슬라이드 노트 개체 틀 2"/>
+          <p:cNvSpPr>
+            <a:spLocks noGrp="1"/>
+          </p:cNvSpPr>
+          <p:nvPr>
+            <p:ph type="body" idx="1"/>
+          </p:nvPr>
+        </p:nvSpPr>
+        <p:spPr/>
+        <p:txBody>
+          <a:bodyPr/>
+          <a:lstStyle/>
+          <a:p>
+            <a:endParaRPr lang="ko-KR" altLang="en-US"/>
+          </a:p>
+        </p:txBody>
+      </p:sp>
+      <p:sp>
+        <p:nvSpPr>
+          <p:cNvPr id="4" name="슬라이드 번호 개체 틀 3"/>
+          <p:cNvSpPr>
+            <a:spLocks noGrp="1"/>
+          </p:cNvSpPr>
+          <p:nvPr>
+            <p:ph type="sldNum" sz="quarter" idx="10"/>
+          </p:nvPr>
+        </p:nvSpPr>
+        <p:spPr/>
+        <p:txBody>
+          <a:bodyPr/>
+          <a:lstStyle/>
+          <a:p>
+            <a:fld id="{94A50560-EF6A-477A-B111-0CDBBA052D05}" type="slidenum">
+              <a:rPr lang="ko-KR" altLang="en-US" smtClean="0"/>
+              <a:pPr/>
+              <a:t>25</a:t>
+            </a:fld>
+            <a:endParaRPr lang="ko-KR" altLang="en-US"/>
+          </a:p>
+        </p:txBody>
+      </p:sp>
+    </p:spTree>
+    <p:extLst>
+      <p:ext uri="{BB962C8B-B14F-4D97-AF65-F5344CB8AC3E}">
+        <p14:creationId xmlns:p14="http://schemas.microsoft.com/office/powerpoint/2010/main" xmlns="" val="1607070737"/>
       </p:ext>
     </p:extLst>
   </p:cSld>
@@ -2089,7 +2261,7 @@
     </p:spTree>
     <p:extLst>
       <p:ext uri="{BB962C8B-B14F-4D97-AF65-F5344CB8AC3E}">
-        <p14:creationId xmlns="" xmlns:p14="http://schemas.microsoft.com/office/powerpoint/2010/main" val="1177561318"/>
+        <p14:creationId xmlns:p14="http://schemas.microsoft.com/office/powerpoint/2010/main" xmlns="" val="1177561318"/>
       </p:ext>
     </p:extLst>
   </p:cSld>
@@ -2174,7 +2346,7 @@
     </p:spTree>
     <p:extLst>
       <p:ext uri="{BB962C8B-B14F-4D97-AF65-F5344CB8AC3E}">
-        <p14:creationId xmlns="" xmlns:p14="http://schemas.microsoft.com/office/powerpoint/2010/main" val="1607070737"/>
+        <p14:creationId xmlns:p14="http://schemas.microsoft.com/office/powerpoint/2010/main" xmlns="" val="1607070737"/>
       </p:ext>
     </p:extLst>
   </p:cSld>
@@ -2259,7 +2431,7 @@
     </p:spTree>
     <p:extLst>
       <p:ext uri="{BB962C8B-B14F-4D97-AF65-F5344CB8AC3E}">
-        <p14:creationId xmlns="" xmlns:p14="http://schemas.microsoft.com/office/powerpoint/2010/main" val="1607070737"/>
+        <p14:creationId xmlns:p14="http://schemas.microsoft.com/office/powerpoint/2010/main" xmlns="" val="1607070737"/>
       </p:ext>
     </p:extLst>
   </p:cSld>
@@ -2344,7 +2516,7 @@
     </p:spTree>
     <p:extLst>
       <p:ext uri="{BB962C8B-B14F-4D97-AF65-F5344CB8AC3E}">
-        <p14:creationId xmlns="" xmlns:p14="http://schemas.microsoft.com/office/powerpoint/2010/main" val="1607070737"/>
+        <p14:creationId xmlns:p14="http://schemas.microsoft.com/office/powerpoint/2010/main" xmlns="" val="1607070737"/>
       </p:ext>
     </p:extLst>
   </p:cSld>
@@ -2429,7 +2601,7 @@
     </p:spTree>
     <p:extLst>
       <p:ext uri="{BB962C8B-B14F-4D97-AF65-F5344CB8AC3E}">
-        <p14:creationId xmlns="" xmlns:p14="http://schemas.microsoft.com/office/powerpoint/2010/main" val="1607070737"/>
+        <p14:creationId xmlns:p14="http://schemas.microsoft.com/office/powerpoint/2010/main" xmlns="" val="1607070737"/>
       </p:ext>
     </p:extLst>
   </p:cSld>
@@ -2514,7 +2686,7 @@
     </p:spTree>
     <p:extLst>
       <p:ext uri="{BB962C8B-B14F-4D97-AF65-F5344CB8AC3E}">
-        <p14:creationId xmlns="" xmlns:p14="http://schemas.microsoft.com/office/powerpoint/2010/main" val="1607070737"/>
+        <p14:creationId xmlns:p14="http://schemas.microsoft.com/office/powerpoint/2010/main" xmlns="" val="1607070737"/>
       </p:ext>
     </p:extLst>
   </p:cSld>
@@ -2599,7 +2771,7 @@
     </p:spTree>
     <p:extLst>
       <p:ext uri="{BB962C8B-B14F-4D97-AF65-F5344CB8AC3E}">
-        <p14:creationId xmlns="" xmlns:p14="http://schemas.microsoft.com/office/powerpoint/2010/main" val="1607070737"/>
+        <p14:creationId xmlns:p14="http://schemas.microsoft.com/office/powerpoint/2010/main" xmlns="" val="1607070737"/>
       </p:ext>
     </p:extLst>
   </p:cSld>
@@ -2733,7 +2905,7 @@
             <a:fld id="{25575D4C-CFAA-44FE-8EBB-646305AE4705}" type="datetimeFigureOut">
               <a:rPr lang="ko-KR" altLang="en-US" smtClean="0"/>
               <a:pPr/>
-              <a:t>2014-02-11</a:t>
+              <a:t>2014-02-12</a:t>
             </a:fld>
             <a:endParaRPr lang="ko-KR" altLang="en-US"/>
           </a:p>
@@ -2931,7 +3103,7 @@
             <a:fld id="{25575D4C-CFAA-44FE-8EBB-646305AE4705}" type="datetimeFigureOut">
               <a:rPr lang="ko-KR" altLang="en-US" smtClean="0"/>
               <a:pPr/>
-              <a:t>2014-02-11</a:t>
+              <a:t>2014-02-12</a:t>
             </a:fld>
             <a:endParaRPr lang="ko-KR" altLang="en-US"/>
           </a:p>
@@ -2991,7 +3163,7 @@
     </p:spTree>
     <p:extLst>
       <p:ext uri="{BB962C8B-B14F-4D97-AF65-F5344CB8AC3E}">
-        <p14:creationId xmlns="" xmlns:p14="http://schemas.microsoft.com/office/powerpoint/2010/main" val="963014868"/>
+        <p14:creationId xmlns:p14="http://schemas.microsoft.com/office/powerpoint/2010/main" xmlns="" val="963014868"/>
       </p:ext>
     </p:extLst>
   </p:cSld>
@@ -3128,7 +3300,7 @@
             <a:fld id="{25575D4C-CFAA-44FE-8EBB-646305AE4705}" type="datetimeFigureOut">
               <a:rPr lang="ko-KR" altLang="en-US" smtClean="0"/>
               <a:pPr/>
-              <a:t>2014-02-11</a:t>
+              <a:t>2014-02-12</a:t>
             </a:fld>
             <a:endParaRPr lang="ko-KR" altLang="en-US"/>
           </a:p>
@@ -3188,7 +3360,7 @@
     </p:spTree>
     <p:extLst>
       <p:ext uri="{BB962C8B-B14F-4D97-AF65-F5344CB8AC3E}">
-        <p14:creationId xmlns="" xmlns:p14="http://schemas.microsoft.com/office/powerpoint/2010/main" val="4111934042"/>
+        <p14:creationId xmlns:p14="http://schemas.microsoft.com/office/powerpoint/2010/main" xmlns="" val="4111934042"/>
       </p:ext>
     </p:extLst>
   </p:cSld>
@@ -3387,7 +3559,7 @@
             <a:fld id="{25575D4C-CFAA-44FE-8EBB-646305AE4705}" type="datetimeFigureOut">
               <a:rPr lang="ko-KR" altLang="en-US" smtClean="0"/>
               <a:pPr/>
-              <a:t>2014-02-11</a:t>
+              <a:t>2014-02-12</a:t>
             </a:fld>
             <a:endParaRPr lang="ko-KR" altLang="en-US"/>
           </a:p>
@@ -3457,7 +3629,7 @@
     </p:spTree>
     <p:extLst>
       <p:ext uri="{BB962C8B-B14F-4D97-AF65-F5344CB8AC3E}">
-        <p14:creationId xmlns="" xmlns:p14="http://schemas.microsoft.com/office/powerpoint/2010/main" val="328320137"/>
+        <p14:creationId xmlns:p14="http://schemas.microsoft.com/office/powerpoint/2010/main" xmlns="" val="328320137"/>
       </p:ext>
     </p:extLst>
   </p:cSld>
@@ -3676,7 +3848,7 @@
           <a:blip r:embed="rId2" cstate="print">
             <a:extLst>
               <a:ext uri="{28A0092B-C50C-407E-A947-70E740481C1C}">
-                <a14:useLocalDpi xmlns="" xmlns:a14="http://schemas.microsoft.com/office/drawing/2010/main" val="0"/>
+                <a14:useLocalDpi xmlns:a14="http://schemas.microsoft.com/office/drawing/2010/main" xmlns="" val="0"/>
               </a:ext>
             </a:extLst>
           </a:blip>
@@ -3699,14 +3871,14 @@
           </a:ln>
           <a:extLst>
             <a:ext uri="{909E8E84-426E-40DD-AFC4-6F175D3DCCD1}">
-              <a14:hiddenFill xmlns="" xmlns:a14="http://schemas.microsoft.com/office/drawing/2010/main">
+              <a14:hiddenFill xmlns:a14="http://schemas.microsoft.com/office/drawing/2010/main" xmlns="">
                 <a:solidFill>
                   <a:srgbClr val="FFFFFF"/>
                 </a:solidFill>
               </a14:hiddenFill>
             </a:ext>
             <a:ext uri="{91240B29-F687-4F45-9708-019B960494DF}">
-              <a14:hiddenLine xmlns="" xmlns:a14="http://schemas.microsoft.com/office/drawing/2010/main" w="9525">
+              <a14:hiddenLine xmlns:a14="http://schemas.microsoft.com/office/drawing/2010/main" xmlns="" w="9525">
                 <a:solidFill>
                   <a:srgbClr val="000000"/>
                 </a:solidFill>
@@ -3753,7 +3925,7 @@
           </a:sp3d>
           <a:extLst>
             <a:ext uri="{909E8E84-426E-40DD-AFC4-6F175D3DCCD1}">
-              <a14:hiddenFill xmlns="" xmlns:a14="http://schemas.microsoft.com/office/drawing/2010/main">
+              <a14:hiddenFill xmlns:a14="http://schemas.microsoft.com/office/drawing/2010/main" xmlns="">
                 <a:solidFill>
                   <a:srgbClr val="FFFFFF"/>
                 </a:solidFill>
@@ -3765,7 +3937,7 @@
     </p:spTree>
     <p:extLst>
       <p:ext uri="{BB962C8B-B14F-4D97-AF65-F5344CB8AC3E}">
-        <p14:creationId xmlns="" xmlns:p14="http://schemas.microsoft.com/office/powerpoint/2010/main" val="2271989134"/>
+        <p14:creationId xmlns:p14="http://schemas.microsoft.com/office/powerpoint/2010/main" xmlns="" val="2271989134"/>
       </p:ext>
     </p:extLst>
   </p:cSld>
@@ -3921,7 +4093,7 @@
             <a:fld id="{25575D4C-CFAA-44FE-8EBB-646305AE4705}" type="datetimeFigureOut">
               <a:rPr lang="ko-KR" altLang="en-US" smtClean="0"/>
               <a:pPr/>
-              <a:t>2014-02-11</a:t>
+              <a:t>2014-02-12</a:t>
             </a:fld>
             <a:endParaRPr lang="ko-KR" altLang="en-US"/>
           </a:p>
@@ -3981,7 +4153,7 @@
     </p:spTree>
     <p:extLst>
       <p:ext uri="{BB962C8B-B14F-4D97-AF65-F5344CB8AC3E}">
-        <p14:creationId xmlns="" xmlns:p14="http://schemas.microsoft.com/office/powerpoint/2010/main" val="2777282408"/>
+        <p14:creationId xmlns:p14="http://schemas.microsoft.com/office/powerpoint/2010/main" xmlns="" val="2777282408"/>
       </p:ext>
     </p:extLst>
   </p:cSld>
@@ -4226,7 +4398,7 @@
             <a:fld id="{25575D4C-CFAA-44FE-8EBB-646305AE4705}" type="datetimeFigureOut">
               <a:rPr lang="ko-KR" altLang="en-US" smtClean="0"/>
               <a:pPr/>
-              <a:t>2014-02-11</a:t>
+              <a:t>2014-02-12</a:t>
             </a:fld>
             <a:endParaRPr lang="ko-KR" altLang="en-US"/>
           </a:p>
@@ -4286,7 +4458,7 @@
     </p:spTree>
     <p:extLst>
       <p:ext uri="{BB962C8B-B14F-4D97-AF65-F5344CB8AC3E}">
-        <p14:creationId xmlns="" xmlns:p14="http://schemas.microsoft.com/office/powerpoint/2010/main" val="3746822500"/>
+        <p14:creationId xmlns:p14="http://schemas.microsoft.com/office/powerpoint/2010/main" xmlns="" val="3746822500"/>
       </p:ext>
     </p:extLst>
   </p:cSld>
@@ -4677,7 +4849,7 @@
             <a:fld id="{25575D4C-CFAA-44FE-8EBB-646305AE4705}" type="datetimeFigureOut">
               <a:rPr lang="ko-KR" altLang="en-US" smtClean="0"/>
               <a:pPr/>
-              <a:t>2014-02-11</a:t>
+              <a:t>2014-02-12</a:t>
             </a:fld>
             <a:endParaRPr lang="ko-KR" altLang="en-US"/>
           </a:p>
@@ -4737,7 +4909,7 @@
     </p:spTree>
     <p:extLst>
       <p:ext uri="{BB962C8B-B14F-4D97-AF65-F5344CB8AC3E}">
-        <p14:creationId xmlns="" xmlns:p14="http://schemas.microsoft.com/office/powerpoint/2010/main" val="362530932"/>
+        <p14:creationId xmlns:p14="http://schemas.microsoft.com/office/powerpoint/2010/main" xmlns="" val="362530932"/>
       </p:ext>
     </p:extLst>
   </p:cSld>
@@ -4812,7 +4984,7 @@
             <a:fld id="{25575D4C-CFAA-44FE-8EBB-646305AE4705}" type="datetimeFigureOut">
               <a:rPr lang="ko-KR" altLang="en-US" smtClean="0"/>
               <a:pPr/>
-              <a:t>2014-02-11</a:t>
+              <a:t>2014-02-12</a:t>
             </a:fld>
             <a:endParaRPr lang="ko-KR" altLang="en-US"/>
           </a:p>
@@ -4872,7 +5044,7 @@
     </p:spTree>
     <p:extLst>
       <p:ext uri="{BB962C8B-B14F-4D97-AF65-F5344CB8AC3E}">
-        <p14:creationId xmlns="" xmlns:p14="http://schemas.microsoft.com/office/powerpoint/2010/main" val="2891360884"/>
+        <p14:creationId xmlns:p14="http://schemas.microsoft.com/office/powerpoint/2010/main" xmlns="" val="2891360884"/>
       </p:ext>
     </p:extLst>
   </p:cSld>
@@ -4931,7 +5103,7 @@
             <a:fld id="{25575D4C-CFAA-44FE-8EBB-646305AE4705}" type="datetimeFigureOut">
               <a:rPr lang="ko-KR" altLang="en-US" smtClean="0"/>
               <a:pPr/>
-              <a:t>2014-02-11</a:t>
+              <a:t>2014-02-12</a:t>
             </a:fld>
             <a:endParaRPr lang="ko-KR" altLang="en-US"/>
           </a:p>
@@ -4991,7 +5163,7 @@
     </p:spTree>
     <p:extLst>
       <p:ext uri="{BB962C8B-B14F-4D97-AF65-F5344CB8AC3E}">
-        <p14:creationId xmlns="" xmlns:p14="http://schemas.microsoft.com/office/powerpoint/2010/main" val="3432399595"/>
+        <p14:creationId xmlns:p14="http://schemas.microsoft.com/office/powerpoint/2010/main" xmlns="" val="3432399595"/>
       </p:ext>
     </p:extLst>
   </p:cSld>
@@ -5225,7 +5397,7 @@
             <a:fld id="{25575D4C-CFAA-44FE-8EBB-646305AE4705}" type="datetimeFigureOut">
               <a:rPr lang="ko-KR" altLang="en-US" smtClean="0"/>
               <a:pPr/>
-              <a:t>2014-02-11</a:t>
+              <a:t>2014-02-12</a:t>
             </a:fld>
             <a:endParaRPr lang="ko-KR" altLang="en-US"/>
           </a:p>
@@ -5285,7 +5457,7 @@
     </p:spTree>
     <p:extLst>
       <p:ext uri="{BB962C8B-B14F-4D97-AF65-F5344CB8AC3E}">
-        <p14:creationId xmlns="" xmlns:p14="http://schemas.microsoft.com/office/powerpoint/2010/main" val="4293005441"/>
+        <p14:creationId xmlns:p14="http://schemas.microsoft.com/office/powerpoint/2010/main" xmlns="" val="4293005441"/>
       </p:ext>
     </p:extLst>
   </p:cSld>
@@ -5499,7 +5671,7 @@
             <a:fld id="{25575D4C-CFAA-44FE-8EBB-646305AE4705}" type="datetimeFigureOut">
               <a:rPr lang="ko-KR" altLang="en-US" smtClean="0"/>
               <a:pPr/>
-              <a:t>2014-02-11</a:t>
+              <a:t>2014-02-12</a:t>
             </a:fld>
             <a:endParaRPr lang="ko-KR" altLang="en-US"/>
           </a:p>
@@ -5559,7 +5731,7 @@
     </p:spTree>
     <p:extLst>
       <p:ext uri="{BB962C8B-B14F-4D97-AF65-F5344CB8AC3E}">
-        <p14:creationId xmlns="" xmlns:p14="http://schemas.microsoft.com/office/powerpoint/2010/main" val="2906465712"/>
+        <p14:creationId xmlns:p14="http://schemas.microsoft.com/office/powerpoint/2010/main" xmlns="" val="2906465712"/>
       </p:ext>
     </p:extLst>
   </p:cSld>
@@ -5626,14 +5798,14 @@
           <a:effectLst/>
           <a:extLst>
             <a:ext uri="{909E8E84-426E-40DD-AFC4-6F175D3DCCD1}">
-              <a14:hiddenFill xmlns="" xmlns:a14="http://schemas.microsoft.com/office/drawing/2010/main">
+              <a14:hiddenFill xmlns:a14="http://schemas.microsoft.com/office/drawing/2010/main" xmlns="">
                 <a:solidFill>
                   <a:schemeClr val="accent1"/>
                 </a:solidFill>
               </a14:hiddenFill>
             </a:ext>
             <a:ext uri="{91240B29-F687-4F45-9708-019B960494DF}">
-              <a14:hiddenLine xmlns="" xmlns:a14="http://schemas.microsoft.com/office/drawing/2010/main" w="9525">
+              <a14:hiddenLine xmlns:a14="http://schemas.microsoft.com/office/drawing/2010/main" xmlns="" w="9525">
                 <a:solidFill>
                   <a:schemeClr val="tx1"/>
                 </a:solidFill>
@@ -5643,7 +5815,7 @@
               </a14:hiddenLine>
             </a:ext>
             <a:ext uri="{AF507438-7753-43E0-B8FC-AC1667EBCBE1}">
-              <a14:hiddenEffects xmlns="" xmlns:a14="http://schemas.microsoft.com/office/drawing/2010/main">
+              <a14:hiddenEffects xmlns:a14="http://schemas.microsoft.com/office/drawing/2010/main" xmlns="">
                 <a:effectLst>
                   <a:outerShdw dist="35921" dir="2700000" algn="ctr" rotWithShape="0">
                     <a:schemeClr val="bg2"/>
@@ -5695,14 +5867,14 @@
           <a:effectLst/>
           <a:extLst>
             <a:ext uri="{909E8E84-426E-40DD-AFC4-6F175D3DCCD1}">
-              <a14:hiddenFill xmlns="" xmlns:a14="http://schemas.microsoft.com/office/drawing/2010/main">
+              <a14:hiddenFill xmlns:a14="http://schemas.microsoft.com/office/drawing/2010/main" xmlns="">
                 <a:solidFill>
                   <a:schemeClr val="accent1"/>
                 </a:solidFill>
               </a14:hiddenFill>
             </a:ext>
             <a:ext uri="{91240B29-F687-4F45-9708-019B960494DF}">
-              <a14:hiddenLine xmlns="" xmlns:a14="http://schemas.microsoft.com/office/drawing/2010/main" w="9525">
+              <a14:hiddenLine xmlns:a14="http://schemas.microsoft.com/office/drawing/2010/main" xmlns="" w="9525">
                 <a:solidFill>
                   <a:schemeClr val="tx1"/>
                 </a:solidFill>
@@ -5712,7 +5884,7 @@
               </a14:hiddenLine>
             </a:ext>
             <a:ext uri="{AF507438-7753-43E0-B8FC-AC1667EBCBE1}">
-              <a14:hiddenEffects xmlns="" xmlns:a14="http://schemas.microsoft.com/office/drawing/2010/main">
+              <a14:hiddenEffects xmlns:a14="http://schemas.microsoft.com/office/drawing/2010/main" xmlns="">
                 <a:effectLst>
                   <a:outerShdw dist="35921" dir="2700000" algn="ctr" rotWithShape="0">
                     <a:schemeClr val="bg2"/>
@@ -5792,14 +5964,14 @@
           <a:effectLst/>
           <a:extLst>
             <a:ext uri="{909E8E84-426E-40DD-AFC4-6F175D3DCCD1}">
-              <a14:hiddenFill xmlns="" xmlns:a14="http://schemas.microsoft.com/office/drawing/2010/main">
+              <a14:hiddenFill xmlns:a14="http://schemas.microsoft.com/office/drawing/2010/main" xmlns="">
                 <a:solidFill>
                   <a:schemeClr val="accent1"/>
                 </a:solidFill>
               </a14:hiddenFill>
             </a:ext>
             <a:ext uri="{91240B29-F687-4F45-9708-019B960494DF}">
-              <a14:hiddenLine xmlns="" xmlns:a14="http://schemas.microsoft.com/office/drawing/2010/main" w="9525">
+              <a14:hiddenLine xmlns:a14="http://schemas.microsoft.com/office/drawing/2010/main" xmlns="" w="9525">
                 <a:solidFill>
                   <a:schemeClr val="tx1"/>
                 </a:solidFill>
@@ -5809,7 +5981,7 @@
               </a14:hiddenLine>
             </a:ext>
             <a:ext uri="{AF507438-7753-43E0-B8FC-AC1667EBCBE1}">
-              <a14:hiddenEffects xmlns="" xmlns:a14="http://schemas.microsoft.com/office/drawing/2010/main">
+              <a14:hiddenEffects xmlns:a14="http://schemas.microsoft.com/office/drawing/2010/main" xmlns="">
                 <a:effectLst>
                   <a:outerShdw dist="35921" dir="2700000" algn="ctr" rotWithShape="0">
                     <a:schemeClr val="bg2"/>
@@ -5840,7 +6012,7 @@
             <a:fld id="{25575D4C-CFAA-44FE-8EBB-646305AE4705}" type="datetimeFigureOut">
               <a:rPr lang="ko-KR" altLang="en-US" smtClean="0"/>
               <a:pPr/>
-              <a:t>2014-02-11</a:t>
+              <a:t>2014-02-12</a:t>
             </a:fld>
             <a:endParaRPr lang="ko-KR" altLang="en-US"/>
           </a:p>
@@ -5871,14 +6043,14 @@
           <a:effectLst/>
           <a:extLst>
             <a:ext uri="{909E8E84-426E-40DD-AFC4-6F175D3DCCD1}">
-              <a14:hiddenFill xmlns="" xmlns:a14="http://schemas.microsoft.com/office/drawing/2010/main">
+              <a14:hiddenFill xmlns:a14="http://schemas.microsoft.com/office/drawing/2010/main" xmlns="">
                 <a:solidFill>
                   <a:schemeClr val="accent1"/>
                 </a:solidFill>
               </a14:hiddenFill>
             </a:ext>
             <a:ext uri="{91240B29-F687-4F45-9708-019B960494DF}">
-              <a14:hiddenLine xmlns="" xmlns:a14="http://schemas.microsoft.com/office/drawing/2010/main" w="9525">
+              <a14:hiddenLine xmlns:a14="http://schemas.microsoft.com/office/drawing/2010/main" xmlns="" w="9525">
                 <a:solidFill>
                   <a:schemeClr val="tx1"/>
                 </a:solidFill>
@@ -5888,7 +6060,7 @@
               </a14:hiddenLine>
             </a:ext>
             <a:ext uri="{AF507438-7753-43E0-B8FC-AC1667EBCBE1}">
-              <a14:hiddenEffects xmlns="" xmlns:a14="http://schemas.microsoft.com/office/drawing/2010/main">
+              <a14:hiddenEffects xmlns:a14="http://schemas.microsoft.com/office/drawing/2010/main" xmlns="">
                 <a:effectLst>
                   <a:outerShdw dist="35921" dir="2700000" algn="ctr" rotWithShape="0">
                     <a:schemeClr val="bg2"/>
@@ -5945,14 +6117,14 @@
           <a:effectLst/>
           <a:extLst>
             <a:ext uri="{909E8E84-426E-40DD-AFC4-6F175D3DCCD1}">
-              <a14:hiddenFill xmlns="" xmlns:a14="http://schemas.microsoft.com/office/drawing/2010/main">
+              <a14:hiddenFill xmlns:a14="http://schemas.microsoft.com/office/drawing/2010/main" xmlns="">
                 <a:solidFill>
                   <a:schemeClr val="accent1"/>
                 </a:solidFill>
               </a14:hiddenFill>
             </a:ext>
             <a:ext uri="{91240B29-F687-4F45-9708-019B960494DF}">
-              <a14:hiddenLine xmlns="" xmlns:a14="http://schemas.microsoft.com/office/drawing/2010/main" w="9525">
+              <a14:hiddenLine xmlns:a14="http://schemas.microsoft.com/office/drawing/2010/main" xmlns="" w="9525">
                 <a:solidFill>
                   <a:schemeClr val="tx1"/>
                 </a:solidFill>
@@ -5962,7 +6134,7 @@
               </a14:hiddenLine>
             </a:ext>
             <a:ext uri="{AF507438-7753-43E0-B8FC-AC1667EBCBE1}">
-              <a14:hiddenEffects xmlns="" xmlns:a14="http://schemas.microsoft.com/office/drawing/2010/main">
+              <a14:hiddenEffects xmlns:a14="http://schemas.microsoft.com/office/drawing/2010/main" xmlns="">
                 <a:effectLst>
                   <a:outerShdw dist="35921" dir="2700000" algn="ctr" rotWithShape="0">
                     <a:schemeClr val="bg2"/>
@@ -6540,7 +6712,7 @@
           </a:sp3d>
           <a:extLst>
             <a:ext uri="{909E8E84-426E-40DD-AFC4-6F175D3DCCD1}">
-              <a14:hiddenFill xmlns="" xmlns:a14="http://schemas.microsoft.com/office/drawing/2010/main">
+              <a14:hiddenFill xmlns:a14="http://schemas.microsoft.com/office/drawing/2010/main" xmlns="">
                 <a:solidFill>
                   <a:srgbClr val="FFFFFF"/>
                 </a:solidFill>
@@ -6552,7 +6724,7 @@
     </p:spTree>
     <p:extLst>
       <p:ext uri="{BB962C8B-B14F-4D97-AF65-F5344CB8AC3E}">
-        <p14:creationId xmlns="" xmlns:p14="http://schemas.microsoft.com/office/powerpoint/2010/main" val="4221319903"/>
+        <p14:creationId xmlns:p14="http://schemas.microsoft.com/office/powerpoint/2010/main" xmlns="" val="4221319903"/>
       </p:ext>
     </p:extLst>
   </p:cSld>
@@ -6870,7 +7042,7 @@
     </p:spTree>
     <p:extLst>
       <p:ext uri="{BB962C8B-B14F-4D97-AF65-F5344CB8AC3E}">
-        <p14:creationId xmlns="" xmlns:p14="http://schemas.microsoft.com/office/powerpoint/2010/main" val="3426603863"/>
+        <p14:creationId xmlns:p14="http://schemas.microsoft.com/office/powerpoint/2010/main" xmlns="" val="3426603863"/>
       </p:ext>
     </p:extLst>
   </p:cSld>
@@ -7226,7 +7398,7 @@
     </p:spTree>
     <p:extLst>
       <p:ext uri="{BB962C8B-B14F-4D97-AF65-F5344CB8AC3E}">
-        <p14:creationId xmlns="" xmlns:p14="http://schemas.microsoft.com/office/powerpoint/2010/main" val="3426603863"/>
+        <p14:creationId xmlns:p14="http://schemas.microsoft.com/office/powerpoint/2010/main" xmlns="" val="3426603863"/>
       </p:ext>
     </p:extLst>
   </p:cSld>
@@ -7518,7 +7690,7 @@
     </p:spTree>
     <p:extLst>
       <p:ext uri="{BB962C8B-B14F-4D97-AF65-F5344CB8AC3E}">
-        <p14:creationId xmlns="" xmlns:p14="http://schemas.microsoft.com/office/powerpoint/2010/main" val="3426603863"/>
+        <p14:creationId xmlns:p14="http://schemas.microsoft.com/office/powerpoint/2010/main" xmlns="" val="3426603863"/>
       </p:ext>
     </p:extLst>
   </p:cSld>
@@ -8287,7 +8459,7 @@
     </p:spTree>
     <p:extLst>
       <p:ext uri="{BB962C8B-B14F-4D97-AF65-F5344CB8AC3E}">
-        <p14:creationId xmlns="" xmlns:p14="http://schemas.microsoft.com/office/powerpoint/2010/main" val="3426603863"/>
+        <p14:creationId xmlns:p14="http://schemas.microsoft.com/office/powerpoint/2010/main" xmlns="" val="3426603863"/>
       </p:ext>
     </p:extLst>
   </p:cSld>
@@ -9555,7 +9727,7 @@
     </p:spTree>
     <p:extLst>
       <p:ext uri="{BB962C8B-B14F-4D97-AF65-F5344CB8AC3E}">
-        <p14:creationId xmlns="" xmlns:p14="http://schemas.microsoft.com/office/powerpoint/2010/main" val="3426603863"/>
+        <p14:creationId xmlns:p14="http://schemas.microsoft.com/office/powerpoint/2010/main" xmlns="" val="3426603863"/>
       </p:ext>
     </p:extLst>
   </p:cSld>
@@ -10339,7 +10511,7 @@
     </p:spTree>
     <p:extLst>
       <p:ext uri="{BB962C8B-B14F-4D97-AF65-F5344CB8AC3E}">
-        <p14:creationId xmlns="" xmlns:p14="http://schemas.microsoft.com/office/powerpoint/2010/main" val="3426603863"/>
+        <p14:creationId xmlns:p14="http://schemas.microsoft.com/office/powerpoint/2010/main" xmlns="" val="3426603863"/>
       </p:ext>
     </p:extLst>
   </p:cSld>
@@ -10448,11 +10620,7 @@
           <a:p>
             <a:r>
               <a:rPr lang="en-US" altLang="ko-KR" dirty="0" smtClean="0"/>
-              <a:t>	</a:t>
-            </a:r>
-            <a:r>
-              <a:rPr lang="en-US" altLang="ko-KR" dirty="0" smtClean="0"/>
-              <a:t>  : </a:t>
+              <a:t>	  : </a:t>
             </a:r>
             <a:r>
               <a:rPr lang="ko-KR" altLang="en-US" dirty="0" smtClean="0"/>
@@ -10479,11 +10647,7 @@
           <a:p>
             <a:r>
               <a:rPr lang="en-US" altLang="ko-KR" dirty="0" smtClean="0"/>
-              <a:t> </a:t>
-            </a:r>
-            <a:r>
-              <a:rPr lang="en-US" altLang="ko-KR" dirty="0" smtClean="0"/>
-              <a:t>        </a:t>
+              <a:t>         </a:t>
             </a:r>
             <a:r>
               <a:rPr lang="ko-KR" altLang="en-US" dirty="0" err="1" smtClean="0"/>
@@ -10491,11 +10655,7 @@
             </a:r>
             <a:r>
               <a:rPr lang="ko-KR" altLang="en-US" dirty="0" smtClean="0"/>
-              <a:t> </a:t>
-            </a:r>
-            <a:r>
-              <a:rPr lang="ko-KR" altLang="en-US" dirty="0" smtClean="0"/>
-              <a:t>발행함</a:t>
+              <a:t> 발행함</a:t>
             </a:r>
           </a:p>
           <a:p>
@@ -10507,11 +10667,7 @@
           <a:p>
             <a:r>
               <a:rPr lang="en-US" altLang="ko-KR" dirty="0" smtClean="0"/>
-              <a:t>	</a:t>
-            </a:r>
-            <a:r>
-              <a:rPr lang="en-US" altLang="ko-KR" dirty="0" smtClean="0"/>
-              <a:t>  : </a:t>
+              <a:t>	  : </a:t>
             </a:r>
             <a:r>
               <a:rPr lang="ko-KR" altLang="en-US" dirty="0" err="1" smtClean="0"/>
@@ -10555,11 +10711,7 @@
           <a:p>
             <a:r>
               <a:rPr lang="en-US" altLang="ko-KR" dirty="0" smtClean="0"/>
-              <a:t>	</a:t>
-            </a:r>
-            <a:r>
-              <a:rPr lang="en-US" altLang="ko-KR" dirty="0" smtClean="0"/>
-              <a:t>  : </a:t>
+              <a:t>	  : </a:t>
             </a:r>
             <a:r>
               <a:rPr lang="ko-KR" altLang="en-US" dirty="0" err="1" smtClean="0"/>
@@ -10610,7 +10762,7 @@
     </p:spTree>
     <p:extLst>
       <p:ext uri="{BB962C8B-B14F-4D97-AF65-F5344CB8AC3E}">
-        <p14:creationId xmlns="" xmlns:p14="http://schemas.microsoft.com/office/powerpoint/2010/main" val="3426603863"/>
+        <p14:creationId xmlns:p14="http://schemas.microsoft.com/office/powerpoint/2010/main" xmlns="" val="3426603863"/>
       </p:ext>
     </p:extLst>
   </p:cSld>
@@ -10702,7 +10854,7 @@
           <a:p>
             <a:r>
               <a:rPr lang="en-US" altLang="ko-KR" dirty="0" smtClean="0"/>
-              <a:t>(1) </a:t>
+              <a:t>(2) </a:t>
             </a:r>
             <a:r>
               <a:rPr lang="ko-KR" altLang="en-US" dirty="0" smtClean="0"/>
@@ -10729,7 +10881,7 @@
         </p:nvGraphicFramePr>
         <p:xfrm>
           <a:off x="179512" y="1196752"/>
-          <a:ext cx="8784978" cy="3830955"/>
+          <a:ext cx="8784978" cy="3495675"/>
         </p:xfrm>
         <a:graphic>
           <a:graphicData uri="http://schemas.openxmlformats.org/drawingml/2006/table">
@@ -12409,7 +12561,7 @@
                         <a:t>병합한 </a:t>
                       </a:r>
                       <a:r>
-                        <a:rPr lang="ko-KR" altLang="en-US" sz="1100" b="0" i="0" u="none" strike="noStrike" dirty="0" err="1">
+                        <a:rPr lang="ko-KR" altLang="en-US" sz="1100" b="0" i="0" u="none" strike="noStrike" dirty="0" err="1" smtClean="0">
                           <a:solidFill>
                             <a:srgbClr val="000000"/>
                           </a:solidFill>
@@ -12419,27 +12571,6 @@
                         <a:t>커밋을</a:t>
                       </a:r>
                       <a:r>
-                        <a:rPr lang="ko-KR" altLang="en-US" sz="1100" b="0" i="0" u="none" strike="noStrike" dirty="0">
-                          <a:solidFill>
-                            <a:srgbClr val="000000"/>
-                          </a:solidFill>
-                          <a:latin typeface="Verdana" pitchFamily="34" charset="0"/>
-                          <a:cs typeface="Verdana" pitchFamily="34" charset="0"/>
-                        </a:rPr>
-                        <a:t> </a:t>
-                      </a:r>
-                      <a:endParaRPr lang="en-US" altLang="ko-KR" sz="1100" b="0" i="0" u="none" strike="noStrike" dirty="0" smtClean="0">
-                        <a:solidFill>
-                          <a:srgbClr val="000000"/>
-                        </a:solidFill>
-                        <a:latin typeface="Verdana" pitchFamily="34" charset="0"/>
-                        <a:ea typeface="Verdana" pitchFamily="34" charset="0"/>
-                        <a:cs typeface="Verdana" pitchFamily="34" charset="0"/>
-                      </a:endParaRPr>
-                    </a:p>
-                    <a:p>
-                      <a:pPr algn="ctr" fontAlgn="ctr"/>
-                      <a:r>
                         <a:rPr lang="ko-KR" altLang="en-US" sz="1100" b="0" i="0" u="none" strike="noStrike" dirty="0" smtClean="0">
                           <a:solidFill>
                             <a:srgbClr val="000000"/>
@@ -12447,7 +12578,7 @@
                           <a:latin typeface="Verdana" pitchFamily="34" charset="0"/>
                           <a:cs typeface="Verdana" pitchFamily="34" charset="0"/>
                         </a:rPr>
-                        <a:t>취소</a:t>
+                        <a:t> 취소</a:t>
                       </a:r>
                       <a:endParaRPr lang="ko-KR" altLang="en-US" sz="1100" b="0" i="0" u="none" strike="noStrike" dirty="0">
                         <a:solidFill>
@@ -13132,7 +13263,7 @@
                     <a:p>
                       <a:pPr algn="ctr" fontAlgn="ctr"/>
                       <a:r>
-                        <a:rPr lang="en-US" altLang="ko-KR" sz="1100" b="0" i="0" u="none" strike="noStrike">
+                        <a:rPr lang="en-US" altLang="ko-KR" sz="1100" b="0" i="0" u="none" strike="noStrike" dirty="0" smtClean="0">
                           <a:solidFill>
                             <a:srgbClr val="000000"/>
                           </a:solidFill>
@@ -13142,67 +13273,14 @@
                         </a:rPr>
                         <a:t>untracked</a:t>
                       </a:r>
-                      <a:br>
-                        <a:rPr lang="en-US" altLang="ko-KR" sz="1100" b="0" i="0" u="none" strike="noStrike">
-                          <a:solidFill>
-                            <a:srgbClr val="000000"/>
-                          </a:solidFill>
-                          <a:latin typeface="Verdana" pitchFamily="34" charset="0"/>
-                          <a:ea typeface="Verdana" pitchFamily="34" charset="0"/>
-                          <a:cs typeface="Verdana" pitchFamily="34" charset="0"/>
-                        </a:rPr>
-                      </a:br>
-                      <a:r>
-                        <a:rPr lang="ko-KR" altLang="en-US" sz="1100" b="0" i="0" u="none" strike="noStrike">
-                          <a:solidFill>
-                            <a:srgbClr val="000000"/>
-                          </a:solidFill>
-                          <a:latin typeface="Verdana" pitchFamily="34" charset="0"/>
-                          <a:cs typeface="Verdana" pitchFamily="34" charset="0"/>
-                        </a:rPr>
-                        <a:t>파일제거</a:t>
-                      </a:r>
-                      <a:br>
-                        <a:rPr lang="ko-KR" altLang="en-US" sz="1100" b="0" i="0" u="none" strike="noStrike">
-                          <a:solidFill>
-                            <a:srgbClr val="000000"/>
-                          </a:solidFill>
-                          <a:latin typeface="Verdana" pitchFamily="34" charset="0"/>
-                          <a:cs typeface="Verdana" pitchFamily="34" charset="0"/>
-                        </a:rPr>
-                      </a:br>
-                      <a:r>
-                        <a:rPr lang="en-US" altLang="ko-KR" sz="1100" b="0" i="0" u="none" strike="noStrike">
-                          <a:solidFill>
-                            <a:srgbClr val="000000"/>
-                          </a:solidFill>
-                          <a:latin typeface="Verdana" pitchFamily="34" charset="0"/>
-                          <a:ea typeface="Verdana" pitchFamily="34" charset="0"/>
-                          <a:cs typeface="Verdana" pitchFamily="34" charset="0"/>
-                        </a:rPr>
-                        <a:t>(</a:t>
-                      </a:r>
-                      <a:r>
-                        <a:rPr lang="ko-KR" altLang="en-US" sz="1100" b="0" i="0" u="none" strike="noStrike">
-                          <a:solidFill>
-                            <a:srgbClr val="000000"/>
-                          </a:solidFill>
-                          <a:latin typeface="Verdana" pitchFamily="34" charset="0"/>
-                          <a:cs typeface="Verdana" pitchFamily="34" charset="0"/>
-                        </a:rPr>
-                        <a:t>디렉토리포함</a:t>
-                      </a:r>
-                      <a:r>
-                        <a:rPr lang="en-US" altLang="ko-KR" sz="1100" b="0" i="0" u="none" strike="noStrike">
-                          <a:solidFill>
-                            <a:srgbClr val="000000"/>
-                          </a:solidFill>
-                          <a:latin typeface="Verdana" pitchFamily="34" charset="0"/>
-                          <a:ea typeface="Verdana" pitchFamily="34" charset="0"/>
-                          <a:cs typeface="Verdana" pitchFamily="34" charset="0"/>
-                        </a:rPr>
-                        <a:t>)</a:t>
-                      </a:r>
+                      <a:endParaRPr lang="en-US" altLang="ko-KR" sz="1100" b="0" i="0" u="none" strike="noStrike" dirty="0">
+                        <a:solidFill>
+                          <a:srgbClr val="000000"/>
+                        </a:solidFill>
+                        <a:latin typeface="Verdana" pitchFamily="34" charset="0"/>
+                        <a:ea typeface="Verdana" pitchFamily="34" charset="0"/>
+                        <a:cs typeface="Verdana" pitchFamily="34" charset="0"/>
+                      </a:endParaRPr>
                     </a:p>
                   </a:txBody>
                   <a:tcPr marL="9525" marR="9525" marT="9525" marB="0" anchor="ctr"/>
@@ -13214,7 +13292,7 @@
                     <a:p>
                       <a:pPr algn="ctr" fontAlgn="ctr"/>
                       <a:r>
-                        <a:rPr lang="ko-KR" altLang="en-US" sz="1100" b="0" i="0" u="none" strike="noStrike">
+                        <a:rPr lang="ko-KR" altLang="en-US" sz="1100" b="0" i="0" u="none" strike="noStrike" dirty="0">
                           <a:solidFill>
                             <a:srgbClr val="000000"/>
                           </a:solidFill>
@@ -13254,15 +13332,86 @@
                     <a:p>
                       <a:pPr algn="l" fontAlgn="ctr"/>
                       <a:r>
-                        <a:rPr lang="ko-KR" altLang="en-US" sz="1100" b="0" i="0" u="none" strike="noStrike" dirty="0">
+                        <a:rPr lang="en-US" altLang="ko-KR" sz="1100" b="0" i="0" u="none" strike="noStrike" dirty="0" smtClean="0">
+                          <a:solidFill>
+                            <a:srgbClr val="000000"/>
+                          </a:solidFill>
+                          <a:latin typeface="Verdana" pitchFamily="34" charset="0"/>
+                          <a:ea typeface="Verdana" pitchFamily="34" charset="0"/>
+                          <a:cs typeface="Verdana" pitchFamily="34" charset="0"/>
+                        </a:rPr>
+                        <a:t>Untracked</a:t>
+                      </a:r>
+                      <a:r>
+                        <a:rPr lang="ko-KR" altLang="en-US" sz="1100" b="0" i="0" u="none" strike="noStrike" dirty="0" smtClean="0">
+                          <a:solidFill>
+                            <a:srgbClr val="000000"/>
+                          </a:solidFill>
+                          <a:latin typeface="Verdana" pitchFamily="34" charset="0"/>
+                          <a:ea typeface="Verdana" pitchFamily="34" charset="0"/>
+                          <a:cs typeface="Verdana" pitchFamily="34" charset="0"/>
+                        </a:rPr>
+                        <a:t>인</a:t>
+                      </a:r>
+                      <a:r>
+                        <a:rPr lang="en-US" altLang="ko-KR" sz="1100" b="0" i="0" u="none" strike="noStrike" dirty="0" smtClean="0">
+                          <a:solidFill>
+                            <a:srgbClr val="000000"/>
+                          </a:solidFill>
+                          <a:latin typeface="Verdana" pitchFamily="34" charset="0"/>
+                          <a:ea typeface="Verdana" pitchFamily="34" charset="0"/>
+                          <a:cs typeface="Verdana" pitchFamily="34" charset="0"/>
+                        </a:rPr>
+                        <a:t> </a:t>
+                      </a:r>
+                      <a:r>
+                        <a:rPr lang="ko-KR" altLang="en-US" sz="1100" b="0" i="0" u="none" strike="noStrike" dirty="0" smtClean="0">
                           <a:solidFill>
                             <a:srgbClr val="000000"/>
                           </a:solidFill>
                           <a:latin typeface="Verdana" pitchFamily="34" charset="0"/>
                           <a:cs typeface="Verdana" pitchFamily="34" charset="0"/>
                         </a:rPr>
-                        <a:t>　</a:t>
+                        <a:t>파일제거</a:t>
                       </a:r>
+                      <a:r>
+                        <a:rPr lang="en-US" altLang="ko-KR" sz="1100" b="0" i="0" u="none" strike="noStrike" dirty="0" smtClean="0">
+                          <a:solidFill>
+                            <a:srgbClr val="000000"/>
+                          </a:solidFill>
+                          <a:latin typeface="Verdana" pitchFamily="34" charset="0"/>
+                          <a:ea typeface="Verdana" pitchFamily="34" charset="0"/>
+                          <a:cs typeface="Verdana" pitchFamily="34" charset="0"/>
+                        </a:rPr>
+                        <a:t>(</a:t>
+                      </a:r>
+                      <a:r>
+                        <a:rPr lang="ko-KR" altLang="en-US" sz="1100" b="0" i="0" u="none" strike="noStrike" dirty="0" err="1" smtClean="0">
+                          <a:solidFill>
+                            <a:srgbClr val="000000"/>
+                          </a:solidFill>
+                          <a:latin typeface="Verdana" pitchFamily="34" charset="0"/>
+                          <a:cs typeface="Verdana" pitchFamily="34" charset="0"/>
+                        </a:rPr>
+                        <a:t>디렉토리포함</a:t>
+                      </a:r>
+                      <a:r>
+                        <a:rPr lang="en-US" altLang="ko-KR" sz="1100" b="0" i="0" u="none" strike="noStrike" dirty="0" smtClean="0">
+                          <a:solidFill>
+                            <a:srgbClr val="000000"/>
+                          </a:solidFill>
+                          <a:latin typeface="Verdana" pitchFamily="34" charset="0"/>
+                          <a:cs typeface="Verdana" pitchFamily="34" charset="0"/>
+                        </a:rPr>
+                        <a:t>)</a:t>
+                      </a:r>
+                      <a:endParaRPr lang="ko-KR" altLang="en-US" sz="1100" b="0" i="0" u="none" strike="noStrike" dirty="0">
+                        <a:solidFill>
+                          <a:srgbClr val="000000"/>
+                        </a:solidFill>
+                        <a:latin typeface="Verdana" pitchFamily="34" charset="0"/>
+                        <a:cs typeface="Verdana" pitchFamily="34" charset="0"/>
+                      </a:endParaRPr>
                     </a:p>
                   </a:txBody>
                   <a:tcPr marL="9525" marR="9525" marT="9525" marB="0" anchor="ctr"/>
@@ -13275,7 +13424,7 @@
     </p:spTree>
     <p:extLst>
       <p:ext uri="{BB962C8B-B14F-4D97-AF65-F5344CB8AC3E}">
-        <p14:creationId xmlns="" xmlns:p14="http://schemas.microsoft.com/office/powerpoint/2010/main" val="3426603863"/>
+        <p14:creationId xmlns:p14="http://schemas.microsoft.com/office/powerpoint/2010/main" xmlns="" val="3426603863"/>
       </p:ext>
     </p:extLst>
   </p:cSld>
@@ -13367,7 +13516,7 @@
           <a:p>
             <a:r>
               <a:rPr lang="en-US" altLang="ko-KR" dirty="0" smtClean="0"/>
-              <a:t>(2) reset</a:t>
+              <a:t>(3) reset</a:t>
             </a:r>
             <a:r>
               <a:rPr lang="ko-KR" altLang="en-US" dirty="0" smtClean="0"/>
@@ -13396,7 +13545,7 @@
           <a:p>
             <a:r>
               <a:rPr lang="en-US" altLang="ko-KR" dirty="0" smtClean="0"/>
-              <a:t>(3) reset</a:t>
+              <a:t>(4) reset</a:t>
             </a:r>
             <a:r>
               <a:rPr lang="ko-KR" altLang="en-US" dirty="0" smtClean="0"/>
@@ -13813,7 +13962,7 @@
     </p:spTree>
     <p:extLst>
       <p:ext uri="{BB962C8B-B14F-4D97-AF65-F5344CB8AC3E}">
-        <p14:creationId xmlns="" xmlns:p14="http://schemas.microsoft.com/office/powerpoint/2010/main" val="3426603863"/>
+        <p14:creationId xmlns:p14="http://schemas.microsoft.com/office/powerpoint/2010/main" xmlns="" val="3426603863"/>
       </p:ext>
     </p:extLst>
   </p:cSld>
@@ -14475,7 +14624,7 @@
     </p:spTree>
     <p:extLst>
       <p:ext uri="{BB962C8B-B14F-4D97-AF65-F5344CB8AC3E}">
-        <p14:creationId xmlns="" xmlns:p14="http://schemas.microsoft.com/office/powerpoint/2010/main" val="3426603863"/>
+        <p14:creationId xmlns:p14="http://schemas.microsoft.com/office/powerpoint/2010/main" xmlns="" val="3426603863"/>
       </p:ext>
     </p:extLst>
   </p:cSld>
@@ -14598,7 +14747,7 @@
     </p:spTree>
     <p:extLst>
       <p:ext uri="{BB962C8B-B14F-4D97-AF65-F5344CB8AC3E}">
-        <p14:creationId xmlns="" xmlns:p14="http://schemas.microsoft.com/office/powerpoint/2010/main" val="3349492334"/>
+        <p14:creationId xmlns:p14="http://schemas.microsoft.com/office/powerpoint/2010/main" xmlns="" val="3349492334"/>
       </p:ext>
     </p:extLst>
   </p:cSld>
@@ -15350,7 +15499,7 @@
     </p:spTree>
     <p:extLst>
       <p:ext uri="{BB962C8B-B14F-4D97-AF65-F5344CB8AC3E}">
-        <p14:creationId xmlns="" xmlns:p14="http://schemas.microsoft.com/office/powerpoint/2010/main" val="3426603863"/>
+        <p14:creationId xmlns:p14="http://schemas.microsoft.com/office/powerpoint/2010/main" xmlns="" val="3426603863"/>
       </p:ext>
     </p:extLst>
   </p:cSld>
@@ -15568,7 +15717,7 @@
     </p:spTree>
     <p:extLst>
       <p:ext uri="{BB962C8B-B14F-4D97-AF65-F5344CB8AC3E}">
-        <p14:creationId xmlns="" xmlns:p14="http://schemas.microsoft.com/office/powerpoint/2010/main" val="3426603863"/>
+        <p14:creationId xmlns:p14="http://schemas.microsoft.com/office/powerpoint/2010/main" xmlns="" val="3426603863"/>
       </p:ext>
     </p:extLst>
   </p:cSld>
@@ -16460,7 +16609,7 @@
     </p:spTree>
     <p:extLst>
       <p:ext uri="{BB962C8B-B14F-4D97-AF65-F5344CB8AC3E}">
-        <p14:creationId xmlns="" xmlns:p14="http://schemas.microsoft.com/office/powerpoint/2010/main" val="3426603863"/>
+        <p14:creationId xmlns:p14="http://schemas.microsoft.com/office/powerpoint/2010/main" xmlns="" val="3426603863"/>
       </p:ext>
     </p:extLst>
   </p:cSld>
@@ -16640,11 +16789,17 @@
             <a:endParaRPr lang="en-US" altLang="ko-KR" dirty="0" smtClean="0"/>
           </a:p>
           <a:p>
+            <a:endParaRPr lang="en-US" altLang="ko-KR" dirty="0" smtClean="0"/>
+          </a:p>
+          <a:p>
+            <a:r>
+              <a:rPr lang="en-US" altLang="ko-KR" dirty="0" smtClean="0"/>
+              <a:t>(3) Remote Server </a:t>
+            </a:r>
             <a:r>
               <a:rPr lang="en-US" altLang="ko-KR" dirty="0" smtClean="0"/>
               <a:t>	</a:t>
             </a:r>
-            <a:endParaRPr lang="en-US" altLang="ko-KR" dirty="0" smtClean="0"/>
           </a:p>
           <a:p>
             <a:r>
@@ -16663,6 +16818,22 @@
               </a:rPr>
               <a:t>github.com</a:t>
             </a:r>
+            <a:endParaRPr lang="en-US" altLang="ko-KR" dirty="0" smtClean="0"/>
+          </a:p>
+          <a:p>
+            <a:r>
+              <a:rPr lang="en-US" altLang="ko-KR" dirty="0" smtClean="0"/>
+              <a:t>	</a:t>
+            </a:r>
+            <a:r>
+              <a:rPr lang="en-US" altLang="ko-KR" dirty="0" smtClean="0">
+                <a:hlinkClick r:id="rId4"/>
+              </a:rPr>
+              <a:t>https://www.gitlab.com</a:t>
+            </a:r>
+            <a:endParaRPr lang="en-US" altLang="ko-KR" dirty="0" smtClean="0"/>
+          </a:p>
+          <a:p>
             <a:endParaRPr lang="en-US" altLang="ko-KR" dirty="0" smtClean="0"/>
           </a:p>
           <a:p>
@@ -16673,7 +16844,1201 @@
     </p:spTree>
     <p:extLst>
       <p:ext uri="{BB962C8B-B14F-4D97-AF65-F5344CB8AC3E}">
-        <p14:creationId xmlns="" xmlns:p14="http://schemas.microsoft.com/office/powerpoint/2010/main" val="3426603863"/>
+        <p14:creationId xmlns:p14="http://schemas.microsoft.com/office/powerpoint/2010/main" xmlns="" val="3426603863"/>
+      </p:ext>
+    </p:extLst>
+  </p:cSld>
+  <p:clrMapOvr>
+    <a:masterClrMapping/>
+  </p:clrMapOvr>
+  <p:transition spd="med">
+    <p:fade thruBlk="1"/>
+  </p:transition>
+  <p:timing>
+    <p:tnLst>
+      <p:par>
+        <p:cTn id="1" dur="indefinite" restart="never" nodeType="tmRoot"/>
+      </p:par>
+    </p:tnLst>
+  </p:timing>
+</p:sld>
+</file>
+
+<file path=ppt/slides/slide24.xml><?xml version="1.0" encoding="utf-8"?>
+<p:sld xmlns:a="http://schemas.openxmlformats.org/drawingml/2006/main" xmlns:r="http://schemas.openxmlformats.org/officeDocument/2006/relationships" xmlns:p="http://schemas.openxmlformats.org/presentationml/2006/main">
+  <p:cSld>
+    <p:spTree>
+      <p:nvGrpSpPr>
+        <p:cNvPr id="1" name=""/>
+        <p:cNvGrpSpPr/>
+        <p:nvPr/>
+      </p:nvGrpSpPr>
+      <p:grpSpPr>
+        <a:xfrm>
+          <a:off x="0" y="0"/>
+          <a:ext cx="0" cy="0"/>
+          <a:chOff x="0" y="0"/>
+          <a:chExt cx="0" cy="0"/>
+        </a:xfrm>
+      </p:grpSpPr>
+      <p:sp>
+        <p:nvSpPr>
+          <p:cNvPr id="2" name="제목 1"/>
+          <p:cNvSpPr>
+            <a:spLocks noGrp="1"/>
+          </p:cNvSpPr>
+          <p:nvPr>
+            <p:ph type="title"/>
+          </p:nvPr>
+        </p:nvSpPr>
+        <p:spPr/>
+        <p:txBody>
+          <a:bodyPr/>
+          <a:lstStyle/>
+          <a:p>
+            <a:r>
+              <a:rPr lang="en-US" altLang="ko-KR" dirty="0" smtClean="0">
+                <a:latin typeface="휴먼둥근헤드라인" pitchFamily="18" charset="-127"/>
+                <a:ea typeface="휴먼둥근헤드라인" pitchFamily="18" charset="-127"/>
+              </a:rPr>
+              <a:t>10.</a:t>
+            </a:r>
+            <a:r>
+              <a:rPr lang="ko-KR" altLang="en-US" dirty="0" smtClean="0">
+                <a:latin typeface="휴먼둥근헤드라인" pitchFamily="18" charset="-127"/>
+                <a:ea typeface="휴먼둥근헤드라인" pitchFamily="18" charset="-127"/>
+              </a:rPr>
+              <a:t>협업의 참여</a:t>
+            </a:r>
+            <a:endParaRPr lang="ko-KR" altLang="en-US" dirty="0"/>
+          </a:p>
+        </p:txBody>
+      </p:sp>
+      <p:sp>
+        <p:nvSpPr>
+          <p:cNvPr id="7" name="내용 개체 틀 6"/>
+          <p:cNvSpPr>
+            <a:spLocks noGrp="1"/>
+          </p:cNvSpPr>
+          <p:nvPr>
+            <p:ph idx="1"/>
+          </p:nvPr>
+        </p:nvSpPr>
+        <p:spPr>
+          <a:xfrm>
+            <a:off x="0" y="790878"/>
+            <a:ext cx="9144000" cy="5691336"/>
+          </a:xfrm>
+        </p:spPr>
+        <p:txBody>
+          <a:bodyPr/>
+          <a:lstStyle/>
+          <a:p>
+            <a:r>
+              <a:rPr lang="en-US" altLang="ko-KR" dirty="0" smtClean="0"/>
+              <a:t>(4) </a:t>
+            </a:r>
+            <a:r>
+              <a:rPr lang="en-US" altLang="ko-KR" dirty="0" err="1" smtClean="0"/>
+              <a:t>Github</a:t>
+            </a:r>
+            <a:r>
+              <a:rPr lang="en-US" altLang="ko-KR" dirty="0" smtClean="0"/>
+              <a:t> </a:t>
+            </a:r>
+            <a:r>
+              <a:rPr lang="ko-KR" altLang="en-US" dirty="0" smtClean="0"/>
+              <a:t>설정</a:t>
+            </a:r>
+            <a:endParaRPr lang="en-US" altLang="ko-KR" dirty="0" smtClean="0"/>
+          </a:p>
+          <a:p>
+            <a:r>
+              <a:rPr lang="en-US" altLang="ko-KR" dirty="0" smtClean="0"/>
+              <a:t>	- </a:t>
+            </a:r>
+            <a:r>
+              <a:rPr lang="en-US" altLang="ko-KR" dirty="0" err="1" smtClean="0"/>
+              <a:t>github</a:t>
+            </a:r>
+            <a:r>
+              <a:rPr lang="en-US" altLang="ko-KR" dirty="0" smtClean="0"/>
+              <a:t> id </a:t>
+            </a:r>
+            <a:r>
+              <a:rPr lang="ko-KR" altLang="en-US" dirty="0" smtClean="0"/>
+              <a:t>생성</a:t>
+            </a:r>
+            <a:endParaRPr lang="en-US" altLang="ko-KR" dirty="0" smtClean="0"/>
+          </a:p>
+          <a:p>
+            <a:r>
+              <a:rPr lang="en-US" altLang="ko-KR" dirty="0" smtClean="0"/>
+              <a:t>	- SSH keys </a:t>
+            </a:r>
+            <a:r>
+              <a:rPr lang="ko-KR" altLang="en-US" dirty="0" smtClean="0"/>
+              <a:t>생성</a:t>
+            </a:r>
+            <a:endParaRPr lang="en-US" altLang="ko-KR" dirty="0" smtClean="0"/>
+          </a:p>
+          <a:p>
+            <a:endParaRPr lang="en-US" altLang="ko-KR" dirty="0" smtClean="0"/>
+          </a:p>
+          <a:p>
+            <a:endParaRPr lang="en-US" altLang="ko-KR" dirty="0" smtClean="0"/>
+          </a:p>
+          <a:p>
+            <a:r>
+              <a:rPr lang="en-US" altLang="ko-KR" dirty="0" smtClean="0"/>
+              <a:t>	- id_rsa.pub</a:t>
+            </a:r>
+            <a:r>
+              <a:rPr lang="ko-KR" altLang="en-US" dirty="0" smtClean="0"/>
+              <a:t>의 공개키를 </a:t>
+            </a:r>
+            <a:r>
+              <a:rPr lang="en-US" altLang="ko-KR" dirty="0" err="1" smtClean="0"/>
+              <a:t>github</a:t>
+            </a:r>
+            <a:r>
+              <a:rPr lang="ko-KR" altLang="en-US" dirty="0" smtClean="0"/>
+              <a:t>에 등록</a:t>
+            </a:r>
+            <a:endParaRPr lang="en-US" altLang="ko-KR" dirty="0" smtClean="0"/>
+          </a:p>
+          <a:p>
+            <a:endParaRPr lang="en-US" altLang="ko-KR" dirty="0" smtClean="0"/>
+          </a:p>
+          <a:p>
+            <a:r>
+              <a:rPr lang="en-US" altLang="ko-KR" dirty="0" smtClean="0"/>
+              <a:t>(5) </a:t>
+            </a:r>
+            <a:r>
+              <a:rPr lang="en-US" altLang="ko-KR" dirty="0" err="1" smtClean="0"/>
+              <a:t>Github</a:t>
+            </a:r>
+            <a:r>
+              <a:rPr lang="en-US" altLang="ko-KR" dirty="0" smtClean="0"/>
+              <a:t> new repository </a:t>
+            </a:r>
+            <a:r>
+              <a:rPr lang="ko-KR" altLang="en-US" dirty="0" smtClean="0"/>
+              <a:t>생성</a:t>
+            </a:r>
+            <a:endParaRPr lang="en-US" altLang="ko-KR" dirty="0" smtClean="0"/>
+          </a:p>
+          <a:p>
+            <a:r>
+              <a:rPr lang="en-US" altLang="ko-KR" dirty="0" smtClean="0"/>
+              <a:t>	- Repository name </a:t>
+            </a:r>
+            <a:r>
+              <a:rPr lang="ko-KR" altLang="en-US" dirty="0" smtClean="0"/>
+              <a:t>입력</a:t>
+            </a:r>
+            <a:endParaRPr lang="en-US" altLang="ko-KR" dirty="0" smtClean="0"/>
+          </a:p>
+          <a:p>
+            <a:r>
+              <a:rPr lang="en-US" altLang="ko-KR" dirty="0" smtClean="0"/>
+              <a:t>	- public or private </a:t>
+            </a:r>
+            <a:r>
+              <a:rPr lang="ko-KR" altLang="en-US" dirty="0" smtClean="0"/>
+              <a:t>선택</a:t>
+            </a:r>
+            <a:r>
+              <a:rPr lang="en-US" altLang="ko-KR" dirty="0" smtClean="0"/>
+              <a:t>(private </a:t>
+            </a:r>
+            <a:r>
+              <a:rPr lang="ko-KR" altLang="en-US" dirty="0" smtClean="0"/>
+              <a:t>설정 시 월 일정금액 결제 필요</a:t>
+            </a:r>
+            <a:r>
+              <a:rPr lang="en-US" altLang="ko-KR" dirty="0" smtClean="0"/>
+              <a:t>)</a:t>
+            </a:r>
+          </a:p>
+          <a:p>
+            <a:r>
+              <a:rPr lang="en-US" altLang="ko-KR" dirty="0" smtClean="0"/>
+              <a:t>	- Initialize this repository with a README  </a:t>
+            </a:r>
+            <a:r>
+              <a:rPr lang="ko-KR" altLang="en-US" dirty="0" smtClean="0"/>
+              <a:t>체크</a:t>
+            </a:r>
+            <a:r>
+              <a:rPr lang="en-US" altLang="ko-KR" dirty="0" smtClean="0"/>
+              <a:t>(README.md </a:t>
+            </a:r>
+            <a:r>
+              <a:rPr lang="ko-KR" altLang="en-US" dirty="0" smtClean="0"/>
+              <a:t>파일 생성</a:t>
+            </a:r>
+            <a:r>
+              <a:rPr lang="en-US" altLang="ko-KR" dirty="0" smtClean="0"/>
+              <a:t>)</a:t>
+            </a:r>
+          </a:p>
+          <a:p>
+            <a:r>
+              <a:rPr lang="en-US" altLang="ko-KR" dirty="0" smtClean="0"/>
+              <a:t>	- .</a:t>
+            </a:r>
+            <a:r>
+              <a:rPr lang="en-US" altLang="ko-KR" dirty="0" err="1" smtClean="0"/>
+              <a:t>gitignore</a:t>
+            </a:r>
+            <a:r>
+              <a:rPr lang="en-US" altLang="ko-KR" dirty="0" smtClean="0"/>
+              <a:t> </a:t>
+            </a:r>
+            <a:r>
+              <a:rPr lang="ko-KR" altLang="en-US" dirty="0" smtClean="0"/>
+              <a:t>선택</a:t>
+            </a:r>
+            <a:r>
+              <a:rPr lang="en-US" altLang="ko-KR" dirty="0" smtClean="0"/>
+              <a:t>(</a:t>
+            </a:r>
+            <a:r>
+              <a:rPr lang="ko-KR" altLang="en-US" dirty="0" smtClean="0"/>
+              <a:t>버전관리 </a:t>
+            </a:r>
+            <a:r>
+              <a:rPr lang="ko-KR" altLang="en-US" dirty="0" err="1" smtClean="0"/>
+              <a:t>필요없는</a:t>
+            </a:r>
+            <a:r>
+              <a:rPr lang="ko-KR" altLang="en-US" dirty="0" smtClean="0"/>
+              <a:t> 파일 설정</a:t>
+            </a:r>
+            <a:r>
+              <a:rPr lang="en-US" altLang="ko-KR" dirty="0" smtClean="0"/>
+              <a:t>)</a:t>
+            </a:r>
+          </a:p>
+          <a:p>
+            <a:r>
+              <a:rPr lang="en-US" altLang="ko-KR" dirty="0" smtClean="0"/>
+              <a:t>	- Create Repository </a:t>
+            </a:r>
+            <a:r>
+              <a:rPr lang="ko-KR" altLang="en-US" dirty="0" smtClean="0"/>
+              <a:t>클릭</a:t>
+            </a:r>
+            <a:r>
+              <a:rPr lang="en-US" altLang="ko-KR" dirty="0" smtClean="0"/>
+              <a:t>	</a:t>
+            </a:r>
+          </a:p>
+          <a:p>
+            <a:r>
+              <a:rPr lang="en-US" altLang="ko-KR" dirty="0" smtClean="0"/>
+              <a:t>		</a:t>
+            </a:r>
+          </a:p>
+          <a:p>
+            <a:endParaRPr lang="en-US" altLang="ko-KR" dirty="0" smtClean="0"/>
+          </a:p>
+        </p:txBody>
+      </p:sp>
+      <p:sp>
+        <p:nvSpPr>
+          <p:cNvPr id="4" name="직사각형 3"/>
+          <p:cNvSpPr/>
+          <p:nvPr/>
+        </p:nvSpPr>
+        <p:spPr>
+          <a:xfrm>
+            <a:off x="827584" y="1916832"/>
+            <a:ext cx="7632848" cy="504056"/>
+          </a:xfrm>
+          <a:prstGeom prst="rect">
+            <a:avLst/>
+          </a:prstGeom>
+          <a:solidFill>
+            <a:schemeClr val="bg1"/>
+          </a:solidFill>
+          <a:ln w="12700">
+            <a:solidFill>
+              <a:schemeClr val="tx1"/>
+            </a:solidFill>
+          </a:ln>
+        </p:spPr>
+        <p:style>
+          <a:lnRef idx="2">
+            <a:schemeClr val="accent1">
+              <a:shade val="50000"/>
+            </a:schemeClr>
+          </a:lnRef>
+          <a:fillRef idx="1">
+            <a:schemeClr val="accent1"/>
+          </a:fillRef>
+          <a:effectRef idx="0">
+            <a:schemeClr val="accent1"/>
+          </a:effectRef>
+          <a:fontRef idx="minor">
+            <a:schemeClr val="lt1"/>
+          </a:fontRef>
+        </p:style>
+        <p:txBody>
+          <a:bodyPr rtlCol="0" anchor="ctr"/>
+          <a:lstStyle/>
+          <a:p>
+            <a:r>
+              <a:rPr lang="en-US" altLang="ko-KR" sz="1600" dirty="0" smtClean="0">
+                <a:solidFill>
+                  <a:schemeClr val="tx1"/>
+                </a:solidFill>
+                <a:latin typeface="Verdana" pitchFamily="34" charset="0"/>
+                <a:ea typeface="Verdana" pitchFamily="34" charset="0"/>
+                <a:cs typeface="Verdana" pitchFamily="34" charset="0"/>
+              </a:rPr>
+              <a:t> $ </a:t>
+            </a:r>
+            <a:r>
+              <a:rPr lang="en-US" altLang="ko-KR" sz="1600" dirty="0" err="1" smtClean="0">
+                <a:solidFill>
+                  <a:schemeClr val="tx1"/>
+                </a:solidFill>
+                <a:latin typeface="Verdana" pitchFamily="34" charset="0"/>
+                <a:ea typeface="Verdana" pitchFamily="34" charset="0"/>
+                <a:cs typeface="Verdana" pitchFamily="34" charset="0"/>
+              </a:rPr>
+              <a:t>ssh-keygen</a:t>
+            </a:r>
+            <a:endParaRPr lang="en-US" altLang="ko-KR" sz="1600" dirty="0" smtClean="0">
+              <a:solidFill>
+                <a:schemeClr val="tx1"/>
+              </a:solidFill>
+              <a:latin typeface="Verdana" pitchFamily="34" charset="0"/>
+              <a:ea typeface="Verdana" pitchFamily="34" charset="0"/>
+              <a:cs typeface="Verdana" pitchFamily="34" charset="0"/>
+            </a:endParaRPr>
+          </a:p>
+        </p:txBody>
+      </p:sp>
+    </p:spTree>
+    <p:extLst>
+      <p:ext uri="{BB962C8B-B14F-4D97-AF65-F5344CB8AC3E}">
+        <p14:creationId xmlns:p14="http://schemas.microsoft.com/office/powerpoint/2010/main" xmlns="" val="3426603863"/>
+      </p:ext>
+    </p:extLst>
+  </p:cSld>
+  <p:clrMapOvr>
+    <a:masterClrMapping/>
+  </p:clrMapOvr>
+  <p:transition spd="med">
+    <p:fade thruBlk="1"/>
+  </p:transition>
+  <p:timing>
+    <p:tnLst>
+      <p:par>
+        <p:cTn id="1" dur="indefinite" restart="never" nodeType="tmRoot"/>
+      </p:par>
+    </p:tnLst>
+  </p:timing>
+</p:sld>
+</file>
+
+<file path=ppt/slides/slide25.xml><?xml version="1.0" encoding="utf-8"?>
+<p:sld xmlns:a="http://schemas.openxmlformats.org/drawingml/2006/main" xmlns:r="http://schemas.openxmlformats.org/officeDocument/2006/relationships" xmlns:p="http://schemas.openxmlformats.org/presentationml/2006/main">
+  <p:cSld>
+    <p:spTree>
+      <p:nvGrpSpPr>
+        <p:cNvPr id="1" name=""/>
+        <p:cNvGrpSpPr/>
+        <p:nvPr/>
+      </p:nvGrpSpPr>
+      <p:grpSpPr>
+        <a:xfrm>
+          <a:off x="0" y="0"/>
+          <a:ext cx="0" cy="0"/>
+          <a:chOff x="0" y="0"/>
+          <a:chExt cx="0" cy="0"/>
+        </a:xfrm>
+      </p:grpSpPr>
+      <p:sp>
+        <p:nvSpPr>
+          <p:cNvPr id="2" name="제목 1"/>
+          <p:cNvSpPr>
+            <a:spLocks noGrp="1"/>
+          </p:cNvSpPr>
+          <p:nvPr>
+            <p:ph type="title"/>
+          </p:nvPr>
+        </p:nvSpPr>
+        <p:spPr/>
+        <p:txBody>
+          <a:bodyPr/>
+          <a:lstStyle/>
+          <a:p>
+            <a:r>
+              <a:rPr lang="en-US" altLang="ko-KR" dirty="0" smtClean="0">
+                <a:latin typeface="휴먼둥근헤드라인" pitchFamily="18" charset="-127"/>
+                <a:ea typeface="휴먼둥근헤드라인" pitchFamily="18" charset="-127"/>
+              </a:rPr>
+              <a:t>10.</a:t>
+            </a:r>
+            <a:r>
+              <a:rPr lang="ko-KR" altLang="en-US" dirty="0" smtClean="0">
+                <a:latin typeface="휴먼둥근헤드라인" pitchFamily="18" charset="-127"/>
+                <a:ea typeface="휴먼둥근헤드라인" pitchFamily="18" charset="-127"/>
+              </a:rPr>
+              <a:t>협업의 참여</a:t>
+            </a:r>
+            <a:endParaRPr lang="ko-KR" altLang="en-US" dirty="0"/>
+          </a:p>
+        </p:txBody>
+      </p:sp>
+      <p:sp>
+        <p:nvSpPr>
+          <p:cNvPr id="7" name="내용 개체 틀 6"/>
+          <p:cNvSpPr>
+            <a:spLocks noGrp="1"/>
+          </p:cNvSpPr>
+          <p:nvPr>
+            <p:ph idx="1"/>
+          </p:nvPr>
+        </p:nvSpPr>
+        <p:spPr>
+          <a:xfrm>
+            <a:off x="0" y="790878"/>
+            <a:ext cx="9144000" cy="5691336"/>
+          </a:xfrm>
+        </p:spPr>
+        <p:txBody>
+          <a:bodyPr/>
+          <a:lstStyle/>
+          <a:p>
+            <a:r>
+              <a:rPr lang="en-US" altLang="ko-KR" dirty="0" smtClean="0"/>
+              <a:t>(6) </a:t>
+            </a:r>
+            <a:r>
+              <a:rPr lang="ko-KR" altLang="en-US" dirty="0" smtClean="0"/>
+              <a:t>명령어</a:t>
+            </a:r>
+            <a:endParaRPr lang="en-US" altLang="ko-KR" dirty="0" smtClean="0"/>
+          </a:p>
+        </p:txBody>
+      </p:sp>
+      <p:sp>
+        <p:nvSpPr>
+          <p:cNvPr id="4" name="직사각형 3"/>
+          <p:cNvSpPr/>
+          <p:nvPr/>
+        </p:nvSpPr>
+        <p:spPr>
+          <a:xfrm>
+            <a:off x="827584" y="1161666"/>
+            <a:ext cx="7632848" cy="3635486"/>
+          </a:xfrm>
+          <a:prstGeom prst="rect">
+            <a:avLst/>
+          </a:prstGeom>
+          <a:solidFill>
+            <a:schemeClr val="bg1"/>
+          </a:solidFill>
+          <a:ln w="12700">
+            <a:solidFill>
+              <a:schemeClr val="tx1"/>
+            </a:solidFill>
+          </a:ln>
+        </p:spPr>
+        <p:style>
+          <a:lnRef idx="2">
+            <a:schemeClr val="accent1">
+              <a:shade val="50000"/>
+            </a:schemeClr>
+          </a:lnRef>
+          <a:fillRef idx="1">
+            <a:schemeClr val="accent1"/>
+          </a:fillRef>
+          <a:effectRef idx="0">
+            <a:schemeClr val="accent1"/>
+          </a:effectRef>
+          <a:fontRef idx="minor">
+            <a:schemeClr val="lt1"/>
+          </a:fontRef>
+        </p:style>
+        <p:txBody>
+          <a:bodyPr rtlCol="0" anchor="ctr"/>
+          <a:lstStyle/>
+          <a:p>
+            <a:r>
+              <a:rPr lang="en-US" altLang="ko-KR" sz="1600" dirty="0" smtClean="0">
+                <a:solidFill>
+                  <a:schemeClr val="tx1"/>
+                </a:solidFill>
+                <a:latin typeface="Verdana" pitchFamily="34" charset="0"/>
+                <a:ea typeface="Verdana" pitchFamily="34" charset="0"/>
+                <a:cs typeface="Verdana" pitchFamily="34" charset="0"/>
+              </a:rPr>
+              <a:t> $ </a:t>
+            </a:r>
+            <a:r>
+              <a:rPr lang="en-US" altLang="ko-KR" sz="1600" dirty="0" err="1" smtClean="0">
+                <a:solidFill>
+                  <a:schemeClr val="tx1"/>
+                </a:solidFill>
+                <a:latin typeface="Verdana" pitchFamily="34" charset="0"/>
+                <a:ea typeface="Verdana" pitchFamily="34" charset="0"/>
+                <a:cs typeface="Verdana" pitchFamily="34" charset="0"/>
+              </a:rPr>
+              <a:t>git</a:t>
+            </a:r>
+            <a:r>
+              <a:rPr lang="en-US" altLang="ko-KR" sz="1600" dirty="0" smtClean="0">
+                <a:solidFill>
+                  <a:schemeClr val="tx1"/>
+                </a:solidFill>
+                <a:latin typeface="Verdana" pitchFamily="34" charset="0"/>
+                <a:ea typeface="Verdana" pitchFamily="34" charset="0"/>
+                <a:cs typeface="Verdana" pitchFamily="34" charset="0"/>
+              </a:rPr>
+              <a:t> clone </a:t>
+            </a:r>
+            <a:r>
+              <a:rPr lang="en-US" altLang="ko-KR" sz="1600" dirty="0" err="1" smtClean="0">
+                <a:solidFill>
+                  <a:schemeClr val="tx1"/>
+                </a:solidFill>
+                <a:latin typeface="Verdana" pitchFamily="34" charset="0"/>
+                <a:ea typeface="Verdana" pitchFamily="34" charset="0"/>
+                <a:cs typeface="Verdana" pitchFamily="34" charset="0"/>
+                <a:hlinkClick r:id="rId3"/>
+              </a:rPr>
+              <a:t>git@github.com:foxworld</a:t>
+            </a:r>
+            <a:r>
+              <a:rPr lang="en-US" altLang="ko-KR" sz="1600" dirty="0" smtClean="0">
+                <a:solidFill>
+                  <a:schemeClr val="tx1"/>
+                </a:solidFill>
+                <a:latin typeface="Verdana" pitchFamily="34" charset="0"/>
+                <a:ea typeface="Verdana" pitchFamily="34" charset="0"/>
+                <a:cs typeface="Verdana" pitchFamily="34" charset="0"/>
+                <a:hlinkClick r:id="rId3"/>
+              </a:rPr>
+              <a:t>/helloworld.git</a:t>
+            </a:r>
+            <a:r>
+              <a:rPr lang="en-US" altLang="ko-KR" sz="1600" dirty="0" smtClean="0">
+                <a:solidFill>
+                  <a:schemeClr val="tx1"/>
+                </a:solidFill>
+                <a:latin typeface="Verdana" pitchFamily="34" charset="0"/>
+                <a:ea typeface="Verdana" pitchFamily="34" charset="0"/>
+                <a:cs typeface="Verdana" pitchFamily="34" charset="0"/>
+              </a:rPr>
+              <a:t> </a:t>
+            </a:r>
+          </a:p>
+          <a:p>
+            <a:r>
+              <a:rPr lang="en-US" altLang="ko-KR" sz="1600" dirty="0" smtClean="0">
+                <a:solidFill>
+                  <a:schemeClr val="tx1"/>
+                </a:solidFill>
+                <a:latin typeface="Verdana" pitchFamily="34" charset="0"/>
+                <a:ea typeface="Verdana" pitchFamily="34" charset="0"/>
+                <a:cs typeface="Verdana" pitchFamily="34" charset="0"/>
+              </a:rPr>
+              <a:t>    : </a:t>
+            </a:r>
+            <a:r>
+              <a:rPr lang="en-US" altLang="ko-KR" sz="1600" dirty="0" err="1" smtClean="0">
+                <a:solidFill>
+                  <a:schemeClr val="tx1"/>
+                </a:solidFill>
+                <a:latin typeface="Verdana" pitchFamily="34" charset="0"/>
+                <a:ea typeface="Verdana" pitchFamily="34" charset="0"/>
+                <a:cs typeface="Verdana" pitchFamily="34" charset="0"/>
+              </a:rPr>
+              <a:t>Github</a:t>
+            </a:r>
+            <a:r>
+              <a:rPr lang="ko-KR" altLang="en-US" sz="1600" dirty="0" smtClean="0">
+                <a:solidFill>
+                  <a:schemeClr val="tx1"/>
+                </a:solidFill>
+                <a:latin typeface="Verdana" pitchFamily="34" charset="0"/>
+                <a:cs typeface="Verdana" pitchFamily="34" charset="0"/>
+              </a:rPr>
+              <a:t>에서 최초 프로젝트</a:t>
+            </a:r>
+            <a:r>
+              <a:rPr lang="en-US" altLang="ko-KR" sz="1600" dirty="0" smtClean="0">
+                <a:solidFill>
+                  <a:schemeClr val="tx1"/>
+                </a:solidFill>
+                <a:latin typeface="Verdana" pitchFamily="34" charset="0"/>
+                <a:ea typeface="Verdana" pitchFamily="34" charset="0"/>
+                <a:cs typeface="Verdana" pitchFamily="34" charset="0"/>
+              </a:rPr>
+              <a:t> </a:t>
+            </a:r>
+            <a:r>
+              <a:rPr lang="ko-KR" altLang="en-US" sz="1600" dirty="0" smtClean="0">
+                <a:solidFill>
+                  <a:schemeClr val="tx1"/>
+                </a:solidFill>
+                <a:latin typeface="Verdana" pitchFamily="34" charset="0"/>
+                <a:cs typeface="Verdana" pitchFamily="34" charset="0"/>
+              </a:rPr>
+              <a:t>가져오기 </a:t>
+            </a:r>
+            <a:r>
+              <a:rPr lang="en-US" altLang="ko-KR" sz="1600" dirty="0" smtClean="0">
+                <a:solidFill>
+                  <a:schemeClr val="tx1"/>
+                </a:solidFill>
+                <a:latin typeface="Verdana" pitchFamily="34" charset="0"/>
+                <a:ea typeface="Verdana" pitchFamily="34" charset="0"/>
+                <a:cs typeface="Verdana" pitchFamily="34" charset="0"/>
+              </a:rPr>
+              <a:t> </a:t>
+            </a:r>
+            <a:endParaRPr lang="en-US" altLang="ko-KR" sz="1600" dirty="0" smtClean="0">
+              <a:solidFill>
+                <a:schemeClr val="tx1"/>
+              </a:solidFill>
+              <a:latin typeface="Verdana" pitchFamily="34" charset="0"/>
+              <a:ea typeface="Verdana" pitchFamily="34" charset="0"/>
+              <a:cs typeface="Verdana" pitchFamily="34" charset="0"/>
+            </a:endParaRPr>
+          </a:p>
+          <a:p>
+            <a:endParaRPr lang="en-US" altLang="ko-KR" sz="1600" dirty="0" smtClean="0">
+              <a:solidFill>
+                <a:schemeClr val="tx1"/>
+              </a:solidFill>
+              <a:latin typeface="Verdana" pitchFamily="34" charset="0"/>
+              <a:ea typeface="Verdana" pitchFamily="34" charset="0"/>
+              <a:cs typeface="Verdana" pitchFamily="34" charset="0"/>
+            </a:endParaRPr>
+          </a:p>
+          <a:p>
+            <a:r>
+              <a:rPr lang="en-US" altLang="ko-KR" sz="1600" dirty="0" smtClean="0">
+                <a:solidFill>
+                  <a:schemeClr val="tx1"/>
+                </a:solidFill>
+                <a:latin typeface="Verdana" pitchFamily="34" charset="0"/>
+                <a:ea typeface="Verdana" pitchFamily="34" charset="0"/>
+                <a:cs typeface="Verdana" pitchFamily="34" charset="0"/>
+              </a:rPr>
+              <a:t> $ </a:t>
+            </a:r>
+            <a:r>
+              <a:rPr lang="en-US" altLang="ko-KR" sz="1600" dirty="0" err="1" smtClean="0">
+                <a:solidFill>
+                  <a:schemeClr val="tx1"/>
+                </a:solidFill>
+                <a:latin typeface="Verdana" pitchFamily="34" charset="0"/>
+                <a:ea typeface="Verdana" pitchFamily="34" charset="0"/>
+                <a:cs typeface="Verdana" pitchFamily="34" charset="0"/>
+              </a:rPr>
+              <a:t>git</a:t>
+            </a:r>
+            <a:r>
+              <a:rPr lang="en-US" altLang="ko-KR" sz="1600" dirty="0" smtClean="0">
+                <a:solidFill>
+                  <a:schemeClr val="tx1"/>
+                </a:solidFill>
+                <a:latin typeface="Verdana" pitchFamily="34" charset="0"/>
+                <a:ea typeface="Verdana" pitchFamily="34" charset="0"/>
+                <a:cs typeface="Verdana" pitchFamily="34" charset="0"/>
+              </a:rPr>
+              <a:t> pull origin </a:t>
+            </a:r>
+            <a:r>
+              <a:rPr lang="en-US" altLang="ko-KR" sz="1600" dirty="0" smtClean="0">
+                <a:solidFill>
+                  <a:schemeClr val="tx1"/>
+                </a:solidFill>
+                <a:latin typeface="Verdana" pitchFamily="34" charset="0"/>
+                <a:ea typeface="Verdana" pitchFamily="34" charset="0"/>
+                <a:cs typeface="Verdana" pitchFamily="34" charset="0"/>
+              </a:rPr>
+              <a:t>master</a:t>
+            </a:r>
+          </a:p>
+          <a:p>
+            <a:r>
+              <a:rPr lang="en-US" altLang="ko-KR" sz="1600" dirty="0" smtClean="0">
+                <a:solidFill>
+                  <a:schemeClr val="tx1"/>
+                </a:solidFill>
+                <a:latin typeface="Verdana" pitchFamily="34" charset="0"/>
+                <a:ea typeface="Verdana" pitchFamily="34" charset="0"/>
+                <a:cs typeface="Verdana" pitchFamily="34" charset="0"/>
+              </a:rPr>
+              <a:t> </a:t>
+            </a:r>
+            <a:r>
+              <a:rPr lang="en-US" altLang="ko-KR" sz="1600" dirty="0" smtClean="0">
+                <a:solidFill>
+                  <a:schemeClr val="tx1"/>
+                </a:solidFill>
+                <a:latin typeface="Verdana" pitchFamily="34" charset="0"/>
+                <a:ea typeface="Verdana" pitchFamily="34" charset="0"/>
+                <a:cs typeface="Verdana" pitchFamily="34" charset="0"/>
+              </a:rPr>
+              <a:t>  : </a:t>
+            </a:r>
+            <a:r>
+              <a:rPr lang="en-US" altLang="ko-KR" sz="1600" dirty="0" err="1" smtClean="0">
+                <a:solidFill>
+                  <a:schemeClr val="tx1"/>
+                </a:solidFill>
+                <a:latin typeface="Verdana" pitchFamily="34" charset="0"/>
+                <a:ea typeface="Verdana" pitchFamily="34" charset="0"/>
+                <a:cs typeface="Verdana" pitchFamily="34" charset="0"/>
+              </a:rPr>
+              <a:t>Github</a:t>
+            </a:r>
+            <a:r>
+              <a:rPr lang="ko-KR" altLang="en-US" sz="1600" dirty="0" smtClean="0">
+                <a:solidFill>
+                  <a:schemeClr val="tx1"/>
+                </a:solidFill>
+                <a:latin typeface="Verdana" pitchFamily="34" charset="0"/>
+                <a:cs typeface="Verdana" pitchFamily="34" charset="0"/>
+              </a:rPr>
+              <a:t>에서 최신 프로젝트 </a:t>
+            </a:r>
+            <a:r>
+              <a:rPr lang="ko-KR" altLang="en-US" sz="1600" dirty="0" smtClean="0">
+                <a:solidFill>
+                  <a:schemeClr val="tx1"/>
+                </a:solidFill>
+                <a:latin typeface="Verdana" pitchFamily="34" charset="0"/>
+                <a:cs typeface="Verdana" pitchFamily="34" charset="0"/>
+              </a:rPr>
+              <a:t>가져오기</a:t>
+            </a:r>
+            <a:endParaRPr lang="en-US" altLang="ko-KR" sz="1600" dirty="0" smtClean="0">
+              <a:solidFill>
+                <a:schemeClr val="tx1"/>
+              </a:solidFill>
+              <a:latin typeface="Verdana" pitchFamily="34" charset="0"/>
+              <a:ea typeface="Verdana" pitchFamily="34" charset="0"/>
+              <a:cs typeface="Verdana" pitchFamily="34" charset="0"/>
+            </a:endParaRPr>
+          </a:p>
+          <a:p>
+            <a:endParaRPr lang="en-US" altLang="ko-KR" sz="1600" dirty="0" smtClean="0">
+              <a:solidFill>
+                <a:schemeClr val="tx1"/>
+              </a:solidFill>
+              <a:latin typeface="Verdana" pitchFamily="34" charset="0"/>
+              <a:ea typeface="Verdana" pitchFamily="34" charset="0"/>
+              <a:cs typeface="Verdana" pitchFamily="34" charset="0"/>
+            </a:endParaRPr>
+          </a:p>
+          <a:p>
+            <a:r>
+              <a:rPr lang="en-US" altLang="ko-KR" sz="1600" dirty="0" smtClean="0">
+                <a:solidFill>
+                  <a:schemeClr val="tx1"/>
+                </a:solidFill>
+                <a:latin typeface="Verdana" pitchFamily="34" charset="0"/>
+                <a:ea typeface="Verdana" pitchFamily="34" charset="0"/>
+                <a:cs typeface="Verdana" pitchFamily="34" charset="0"/>
+              </a:rPr>
+              <a:t> $ </a:t>
+            </a:r>
+            <a:r>
+              <a:rPr lang="en-US" altLang="ko-KR" sz="1600" dirty="0" err="1" smtClean="0">
+                <a:solidFill>
+                  <a:schemeClr val="tx1"/>
+                </a:solidFill>
+                <a:latin typeface="Verdana" pitchFamily="34" charset="0"/>
+                <a:ea typeface="Verdana" pitchFamily="34" charset="0"/>
+                <a:cs typeface="Verdana" pitchFamily="34" charset="0"/>
+              </a:rPr>
+              <a:t>git</a:t>
+            </a:r>
+            <a:r>
+              <a:rPr lang="en-US" altLang="ko-KR" sz="1600" dirty="0" smtClean="0">
+                <a:solidFill>
+                  <a:schemeClr val="tx1"/>
+                </a:solidFill>
+                <a:latin typeface="Verdana" pitchFamily="34" charset="0"/>
+                <a:ea typeface="Verdana" pitchFamily="34" charset="0"/>
+                <a:cs typeface="Verdana" pitchFamily="34" charset="0"/>
+              </a:rPr>
+              <a:t> push origin master</a:t>
+            </a:r>
+            <a:endParaRPr lang="en-US" altLang="ko-KR" sz="1600" dirty="0" smtClean="0">
+              <a:solidFill>
+                <a:schemeClr val="tx1"/>
+              </a:solidFill>
+              <a:latin typeface="Verdana" pitchFamily="34" charset="0"/>
+              <a:ea typeface="Verdana" pitchFamily="34" charset="0"/>
+              <a:cs typeface="Verdana" pitchFamily="34" charset="0"/>
+            </a:endParaRPr>
+          </a:p>
+          <a:p>
+            <a:r>
+              <a:rPr lang="en-US" altLang="ko-KR" sz="1600" dirty="0" smtClean="0">
+                <a:solidFill>
+                  <a:schemeClr val="tx1"/>
+                </a:solidFill>
+                <a:latin typeface="Verdana" pitchFamily="34" charset="0"/>
+                <a:ea typeface="Verdana" pitchFamily="34" charset="0"/>
+                <a:cs typeface="Verdana" pitchFamily="34" charset="0"/>
+              </a:rPr>
+              <a:t>   : </a:t>
+            </a:r>
+            <a:r>
+              <a:rPr lang="en-US" altLang="ko-KR" sz="1600" dirty="0" err="1" smtClean="0">
+                <a:solidFill>
+                  <a:schemeClr val="tx1"/>
+                </a:solidFill>
+                <a:latin typeface="Verdana" pitchFamily="34" charset="0"/>
+                <a:ea typeface="Verdana" pitchFamily="34" charset="0"/>
+                <a:cs typeface="Verdana" pitchFamily="34" charset="0"/>
+              </a:rPr>
+              <a:t>Github</a:t>
+            </a:r>
+            <a:r>
+              <a:rPr lang="ko-KR" altLang="en-US" sz="1600" dirty="0" smtClean="0">
+                <a:solidFill>
+                  <a:schemeClr val="tx1"/>
+                </a:solidFill>
+                <a:latin typeface="Verdana" pitchFamily="34" charset="0"/>
+                <a:cs typeface="Verdana" pitchFamily="34" charset="0"/>
+              </a:rPr>
+              <a:t>에 작업한 프로젝트 올리기</a:t>
+            </a:r>
+            <a:endParaRPr lang="en-US" altLang="ko-KR" sz="1600" dirty="0" smtClean="0">
+              <a:solidFill>
+                <a:schemeClr val="tx1"/>
+              </a:solidFill>
+              <a:latin typeface="Verdana" pitchFamily="34" charset="0"/>
+              <a:ea typeface="Verdana" pitchFamily="34" charset="0"/>
+              <a:cs typeface="Verdana" pitchFamily="34" charset="0"/>
+            </a:endParaRPr>
+          </a:p>
+          <a:p>
+            <a:endParaRPr lang="en-US" altLang="ko-KR" sz="1600" dirty="0" smtClean="0">
+              <a:solidFill>
+                <a:schemeClr val="tx1"/>
+              </a:solidFill>
+              <a:latin typeface="Verdana" pitchFamily="34" charset="0"/>
+              <a:ea typeface="Verdana" pitchFamily="34" charset="0"/>
+              <a:cs typeface="Verdana" pitchFamily="34" charset="0"/>
+            </a:endParaRPr>
+          </a:p>
+          <a:p>
+            <a:r>
+              <a:rPr lang="en-US" altLang="ko-KR" sz="1600" dirty="0" smtClean="0">
+                <a:solidFill>
+                  <a:schemeClr val="tx1"/>
+                </a:solidFill>
+                <a:latin typeface="Verdana" pitchFamily="34" charset="0"/>
+                <a:ea typeface="Verdana" pitchFamily="34" charset="0"/>
+                <a:cs typeface="Verdana" pitchFamily="34" charset="0"/>
+              </a:rPr>
+              <a:t> $ </a:t>
+            </a:r>
+            <a:r>
+              <a:rPr lang="en-US" altLang="ko-KR" sz="1600" dirty="0" err="1" smtClean="0">
+                <a:solidFill>
+                  <a:schemeClr val="tx1"/>
+                </a:solidFill>
+                <a:latin typeface="Verdana" pitchFamily="34" charset="0"/>
+                <a:ea typeface="Verdana" pitchFamily="34" charset="0"/>
+                <a:cs typeface="Verdana" pitchFamily="34" charset="0"/>
+              </a:rPr>
+              <a:t>git</a:t>
+            </a:r>
+            <a:r>
+              <a:rPr lang="en-US" altLang="ko-KR" sz="1600" dirty="0" smtClean="0">
+                <a:solidFill>
+                  <a:schemeClr val="tx1"/>
+                </a:solidFill>
+                <a:latin typeface="Verdana" pitchFamily="34" charset="0"/>
+                <a:ea typeface="Verdana" pitchFamily="34" charset="0"/>
+                <a:cs typeface="Verdana" pitchFamily="34" charset="0"/>
+              </a:rPr>
+              <a:t> remote add origin </a:t>
+            </a:r>
+            <a:r>
+              <a:rPr lang="en-US" altLang="ko-KR" sz="1600" dirty="0" err="1" smtClean="0">
+                <a:solidFill>
+                  <a:schemeClr val="tx1"/>
+                </a:solidFill>
+                <a:latin typeface="Verdana" pitchFamily="34" charset="0"/>
+                <a:ea typeface="Verdana" pitchFamily="34" charset="0"/>
+                <a:cs typeface="Verdana" pitchFamily="34" charset="0"/>
+                <a:hlinkClick r:id="rId3"/>
+              </a:rPr>
+              <a:t>git@github.com:foxworld</a:t>
+            </a:r>
+            <a:r>
+              <a:rPr lang="en-US" altLang="ko-KR" sz="1600" dirty="0" smtClean="0">
+                <a:solidFill>
+                  <a:schemeClr val="tx1"/>
+                </a:solidFill>
+                <a:latin typeface="Verdana" pitchFamily="34" charset="0"/>
+                <a:ea typeface="Verdana" pitchFamily="34" charset="0"/>
+                <a:cs typeface="Verdana" pitchFamily="34" charset="0"/>
+                <a:hlinkClick r:id="rId3"/>
+              </a:rPr>
+              <a:t>/helloworld.git</a:t>
+            </a:r>
+            <a:endParaRPr lang="en-US" altLang="ko-KR" sz="1600" dirty="0" smtClean="0">
+              <a:solidFill>
+                <a:schemeClr val="tx1"/>
+              </a:solidFill>
+              <a:latin typeface="Verdana" pitchFamily="34" charset="0"/>
+              <a:ea typeface="Verdana" pitchFamily="34" charset="0"/>
+              <a:cs typeface="Verdana" pitchFamily="34" charset="0"/>
+            </a:endParaRPr>
+          </a:p>
+          <a:p>
+            <a:r>
+              <a:rPr lang="ko-KR" altLang="en-US" sz="1600" dirty="0" smtClean="0">
+                <a:solidFill>
+                  <a:schemeClr val="tx1"/>
+                </a:solidFill>
+                <a:latin typeface="Verdana" pitchFamily="34" charset="0"/>
+                <a:cs typeface="Verdana" pitchFamily="34" charset="0"/>
+              </a:rPr>
+              <a:t>   </a:t>
+            </a:r>
+            <a:r>
+              <a:rPr lang="en-US" altLang="ko-KR" sz="1600" dirty="0" smtClean="0">
+                <a:solidFill>
+                  <a:schemeClr val="tx1"/>
+                </a:solidFill>
+                <a:latin typeface="Verdana" pitchFamily="34" charset="0"/>
+                <a:cs typeface="Verdana" pitchFamily="34" charset="0"/>
+              </a:rPr>
+              <a:t>: </a:t>
+            </a:r>
+            <a:r>
+              <a:rPr lang="ko-KR" altLang="en-US" sz="1600" dirty="0" err="1" smtClean="0">
+                <a:solidFill>
+                  <a:schemeClr val="tx1"/>
+                </a:solidFill>
+                <a:latin typeface="Verdana" pitchFamily="34" charset="0"/>
+                <a:cs typeface="Verdana" pitchFamily="34" charset="0"/>
+              </a:rPr>
+              <a:t>리모트</a:t>
+            </a:r>
+            <a:r>
+              <a:rPr lang="ko-KR" altLang="en-US" sz="1600" dirty="0" smtClean="0">
+                <a:solidFill>
+                  <a:schemeClr val="tx1"/>
+                </a:solidFill>
+                <a:latin typeface="Verdana" pitchFamily="34" charset="0"/>
+                <a:cs typeface="Verdana" pitchFamily="34" charset="0"/>
+              </a:rPr>
+              <a:t> </a:t>
+            </a:r>
+            <a:r>
+              <a:rPr lang="ko-KR" altLang="en-US" sz="1600" dirty="0" smtClean="0">
+                <a:solidFill>
+                  <a:schemeClr val="tx1"/>
+                </a:solidFill>
+                <a:latin typeface="Verdana" pitchFamily="34" charset="0"/>
+                <a:cs typeface="Verdana" pitchFamily="34" charset="0"/>
+              </a:rPr>
+              <a:t>저장소 </a:t>
+            </a:r>
+            <a:r>
+              <a:rPr lang="ko-KR" altLang="en-US" sz="1600" dirty="0" smtClean="0">
+                <a:solidFill>
+                  <a:schemeClr val="tx1"/>
+                </a:solidFill>
+                <a:latin typeface="Verdana" pitchFamily="34" charset="0"/>
+                <a:cs typeface="Verdana" pitchFamily="34" charset="0"/>
+              </a:rPr>
+              <a:t>등</a:t>
+            </a:r>
+            <a:r>
+              <a:rPr lang="ko-KR" altLang="en-US" sz="1600" dirty="0" smtClean="0">
+                <a:solidFill>
+                  <a:schemeClr val="tx1"/>
+                </a:solidFill>
+                <a:latin typeface="Verdana" pitchFamily="34" charset="0"/>
+                <a:cs typeface="Verdana" pitchFamily="34" charset="0"/>
+              </a:rPr>
+              <a:t>록</a:t>
+            </a:r>
+            <a:endParaRPr lang="en-US" altLang="ko-KR" sz="1600" dirty="0" smtClean="0">
+              <a:solidFill>
+                <a:schemeClr val="tx1"/>
+              </a:solidFill>
+              <a:latin typeface="Verdana" pitchFamily="34" charset="0"/>
+              <a:ea typeface="Verdana" pitchFamily="34" charset="0"/>
+              <a:cs typeface="Verdana" pitchFamily="34" charset="0"/>
+            </a:endParaRPr>
+          </a:p>
+          <a:p>
+            <a:endParaRPr lang="en-US" altLang="ko-KR" sz="1600" dirty="0" smtClean="0">
+              <a:solidFill>
+                <a:schemeClr val="tx1"/>
+              </a:solidFill>
+              <a:latin typeface="Verdana" pitchFamily="34" charset="0"/>
+              <a:ea typeface="Verdana" pitchFamily="34" charset="0"/>
+              <a:cs typeface="Verdana" pitchFamily="34" charset="0"/>
+            </a:endParaRPr>
+          </a:p>
+          <a:p>
+            <a:r>
+              <a:rPr lang="en-US" altLang="ko-KR" sz="1600" dirty="0" smtClean="0">
+                <a:solidFill>
+                  <a:schemeClr val="tx1"/>
+                </a:solidFill>
+                <a:latin typeface="Verdana" pitchFamily="34" charset="0"/>
+                <a:ea typeface="Verdana" pitchFamily="34" charset="0"/>
+                <a:cs typeface="Verdana" pitchFamily="34" charset="0"/>
+              </a:rPr>
+              <a:t> $ </a:t>
+            </a:r>
+            <a:r>
+              <a:rPr lang="en-US" altLang="ko-KR" sz="1600" dirty="0" err="1" smtClean="0">
+                <a:solidFill>
+                  <a:schemeClr val="tx1"/>
+                </a:solidFill>
+                <a:latin typeface="Verdana" pitchFamily="34" charset="0"/>
+                <a:ea typeface="Verdana" pitchFamily="34" charset="0"/>
+                <a:cs typeface="Verdana" pitchFamily="34" charset="0"/>
+              </a:rPr>
+              <a:t>git</a:t>
+            </a:r>
+            <a:r>
+              <a:rPr lang="en-US" altLang="ko-KR" sz="1600" dirty="0" smtClean="0">
+                <a:solidFill>
+                  <a:schemeClr val="tx1"/>
+                </a:solidFill>
+                <a:latin typeface="Verdana" pitchFamily="34" charset="0"/>
+                <a:ea typeface="Verdana" pitchFamily="34" charset="0"/>
+                <a:cs typeface="Verdana" pitchFamily="34" charset="0"/>
+              </a:rPr>
+              <a:t> remote </a:t>
+            </a:r>
+            <a:r>
+              <a:rPr lang="en-US" altLang="ko-KR" sz="1600" dirty="0" err="1" smtClean="0">
+                <a:solidFill>
+                  <a:schemeClr val="tx1"/>
+                </a:solidFill>
+                <a:latin typeface="Verdana" pitchFamily="34" charset="0"/>
+                <a:ea typeface="Verdana" pitchFamily="34" charset="0"/>
+                <a:cs typeface="Verdana" pitchFamily="34" charset="0"/>
+              </a:rPr>
+              <a:t>rm</a:t>
+            </a:r>
+            <a:r>
+              <a:rPr lang="en-US" altLang="ko-KR" sz="1600" dirty="0" smtClean="0">
+                <a:solidFill>
+                  <a:schemeClr val="tx1"/>
+                </a:solidFill>
+                <a:latin typeface="Verdana" pitchFamily="34" charset="0"/>
+                <a:ea typeface="Verdana" pitchFamily="34" charset="0"/>
+                <a:cs typeface="Verdana" pitchFamily="34" charset="0"/>
+              </a:rPr>
+              <a:t> </a:t>
+            </a:r>
+            <a:r>
+              <a:rPr lang="en-US" altLang="ko-KR" sz="1600" dirty="0" smtClean="0">
+                <a:solidFill>
+                  <a:schemeClr val="tx1"/>
+                </a:solidFill>
+                <a:latin typeface="Verdana" pitchFamily="34" charset="0"/>
+                <a:ea typeface="Verdana" pitchFamily="34" charset="0"/>
+                <a:cs typeface="Verdana" pitchFamily="34" charset="0"/>
+              </a:rPr>
+              <a:t>origin</a:t>
+            </a:r>
+          </a:p>
+          <a:p>
+            <a:r>
+              <a:rPr lang="ko-KR" altLang="en-US" sz="1600" dirty="0" smtClean="0">
+                <a:solidFill>
+                  <a:schemeClr val="tx1"/>
+                </a:solidFill>
+                <a:latin typeface="Verdana" pitchFamily="34" charset="0"/>
+                <a:cs typeface="Verdana" pitchFamily="34" charset="0"/>
+              </a:rPr>
+              <a:t>   </a:t>
+            </a:r>
+            <a:r>
+              <a:rPr lang="en-US" altLang="ko-KR" sz="1600" dirty="0" smtClean="0">
+                <a:solidFill>
+                  <a:schemeClr val="tx1"/>
+                </a:solidFill>
+                <a:latin typeface="Verdana" pitchFamily="34" charset="0"/>
+                <a:cs typeface="Verdana" pitchFamily="34" charset="0"/>
+              </a:rPr>
+              <a:t>: </a:t>
+            </a:r>
+            <a:r>
+              <a:rPr lang="ko-KR" altLang="en-US" sz="1600" dirty="0" err="1" smtClean="0">
+                <a:solidFill>
+                  <a:schemeClr val="tx1"/>
+                </a:solidFill>
+                <a:latin typeface="Verdana" pitchFamily="34" charset="0"/>
+                <a:cs typeface="Verdana" pitchFamily="34" charset="0"/>
+              </a:rPr>
+              <a:t>리모트</a:t>
+            </a:r>
+            <a:r>
+              <a:rPr lang="ko-KR" altLang="en-US" sz="1600" dirty="0" smtClean="0">
+                <a:solidFill>
+                  <a:schemeClr val="tx1"/>
+                </a:solidFill>
+                <a:latin typeface="Verdana" pitchFamily="34" charset="0"/>
+                <a:cs typeface="Verdana" pitchFamily="34" charset="0"/>
+              </a:rPr>
+              <a:t> </a:t>
+            </a:r>
+            <a:r>
+              <a:rPr lang="ko-KR" altLang="en-US" sz="1600" dirty="0" smtClean="0">
+                <a:solidFill>
+                  <a:schemeClr val="tx1"/>
+                </a:solidFill>
+                <a:latin typeface="Verdana" pitchFamily="34" charset="0"/>
+                <a:cs typeface="Verdana" pitchFamily="34" charset="0"/>
+              </a:rPr>
+              <a:t>저장소 </a:t>
+            </a:r>
+            <a:r>
+              <a:rPr lang="ko-KR" altLang="en-US" sz="1600" dirty="0" smtClean="0">
+                <a:solidFill>
+                  <a:schemeClr val="tx1"/>
+                </a:solidFill>
+                <a:latin typeface="Verdana" pitchFamily="34" charset="0"/>
+                <a:cs typeface="Verdana" pitchFamily="34" charset="0"/>
+              </a:rPr>
+              <a:t>등록 취소</a:t>
+            </a:r>
+            <a:endParaRPr lang="en-US" altLang="ko-KR" sz="1600" dirty="0" smtClean="0">
+              <a:solidFill>
+                <a:schemeClr val="tx1"/>
+              </a:solidFill>
+              <a:latin typeface="Verdana" pitchFamily="34" charset="0"/>
+              <a:ea typeface="Verdana" pitchFamily="34" charset="0"/>
+              <a:cs typeface="Verdana" pitchFamily="34" charset="0"/>
+            </a:endParaRPr>
+          </a:p>
+        </p:txBody>
+      </p:sp>
+    </p:spTree>
+    <p:extLst>
+      <p:ext uri="{BB962C8B-B14F-4D97-AF65-F5344CB8AC3E}">
+        <p14:creationId xmlns:p14="http://schemas.microsoft.com/office/powerpoint/2010/main" xmlns="" val="3426603863"/>
       </p:ext>
     </p:extLst>
   </p:cSld>
@@ -16978,14 +18343,14 @@
           <a:effectLst/>
           <a:extLst>
             <a:ext uri="{909E8E84-426E-40DD-AFC4-6F175D3DCCD1}">
-              <a14:hiddenFill xmlns="" xmlns:a14="http://schemas.microsoft.com/office/drawing/2010/main">
+              <a14:hiddenFill xmlns:a14="http://schemas.microsoft.com/office/drawing/2010/main" xmlns="">
                 <a:solidFill>
                   <a:schemeClr val="accent1"/>
                 </a:solidFill>
               </a14:hiddenFill>
             </a:ext>
             <a:ext uri="{91240B29-F687-4F45-9708-019B960494DF}">
-              <a14:hiddenLine xmlns="" xmlns:a14="http://schemas.microsoft.com/office/drawing/2010/main" w="9525">
+              <a14:hiddenLine xmlns:a14="http://schemas.microsoft.com/office/drawing/2010/main" xmlns="" w="9525">
                 <a:solidFill>
                   <a:schemeClr val="tx1"/>
                 </a:solidFill>
@@ -16995,7 +18360,7 @@
               </a14:hiddenLine>
             </a:ext>
             <a:ext uri="{AF507438-7753-43E0-B8FC-AC1667EBCBE1}">
-              <a14:hiddenEffects xmlns="" xmlns:a14="http://schemas.microsoft.com/office/drawing/2010/main">
+              <a14:hiddenEffects xmlns:a14="http://schemas.microsoft.com/office/drawing/2010/main" xmlns="">
                 <a:effectLst>
                   <a:outerShdw dist="35921" dir="2700000" algn="ctr" rotWithShape="0">
                     <a:schemeClr val="bg2"/>
@@ -17185,14 +18550,14 @@
           <a:effectLst/>
           <a:extLst>
             <a:ext uri="{909E8E84-426E-40DD-AFC4-6F175D3DCCD1}">
-              <a14:hiddenFill xmlns="" xmlns:a14="http://schemas.microsoft.com/office/drawing/2010/main">
+              <a14:hiddenFill xmlns:a14="http://schemas.microsoft.com/office/drawing/2010/main" xmlns="">
                 <a:solidFill>
                   <a:schemeClr val="accent1"/>
                 </a:solidFill>
               </a14:hiddenFill>
             </a:ext>
             <a:ext uri="{91240B29-F687-4F45-9708-019B960494DF}">
-              <a14:hiddenLine xmlns="" xmlns:a14="http://schemas.microsoft.com/office/drawing/2010/main" w="9525">
+              <a14:hiddenLine xmlns:a14="http://schemas.microsoft.com/office/drawing/2010/main" xmlns="" w="9525">
                 <a:solidFill>
                   <a:schemeClr val="tx1"/>
                 </a:solidFill>
@@ -17202,7 +18567,7 @@
               </a14:hiddenLine>
             </a:ext>
             <a:ext uri="{AF507438-7753-43E0-B8FC-AC1667EBCBE1}">
-              <a14:hiddenEffects xmlns="" xmlns:a14="http://schemas.microsoft.com/office/drawing/2010/main">
+              <a14:hiddenEffects xmlns:a14="http://schemas.microsoft.com/office/drawing/2010/main" xmlns="">
                 <a:effectLst>
                   <a:outerShdw dist="35921" dir="2700000" algn="ctr" rotWithShape="0">
                     <a:schemeClr val="bg2"/>
@@ -17682,7 +19047,7 @@
     </p:spTree>
     <p:extLst>
       <p:ext uri="{BB962C8B-B14F-4D97-AF65-F5344CB8AC3E}">
-        <p14:creationId xmlns="" xmlns:p14="http://schemas.microsoft.com/office/powerpoint/2010/main" val="55105146"/>
+        <p14:creationId xmlns:p14="http://schemas.microsoft.com/office/powerpoint/2010/main" xmlns="" val="55105146"/>
       </p:ext>
     </p:extLst>
   </p:cSld>
@@ -18040,7 +19405,7 @@
     </p:spTree>
     <p:extLst>
       <p:ext uri="{BB962C8B-B14F-4D97-AF65-F5344CB8AC3E}">
-        <p14:creationId xmlns="" xmlns:p14="http://schemas.microsoft.com/office/powerpoint/2010/main" val="3426603863"/>
+        <p14:creationId xmlns:p14="http://schemas.microsoft.com/office/powerpoint/2010/main" xmlns="" val="3426603863"/>
       </p:ext>
     </p:extLst>
   </p:cSld>
@@ -18180,7 +19545,7 @@
     </p:spTree>
     <p:extLst>
       <p:ext uri="{BB962C8B-B14F-4D97-AF65-F5344CB8AC3E}">
-        <p14:creationId xmlns="" xmlns:p14="http://schemas.microsoft.com/office/powerpoint/2010/main" val="3426603863"/>
+        <p14:creationId xmlns:p14="http://schemas.microsoft.com/office/powerpoint/2010/main" xmlns="" val="3426603863"/>
       </p:ext>
     </p:extLst>
   </p:cSld>
@@ -18365,7 +19730,7 @@
     </p:spTree>
     <p:extLst>
       <p:ext uri="{BB962C8B-B14F-4D97-AF65-F5344CB8AC3E}">
-        <p14:creationId xmlns="" xmlns:p14="http://schemas.microsoft.com/office/powerpoint/2010/main" val="3426603863"/>
+        <p14:creationId xmlns:p14="http://schemas.microsoft.com/office/powerpoint/2010/main" xmlns="" val="3426603863"/>
       </p:ext>
     </p:extLst>
   </p:cSld>
@@ -18571,7 +19936,7 @@
     </p:spTree>
     <p:extLst>
       <p:ext uri="{BB962C8B-B14F-4D97-AF65-F5344CB8AC3E}">
-        <p14:creationId xmlns="" xmlns:p14="http://schemas.microsoft.com/office/powerpoint/2010/main" val="3426603863"/>
+        <p14:creationId xmlns:p14="http://schemas.microsoft.com/office/powerpoint/2010/main" xmlns="" val="3426603863"/>
       </p:ext>
     </p:extLst>
   </p:cSld>
@@ -18961,7 +20326,7 @@
     </p:spTree>
     <p:extLst>
       <p:ext uri="{BB962C8B-B14F-4D97-AF65-F5344CB8AC3E}">
-        <p14:creationId xmlns="" xmlns:p14="http://schemas.microsoft.com/office/powerpoint/2010/main" val="3426603863"/>
+        <p14:creationId xmlns:p14="http://schemas.microsoft.com/office/powerpoint/2010/main" xmlns="" val="3426603863"/>
       </p:ext>
     </p:extLst>
   </p:cSld>
@@ -19254,7 +20619,7 @@
     </p:spTree>
     <p:extLst>
       <p:ext uri="{BB962C8B-B14F-4D97-AF65-F5344CB8AC3E}">
-        <p14:creationId xmlns="" xmlns:p14="http://schemas.microsoft.com/office/powerpoint/2010/main" val="3426603863"/>
+        <p14:creationId xmlns:p14="http://schemas.microsoft.com/office/powerpoint/2010/main" xmlns="" val="3426603863"/>
       </p:ext>
     </p:extLst>
   </p:cSld>
@@ -19524,7 +20889,7 @@
         <a:effectLst/>
         <a:extLst>
           <a:ext uri="{AF507438-7753-43E0-B8FC-AC1667EBCBE1}">
-            <a14:hiddenEffects xmlns="" xmlns:a14="http://schemas.microsoft.com/office/drawing/2010/main">
+            <a14:hiddenEffects xmlns:a14="http://schemas.microsoft.com/office/drawing/2010/main" xmlns="">
               <a:effectLst>
                 <a:outerShdw dist="35921" dir="2700000" algn="ctr" rotWithShape="0">
                   <a:schemeClr val="bg2"/>
@@ -19597,7 +20962,7 @@
         <a:effectLst/>
         <a:extLst>
           <a:ext uri="{AF507438-7753-43E0-B8FC-AC1667EBCBE1}">
-            <a14:hiddenEffects xmlns="" xmlns:a14="http://schemas.microsoft.com/office/drawing/2010/main">
+            <a14:hiddenEffects xmlns:a14="http://schemas.microsoft.com/office/drawing/2010/main" xmlns="">
               <a:effectLst>
                 <a:outerShdw dist="35921" dir="2700000" algn="ctr" rotWithShape="0">
                   <a:schemeClr val="bg2"/>

--- a/Git_20140210.pptx
+++ b/Git_20140210.pptx
@@ -298,7 +298,7 @@
     </p:spTree>
     <p:extLst>
       <p:ext uri="{BB962C8B-B14F-4D97-AF65-F5344CB8AC3E}">
-        <p14:creationId xmlns="" xmlns:p14="http://schemas.microsoft.com/office/powerpoint/2010/main" val="1280770348"/>
+        <p14:creationId xmlns:p14="http://schemas.microsoft.com/office/powerpoint/2010/main" xmlns="" val="1280770348"/>
       </p:ext>
     </p:extLst>
   </p:cSld>
@@ -558,7 +558,7 @@
     </p:spTree>
     <p:extLst>
       <p:ext uri="{BB962C8B-B14F-4D97-AF65-F5344CB8AC3E}">
-        <p14:creationId xmlns="" xmlns:p14="http://schemas.microsoft.com/office/powerpoint/2010/main" val="1904345690"/>
+        <p14:creationId xmlns:p14="http://schemas.microsoft.com/office/powerpoint/2010/main" xmlns="" val="1904345690"/>
       </p:ext>
     </p:extLst>
   </p:cSld>
@@ -733,7 +733,7 @@
     </p:spTree>
     <p:extLst>
       <p:ext uri="{BB962C8B-B14F-4D97-AF65-F5344CB8AC3E}">
-        <p14:creationId xmlns="" xmlns:p14="http://schemas.microsoft.com/office/powerpoint/2010/main" val="1192273510"/>
+        <p14:creationId xmlns:p14="http://schemas.microsoft.com/office/powerpoint/2010/main" xmlns="" val="1192273510"/>
       </p:ext>
     </p:extLst>
   </p:cSld>
@@ -818,7 +818,7 @@
     </p:spTree>
     <p:extLst>
       <p:ext uri="{BB962C8B-B14F-4D97-AF65-F5344CB8AC3E}">
-        <p14:creationId xmlns="" xmlns:p14="http://schemas.microsoft.com/office/powerpoint/2010/main" val="1607070737"/>
+        <p14:creationId xmlns:p14="http://schemas.microsoft.com/office/powerpoint/2010/main" xmlns="" val="1607070737"/>
       </p:ext>
     </p:extLst>
   </p:cSld>
@@ -903,7 +903,7 @@
     </p:spTree>
     <p:extLst>
       <p:ext uri="{BB962C8B-B14F-4D97-AF65-F5344CB8AC3E}">
-        <p14:creationId xmlns="" xmlns:p14="http://schemas.microsoft.com/office/powerpoint/2010/main" val="1607070737"/>
+        <p14:creationId xmlns:p14="http://schemas.microsoft.com/office/powerpoint/2010/main" xmlns="" val="1607070737"/>
       </p:ext>
     </p:extLst>
   </p:cSld>
@@ -988,7 +988,7 @@
     </p:spTree>
     <p:extLst>
       <p:ext uri="{BB962C8B-B14F-4D97-AF65-F5344CB8AC3E}">
-        <p14:creationId xmlns="" xmlns:p14="http://schemas.microsoft.com/office/powerpoint/2010/main" val="1607070737"/>
+        <p14:creationId xmlns:p14="http://schemas.microsoft.com/office/powerpoint/2010/main" xmlns="" val="1607070737"/>
       </p:ext>
     </p:extLst>
   </p:cSld>
@@ -1073,7 +1073,7 @@
     </p:spTree>
     <p:extLst>
       <p:ext uri="{BB962C8B-B14F-4D97-AF65-F5344CB8AC3E}">
-        <p14:creationId xmlns="" xmlns:p14="http://schemas.microsoft.com/office/powerpoint/2010/main" val="1607070737"/>
+        <p14:creationId xmlns:p14="http://schemas.microsoft.com/office/powerpoint/2010/main" xmlns="" val="1607070737"/>
       </p:ext>
     </p:extLst>
   </p:cSld>
@@ -1158,7 +1158,7 @@
     </p:spTree>
     <p:extLst>
       <p:ext uri="{BB962C8B-B14F-4D97-AF65-F5344CB8AC3E}">
-        <p14:creationId xmlns="" xmlns:p14="http://schemas.microsoft.com/office/powerpoint/2010/main" val="1607070737"/>
+        <p14:creationId xmlns:p14="http://schemas.microsoft.com/office/powerpoint/2010/main" xmlns="" val="1607070737"/>
       </p:ext>
     </p:extLst>
   </p:cSld>
@@ -1243,7 +1243,7 @@
     </p:spTree>
     <p:extLst>
       <p:ext uri="{BB962C8B-B14F-4D97-AF65-F5344CB8AC3E}">
-        <p14:creationId xmlns="" xmlns:p14="http://schemas.microsoft.com/office/powerpoint/2010/main" val="1607070737"/>
+        <p14:creationId xmlns:p14="http://schemas.microsoft.com/office/powerpoint/2010/main" xmlns="" val="1607070737"/>
       </p:ext>
     </p:extLst>
   </p:cSld>
@@ -1328,7 +1328,7 @@
     </p:spTree>
     <p:extLst>
       <p:ext uri="{BB962C8B-B14F-4D97-AF65-F5344CB8AC3E}">
-        <p14:creationId xmlns="" xmlns:p14="http://schemas.microsoft.com/office/powerpoint/2010/main" val="1607070737"/>
+        <p14:creationId xmlns:p14="http://schemas.microsoft.com/office/powerpoint/2010/main" xmlns="" val="1607070737"/>
       </p:ext>
     </p:extLst>
   </p:cSld>
@@ -1413,7 +1413,7 @@
     </p:spTree>
     <p:extLst>
       <p:ext uri="{BB962C8B-B14F-4D97-AF65-F5344CB8AC3E}">
-        <p14:creationId xmlns="" xmlns:p14="http://schemas.microsoft.com/office/powerpoint/2010/main" val="1607070737"/>
+        <p14:creationId xmlns:p14="http://schemas.microsoft.com/office/powerpoint/2010/main" xmlns="" val="1607070737"/>
       </p:ext>
     </p:extLst>
   </p:cSld>
@@ -1498,7 +1498,7 @@
     </p:spTree>
     <p:extLst>
       <p:ext uri="{BB962C8B-B14F-4D97-AF65-F5344CB8AC3E}">
-        <p14:creationId xmlns="" xmlns:p14="http://schemas.microsoft.com/office/powerpoint/2010/main" val="1607070737"/>
+        <p14:creationId xmlns:p14="http://schemas.microsoft.com/office/powerpoint/2010/main" xmlns="" val="1607070737"/>
       </p:ext>
     </p:extLst>
   </p:cSld>
@@ -1583,7 +1583,7 @@
     </p:spTree>
     <p:extLst>
       <p:ext uri="{BB962C8B-B14F-4D97-AF65-F5344CB8AC3E}">
-        <p14:creationId xmlns="" xmlns:p14="http://schemas.microsoft.com/office/powerpoint/2010/main" val="1607070737"/>
+        <p14:creationId xmlns:p14="http://schemas.microsoft.com/office/powerpoint/2010/main" xmlns="" val="1607070737"/>
       </p:ext>
     </p:extLst>
   </p:cSld>
@@ -1668,7 +1668,7 @@
     </p:spTree>
     <p:extLst>
       <p:ext uri="{BB962C8B-B14F-4D97-AF65-F5344CB8AC3E}">
-        <p14:creationId xmlns="" xmlns:p14="http://schemas.microsoft.com/office/powerpoint/2010/main" val="1177561318"/>
+        <p14:creationId xmlns:p14="http://schemas.microsoft.com/office/powerpoint/2010/main" xmlns="" val="1177561318"/>
       </p:ext>
     </p:extLst>
   </p:cSld>
@@ -1753,7 +1753,7 @@
     </p:spTree>
     <p:extLst>
       <p:ext uri="{BB962C8B-B14F-4D97-AF65-F5344CB8AC3E}">
-        <p14:creationId xmlns="" xmlns:p14="http://schemas.microsoft.com/office/powerpoint/2010/main" val="1607070737"/>
+        <p14:creationId xmlns:p14="http://schemas.microsoft.com/office/powerpoint/2010/main" xmlns="" val="1607070737"/>
       </p:ext>
     </p:extLst>
   </p:cSld>
@@ -1838,7 +1838,7 @@
     </p:spTree>
     <p:extLst>
       <p:ext uri="{BB962C8B-B14F-4D97-AF65-F5344CB8AC3E}">
-        <p14:creationId xmlns="" xmlns:p14="http://schemas.microsoft.com/office/powerpoint/2010/main" val="1607070737"/>
+        <p14:creationId xmlns:p14="http://schemas.microsoft.com/office/powerpoint/2010/main" xmlns="" val="1607070737"/>
       </p:ext>
     </p:extLst>
   </p:cSld>
@@ -1923,7 +1923,7 @@
     </p:spTree>
     <p:extLst>
       <p:ext uri="{BB962C8B-B14F-4D97-AF65-F5344CB8AC3E}">
-        <p14:creationId xmlns="" xmlns:p14="http://schemas.microsoft.com/office/powerpoint/2010/main" val="1607070737"/>
+        <p14:creationId xmlns:p14="http://schemas.microsoft.com/office/powerpoint/2010/main" xmlns="" val="1607070737"/>
       </p:ext>
     </p:extLst>
   </p:cSld>
@@ -2008,7 +2008,7 @@
     </p:spTree>
     <p:extLst>
       <p:ext uri="{BB962C8B-B14F-4D97-AF65-F5344CB8AC3E}">
-        <p14:creationId xmlns="" xmlns:p14="http://schemas.microsoft.com/office/powerpoint/2010/main" val="1607070737"/>
+        <p14:creationId xmlns:p14="http://schemas.microsoft.com/office/powerpoint/2010/main" xmlns="" val="1607070737"/>
       </p:ext>
     </p:extLst>
   </p:cSld>
@@ -2093,7 +2093,7 @@
     </p:spTree>
     <p:extLst>
       <p:ext uri="{BB962C8B-B14F-4D97-AF65-F5344CB8AC3E}">
-        <p14:creationId xmlns="" xmlns:p14="http://schemas.microsoft.com/office/powerpoint/2010/main" val="1607070737"/>
+        <p14:creationId xmlns:p14="http://schemas.microsoft.com/office/powerpoint/2010/main" xmlns="" val="1607070737"/>
       </p:ext>
     </p:extLst>
   </p:cSld>
@@ -2178,7 +2178,7 @@
     </p:spTree>
     <p:extLst>
       <p:ext uri="{BB962C8B-B14F-4D97-AF65-F5344CB8AC3E}">
-        <p14:creationId xmlns="" xmlns:p14="http://schemas.microsoft.com/office/powerpoint/2010/main" val="1607070737"/>
+        <p14:creationId xmlns:p14="http://schemas.microsoft.com/office/powerpoint/2010/main" xmlns="" val="1607070737"/>
       </p:ext>
     </p:extLst>
   </p:cSld>
@@ -2263,7 +2263,7 @@
     </p:spTree>
     <p:extLst>
       <p:ext uri="{BB962C8B-B14F-4D97-AF65-F5344CB8AC3E}">
-        <p14:creationId xmlns="" xmlns:p14="http://schemas.microsoft.com/office/powerpoint/2010/main" val="1607070737"/>
+        <p14:creationId xmlns:p14="http://schemas.microsoft.com/office/powerpoint/2010/main" xmlns="" val="1607070737"/>
       </p:ext>
     </p:extLst>
   </p:cSld>
@@ -2348,7 +2348,7 @@
     </p:spTree>
     <p:extLst>
       <p:ext uri="{BB962C8B-B14F-4D97-AF65-F5344CB8AC3E}">
-        <p14:creationId xmlns="" xmlns:p14="http://schemas.microsoft.com/office/powerpoint/2010/main" val="2331768756"/>
+        <p14:creationId xmlns:p14="http://schemas.microsoft.com/office/powerpoint/2010/main" xmlns="" val="2331768756"/>
       </p:ext>
     </p:extLst>
   </p:cSld>
@@ -2433,7 +2433,7 @@
     </p:spTree>
     <p:extLst>
       <p:ext uri="{BB962C8B-B14F-4D97-AF65-F5344CB8AC3E}">
-        <p14:creationId xmlns="" xmlns:p14="http://schemas.microsoft.com/office/powerpoint/2010/main" val="1607070737"/>
+        <p14:creationId xmlns:p14="http://schemas.microsoft.com/office/powerpoint/2010/main" xmlns="" val="1607070737"/>
       </p:ext>
     </p:extLst>
   </p:cSld>
@@ -2518,7 +2518,7 @@
     </p:spTree>
     <p:extLst>
       <p:ext uri="{BB962C8B-B14F-4D97-AF65-F5344CB8AC3E}">
-        <p14:creationId xmlns="" xmlns:p14="http://schemas.microsoft.com/office/powerpoint/2010/main" val="1607070737"/>
+        <p14:creationId xmlns:p14="http://schemas.microsoft.com/office/powerpoint/2010/main" xmlns="" val="1607070737"/>
       </p:ext>
     </p:extLst>
   </p:cSld>
@@ -2603,7 +2603,7 @@
     </p:spTree>
     <p:extLst>
       <p:ext uri="{BB962C8B-B14F-4D97-AF65-F5344CB8AC3E}">
-        <p14:creationId xmlns="" xmlns:p14="http://schemas.microsoft.com/office/powerpoint/2010/main" val="1607070737"/>
+        <p14:creationId xmlns:p14="http://schemas.microsoft.com/office/powerpoint/2010/main" xmlns="" val="1607070737"/>
       </p:ext>
     </p:extLst>
   </p:cSld>
@@ -2688,7 +2688,7 @@
     </p:spTree>
     <p:extLst>
       <p:ext uri="{BB962C8B-B14F-4D97-AF65-F5344CB8AC3E}">
-        <p14:creationId xmlns="" xmlns:p14="http://schemas.microsoft.com/office/powerpoint/2010/main" val="1607070737"/>
+        <p14:creationId xmlns:p14="http://schemas.microsoft.com/office/powerpoint/2010/main" xmlns="" val="1607070737"/>
       </p:ext>
     </p:extLst>
   </p:cSld>
@@ -2773,7 +2773,7 @@
     </p:spTree>
     <p:extLst>
       <p:ext uri="{BB962C8B-B14F-4D97-AF65-F5344CB8AC3E}">
-        <p14:creationId xmlns="" xmlns:p14="http://schemas.microsoft.com/office/powerpoint/2010/main" val="1607070737"/>
+        <p14:creationId xmlns:p14="http://schemas.microsoft.com/office/powerpoint/2010/main" xmlns="" val="1607070737"/>
       </p:ext>
     </p:extLst>
   </p:cSld>
@@ -2858,7 +2858,7 @@
     </p:spTree>
     <p:extLst>
       <p:ext uri="{BB962C8B-B14F-4D97-AF65-F5344CB8AC3E}">
-        <p14:creationId xmlns="" xmlns:p14="http://schemas.microsoft.com/office/powerpoint/2010/main" val="1607070737"/>
+        <p14:creationId xmlns:p14="http://schemas.microsoft.com/office/powerpoint/2010/main" xmlns="" val="1607070737"/>
       </p:ext>
     </p:extLst>
   </p:cSld>
@@ -2943,7 +2943,7 @@
     </p:spTree>
     <p:extLst>
       <p:ext uri="{BB962C8B-B14F-4D97-AF65-F5344CB8AC3E}">
-        <p14:creationId xmlns="" xmlns:p14="http://schemas.microsoft.com/office/powerpoint/2010/main" val="1607070737"/>
+        <p14:creationId xmlns:p14="http://schemas.microsoft.com/office/powerpoint/2010/main" xmlns="" val="1607070737"/>
       </p:ext>
     </p:extLst>
   </p:cSld>
@@ -3335,7 +3335,7 @@
     </p:spTree>
     <p:extLst>
       <p:ext uri="{BB962C8B-B14F-4D97-AF65-F5344CB8AC3E}">
-        <p14:creationId xmlns="" xmlns:p14="http://schemas.microsoft.com/office/powerpoint/2010/main" val="963014868"/>
+        <p14:creationId xmlns:p14="http://schemas.microsoft.com/office/powerpoint/2010/main" xmlns="" val="963014868"/>
       </p:ext>
     </p:extLst>
   </p:cSld>
@@ -3532,7 +3532,7 @@
     </p:spTree>
     <p:extLst>
       <p:ext uri="{BB962C8B-B14F-4D97-AF65-F5344CB8AC3E}">
-        <p14:creationId xmlns="" xmlns:p14="http://schemas.microsoft.com/office/powerpoint/2010/main" val="4111934042"/>
+        <p14:creationId xmlns:p14="http://schemas.microsoft.com/office/powerpoint/2010/main" xmlns="" val="4111934042"/>
       </p:ext>
     </p:extLst>
   </p:cSld>
@@ -3801,7 +3801,7 @@
     </p:spTree>
     <p:extLst>
       <p:ext uri="{BB962C8B-B14F-4D97-AF65-F5344CB8AC3E}">
-        <p14:creationId xmlns="" xmlns:p14="http://schemas.microsoft.com/office/powerpoint/2010/main" val="328320137"/>
+        <p14:creationId xmlns:p14="http://schemas.microsoft.com/office/powerpoint/2010/main" xmlns="" val="328320137"/>
       </p:ext>
     </p:extLst>
   </p:cSld>
@@ -4020,7 +4020,7 @@
           <a:blip r:embed="rId2" cstate="print">
             <a:extLst>
               <a:ext uri="{28A0092B-C50C-407E-A947-70E740481C1C}">
-                <a14:useLocalDpi xmlns="" xmlns:a14="http://schemas.microsoft.com/office/drawing/2010/main" val="0"/>
+                <a14:useLocalDpi xmlns:a14="http://schemas.microsoft.com/office/drawing/2010/main" xmlns="" val="0"/>
               </a:ext>
             </a:extLst>
           </a:blip>
@@ -4043,14 +4043,14 @@
           </a:ln>
           <a:extLst>
             <a:ext uri="{909E8E84-426E-40DD-AFC4-6F175D3DCCD1}">
-              <a14:hiddenFill xmlns="" xmlns:a14="http://schemas.microsoft.com/office/drawing/2010/main">
+              <a14:hiddenFill xmlns:a14="http://schemas.microsoft.com/office/drawing/2010/main" xmlns="">
                 <a:solidFill>
                   <a:srgbClr val="FFFFFF"/>
                 </a:solidFill>
               </a14:hiddenFill>
             </a:ext>
             <a:ext uri="{91240B29-F687-4F45-9708-019B960494DF}">
-              <a14:hiddenLine xmlns="" xmlns:a14="http://schemas.microsoft.com/office/drawing/2010/main" w="9525">
+              <a14:hiddenLine xmlns:a14="http://schemas.microsoft.com/office/drawing/2010/main" xmlns="" w="9525">
                 <a:solidFill>
                   <a:srgbClr val="000000"/>
                 </a:solidFill>
@@ -4097,7 +4097,7 @@
           </a:sp3d>
           <a:extLst>
             <a:ext uri="{909E8E84-426E-40DD-AFC4-6F175D3DCCD1}">
-              <a14:hiddenFill xmlns="" xmlns:a14="http://schemas.microsoft.com/office/drawing/2010/main">
+              <a14:hiddenFill xmlns:a14="http://schemas.microsoft.com/office/drawing/2010/main" xmlns="">
                 <a:solidFill>
                   <a:srgbClr val="FFFFFF"/>
                 </a:solidFill>
@@ -4109,7 +4109,7 @@
     </p:spTree>
     <p:extLst>
       <p:ext uri="{BB962C8B-B14F-4D97-AF65-F5344CB8AC3E}">
-        <p14:creationId xmlns="" xmlns:p14="http://schemas.microsoft.com/office/powerpoint/2010/main" val="2271989134"/>
+        <p14:creationId xmlns:p14="http://schemas.microsoft.com/office/powerpoint/2010/main" xmlns="" val="2271989134"/>
       </p:ext>
     </p:extLst>
   </p:cSld>
@@ -4325,7 +4325,7 @@
     </p:spTree>
     <p:extLst>
       <p:ext uri="{BB962C8B-B14F-4D97-AF65-F5344CB8AC3E}">
-        <p14:creationId xmlns="" xmlns:p14="http://schemas.microsoft.com/office/powerpoint/2010/main" val="2777282408"/>
+        <p14:creationId xmlns:p14="http://schemas.microsoft.com/office/powerpoint/2010/main" xmlns="" val="2777282408"/>
       </p:ext>
     </p:extLst>
   </p:cSld>
@@ -4630,7 +4630,7 @@
     </p:spTree>
     <p:extLst>
       <p:ext uri="{BB962C8B-B14F-4D97-AF65-F5344CB8AC3E}">
-        <p14:creationId xmlns="" xmlns:p14="http://schemas.microsoft.com/office/powerpoint/2010/main" val="3746822500"/>
+        <p14:creationId xmlns:p14="http://schemas.microsoft.com/office/powerpoint/2010/main" xmlns="" val="3746822500"/>
       </p:ext>
     </p:extLst>
   </p:cSld>
@@ -5081,7 +5081,7 @@
     </p:spTree>
     <p:extLst>
       <p:ext uri="{BB962C8B-B14F-4D97-AF65-F5344CB8AC3E}">
-        <p14:creationId xmlns="" xmlns:p14="http://schemas.microsoft.com/office/powerpoint/2010/main" val="362530932"/>
+        <p14:creationId xmlns:p14="http://schemas.microsoft.com/office/powerpoint/2010/main" xmlns="" val="362530932"/>
       </p:ext>
     </p:extLst>
   </p:cSld>
@@ -5216,7 +5216,7 @@
     </p:spTree>
     <p:extLst>
       <p:ext uri="{BB962C8B-B14F-4D97-AF65-F5344CB8AC3E}">
-        <p14:creationId xmlns="" xmlns:p14="http://schemas.microsoft.com/office/powerpoint/2010/main" val="2891360884"/>
+        <p14:creationId xmlns:p14="http://schemas.microsoft.com/office/powerpoint/2010/main" xmlns="" val="2891360884"/>
       </p:ext>
     </p:extLst>
   </p:cSld>
@@ -5335,7 +5335,7 @@
     </p:spTree>
     <p:extLst>
       <p:ext uri="{BB962C8B-B14F-4D97-AF65-F5344CB8AC3E}">
-        <p14:creationId xmlns="" xmlns:p14="http://schemas.microsoft.com/office/powerpoint/2010/main" val="3432399595"/>
+        <p14:creationId xmlns:p14="http://schemas.microsoft.com/office/powerpoint/2010/main" xmlns="" val="3432399595"/>
       </p:ext>
     </p:extLst>
   </p:cSld>
@@ -5629,7 +5629,7 @@
     </p:spTree>
     <p:extLst>
       <p:ext uri="{BB962C8B-B14F-4D97-AF65-F5344CB8AC3E}">
-        <p14:creationId xmlns="" xmlns:p14="http://schemas.microsoft.com/office/powerpoint/2010/main" val="4293005441"/>
+        <p14:creationId xmlns:p14="http://schemas.microsoft.com/office/powerpoint/2010/main" xmlns="" val="4293005441"/>
       </p:ext>
     </p:extLst>
   </p:cSld>
@@ -5903,7 +5903,7 @@
     </p:spTree>
     <p:extLst>
       <p:ext uri="{BB962C8B-B14F-4D97-AF65-F5344CB8AC3E}">
-        <p14:creationId xmlns="" xmlns:p14="http://schemas.microsoft.com/office/powerpoint/2010/main" val="2906465712"/>
+        <p14:creationId xmlns:p14="http://schemas.microsoft.com/office/powerpoint/2010/main" xmlns="" val="2906465712"/>
       </p:ext>
     </p:extLst>
   </p:cSld>
@@ -5970,14 +5970,14 @@
           <a:effectLst/>
           <a:extLst>
             <a:ext uri="{909E8E84-426E-40DD-AFC4-6F175D3DCCD1}">
-              <a14:hiddenFill xmlns="" xmlns:a14="http://schemas.microsoft.com/office/drawing/2010/main">
+              <a14:hiddenFill xmlns:a14="http://schemas.microsoft.com/office/drawing/2010/main" xmlns="">
                 <a:solidFill>
                   <a:schemeClr val="accent1"/>
                 </a:solidFill>
               </a14:hiddenFill>
             </a:ext>
             <a:ext uri="{91240B29-F687-4F45-9708-019B960494DF}">
-              <a14:hiddenLine xmlns="" xmlns:a14="http://schemas.microsoft.com/office/drawing/2010/main" w="9525">
+              <a14:hiddenLine xmlns:a14="http://schemas.microsoft.com/office/drawing/2010/main" xmlns="" w="9525">
                 <a:solidFill>
                   <a:schemeClr val="tx1"/>
                 </a:solidFill>
@@ -5987,7 +5987,7 @@
               </a14:hiddenLine>
             </a:ext>
             <a:ext uri="{AF507438-7753-43E0-B8FC-AC1667EBCBE1}">
-              <a14:hiddenEffects xmlns="" xmlns:a14="http://schemas.microsoft.com/office/drawing/2010/main">
+              <a14:hiddenEffects xmlns:a14="http://schemas.microsoft.com/office/drawing/2010/main" xmlns="">
                 <a:effectLst>
                   <a:outerShdw dist="35921" dir="2700000" algn="ctr" rotWithShape="0">
                     <a:schemeClr val="bg2"/>
@@ -6039,14 +6039,14 @@
           <a:effectLst/>
           <a:extLst>
             <a:ext uri="{909E8E84-426E-40DD-AFC4-6F175D3DCCD1}">
-              <a14:hiddenFill xmlns="" xmlns:a14="http://schemas.microsoft.com/office/drawing/2010/main">
+              <a14:hiddenFill xmlns:a14="http://schemas.microsoft.com/office/drawing/2010/main" xmlns="">
                 <a:solidFill>
                   <a:schemeClr val="accent1"/>
                 </a:solidFill>
               </a14:hiddenFill>
             </a:ext>
             <a:ext uri="{91240B29-F687-4F45-9708-019B960494DF}">
-              <a14:hiddenLine xmlns="" xmlns:a14="http://schemas.microsoft.com/office/drawing/2010/main" w="9525">
+              <a14:hiddenLine xmlns:a14="http://schemas.microsoft.com/office/drawing/2010/main" xmlns="" w="9525">
                 <a:solidFill>
                   <a:schemeClr val="tx1"/>
                 </a:solidFill>
@@ -6056,7 +6056,7 @@
               </a14:hiddenLine>
             </a:ext>
             <a:ext uri="{AF507438-7753-43E0-B8FC-AC1667EBCBE1}">
-              <a14:hiddenEffects xmlns="" xmlns:a14="http://schemas.microsoft.com/office/drawing/2010/main">
+              <a14:hiddenEffects xmlns:a14="http://schemas.microsoft.com/office/drawing/2010/main" xmlns="">
                 <a:effectLst>
                   <a:outerShdw dist="35921" dir="2700000" algn="ctr" rotWithShape="0">
                     <a:schemeClr val="bg2"/>
@@ -6136,14 +6136,14 @@
           <a:effectLst/>
           <a:extLst>
             <a:ext uri="{909E8E84-426E-40DD-AFC4-6F175D3DCCD1}">
-              <a14:hiddenFill xmlns="" xmlns:a14="http://schemas.microsoft.com/office/drawing/2010/main">
+              <a14:hiddenFill xmlns:a14="http://schemas.microsoft.com/office/drawing/2010/main" xmlns="">
                 <a:solidFill>
                   <a:schemeClr val="accent1"/>
                 </a:solidFill>
               </a14:hiddenFill>
             </a:ext>
             <a:ext uri="{91240B29-F687-4F45-9708-019B960494DF}">
-              <a14:hiddenLine xmlns="" xmlns:a14="http://schemas.microsoft.com/office/drawing/2010/main" w="9525">
+              <a14:hiddenLine xmlns:a14="http://schemas.microsoft.com/office/drawing/2010/main" xmlns="" w="9525">
                 <a:solidFill>
                   <a:schemeClr val="tx1"/>
                 </a:solidFill>
@@ -6153,7 +6153,7 @@
               </a14:hiddenLine>
             </a:ext>
             <a:ext uri="{AF507438-7753-43E0-B8FC-AC1667EBCBE1}">
-              <a14:hiddenEffects xmlns="" xmlns:a14="http://schemas.microsoft.com/office/drawing/2010/main">
+              <a14:hiddenEffects xmlns:a14="http://schemas.microsoft.com/office/drawing/2010/main" xmlns="">
                 <a:effectLst>
                   <a:outerShdw dist="35921" dir="2700000" algn="ctr" rotWithShape="0">
                     <a:schemeClr val="bg2"/>
@@ -6215,14 +6215,14 @@
           <a:effectLst/>
           <a:extLst>
             <a:ext uri="{909E8E84-426E-40DD-AFC4-6F175D3DCCD1}">
-              <a14:hiddenFill xmlns="" xmlns:a14="http://schemas.microsoft.com/office/drawing/2010/main">
+              <a14:hiddenFill xmlns:a14="http://schemas.microsoft.com/office/drawing/2010/main" xmlns="">
                 <a:solidFill>
                   <a:schemeClr val="accent1"/>
                 </a:solidFill>
               </a14:hiddenFill>
             </a:ext>
             <a:ext uri="{91240B29-F687-4F45-9708-019B960494DF}">
-              <a14:hiddenLine xmlns="" xmlns:a14="http://schemas.microsoft.com/office/drawing/2010/main" w="9525">
+              <a14:hiddenLine xmlns:a14="http://schemas.microsoft.com/office/drawing/2010/main" xmlns="" w="9525">
                 <a:solidFill>
                   <a:schemeClr val="tx1"/>
                 </a:solidFill>
@@ -6232,7 +6232,7 @@
               </a14:hiddenLine>
             </a:ext>
             <a:ext uri="{AF507438-7753-43E0-B8FC-AC1667EBCBE1}">
-              <a14:hiddenEffects xmlns="" xmlns:a14="http://schemas.microsoft.com/office/drawing/2010/main">
+              <a14:hiddenEffects xmlns:a14="http://schemas.microsoft.com/office/drawing/2010/main" xmlns="">
                 <a:effectLst>
                   <a:outerShdw dist="35921" dir="2700000" algn="ctr" rotWithShape="0">
                     <a:schemeClr val="bg2"/>
@@ -6289,14 +6289,14 @@
           <a:effectLst/>
           <a:extLst>
             <a:ext uri="{909E8E84-426E-40DD-AFC4-6F175D3DCCD1}">
-              <a14:hiddenFill xmlns="" xmlns:a14="http://schemas.microsoft.com/office/drawing/2010/main">
+              <a14:hiddenFill xmlns:a14="http://schemas.microsoft.com/office/drawing/2010/main" xmlns="">
                 <a:solidFill>
                   <a:schemeClr val="accent1"/>
                 </a:solidFill>
               </a14:hiddenFill>
             </a:ext>
             <a:ext uri="{91240B29-F687-4F45-9708-019B960494DF}">
-              <a14:hiddenLine xmlns="" xmlns:a14="http://schemas.microsoft.com/office/drawing/2010/main" w="9525">
+              <a14:hiddenLine xmlns:a14="http://schemas.microsoft.com/office/drawing/2010/main" xmlns="" w="9525">
                 <a:solidFill>
                   <a:schemeClr val="tx1"/>
                 </a:solidFill>
@@ -6306,7 +6306,7 @@
               </a14:hiddenLine>
             </a:ext>
             <a:ext uri="{AF507438-7753-43E0-B8FC-AC1667EBCBE1}">
-              <a14:hiddenEffects xmlns="" xmlns:a14="http://schemas.microsoft.com/office/drawing/2010/main">
+              <a14:hiddenEffects xmlns:a14="http://schemas.microsoft.com/office/drawing/2010/main" xmlns="">
                 <a:effectLst>
                   <a:outerShdw dist="35921" dir="2700000" algn="ctr" rotWithShape="0">
                     <a:schemeClr val="bg2"/>
@@ -6884,7 +6884,7 @@
           </a:sp3d>
           <a:extLst>
             <a:ext uri="{909E8E84-426E-40DD-AFC4-6F175D3DCCD1}">
-              <a14:hiddenFill xmlns="" xmlns:a14="http://schemas.microsoft.com/office/drawing/2010/main">
+              <a14:hiddenFill xmlns:a14="http://schemas.microsoft.com/office/drawing/2010/main" xmlns="">
                 <a:solidFill>
                   <a:srgbClr val="FFFFFF"/>
                 </a:solidFill>
@@ -6896,7 +6896,7 @@
     </p:spTree>
     <p:extLst>
       <p:ext uri="{BB962C8B-B14F-4D97-AF65-F5344CB8AC3E}">
-        <p14:creationId xmlns="" xmlns:p14="http://schemas.microsoft.com/office/powerpoint/2010/main" val="4221319903"/>
+        <p14:creationId xmlns:p14="http://schemas.microsoft.com/office/powerpoint/2010/main" xmlns="" val="4221319903"/>
       </p:ext>
     </p:extLst>
   </p:cSld>
@@ -7252,7 +7252,7 @@
     </p:spTree>
     <p:extLst>
       <p:ext uri="{BB962C8B-B14F-4D97-AF65-F5344CB8AC3E}">
-        <p14:creationId xmlns="" xmlns:p14="http://schemas.microsoft.com/office/powerpoint/2010/main" val="3426603863"/>
+        <p14:creationId xmlns:p14="http://schemas.microsoft.com/office/powerpoint/2010/main" xmlns="" val="3426603863"/>
       </p:ext>
     </p:extLst>
   </p:cSld>
@@ -7487,45 +7487,25 @@
               <a:t>	</a:t>
             </a:r>
             <a:r>
-              <a:rPr lang="ko-KR" altLang="en-US" dirty="0" smtClean="0"/>
-              <a:t>영문</a:t>
-            </a:r>
-            <a:r>
-              <a:rPr lang="en-US" altLang="ko-KR" dirty="0" smtClean="0"/>
-              <a:t>: </a:t>
-            </a:r>
-            <a:r>
               <a:rPr lang="en-US" altLang="ko-KR" dirty="0" smtClean="0">
                 <a:hlinkClick r:id="rId6"/>
               </a:rPr>
-              <a:t>http://www.git-scm.com/book</a:t>
+              <a:t>http</a:t>
+            </a:r>
+            <a:r>
+              <a:rPr lang="en-US" altLang="ko-KR" dirty="0" smtClean="0">
+                <a:hlinkClick r:id="rId6"/>
+              </a:rPr>
+              <a:t>://www.git-scm.com/book</a:t>
             </a:r>
             <a:endParaRPr lang="en-US" altLang="ko-KR" dirty="0" smtClean="0"/>
           </a:p>
           <a:p>
             <a:pPr lvl="1"/>
             <a:r>
-              <a:rPr lang="en-US" altLang="ko-KR" dirty="0" smtClean="0"/>
+              <a:rPr lang="en-US" altLang="ko-KR" smtClean="0"/>
               <a:t>	</a:t>
             </a:r>
-            <a:r>
-              <a:rPr lang="ko-KR" altLang="en-US" dirty="0" smtClean="0"/>
-              <a:t>한글</a:t>
-            </a:r>
-            <a:r>
-              <a:rPr lang="en-US" altLang="ko-KR" dirty="0" smtClean="0"/>
-              <a:t>: </a:t>
-            </a:r>
-            <a:r>
-              <a:rPr lang="en-US" altLang="ko-KR" dirty="0" smtClean="0">
-                <a:hlinkClick r:id="rId7"/>
-              </a:rPr>
-              <a:t>http://www.git-scm.com/book/ko</a:t>
-            </a:r>
-            <a:endParaRPr lang="en-US" altLang="ko-KR" dirty="0" smtClean="0"/>
-          </a:p>
-          <a:p>
-            <a:pPr lvl="1"/>
             <a:endParaRPr lang="en-US" altLang="ko-KR" dirty="0" smtClean="0"/>
           </a:p>
           <a:p>
@@ -7544,7 +7524,7 @@
     </p:spTree>
     <p:extLst>
       <p:ext uri="{BB962C8B-B14F-4D97-AF65-F5344CB8AC3E}">
-        <p14:creationId xmlns="" xmlns:p14="http://schemas.microsoft.com/office/powerpoint/2010/main" val="3426603863"/>
+        <p14:creationId xmlns:p14="http://schemas.microsoft.com/office/powerpoint/2010/main" xmlns="" val="3426603863"/>
       </p:ext>
     </p:extLst>
   </p:cSld>
@@ -8313,7 +8293,7 @@
     </p:spTree>
     <p:extLst>
       <p:ext uri="{BB962C8B-B14F-4D97-AF65-F5344CB8AC3E}">
-        <p14:creationId xmlns="" xmlns:p14="http://schemas.microsoft.com/office/powerpoint/2010/main" val="3426603863"/>
+        <p14:creationId xmlns:p14="http://schemas.microsoft.com/office/powerpoint/2010/main" xmlns="" val="3426603863"/>
       </p:ext>
     </p:extLst>
   </p:cSld>
@@ -9581,7 +9561,7 @@
     </p:spTree>
     <p:extLst>
       <p:ext uri="{BB962C8B-B14F-4D97-AF65-F5344CB8AC3E}">
-        <p14:creationId xmlns="" xmlns:p14="http://schemas.microsoft.com/office/powerpoint/2010/main" val="3426603863"/>
+        <p14:creationId xmlns:p14="http://schemas.microsoft.com/office/powerpoint/2010/main" xmlns="" val="3426603863"/>
       </p:ext>
     </p:extLst>
   </p:cSld>
@@ -10365,7 +10345,7 @@
     </p:spTree>
     <p:extLst>
       <p:ext uri="{BB962C8B-B14F-4D97-AF65-F5344CB8AC3E}">
-        <p14:creationId xmlns="" xmlns:p14="http://schemas.microsoft.com/office/powerpoint/2010/main" val="3426603863"/>
+        <p14:creationId xmlns:p14="http://schemas.microsoft.com/office/powerpoint/2010/main" xmlns="" val="3426603863"/>
       </p:ext>
     </p:extLst>
   </p:cSld>
@@ -10616,7 +10596,7 @@
     </p:spTree>
     <p:extLst>
       <p:ext uri="{BB962C8B-B14F-4D97-AF65-F5344CB8AC3E}">
-        <p14:creationId xmlns="" xmlns:p14="http://schemas.microsoft.com/office/powerpoint/2010/main" val="3426603863"/>
+        <p14:creationId xmlns:p14="http://schemas.microsoft.com/office/powerpoint/2010/main" xmlns="" val="3426603863"/>
       </p:ext>
     </p:extLst>
   </p:cSld>
@@ -10735,7 +10715,7 @@
         </p:nvGraphicFramePr>
         <p:xfrm>
           <a:off x="179512" y="1196752"/>
-          <a:ext cx="8784978" cy="3495675"/>
+          <a:ext cx="8784978" cy="3328035"/>
         </p:xfrm>
         <a:graphic>
           <a:graphicData uri="http://schemas.openxmlformats.org/drawingml/2006/table">
@@ -10761,9 +10741,10 @@
                       <a:r>
                         <a:rPr lang="ko-KR" altLang="en-US" sz="1100" b="0" i="0" u="none" strike="noStrike" dirty="0">
                           <a:solidFill>
-                            <a:srgbClr val="000000"/>
+                            <a:schemeClr val="tx1"/>
                           </a:solidFill>
-                          <a:latin typeface="Verdana" pitchFamily="34" charset="0"/>
+                          <a:latin typeface="나눔고딕" pitchFamily="50" charset="-127"/>
+                          <a:ea typeface="나눔고딕" pitchFamily="50" charset="-127"/>
                           <a:cs typeface="Verdana" pitchFamily="34" charset="0"/>
                         </a:rPr>
                         <a:t>구분</a:t>
@@ -10781,9 +10762,10 @@
                       <a:r>
                         <a:rPr lang="ko-KR" altLang="en-US" sz="1100" b="0" i="0" u="none" strike="noStrike" dirty="0">
                           <a:solidFill>
-                            <a:srgbClr val="000000"/>
+                            <a:schemeClr val="tx1"/>
                           </a:solidFill>
-                          <a:latin typeface="Verdana" pitchFamily="34" charset="0"/>
+                          <a:latin typeface="나눔고딕" pitchFamily="50" charset="-127"/>
+                          <a:ea typeface="나눔고딕" pitchFamily="50" charset="-127"/>
                           <a:cs typeface="Verdana" pitchFamily="34" charset="0"/>
                         </a:rPr>
                         <a:t>명령어</a:t>
@@ -10801,10 +10783,10 @@
                       <a:r>
                         <a:rPr lang="en-US" sz="1100" b="0" i="0" u="none" strike="noStrike" dirty="0">
                           <a:solidFill>
-                            <a:srgbClr val="000000"/>
+                            <a:schemeClr val="tx1"/>
                           </a:solidFill>
-                          <a:latin typeface="Verdana" pitchFamily="34" charset="0"/>
-                          <a:ea typeface="Verdana" pitchFamily="34" charset="0"/>
+                          <a:latin typeface="나눔고딕" pitchFamily="50" charset="-127"/>
+                          <a:ea typeface="나눔고딕" pitchFamily="50" charset="-127"/>
                           <a:cs typeface="Verdana" pitchFamily="34" charset="0"/>
                         </a:rPr>
                         <a:t>working </a:t>
@@ -10812,20 +10794,20 @@
                       <a:br>
                         <a:rPr lang="en-US" sz="1100" b="0" i="0" u="none" strike="noStrike" dirty="0">
                           <a:solidFill>
-                            <a:srgbClr val="000000"/>
+                            <a:schemeClr val="tx1"/>
                           </a:solidFill>
-                          <a:latin typeface="Verdana" pitchFamily="34" charset="0"/>
-                          <a:ea typeface="Verdana" pitchFamily="34" charset="0"/>
+                          <a:latin typeface="나눔고딕" pitchFamily="50" charset="-127"/>
+                          <a:ea typeface="나눔고딕" pitchFamily="50" charset="-127"/>
                           <a:cs typeface="Verdana" pitchFamily="34" charset="0"/>
                         </a:rPr>
                       </a:br>
                       <a:r>
                         <a:rPr lang="en-US" sz="1100" b="0" i="0" u="none" strike="noStrike" dirty="0">
                           <a:solidFill>
-                            <a:srgbClr val="000000"/>
+                            <a:schemeClr val="tx1"/>
                           </a:solidFill>
-                          <a:latin typeface="Verdana" pitchFamily="34" charset="0"/>
-                          <a:ea typeface="Verdana" pitchFamily="34" charset="0"/>
+                          <a:latin typeface="나눔고딕" pitchFamily="50" charset="-127"/>
+                          <a:ea typeface="나눔고딕" pitchFamily="50" charset="-127"/>
                           <a:cs typeface="Verdana" pitchFamily="34" charset="0"/>
                         </a:rPr>
                         <a:t>directory</a:t>
@@ -10843,10 +10825,10 @@
                       <a:r>
                         <a:rPr lang="en-US" sz="1100" b="0" i="0" u="none" strike="noStrike">
                           <a:solidFill>
-                            <a:srgbClr val="000000"/>
+                            <a:schemeClr val="tx1"/>
                           </a:solidFill>
-                          <a:latin typeface="Verdana" pitchFamily="34" charset="0"/>
-                          <a:ea typeface="Verdana" pitchFamily="34" charset="0"/>
+                          <a:latin typeface="나눔고딕" pitchFamily="50" charset="-127"/>
+                          <a:ea typeface="나눔고딕" pitchFamily="50" charset="-127"/>
                           <a:cs typeface="Verdana" pitchFamily="34" charset="0"/>
                         </a:rPr>
                         <a:t>staging </a:t>
@@ -10854,20 +10836,20 @@
                       <a:br>
                         <a:rPr lang="en-US" sz="1100" b="0" i="0" u="none" strike="noStrike">
                           <a:solidFill>
-                            <a:srgbClr val="000000"/>
+                            <a:schemeClr val="tx1"/>
                           </a:solidFill>
-                          <a:latin typeface="Verdana" pitchFamily="34" charset="0"/>
-                          <a:ea typeface="Verdana" pitchFamily="34" charset="0"/>
+                          <a:latin typeface="나눔고딕" pitchFamily="50" charset="-127"/>
+                          <a:ea typeface="나눔고딕" pitchFamily="50" charset="-127"/>
                           <a:cs typeface="Verdana" pitchFamily="34" charset="0"/>
                         </a:rPr>
                       </a:br>
                       <a:r>
                         <a:rPr lang="en-US" sz="1100" b="0" i="0" u="none" strike="noStrike">
                           <a:solidFill>
-                            <a:srgbClr val="000000"/>
+                            <a:schemeClr val="tx1"/>
                           </a:solidFill>
-                          <a:latin typeface="Verdana" pitchFamily="34" charset="0"/>
-                          <a:ea typeface="Verdana" pitchFamily="34" charset="0"/>
+                          <a:latin typeface="나눔고딕" pitchFamily="50" charset="-127"/>
+                          <a:ea typeface="나눔고딕" pitchFamily="50" charset="-127"/>
                           <a:cs typeface="Verdana" pitchFamily="34" charset="0"/>
                         </a:rPr>
                         <a:t>area</a:t>
@@ -10885,10 +10867,10 @@
                       <a:r>
                         <a:rPr lang="en-US" sz="1100" b="0" i="0" u="none" strike="noStrike">
                           <a:solidFill>
-                            <a:srgbClr val="000000"/>
+                            <a:schemeClr val="tx1"/>
                           </a:solidFill>
-                          <a:latin typeface="Verdana" pitchFamily="34" charset="0"/>
-                          <a:ea typeface="Verdana" pitchFamily="34" charset="0"/>
+                          <a:latin typeface="나눔고딕" pitchFamily="50" charset="-127"/>
+                          <a:ea typeface="나눔고딕" pitchFamily="50" charset="-127"/>
                           <a:cs typeface="Verdana" pitchFamily="34" charset="0"/>
                         </a:rPr>
                         <a:t>repository </a:t>
@@ -10896,20 +10878,20 @@
                       <a:br>
                         <a:rPr lang="en-US" sz="1100" b="0" i="0" u="none" strike="noStrike">
                           <a:solidFill>
-                            <a:srgbClr val="000000"/>
+                            <a:schemeClr val="tx1"/>
                           </a:solidFill>
-                          <a:latin typeface="Verdana" pitchFamily="34" charset="0"/>
-                          <a:ea typeface="Verdana" pitchFamily="34" charset="0"/>
+                          <a:latin typeface="나눔고딕" pitchFamily="50" charset="-127"/>
+                          <a:ea typeface="나눔고딕" pitchFamily="50" charset="-127"/>
                           <a:cs typeface="Verdana" pitchFamily="34" charset="0"/>
                         </a:rPr>
                       </a:br>
                       <a:r>
                         <a:rPr lang="en-US" sz="1100" b="0" i="0" u="none" strike="noStrike">
                           <a:solidFill>
-                            <a:srgbClr val="000000"/>
+                            <a:schemeClr val="tx1"/>
                           </a:solidFill>
-                          <a:latin typeface="Verdana" pitchFamily="34" charset="0"/>
-                          <a:ea typeface="Verdana" pitchFamily="34" charset="0"/>
+                          <a:latin typeface="나눔고딕" pitchFamily="50" charset="-127"/>
+                          <a:ea typeface="나눔고딕" pitchFamily="50" charset="-127"/>
                           <a:cs typeface="Verdana" pitchFamily="34" charset="0"/>
                         </a:rPr>
                         <a:t>directory</a:t>
@@ -10927,9 +10909,10 @@
                       <a:r>
                         <a:rPr lang="ko-KR" altLang="en-US" sz="1100" b="0" i="0" u="none" strike="noStrike" dirty="0">
                           <a:solidFill>
-                            <a:srgbClr val="000000"/>
+                            <a:schemeClr val="tx1"/>
                           </a:solidFill>
-                          <a:latin typeface="Verdana" pitchFamily="34" charset="0"/>
+                          <a:latin typeface="나눔고딕" pitchFamily="50" charset="-127"/>
+                          <a:ea typeface="나눔고딕" pitchFamily="50" charset="-127"/>
                           <a:cs typeface="Verdana" pitchFamily="34" charset="0"/>
                         </a:rPr>
                         <a:t>기타</a:t>
@@ -10949,9 +10932,10 @@
                       <a:r>
                         <a:rPr lang="ko-KR" altLang="en-US" sz="1100" b="0" i="0" u="none" strike="noStrike">
                           <a:solidFill>
-                            <a:srgbClr val="000000"/>
+                            <a:schemeClr val="tx1"/>
                           </a:solidFill>
-                          <a:latin typeface="Verdana" pitchFamily="34" charset="0"/>
+                          <a:latin typeface="나눔고딕" pitchFamily="50" charset="-127"/>
+                          <a:ea typeface="나눔고딕" pitchFamily="50" charset="-127"/>
                           <a:cs typeface="Verdana" pitchFamily="34" charset="0"/>
                         </a:rPr>
                         <a:t>파일</a:t>
@@ -10969,10 +10953,10 @@
                       <a:r>
                         <a:rPr lang="en-US" sz="1100" b="0" i="0" u="none" strike="noStrike" dirty="0">
                           <a:solidFill>
-                            <a:srgbClr val="000000"/>
+                            <a:schemeClr val="tx1"/>
                           </a:solidFill>
-                          <a:latin typeface="Verdana" pitchFamily="34" charset="0"/>
-                          <a:ea typeface="Verdana" pitchFamily="34" charset="0"/>
+                          <a:latin typeface="나눔고딕" pitchFamily="50" charset="-127"/>
+                          <a:ea typeface="나눔고딕" pitchFamily="50" charset="-127"/>
                           <a:cs typeface="Verdana" pitchFamily="34" charset="0"/>
                         </a:rPr>
                         <a:t>checkout -- </a:t>
@@ -10980,9 +10964,10 @@
                       <a:r>
                         <a:rPr lang="ko-KR" altLang="en-US" sz="1100" b="0" i="0" u="none" strike="noStrike" dirty="0">
                           <a:solidFill>
-                            <a:srgbClr val="000000"/>
+                            <a:schemeClr val="tx1"/>
                           </a:solidFill>
-                          <a:latin typeface="Verdana" pitchFamily="34" charset="0"/>
+                          <a:latin typeface="나눔고딕" pitchFamily="50" charset="-127"/>
+                          <a:ea typeface="나눔고딕" pitchFamily="50" charset="-127"/>
                           <a:cs typeface="Verdana" pitchFamily="34" charset="0"/>
                         </a:rPr>
                         <a:t>파일</a:t>
@@ -11000,9 +10985,10 @@
                       <a:r>
                         <a:rPr lang="ko-KR" altLang="en-US" sz="1100" b="0" i="0" u="none" strike="noStrike" dirty="0">
                           <a:solidFill>
-                            <a:srgbClr val="000000"/>
+                            <a:schemeClr val="tx1"/>
                           </a:solidFill>
-                          <a:latin typeface="Verdana" pitchFamily="34" charset="0"/>
+                          <a:latin typeface="나눔고딕" pitchFamily="50" charset="-127"/>
+                          <a:ea typeface="나눔고딕" pitchFamily="50" charset="-127"/>
                           <a:cs typeface="Verdana" pitchFamily="34" charset="0"/>
                         </a:rPr>
                         <a:t>취소</a:t>
@@ -11020,9 +11006,10 @@
                       <a:r>
                         <a:rPr lang="ko-KR" altLang="en-US" sz="1100" b="0" i="0" u="none" strike="noStrike">
                           <a:solidFill>
-                            <a:srgbClr val="000000"/>
+                            <a:schemeClr val="tx1"/>
                           </a:solidFill>
-                          <a:latin typeface="Verdana" pitchFamily="34" charset="0"/>
+                          <a:latin typeface="나눔고딕" pitchFamily="50" charset="-127"/>
+                          <a:ea typeface="나눔고딕" pitchFamily="50" charset="-127"/>
                           <a:cs typeface="Verdana" pitchFamily="34" charset="0"/>
                         </a:rPr>
                         <a:t>유지</a:t>
@@ -11040,9 +11027,10 @@
                       <a:r>
                         <a:rPr lang="ko-KR" altLang="en-US" sz="1100" b="0" i="0" u="none" strike="noStrike">
                           <a:solidFill>
-                            <a:srgbClr val="000000"/>
+                            <a:schemeClr val="tx1"/>
                           </a:solidFill>
-                          <a:latin typeface="Verdana" pitchFamily="34" charset="0"/>
+                          <a:latin typeface="나눔고딕" pitchFamily="50" charset="-127"/>
+                          <a:ea typeface="나눔고딕" pitchFamily="50" charset="-127"/>
                           <a:cs typeface="Verdana" pitchFamily="34" charset="0"/>
                         </a:rPr>
                         <a:t>유지</a:t>
@@ -11060,9 +11048,139 @@
                       <a:r>
                         <a:rPr lang="ko-KR" altLang="en-US" sz="1100" b="0" i="0" u="none" strike="noStrike">
                           <a:solidFill>
-                            <a:srgbClr val="000000"/>
+                            <a:schemeClr val="tx1"/>
                           </a:solidFill>
-                          <a:latin typeface="Verdana" pitchFamily="34" charset="0"/>
+                          <a:latin typeface="나눔고딕" pitchFamily="50" charset="-127"/>
+                          <a:ea typeface="나눔고딕" pitchFamily="50" charset="-127"/>
+                          <a:cs typeface="Verdana" pitchFamily="34" charset="0"/>
+                        </a:rPr>
+                        <a:t>　</a:t>
+                      </a:r>
+                    </a:p>
+                  </a:txBody>
+                  <a:tcPr marL="9525" marR="9525" marT="9525" marB="0" anchor="ctr"/>
+                </a:tc>
+              </a:tr>
+              <a:tr h="0">
+                <a:tc vMerge="1">
+                  <a:txBody>
+                    <a:bodyPr/>
+                    <a:lstStyle/>
+                    <a:p>
+                      <a:pPr latinLnBrk="1"/>
+                      <a:endParaRPr lang="ko-KR" altLang="en-US"/>
+                    </a:p>
+                  </a:txBody>
+                  <a:tcPr/>
+                </a:tc>
+                <a:tc>
+                  <a:txBody>
+                    <a:bodyPr/>
+                    <a:lstStyle/>
+                    <a:p>
+                      <a:pPr algn="l" fontAlgn="ctr"/>
+                      <a:r>
+                        <a:rPr lang="en-US" sz="1100" b="0" i="0" u="none" strike="noStrike" dirty="0">
+                          <a:solidFill>
+                            <a:schemeClr val="tx1"/>
+                          </a:solidFill>
+                          <a:latin typeface="나눔고딕" pitchFamily="50" charset="-127"/>
+                          <a:ea typeface="나눔고딕" pitchFamily="50" charset="-127"/>
+                          <a:cs typeface="Verdana" pitchFamily="34" charset="0"/>
+                        </a:rPr>
+                        <a:t>checkout HEAD </a:t>
+                      </a:r>
+                      <a:r>
+                        <a:rPr lang="ko-KR" altLang="en-US" sz="1100" b="0" i="0" u="none" strike="noStrike" dirty="0">
+                          <a:solidFill>
+                            <a:schemeClr val="tx1"/>
+                          </a:solidFill>
+                          <a:latin typeface="나눔고딕" pitchFamily="50" charset="-127"/>
+                          <a:ea typeface="나눔고딕" pitchFamily="50" charset="-127"/>
+                          <a:cs typeface="Verdana" pitchFamily="34" charset="0"/>
+                        </a:rPr>
+                        <a:t>파일</a:t>
+                      </a:r>
+                    </a:p>
+                  </a:txBody>
+                  <a:tcPr marL="9525" marR="9525" marT="9525" marB="0" anchor="ctr"/>
+                </a:tc>
+                <a:tc>
+                  <a:txBody>
+                    <a:bodyPr/>
+                    <a:lstStyle/>
+                    <a:p>
+                      <a:pPr algn="ctr" fontAlgn="ctr"/>
+                      <a:r>
+                        <a:rPr lang="ko-KR" altLang="en-US" sz="1100" b="0" i="0" u="none" strike="noStrike" dirty="0">
+                          <a:solidFill>
+                            <a:schemeClr val="tx1"/>
+                          </a:solidFill>
+                          <a:latin typeface="나눔고딕" pitchFamily="50" charset="-127"/>
+                          <a:ea typeface="나눔고딕" pitchFamily="50" charset="-127"/>
+                          <a:cs typeface="Verdana" pitchFamily="34" charset="0"/>
+                        </a:rPr>
+                        <a:t>취소</a:t>
+                      </a:r>
+                    </a:p>
+                  </a:txBody>
+                  <a:tcPr marL="9525" marR="9525" marT="9525" marB="0" anchor="ctr"/>
+                </a:tc>
+                <a:tc>
+                  <a:txBody>
+                    <a:bodyPr/>
+                    <a:lstStyle/>
+                    <a:p>
+                      <a:pPr algn="ctr" fontAlgn="ctr"/>
+                      <a:r>
+                        <a:rPr lang="ko-KR" altLang="en-US" sz="1100" b="0" i="0" u="none" strike="noStrike" dirty="0">
+                          <a:solidFill>
+                            <a:schemeClr val="tx1"/>
+                          </a:solidFill>
+                          <a:latin typeface="나눔고딕" pitchFamily="50" charset="-127"/>
+                          <a:ea typeface="나눔고딕" pitchFamily="50" charset="-127"/>
+                          <a:cs typeface="Verdana" pitchFamily="34" charset="0"/>
+                        </a:rPr>
+                        <a:t>취소</a:t>
+                      </a:r>
+                    </a:p>
+                  </a:txBody>
+                  <a:tcPr marL="9525" marR="9525" marT="9525" marB="0" anchor="ctr"/>
+                </a:tc>
+                <a:tc>
+                  <a:txBody>
+                    <a:bodyPr/>
+                    <a:lstStyle/>
+                    <a:p>
+                      <a:pPr algn="ctr" fontAlgn="ctr"/>
+                      <a:r>
+                        <a:rPr lang="ko-KR" altLang="en-US" sz="1100" b="0" i="0" u="none" strike="noStrike">
+                          <a:solidFill>
+                            <a:schemeClr val="tx1"/>
+                          </a:solidFill>
+                          <a:latin typeface="나눔고딕" pitchFamily="50" charset="-127"/>
+                          <a:ea typeface="나눔고딕" pitchFamily="50" charset="-127"/>
+                          <a:cs typeface="Verdana" pitchFamily="34" charset="0"/>
+                        </a:rPr>
+                        <a:t>유지</a:t>
+                      </a:r>
+                    </a:p>
+                  </a:txBody>
+                  <a:tcPr marL="9525" marR="9525" marT="9525" marB="0" anchor="ctr"/>
+                </a:tc>
+                <a:tc>
+                  <a:txBody>
+                    <a:bodyPr/>
+                    <a:lstStyle/>
+                    <a:p>
+                      <a:pPr algn="l" fontAlgn="ctr"/>
+                      <a:r>
+                        <a:rPr lang="ko-KR" altLang="en-US" sz="1100" b="0" i="0" u="none" strike="noStrike">
+                          <a:solidFill>
+                            <a:schemeClr val="tx1"/>
+                          </a:solidFill>
+                          <a:latin typeface="나눔고딕" pitchFamily="50" charset="-127"/>
+                          <a:ea typeface="나눔고딕" pitchFamily="50" charset="-127"/>
                           <a:cs typeface="Verdana" pitchFamily="34" charset="0"/>
                         </a:rPr>
                         <a:t>　</a:t>
@@ -11093,20 +11211,21 @@
                       <a:r>
                         <a:rPr lang="en-US" sz="1100" b="0" i="0" u="none" strike="noStrike">
                           <a:solidFill>
-                            <a:srgbClr val="000000"/>
+                            <a:schemeClr val="tx1"/>
                           </a:solidFill>
-                          <a:latin typeface="Verdana" pitchFamily="34" charset="0"/>
-                          <a:ea typeface="Verdana" pitchFamily="34" charset="0"/>
+                          <a:latin typeface="나눔고딕" pitchFamily="50" charset="-127"/>
+                          <a:ea typeface="나눔고딕" pitchFamily="50" charset="-127"/>
                           <a:cs typeface="Verdana" pitchFamily="34" charset="0"/>
                         </a:rPr>
-                        <a:t>checkout HEAD </a:t>
+                        <a:t>reset -- </a:t>
                       </a:r>
                       <a:r>
                         <a:rPr lang="ko-KR" altLang="en-US" sz="1100" b="0" i="0" u="none" strike="noStrike">
                           <a:solidFill>
-                            <a:srgbClr val="000000"/>
+                            <a:schemeClr val="tx1"/>
                           </a:solidFill>
-                          <a:latin typeface="Verdana" pitchFamily="34" charset="0"/>
+                          <a:latin typeface="나눔고딕" pitchFamily="50" charset="-127"/>
+                          <a:ea typeface="나눔고딕" pitchFamily="50" charset="-127"/>
                           <a:cs typeface="Verdana" pitchFamily="34" charset="0"/>
                         </a:rPr>
                         <a:t>파일</a:t>
@@ -11124,12 +11243,13 @@
                       <a:r>
                         <a:rPr lang="ko-KR" altLang="en-US" sz="1100" b="0" i="0" u="none" strike="noStrike" dirty="0">
                           <a:solidFill>
-                            <a:srgbClr val="000000"/>
+                            <a:schemeClr val="tx1"/>
                           </a:solidFill>
-                          <a:latin typeface="Verdana" pitchFamily="34" charset="0"/>
+                          <a:latin typeface="나눔고딕" pitchFamily="50" charset="-127"/>
+                          <a:ea typeface="나눔고딕" pitchFamily="50" charset="-127"/>
                           <a:cs typeface="Verdana" pitchFamily="34" charset="0"/>
                         </a:rPr>
-                        <a:t>취소</a:t>
+                        <a:t>유지</a:t>
                       </a:r>
                     </a:p>
                   </a:txBody>
@@ -11144,9 +11264,10 @@
                       <a:r>
                         <a:rPr lang="ko-KR" altLang="en-US" sz="1100" b="0" i="0" u="none" strike="noStrike" dirty="0">
                           <a:solidFill>
-                            <a:srgbClr val="000000"/>
+                            <a:schemeClr val="tx1"/>
                           </a:solidFill>
-                          <a:latin typeface="Verdana" pitchFamily="34" charset="0"/>
+                          <a:latin typeface="나눔고딕" pitchFamily="50" charset="-127"/>
+                          <a:ea typeface="나눔고딕" pitchFamily="50" charset="-127"/>
                           <a:cs typeface="Verdana" pitchFamily="34" charset="0"/>
                         </a:rPr>
                         <a:t>취소</a:t>
@@ -11164,9 +11285,10 @@
                       <a:r>
                         <a:rPr lang="ko-KR" altLang="en-US" sz="1100" b="0" i="0" u="none" strike="noStrike">
                           <a:solidFill>
-                            <a:srgbClr val="000000"/>
+                            <a:schemeClr val="tx1"/>
                           </a:solidFill>
-                          <a:latin typeface="Verdana" pitchFamily="34" charset="0"/>
+                          <a:latin typeface="나눔고딕" pitchFamily="50" charset="-127"/>
+                          <a:ea typeface="나눔고딕" pitchFamily="50" charset="-127"/>
                           <a:cs typeface="Verdana" pitchFamily="34" charset="0"/>
                         </a:rPr>
                         <a:t>유지</a:t>
@@ -11184,9 +11306,632 @@
                       <a:r>
                         <a:rPr lang="ko-KR" altLang="en-US" sz="1100" b="0" i="0" u="none" strike="noStrike">
                           <a:solidFill>
-                            <a:srgbClr val="000000"/>
+                            <a:schemeClr val="tx1"/>
                           </a:solidFill>
-                          <a:latin typeface="Verdana" pitchFamily="34" charset="0"/>
+                          <a:latin typeface="나눔고딕" pitchFamily="50" charset="-127"/>
+                          <a:ea typeface="나눔고딕" pitchFamily="50" charset="-127"/>
+                          <a:cs typeface="Verdana" pitchFamily="34" charset="0"/>
+                        </a:rPr>
+                        <a:t>　</a:t>
+                      </a:r>
+                    </a:p>
+                  </a:txBody>
+                  <a:tcPr marL="9525" marR="9525" marT="9525" marB="0" anchor="ctr"/>
+                </a:tc>
+              </a:tr>
+              <a:tr h="0">
+                <a:tc rowSpan="11">
+                  <a:txBody>
+                    <a:bodyPr/>
+                    <a:lstStyle/>
+                    <a:p>
+                      <a:pPr algn="ctr" fontAlgn="ctr"/>
+                      <a:r>
+                        <a:rPr lang="ko-KR" altLang="en-US" sz="1100" b="0" i="0" u="none" strike="noStrike">
+                          <a:solidFill>
+                            <a:schemeClr val="tx1"/>
+                          </a:solidFill>
+                          <a:latin typeface="나눔고딕" pitchFamily="50" charset="-127"/>
+                          <a:ea typeface="나눔고딕" pitchFamily="50" charset="-127"/>
+                          <a:cs typeface="Verdana" pitchFamily="34" charset="0"/>
+                        </a:rPr>
+                        <a:t>전체</a:t>
+                      </a:r>
+                    </a:p>
+                  </a:txBody>
+                  <a:tcPr marL="9525" marR="9525" marT="9525" marB="0" anchor="ctr"/>
+                </a:tc>
+                <a:tc>
+                  <a:txBody>
+                    <a:bodyPr/>
+                    <a:lstStyle/>
+                    <a:p>
+                      <a:pPr algn="l" fontAlgn="ctr"/>
+                      <a:r>
+                        <a:rPr lang="en-US" sz="1100" b="0" i="0" u="none" strike="noStrike">
+                          <a:solidFill>
+                            <a:schemeClr val="tx1"/>
+                          </a:solidFill>
+                          <a:latin typeface="나눔고딕" pitchFamily="50" charset="-127"/>
+                          <a:ea typeface="나눔고딕" pitchFamily="50" charset="-127"/>
+                          <a:cs typeface="Verdana" pitchFamily="34" charset="0"/>
+                        </a:rPr>
+                        <a:t>reset commit id</a:t>
+                      </a:r>
+                    </a:p>
+                  </a:txBody>
+                  <a:tcPr marL="9525" marR="9525" marT="9525" marB="0" anchor="ctr"/>
+                </a:tc>
+                <a:tc>
+                  <a:txBody>
+                    <a:bodyPr/>
+                    <a:lstStyle/>
+                    <a:p>
+                      <a:pPr algn="ctr" fontAlgn="ctr"/>
+                      <a:r>
+                        <a:rPr lang="ko-KR" altLang="en-US" sz="1100" b="0" i="0" u="none" strike="noStrike">
+                          <a:solidFill>
+                            <a:schemeClr val="tx1"/>
+                          </a:solidFill>
+                          <a:latin typeface="나눔고딕" pitchFamily="50" charset="-127"/>
+                          <a:ea typeface="나눔고딕" pitchFamily="50" charset="-127"/>
+                          <a:cs typeface="Verdana" pitchFamily="34" charset="0"/>
+                        </a:rPr>
+                        <a:t>유지</a:t>
+                      </a:r>
+                    </a:p>
+                  </a:txBody>
+                  <a:tcPr marL="9525" marR="9525" marT="9525" marB="0" anchor="ctr"/>
+                </a:tc>
+                <a:tc>
+                  <a:txBody>
+                    <a:bodyPr/>
+                    <a:lstStyle/>
+                    <a:p>
+                      <a:pPr algn="ctr" fontAlgn="ctr"/>
+                      <a:r>
+                        <a:rPr lang="ko-KR" altLang="en-US" sz="1100" b="0" i="0" u="none" strike="noStrike" dirty="0">
+                          <a:solidFill>
+                            <a:schemeClr val="tx1"/>
+                          </a:solidFill>
+                          <a:latin typeface="나눔고딕" pitchFamily="50" charset="-127"/>
+                          <a:ea typeface="나눔고딕" pitchFamily="50" charset="-127"/>
+                          <a:cs typeface="Verdana" pitchFamily="34" charset="0"/>
+                        </a:rPr>
+                        <a:t>취소</a:t>
+                      </a:r>
+                    </a:p>
+                  </a:txBody>
+                  <a:tcPr marL="9525" marR="9525" marT="9525" marB="0" anchor="ctr"/>
+                </a:tc>
+                <a:tc>
+                  <a:txBody>
+                    <a:bodyPr/>
+                    <a:lstStyle/>
+                    <a:p>
+                      <a:pPr algn="ctr" fontAlgn="ctr"/>
+                      <a:r>
+                        <a:rPr lang="en-US" altLang="ko-KR" sz="1100" b="0" i="0" u="none" strike="noStrike" dirty="0">
+                          <a:solidFill>
+                            <a:schemeClr val="tx1"/>
+                          </a:solidFill>
+                          <a:latin typeface="나눔고딕" pitchFamily="50" charset="-127"/>
+                          <a:ea typeface="나눔고딕" pitchFamily="50" charset="-127"/>
+                          <a:cs typeface="Verdana" pitchFamily="34" charset="0"/>
+                        </a:rPr>
+                        <a:t>commit id </a:t>
+                      </a:r>
+                      <a:r>
+                        <a:rPr lang="ko-KR" altLang="en-US" sz="1100" b="0" i="0" u="none" strike="noStrike" dirty="0">
+                          <a:solidFill>
+                            <a:schemeClr val="tx1"/>
+                          </a:solidFill>
+                          <a:latin typeface="나눔고딕" pitchFamily="50" charset="-127"/>
+                          <a:ea typeface="나눔고딕" pitchFamily="50" charset="-127"/>
+                          <a:cs typeface="Verdana" pitchFamily="34" charset="0"/>
+                        </a:rPr>
+                        <a:t>이후의 </a:t>
+                      </a:r>
+                      <a:r>
+                        <a:rPr lang="ko-KR" altLang="en-US" sz="1100" b="0" i="0" u="none" strike="noStrike" dirty="0" err="1">
+                          <a:solidFill>
+                            <a:schemeClr val="tx1"/>
+                          </a:solidFill>
+                          <a:latin typeface="나눔고딕" pitchFamily="50" charset="-127"/>
+                          <a:ea typeface="나눔고딕" pitchFamily="50" charset="-127"/>
+                          <a:cs typeface="Verdana" pitchFamily="34" charset="0"/>
+                        </a:rPr>
+                        <a:t>커밋</a:t>
+                      </a:r>
+                      <a:r>
+                        <a:rPr lang="ko-KR" altLang="en-US" sz="1100" b="0" i="0" u="none" strike="noStrike" dirty="0">
+                          <a:solidFill>
+                            <a:schemeClr val="tx1"/>
+                          </a:solidFill>
+                          <a:latin typeface="나눔고딕" pitchFamily="50" charset="-127"/>
+                          <a:ea typeface="나눔고딕" pitchFamily="50" charset="-127"/>
+                          <a:cs typeface="Verdana" pitchFamily="34" charset="0"/>
+                        </a:rPr>
+                        <a:t> 취소</a:t>
+                      </a:r>
+                    </a:p>
+                  </a:txBody>
+                  <a:tcPr marL="9525" marR="9525" marT="9525" marB="0" anchor="ctr"/>
+                </a:tc>
+                <a:tc>
+                  <a:txBody>
+                    <a:bodyPr/>
+                    <a:lstStyle/>
+                    <a:p>
+                      <a:pPr algn="l" fontAlgn="ctr"/>
+                      <a:r>
+                        <a:rPr lang="en-US" altLang="ko-KR" sz="1100" b="0" i="0" u="none" strike="noStrike" dirty="0">
+                          <a:solidFill>
+                            <a:schemeClr val="tx1"/>
+                          </a:solidFill>
+                          <a:latin typeface="나눔고딕" pitchFamily="50" charset="-127"/>
+                          <a:ea typeface="나눔고딕" pitchFamily="50" charset="-127"/>
+                          <a:cs typeface="Verdana" pitchFamily="34" charset="0"/>
+                        </a:rPr>
+                        <a:t>commit id</a:t>
+                      </a:r>
+                      <a:r>
+                        <a:rPr lang="ko-KR" altLang="en-US" sz="1100" b="0" i="0" u="none" strike="noStrike" dirty="0">
+                          <a:solidFill>
+                            <a:schemeClr val="tx1"/>
+                          </a:solidFill>
+                          <a:latin typeface="나눔고딕" pitchFamily="50" charset="-127"/>
+                          <a:ea typeface="나눔고딕" pitchFamily="50" charset="-127"/>
+                          <a:cs typeface="Verdana" pitchFamily="34" charset="0"/>
+                        </a:rPr>
+                        <a:t>에 해당하는 커밋은 유지된다</a:t>
+                      </a:r>
+                      <a:r>
+                        <a:rPr lang="en-US" altLang="ko-KR" sz="1100" b="0" i="0" u="none" strike="noStrike" dirty="0">
+                          <a:solidFill>
+                            <a:schemeClr val="tx1"/>
+                          </a:solidFill>
+                          <a:latin typeface="나눔고딕" pitchFamily="50" charset="-127"/>
+                          <a:ea typeface="나눔고딕" pitchFamily="50" charset="-127"/>
+                          <a:cs typeface="Verdana" pitchFamily="34" charset="0"/>
+                        </a:rPr>
+                        <a:t>.</a:t>
+                      </a:r>
+                    </a:p>
+                  </a:txBody>
+                  <a:tcPr marL="9525" marR="9525" marT="9525" marB="0" anchor="ctr"/>
+                </a:tc>
+              </a:tr>
+              <a:tr h="0">
+                <a:tc vMerge="1">
+                  <a:txBody>
+                    <a:bodyPr/>
+                    <a:lstStyle/>
+                    <a:p>
+                      <a:pPr latinLnBrk="1"/>
+                      <a:endParaRPr lang="ko-KR" altLang="en-US"/>
+                    </a:p>
+                  </a:txBody>
+                  <a:tcPr/>
+                </a:tc>
+                <a:tc>
+                  <a:txBody>
+                    <a:bodyPr/>
+                    <a:lstStyle/>
+                    <a:p>
+                      <a:pPr algn="l" fontAlgn="ctr"/>
+                      <a:r>
+                        <a:rPr lang="en-US" sz="1100" b="0" i="0" u="none" strike="noStrike">
+                          <a:solidFill>
+                            <a:schemeClr val="tx1"/>
+                          </a:solidFill>
+                          <a:latin typeface="나눔고딕" pitchFamily="50" charset="-127"/>
+                          <a:ea typeface="나눔고딕" pitchFamily="50" charset="-127"/>
+                          <a:cs typeface="Verdana" pitchFamily="34" charset="0"/>
+                        </a:rPr>
+                        <a:t>reset HEAD^</a:t>
+                      </a:r>
+                    </a:p>
+                  </a:txBody>
+                  <a:tcPr marL="9525" marR="9525" marT="9525" marB="0" anchor="ctr"/>
+                </a:tc>
+                <a:tc>
+                  <a:txBody>
+                    <a:bodyPr/>
+                    <a:lstStyle/>
+                    <a:p>
+                      <a:pPr algn="ctr" fontAlgn="ctr"/>
+                      <a:r>
+                        <a:rPr lang="ko-KR" altLang="en-US" sz="1100" b="0" i="0" u="none" strike="noStrike">
+                          <a:solidFill>
+                            <a:schemeClr val="tx1"/>
+                          </a:solidFill>
+                          <a:latin typeface="나눔고딕" pitchFamily="50" charset="-127"/>
+                          <a:ea typeface="나눔고딕" pitchFamily="50" charset="-127"/>
+                          <a:cs typeface="Verdana" pitchFamily="34" charset="0"/>
+                        </a:rPr>
+                        <a:t>유지</a:t>
+                      </a:r>
+                    </a:p>
+                  </a:txBody>
+                  <a:tcPr marL="9525" marR="9525" marT="9525" marB="0" anchor="ctr"/>
+                </a:tc>
+                <a:tc>
+                  <a:txBody>
+                    <a:bodyPr/>
+                    <a:lstStyle/>
+                    <a:p>
+                      <a:pPr algn="ctr" fontAlgn="ctr"/>
+                      <a:r>
+                        <a:rPr lang="ko-KR" altLang="en-US" sz="1100" b="0" i="0" u="none" strike="noStrike">
+                          <a:solidFill>
+                            <a:schemeClr val="tx1"/>
+                          </a:solidFill>
+                          <a:latin typeface="나눔고딕" pitchFamily="50" charset="-127"/>
+                          <a:ea typeface="나눔고딕" pitchFamily="50" charset="-127"/>
+                          <a:cs typeface="Verdana" pitchFamily="34" charset="0"/>
+                        </a:rPr>
+                        <a:t>취소</a:t>
+                      </a:r>
+                    </a:p>
+                  </a:txBody>
+                  <a:tcPr marL="9525" marR="9525" marT="9525" marB="0" anchor="ctr"/>
+                </a:tc>
+                <a:tc>
+                  <a:txBody>
+                    <a:bodyPr/>
+                    <a:lstStyle/>
+                    <a:p>
+                      <a:pPr algn="ctr" fontAlgn="ctr"/>
+                      <a:r>
+                        <a:rPr lang="ko-KR" altLang="en-US" sz="1100" b="0" i="0" u="none" strike="noStrike" dirty="0" err="1" smtClean="0">
+                          <a:solidFill>
+                            <a:schemeClr val="tx1"/>
+                          </a:solidFill>
+                          <a:latin typeface="나눔고딕" pitchFamily="50" charset="-127"/>
+                          <a:ea typeface="나눔고딕" pitchFamily="50" charset="-127"/>
+                          <a:cs typeface="Verdana" pitchFamily="34" charset="0"/>
+                        </a:rPr>
+                        <a:t>최신커밋</a:t>
+                      </a:r>
+                      <a:r>
+                        <a:rPr lang="ko-KR" altLang="en-US" sz="1100" b="0" i="0" u="none" strike="noStrike" dirty="0" smtClean="0">
+                          <a:solidFill>
+                            <a:schemeClr val="tx1"/>
+                          </a:solidFill>
+                          <a:latin typeface="나눔고딕" pitchFamily="50" charset="-127"/>
+                          <a:ea typeface="나눔고딕" pitchFamily="50" charset="-127"/>
+                          <a:cs typeface="Verdana" pitchFamily="34" charset="0"/>
+                        </a:rPr>
+                        <a:t> 취소</a:t>
+                      </a:r>
+                      <a:endParaRPr lang="ko-KR" altLang="en-US" sz="1100" b="0" i="0" u="none" strike="noStrike" dirty="0">
+                        <a:solidFill>
+                          <a:schemeClr val="tx1"/>
+                        </a:solidFill>
+                        <a:latin typeface="나눔고딕" pitchFamily="50" charset="-127"/>
+                        <a:ea typeface="나눔고딕" pitchFamily="50" charset="-127"/>
+                        <a:cs typeface="Verdana" pitchFamily="34" charset="0"/>
+                      </a:endParaRPr>
+                    </a:p>
+                  </a:txBody>
+                  <a:tcPr marL="9525" marR="9525" marT="9525" marB="0" anchor="ctr"/>
+                </a:tc>
+                <a:tc>
+                  <a:txBody>
+                    <a:bodyPr/>
+                    <a:lstStyle/>
+                    <a:p>
+                      <a:pPr algn="l" fontAlgn="ctr"/>
+                      <a:r>
+                        <a:rPr lang="ko-KR" altLang="en-US" sz="1100" b="0" i="0" u="none" strike="noStrike" dirty="0" err="1">
+                          <a:solidFill>
+                            <a:schemeClr val="tx1"/>
+                          </a:solidFill>
+                          <a:latin typeface="나눔고딕" pitchFamily="50" charset="-127"/>
+                          <a:ea typeface="나눔고딕" pitchFamily="50" charset="-127"/>
+                          <a:cs typeface="Verdana" pitchFamily="34" charset="0"/>
+                        </a:rPr>
+                        <a:t>커밋은</a:t>
+                      </a:r>
+                      <a:r>
+                        <a:rPr lang="ko-KR" altLang="en-US" sz="1100" b="0" i="0" u="none" strike="noStrike" dirty="0">
+                          <a:solidFill>
+                            <a:schemeClr val="tx1"/>
+                          </a:solidFill>
+                          <a:latin typeface="나눔고딕" pitchFamily="50" charset="-127"/>
+                          <a:ea typeface="나눔고딕" pitchFamily="50" charset="-127"/>
+                          <a:cs typeface="Verdana" pitchFamily="34" charset="0"/>
+                        </a:rPr>
+                        <a:t> 했지만 </a:t>
+                      </a:r>
+                      <a:r>
+                        <a:rPr lang="en-US" altLang="ko-KR" sz="1100" b="0" i="0" u="none" strike="noStrike" dirty="0">
+                          <a:solidFill>
+                            <a:schemeClr val="tx1"/>
+                          </a:solidFill>
+                          <a:latin typeface="나눔고딕" pitchFamily="50" charset="-127"/>
+                          <a:ea typeface="나눔고딕" pitchFamily="50" charset="-127"/>
+                          <a:cs typeface="Verdana" pitchFamily="34" charset="0"/>
+                        </a:rPr>
+                        <a:t>push</a:t>
+                      </a:r>
+                      <a:r>
+                        <a:rPr lang="ko-KR" altLang="en-US" sz="1100" b="0" i="0" u="none" strike="noStrike" dirty="0">
+                          <a:solidFill>
+                            <a:schemeClr val="tx1"/>
+                          </a:solidFill>
+                          <a:latin typeface="나눔고딕" pitchFamily="50" charset="-127"/>
+                          <a:ea typeface="나눔고딕" pitchFamily="50" charset="-127"/>
+                          <a:cs typeface="Verdana" pitchFamily="34" charset="0"/>
+                        </a:rPr>
+                        <a:t>하지 않은 경우 유용 </a:t>
+                      </a:r>
+                      <a:r>
+                        <a:rPr lang="en-US" altLang="ko-KR" sz="1100" b="0" i="0" u="none" strike="noStrike" dirty="0">
+                          <a:solidFill>
+                            <a:schemeClr val="tx1"/>
+                          </a:solidFill>
+                          <a:latin typeface="나눔고딕" pitchFamily="50" charset="-127"/>
+                          <a:ea typeface="나눔고딕" pitchFamily="50" charset="-127"/>
+                          <a:cs typeface="Verdana" pitchFamily="34" charset="0"/>
+                        </a:rPr>
+                        <a:t>HEAD^</a:t>
+                      </a:r>
+                      <a:r>
+                        <a:rPr lang="ko-KR" altLang="en-US" sz="1100" b="0" i="0" u="none" strike="noStrike" dirty="0">
+                          <a:solidFill>
+                            <a:schemeClr val="tx1"/>
+                          </a:solidFill>
+                          <a:latin typeface="나눔고딕" pitchFamily="50" charset="-127"/>
+                          <a:ea typeface="나눔고딕" pitchFamily="50" charset="-127"/>
+                          <a:cs typeface="Verdana" pitchFamily="34" charset="0"/>
+                        </a:rPr>
+                        <a:t>는 </a:t>
+                      </a:r>
+                      <a:endParaRPr lang="en-US" altLang="ko-KR" sz="1100" b="0" i="0" u="none" strike="noStrike" dirty="0" smtClean="0">
+                        <a:solidFill>
+                          <a:schemeClr val="tx1"/>
+                        </a:solidFill>
+                        <a:latin typeface="나눔고딕" pitchFamily="50" charset="-127"/>
+                        <a:ea typeface="나눔고딕" pitchFamily="50" charset="-127"/>
+                        <a:cs typeface="Verdana" pitchFamily="34" charset="0"/>
+                      </a:endParaRPr>
+                    </a:p>
+                    <a:p>
+                      <a:pPr algn="l" fontAlgn="ctr"/>
+                      <a:r>
+                        <a:rPr lang="ko-KR" altLang="en-US" sz="1100" b="0" i="0" u="none" strike="noStrike" dirty="0" err="1" smtClean="0">
+                          <a:solidFill>
+                            <a:schemeClr val="tx1"/>
+                          </a:solidFill>
+                          <a:latin typeface="나눔고딕" pitchFamily="50" charset="-127"/>
+                          <a:ea typeface="나눔고딕" pitchFamily="50" charset="-127"/>
+                          <a:cs typeface="Verdana" pitchFamily="34" charset="0"/>
+                        </a:rPr>
+                        <a:t>최신커밋을</a:t>
+                      </a:r>
+                      <a:r>
+                        <a:rPr lang="ko-KR" altLang="en-US" sz="1100" b="0" i="0" u="none" strike="noStrike" dirty="0" smtClean="0">
+                          <a:solidFill>
+                            <a:schemeClr val="tx1"/>
+                          </a:solidFill>
+                          <a:latin typeface="나눔고딕" pitchFamily="50" charset="-127"/>
+                          <a:ea typeface="나눔고딕" pitchFamily="50" charset="-127"/>
+                          <a:cs typeface="Verdana" pitchFamily="34" charset="0"/>
+                        </a:rPr>
+                        <a:t> </a:t>
+                      </a:r>
+                      <a:r>
+                        <a:rPr lang="ko-KR" altLang="en-US" sz="1100" b="0" i="0" u="none" strike="noStrike" dirty="0">
+                          <a:solidFill>
+                            <a:schemeClr val="tx1"/>
+                          </a:solidFill>
+                          <a:latin typeface="나눔고딕" pitchFamily="50" charset="-127"/>
+                          <a:ea typeface="나눔고딕" pitchFamily="50" charset="-127"/>
+                          <a:cs typeface="Verdana" pitchFamily="34" charset="0"/>
+                        </a:rPr>
+                        <a:t>포함 </a:t>
+                      </a:r>
+                      <a:r>
+                        <a:rPr lang="ko-KR" altLang="en-US" sz="1100" b="0" i="0" u="none" strike="noStrike" dirty="0" err="1">
+                          <a:solidFill>
+                            <a:schemeClr val="tx1"/>
+                          </a:solidFill>
+                          <a:latin typeface="나눔고딕" pitchFamily="50" charset="-127"/>
+                          <a:ea typeface="나눔고딕" pitchFamily="50" charset="-127"/>
+                          <a:cs typeface="Verdana" pitchFamily="34" charset="0"/>
+                        </a:rPr>
+                        <a:t>두개의</a:t>
+                      </a:r>
+                      <a:r>
+                        <a:rPr lang="ko-KR" altLang="en-US" sz="1100" b="0" i="0" u="none" strike="noStrike" dirty="0">
+                          <a:solidFill>
+                            <a:schemeClr val="tx1"/>
+                          </a:solidFill>
+                          <a:latin typeface="나눔고딕" pitchFamily="50" charset="-127"/>
+                          <a:ea typeface="나눔고딕" pitchFamily="50" charset="-127"/>
+                          <a:cs typeface="Verdana" pitchFamily="34" charset="0"/>
+                        </a:rPr>
+                        <a:t> </a:t>
+                      </a:r>
+                      <a:r>
+                        <a:rPr lang="ko-KR" altLang="en-US" sz="1100" b="0" i="0" u="none" strike="noStrike" dirty="0" err="1">
+                          <a:solidFill>
+                            <a:schemeClr val="tx1"/>
+                          </a:solidFill>
+                          <a:latin typeface="나눔고딕" pitchFamily="50" charset="-127"/>
+                          <a:ea typeface="나눔고딕" pitchFamily="50" charset="-127"/>
+                          <a:cs typeface="Verdana" pitchFamily="34" charset="0"/>
+                        </a:rPr>
+                        <a:t>커밋을</a:t>
+                      </a:r>
+                      <a:r>
+                        <a:rPr lang="ko-KR" altLang="en-US" sz="1100" b="0" i="0" u="none" strike="noStrike" dirty="0">
+                          <a:solidFill>
+                            <a:schemeClr val="tx1"/>
+                          </a:solidFill>
+                          <a:latin typeface="나눔고딕" pitchFamily="50" charset="-127"/>
+                          <a:ea typeface="나눔고딕" pitchFamily="50" charset="-127"/>
+                          <a:cs typeface="Verdana" pitchFamily="34" charset="0"/>
+                        </a:rPr>
+                        <a:t> 의미</a:t>
+                      </a:r>
+                    </a:p>
+                  </a:txBody>
+                  <a:tcPr marL="9525" marR="9525" marT="9525" marB="0" anchor="ctr"/>
+                </a:tc>
+              </a:tr>
+              <a:tr h="0">
+                <a:tc vMerge="1">
+                  <a:txBody>
+                    <a:bodyPr/>
+                    <a:lstStyle/>
+                    <a:p>
+                      <a:pPr latinLnBrk="1"/>
+                      <a:endParaRPr lang="ko-KR" altLang="en-US"/>
+                    </a:p>
+                  </a:txBody>
+                  <a:tcPr/>
+                </a:tc>
+                <a:tc>
+                  <a:txBody>
+                    <a:bodyPr/>
+                    <a:lstStyle/>
+                    <a:p>
+                      <a:pPr algn="l" fontAlgn="ctr"/>
+                      <a:r>
+                        <a:rPr lang="en-US" sz="1100" b="0" i="0" u="none" strike="noStrike">
+                          <a:solidFill>
+                            <a:schemeClr val="tx1"/>
+                          </a:solidFill>
+                          <a:latin typeface="나눔고딕" pitchFamily="50" charset="-127"/>
+                          <a:ea typeface="나눔고딕" pitchFamily="50" charset="-127"/>
+                          <a:cs typeface="Verdana" pitchFamily="34" charset="0"/>
+                        </a:rPr>
+                        <a:t>reset HEAD~2</a:t>
+                      </a:r>
+                    </a:p>
+                  </a:txBody>
+                  <a:tcPr marL="9525" marR="9525" marT="9525" marB="0" anchor="ctr"/>
+                </a:tc>
+                <a:tc>
+                  <a:txBody>
+                    <a:bodyPr/>
+                    <a:lstStyle/>
+                    <a:p>
+                      <a:pPr algn="ctr" fontAlgn="ctr"/>
+                      <a:r>
+                        <a:rPr lang="ko-KR" altLang="en-US" sz="1100" b="0" i="0" u="none" strike="noStrike">
+                          <a:solidFill>
+                            <a:schemeClr val="tx1"/>
+                          </a:solidFill>
+                          <a:latin typeface="나눔고딕" pitchFamily="50" charset="-127"/>
+                          <a:ea typeface="나눔고딕" pitchFamily="50" charset="-127"/>
+                          <a:cs typeface="Verdana" pitchFamily="34" charset="0"/>
+                        </a:rPr>
+                        <a:t>유지</a:t>
+                      </a:r>
+                    </a:p>
+                  </a:txBody>
+                  <a:tcPr marL="9525" marR="9525" marT="9525" marB="0" anchor="ctr"/>
+                </a:tc>
+                <a:tc>
+                  <a:txBody>
+                    <a:bodyPr/>
+                    <a:lstStyle/>
+                    <a:p>
+                      <a:pPr algn="ctr" fontAlgn="ctr"/>
+                      <a:r>
+                        <a:rPr lang="ko-KR" altLang="en-US" sz="1100" b="0" i="0" u="none" strike="noStrike">
+                          <a:solidFill>
+                            <a:schemeClr val="tx1"/>
+                          </a:solidFill>
+                          <a:latin typeface="나눔고딕" pitchFamily="50" charset="-127"/>
+                          <a:ea typeface="나눔고딕" pitchFamily="50" charset="-127"/>
+                          <a:cs typeface="Verdana" pitchFamily="34" charset="0"/>
+                        </a:rPr>
+                        <a:t>취소</a:t>
+                      </a:r>
+                    </a:p>
+                  </a:txBody>
+                  <a:tcPr marL="9525" marR="9525" marT="9525" marB="0" anchor="ctr"/>
+                </a:tc>
+                <a:tc>
+                  <a:txBody>
+                    <a:bodyPr/>
+                    <a:lstStyle/>
+                    <a:p>
+                      <a:pPr algn="ctr" fontAlgn="ctr"/>
+                      <a:r>
+                        <a:rPr lang="ko-KR" altLang="en-US" sz="1100" b="0" i="0" u="none" strike="noStrike" dirty="0" err="1" smtClean="0">
+                          <a:solidFill>
+                            <a:schemeClr val="tx1"/>
+                          </a:solidFill>
+                          <a:latin typeface="나눔고딕" pitchFamily="50" charset="-127"/>
+                          <a:ea typeface="나눔고딕" pitchFamily="50" charset="-127"/>
+                          <a:cs typeface="Verdana" pitchFamily="34" charset="0"/>
+                        </a:rPr>
+                        <a:t>최신커밋</a:t>
+                      </a:r>
+                      <a:r>
+                        <a:rPr lang="ko-KR" altLang="en-US" sz="1100" b="0" i="0" u="none" strike="noStrike" dirty="0" smtClean="0">
+                          <a:solidFill>
+                            <a:schemeClr val="tx1"/>
+                          </a:solidFill>
+                          <a:latin typeface="나눔고딕" pitchFamily="50" charset="-127"/>
+                          <a:ea typeface="나눔고딕" pitchFamily="50" charset="-127"/>
+                          <a:cs typeface="Verdana" pitchFamily="34" charset="0"/>
+                        </a:rPr>
+                        <a:t> </a:t>
+                      </a:r>
+                      <a:r>
+                        <a:rPr lang="en-US" altLang="ko-KR" sz="1100" b="0" i="0" u="none" strike="noStrike" dirty="0" smtClean="0">
+                          <a:solidFill>
+                            <a:schemeClr val="tx1"/>
+                          </a:solidFill>
+                          <a:latin typeface="나눔고딕" pitchFamily="50" charset="-127"/>
+                          <a:ea typeface="나눔고딕" pitchFamily="50" charset="-127"/>
+                          <a:cs typeface="Verdana" pitchFamily="34" charset="0"/>
+                        </a:rPr>
+                        <a:t>-2</a:t>
+                      </a:r>
+                      <a:r>
+                        <a:rPr lang="ko-KR" altLang="en-US" sz="1100" b="0" i="0" u="none" strike="noStrike" dirty="0" smtClean="0">
+                          <a:solidFill>
+                            <a:schemeClr val="tx1"/>
+                          </a:solidFill>
+                          <a:latin typeface="나눔고딕" pitchFamily="50" charset="-127"/>
+                          <a:ea typeface="나눔고딕" pitchFamily="50" charset="-127"/>
+                          <a:cs typeface="Verdana" pitchFamily="34" charset="0"/>
+                        </a:rPr>
+                        <a:t>번 취소</a:t>
+                      </a:r>
+                      <a:endParaRPr lang="ko-KR" altLang="en-US" sz="1100" b="0" i="0" u="none" strike="noStrike" dirty="0">
+                        <a:solidFill>
+                          <a:schemeClr val="tx1"/>
+                        </a:solidFill>
+                        <a:latin typeface="나눔고딕" pitchFamily="50" charset="-127"/>
+                        <a:ea typeface="나눔고딕" pitchFamily="50" charset="-127"/>
+                        <a:cs typeface="Verdana" pitchFamily="34" charset="0"/>
+                      </a:endParaRPr>
+                    </a:p>
+                  </a:txBody>
+                  <a:tcPr marL="9525" marR="9525" marT="9525" marB="0" anchor="ctr"/>
+                </a:tc>
+                <a:tc>
+                  <a:txBody>
+                    <a:bodyPr/>
+                    <a:lstStyle/>
+                    <a:p>
+                      <a:pPr algn="l" fontAlgn="ctr"/>
+                      <a:r>
+                        <a:rPr lang="ko-KR" altLang="en-US" sz="1100" b="0" i="0" u="none" strike="noStrike" dirty="0">
+                          <a:solidFill>
+                            <a:schemeClr val="tx1"/>
+                          </a:solidFill>
+                          <a:latin typeface="나눔고딕" pitchFamily="50" charset="-127"/>
+                          <a:ea typeface="나눔고딕" pitchFamily="50" charset="-127"/>
                           <a:cs typeface="Verdana" pitchFamily="34" charset="0"/>
                         </a:rPr>
                         <a:t>　</a:t>
@@ -11217,23 +11962,13 @@
                       <a:r>
                         <a:rPr lang="en-US" sz="1100" b="0" i="0" u="none" strike="noStrike">
                           <a:solidFill>
-                            <a:srgbClr val="000000"/>
+                            <a:schemeClr val="tx1"/>
                           </a:solidFill>
-                          <a:latin typeface="Verdana" pitchFamily="34" charset="0"/>
-                          <a:ea typeface="Verdana" pitchFamily="34" charset="0"/>
+                          <a:latin typeface="나눔고딕" pitchFamily="50" charset="-127"/>
+                          <a:ea typeface="나눔고딕" pitchFamily="50" charset="-127"/>
                           <a:cs typeface="Verdana" pitchFamily="34" charset="0"/>
                         </a:rPr>
-                        <a:t>reset -- </a:t>
-                      </a:r>
-                      <a:r>
-                        <a:rPr lang="ko-KR" altLang="en-US" sz="1100" b="0" i="0" u="none" strike="noStrike">
-                          <a:solidFill>
-                            <a:srgbClr val="000000"/>
-                          </a:solidFill>
-                          <a:latin typeface="Verdana" pitchFamily="34" charset="0"/>
-                          <a:cs typeface="Verdana" pitchFamily="34" charset="0"/>
-                        </a:rPr>
-                        <a:t>파일</a:t>
+                        <a:t>reset --hard HEAD~2</a:t>
                       </a:r>
                     </a:p>
                   </a:txBody>
@@ -11246,31 +11981,12 @@
                     <a:p>
                       <a:pPr algn="ctr" fontAlgn="ctr"/>
                       <a:r>
-                        <a:rPr lang="ko-KR" altLang="en-US" sz="1100" b="0" i="0" u="none" strike="noStrike" dirty="0">
+                        <a:rPr lang="ko-KR" altLang="en-US" sz="1100" b="0" i="0" u="none" strike="noStrike">
                           <a:solidFill>
-                            <a:srgbClr val="000000"/>
+                            <a:schemeClr val="tx1"/>
                           </a:solidFill>
-                          <a:latin typeface="Verdana" pitchFamily="34" charset="0"/>
-                          <a:cs typeface="Verdana" pitchFamily="34" charset="0"/>
-                        </a:rPr>
-                        <a:t>유지</a:t>
-                      </a:r>
-                    </a:p>
-                  </a:txBody>
-                  <a:tcPr marL="9525" marR="9525" marT="9525" marB="0" anchor="ctr"/>
-                </a:tc>
-                <a:tc>
-                  <a:txBody>
-                    <a:bodyPr/>
-                    <a:lstStyle/>
-                    <a:p>
-                      <a:pPr algn="ctr" fontAlgn="ctr"/>
-                      <a:r>
-                        <a:rPr lang="ko-KR" altLang="en-US" sz="1100" b="0" i="0" u="none" strike="noStrike" dirty="0">
-                          <a:solidFill>
-                            <a:srgbClr val="000000"/>
-                          </a:solidFill>
-                          <a:latin typeface="Verdana" pitchFamily="34" charset="0"/>
+                          <a:latin typeface="나눔고딕" pitchFamily="50" charset="-127"/>
+                          <a:ea typeface="나눔고딕" pitchFamily="50" charset="-127"/>
                           <a:cs typeface="Verdana" pitchFamily="34" charset="0"/>
                         </a:rPr>
                         <a:t>취소</a:t>
@@ -11288,279 +12004,10 @@
                       <a:r>
                         <a:rPr lang="ko-KR" altLang="en-US" sz="1100" b="0" i="0" u="none" strike="noStrike">
                           <a:solidFill>
-                            <a:srgbClr val="000000"/>
+                            <a:schemeClr val="tx1"/>
                           </a:solidFill>
-                          <a:latin typeface="Verdana" pitchFamily="34" charset="0"/>
-                          <a:cs typeface="Verdana" pitchFamily="34" charset="0"/>
-                        </a:rPr>
-                        <a:t>유지</a:t>
-                      </a:r>
-                    </a:p>
-                  </a:txBody>
-                  <a:tcPr marL="9525" marR="9525" marT="9525" marB="0" anchor="ctr"/>
-                </a:tc>
-                <a:tc>
-                  <a:txBody>
-                    <a:bodyPr/>
-                    <a:lstStyle/>
-                    <a:p>
-                      <a:pPr algn="l" fontAlgn="ctr"/>
-                      <a:r>
-                        <a:rPr lang="ko-KR" altLang="en-US" sz="1100" b="0" i="0" u="none" strike="noStrike">
-                          <a:solidFill>
-                            <a:srgbClr val="000000"/>
-                          </a:solidFill>
-                          <a:latin typeface="Verdana" pitchFamily="34" charset="0"/>
-                          <a:cs typeface="Verdana" pitchFamily="34" charset="0"/>
-                        </a:rPr>
-                        <a:t>　</a:t>
-                      </a:r>
-                    </a:p>
-                  </a:txBody>
-                  <a:tcPr marL="9525" marR="9525" marT="9525" marB="0" anchor="ctr"/>
-                </a:tc>
-              </a:tr>
-              <a:tr h="0">
-                <a:tc rowSpan="11">
-                  <a:txBody>
-                    <a:bodyPr/>
-                    <a:lstStyle/>
-                    <a:p>
-                      <a:pPr algn="ctr" fontAlgn="ctr"/>
-                      <a:r>
-                        <a:rPr lang="ko-KR" altLang="en-US" sz="1100" b="0" i="0" u="none" strike="noStrike">
-                          <a:solidFill>
-                            <a:srgbClr val="000000"/>
-                          </a:solidFill>
-                          <a:latin typeface="Verdana" pitchFamily="34" charset="0"/>
-                          <a:cs typeface="Verdana" pitchFamily="34" charset="0"/>
-                        </a:rPr>
-                        <a:t>전체</a:t>
-                      </a:r>
-                    </a:p>
-                  </a:txBody>
-                  <a:tcPr marL="9525" marR="9525" marT="9525" marB="0" anchor="ctr"/>
-                </a:tc>
-                <a:tc>
-                  <a:txBody>
-                    <a:bodyPr/>
-                    <a:lstStyle/>
-                    <a:p>
-                      <a:pPr algn="l" fontAlgn="ctr"/>
-                      <a:r>
-                        <a:rPr lang="en-US" sz="1100" b="0" i="0" u="none" strike="noStrike">
-                          <a:solidFill>
-                            <a:srgbClr val="000000"/>
-                          </a:solidFill>
-                          <a:latin typeface="Verdana" pitchFamily="34" charset="0"/>
-                          <a:ea typeface="Verdana" pitchFamily="34" charset="0"/>
-                          <a:cs typeface="Verdana" pitchFamily="34" charset="0"/>
-                        </a:rPr>
-                        <a:t>reset commit id</a:t>
-                      </a:r>
-                    </a:p>
-                  </a:txBody>
-                  <a:tcPr marL="9525" marR="9525" marT="9525" marB="0" anchor="ctr"/>
-                </a:tc>
-                <a:tc>
-                  <a:txBody>
-                    <a:bodyPr/>
-                    <a:lstStyle/>
-                    <a:p>
-                      <a:pPr algn="ctr" fontAlgn="ctr"/>
-                      <a:r>
-                        <a:rPr lang="ko-KR" altLang="en-US" sz="1100" b="0" i="0" u="none" strike="noStrike">
-                          <a:solidFill>
-                            <a:srgbClr val="000000"/>
-                          </a:solidFill>
-                          <a:latin typeface="Verdana" pitchFamily="34" charset="0"/>
-                          <a:cs typeface="Verdana" pitchFamily="34" charset="0"/>
-                        </a:rPr>
-                        <a:t>유지</a:t>
-                      </a:r>
-                    </a:p>
-                  </a:txBody>
-                  <a:tcPr marL="9525" marR="9525" marT="9525" marB="0" anchor="ctr"/>
-                </a:tc>
-                <a:tc>
-                  <a:txBody>
-                    <a:bodyPr/>
-                    <a:lstStyle/>
-                    <a:p>
-                      <a:pPr algn="ctr" fontAlgn="ctr"/>
-                      <a:r>
-                        <a:rPr lang="ko-KR" altLang="en-US" sz="1100" b="0" i="0" u="none" strike="noStrike" dirty="0">
-                          <a:solidFill>
-                            <a:srgbClr val="000000"/>
-                          </a:solidFill>
-                          <a:latin typeface="Verdana" pitchFamily="34" charset="0"/>
-                          <a:cs typeface="Verdana" pitchFamily="34" charset="0"/>
-                        </a:rPr>
-                        <a:t>취소</a:t>
-                      </a:r>
-                    </a:p>
-                  </a:txBody>
-                  <a:tcPr marL="9525" marR="9525" marT="9525" marB="0" anchor="ctr"/>
-                </a:tc>
-                <a:tc>
-                  <a:txBody>
-                    <a:bodyPr/>
-                    <a:lstStyle/>
-                    <a:p>
-                      <a:pPr algn="ctr" fontAlgn="ctr"/>
-                      <a:r>
-                        <a:rPr lang="en-US" altLang="ko-KR" sz="1100" b="0" i="0" u="none" strike="noStrike" dirty="0">
-                          <a:solidFill>
-                            <a:srgbClr val="000000"/>
-                          </a:solidFill>
-                          <a:latin typeface="Verdana" pitchFamily="34" charset="0"/>
-                          <a:ea typeface="Verdana" pitchFamily="34" charset="0"/>
-                          <a:cs typeface="Verdana" pitchFamily="34" charset="0"/>
-                        </a:rPr>
-                        <a:t>commit id </a:t>
-                      </a:r>
-                      <a:r>
-                        <a:rPr lang="ko-KR" altLang="en-US" sz="1100" b="0" i="0" u="none" strike="noStrike" dirty="0">
-                          <a:solidFill>
-                            <a:srgbClr val="000000"/>
-                          </a:solidFill>
-                          <a:latin typeface="Verdana" pitchFamily="34" charset="0"/>
-                          <a:cs typeface="Verdana" pitchFamily="34" charset="0"/>
-                        </a:rPr>
-                        <a:t>이후의 </a:t>
-                      </a:r>
-                      <a:r>
-                        <a:rPr lang="ko-KR" altLang="en-US" sz="1100" b="0" i="0" u="none" strike="noStrike" dirty="0" err="1">
-                          <a:solidFill>
-                            <a:srgbClr val="000000"/>
-                          </a:solidFill>
-                          <a:latin typeface="Verdana" pitchFamily="34" charset="0"/>
-                          <a:cs typeface="Verdana" pitchFamily="34" charset="0"/>
-                        </a:rPr>
-                        <a:t>커밋</a:t>
-                      </a:r>
-                      <a:r>
-                        <a:rPr lang="ko-KR" altLang="en-US" sz="1100" b="0" i="0" u="none" strike="noStrike" dirty="0">
-                          <a:solidFill>
-                            <a:srgbClr val="000000"/>
-                          </a:solidFill>
-                          <a:latin typeface="Verdana" pitchFamily="34" charset="0"/>
-                          <a:cs typeface="Verdana" pitchFamily="34" charset="0"/>
-                        </a:rPr>
-                        <a:t> 취소</a:t>
-                      </a:r>
-                    </a:p>
-                  </a:txBody>
-                  <a:tcPr marL="9525" marR="9525" marT="9525" marB="0" anchor="ctr"/>
-                </a:tc>
-                <a:tc>
-                  <a:txBody>
-                    <a:bodyPr/>
-                    <a:lstStyle/>
-                    <a:p>
-                      <a:pPr algn="l" fontAlgn="ctr"/>
-                      <a:r>
-                        <a:rPr lang="en-US" altLang="ko-KR" sz="1100" b="0" i="0" u="none" strike="noStrike" dirty="0">
-                          <a:solidFill>
-                            <a:srgbClr val="000000"/>
-                          </a:solidFill>
-                          <a:latin typeface="Verdana" pitchFamily="34" charset="0"/>
-                          <a:ea typeface="Verdana" pitchFamily="34" charset="0"/>
-                          <a:cs typeface="Verdana" pitchFamily="34" charset="0"/>
-                        </a:rPr>
-                        <a:t>commit id</a:t>
-                      </a:r>
-                      <a:r>
-                        <a:rPr lang="ko-KR" altLang="en-US" sz="1100" b="0" i="0" u="none" strike="noStrike" dirty="0">
-                          <a:solidFill>
-                            <a:srgbClr val="000000"/>
-                          </a:solidFill>
-                          <a:latin typeface="Verdana" pitchFamily="34" charset="0"/>
-                          <a:cs typeface="Verdana" pitchFamily="34" charset="0"/>
-                        </a:rPr>
-                        <a:t>에 해당하는 커밋은 유지된다</a:t>
-                      </a:r>
-                      <a:r>
-                        <a:rPr lang="en-US" altLang="ko-KR" sz="1100" b="0" i="0" u="none" strike="noStrike" dirty="0">
-                          <a:solidFill>
-                            <a:srgbClr val="000000"/>
-                          </a:solidFill>
-                          <a:latin typeface="Verdana" pitchFamily="34" charset="0"/>
-                          <a:ea typeface="Verdana" pitchFamily="34" charset="0"/>
-                          <a:cs typeface="Verdana" pitchFamily="34" charset="0"/>
-                        </a:rPr>
-                        <a:t>.</a:t>
-                      </a:r>
-                    </a:p>
-                  </a:txBody>
-                  <a:tcPr marL="9525" marR="9525" marT="9525" marB="0" anchor="ctr"/>
-                </a:tc>
-              </a:tr>
-              <a:tr h="0">
-                <a:tc vMerge="1">
-                  <a:txBody>
-                    <a:bodyPr/>
-                    <a:lstStyle/>
-                    <a:p>
-                      <a:pPr latinLnBrk="1"/>
-                      <a:endParaRPr lang="ko-KR" altLang="en-US"/>
-                    </a:p>
-                  </a:txBody>
-                  <a:tcPr/>
-                </a:tc>
-                <a:tc>
-                  <a:txBody>
-                    <a:bodyPr/>
-                    <a:lstStyle/>
-                    <a:p>
-                      <a:pPr algn="l" fontAlgn="ctr"/>
-                      <a:r>
-                        <a:rPr lang="en-US" sz="1100" b="0" i="0" u="none" strike="noStrike">
-                          <a:solidFill>
-                            <a:srgbClr val="000000"/>
-                          </a:solidFill>
-                          <a:latin typeface="Verdana" pitchFamily="34" charset="0"/>
-                          <a:ea typeface="Verdana" pitchFamily="34" charset="0"/>
-                          <a:cs typeface="Verdana" pitchFamily="34" charset="0"/>
-                        </a:rPr>
-                        <a:t>reset HEAD^</a:t>
-                      </a:r>
-                    </a:p>
-                  </a:txBody>
-                  <a:tcPr marL="9525" marR="9525" marT="9525" marB="0" anchor="ctr"/>
-                </a:tc>
-                <a:tc>
-                  <a:txBody>
-                    <a:bodyPr/>
-                    <a:lstStyle/>
-                    <a:p>
-                      <a:pPr algn="ctr" fontAlgn="ctr"/>
-                      <a:r>
-                        <a:rPr lang="ko-KR" altLang="en-US" sz="1100" b="0" i="0" u="none" strike="noStrike">
-                          <a:solidFill>
-                            <a:srgbClr val="000000"/>
-                          </a:solidFill>
-                          <a:latin typeface="Verdana" pitchFamily="34" charset="0"/>
-                          <a:cs typeface="Verdana" pitchFamily="34" charset="0"/>
-                        </a:rPr>
-                        <a:t>유지</a:t>
-                      </a:r>
-                    </a:p>
-                  </a:txBody>
-                  <a:tcPr marL="9525" marR="9525" marT="9525" marB="0" anchor="ctr"/>
-                </a:tc>
-                <a:tc>
-                  <a:txBody>
-                    <a:bodyPr/>
-                    <a:lstStyle/>
-                    <a:p>
-                      <a:pPr algn="ctr" fontAlgn="ctr"/>
-                      <a:r>
-                        <a:rPr lang="ko-KR" altLang="en-US" sz="1100" b="0" i="0" u="none" strike="noStrike">
-                          <a:solidFill>
-                            <a:srgbClr val="000000"/>
-                          </a:solidFill>
-                          <a:latin typeface="Verdana" pitchFamily="34" charset="0"/>
+                          <a:latin typeface="나눔고딕" pitchFamily="50" charset="-127"/>
+                          <a:ea typeface="나눔고딕" pitchFamily="50" charset="-127"/>
                           <a:cs typeface="Verdana" pitchFamily="34" charset="0"/>
                         </a:rPr>
                         <a:t>취소</a:t>
@@ -11578,9 +12025,10 @@
                       <a:r>
                         <a:rPr lang="ko-KR" altLang="en-US" sz="1100" b="0" i="0" u="none" strike="noStrike" dirty="0" err="1" smtClean="0">
                           <a:solidFill>
-                            <a:srgbClr val="000000"/>
+                            <a:schemeClr val="tx1"/>
                           </a:solidFill>
-                          <a:latin typeface="Verdana" pitchFamily="34" charset="0"/>
+                          <a:latin typeface="나눔고딕" pitchFamily="50" charset="-127"/>
+                          <a:ea typeface="나눔고딕" pitchFamily="50" charset="-127"/>
                           <a:cs typeface="Verdana" pitchFamily="34" charset="0"/>
                         </a:rPr>
                         <a:t>최신커밋</a:t>
@@ -11588,272 +12036,10 @@
                       <a:r>
                         <a:rPr lang="ko-KR" altLang="en-US" sz="1100" b="0" i="0" u="none" strike="noStrike" dirty="0" smtClean="0">
                           <a:solidFill>
-                            <a:srgbClr val="000000"/>
+                            <a:schemeClr val="tx1"/>
                           </a:solidFill>
-                          <a:latin typeface="Verdana" pitchFamily="34" charset="0"/>
-                          <a:cs typeface="Verdana" pitchFamily="34" charset="0"/>
-                        </a:rPr>
-                        <a:t> 취소</a:t>
-                      </a:r>
-                      <a:endParaRPr lang="ko-KR" altLang="en-US" sz="1100" b="0" i="0" u="none" strike="noStrike" dirty="0">
-                        <a:solidFill>
-                          <a:srgbClr val="000000"/>
-                        </a:solidFill>
-                        <a:latin typeface="Verdana" pitchFamily="34" charset="0"/>
-                        <a:cs typeface="Verdana" pitchFamily="34" charset="0"/>
-                      </a:endParaRPr>
-                    </a:p>
-                  </a:txBody>
-                  <a:tcPr marL="9525" marR="9525" marT="9525" marB="0" anchor="ctr"/>
-                </a:tc>
-                <a:tc>
-                  <a:txBody>
-                    <a:bodyPr/>
-                    <a:lstStyle/>
-                    <a:p>
-                      <a:pPr algn="l" fontAlgn="ctr"/>
-                      <a:r>
-                        <a:rPr lang="ko-KR" altLang="en-US" sz="1100" b="0" i="0" u="none" strike="noStrike" dirty="0" err="1">
-                          <a:solidFill>
-                            <a:srgbClr val="000000"/>
-                          </a:solidFill>
-                          <a:latin typeface="Verdana" pitchFamily="34" charset="0"/>
-                          <a:cs typeface="Verdana" pitchFamily="34" charset="0"/>
-                        </a:rPr>
-                        <a:t>커밋은</a:t>
-                      </a:r>
-                      <a:r>
-                        <a:rPr lang="ko-KR" altLang="en-US" sz="1100" b="0" i="0" u="none" strike="noStrike" dirty="0">
-                          <a:solidFill>
-                            <a:srgbClr val="000000"/>
-                          </a:solidFill>
-                          <a:latin typeface="Verdana" pitchFamily="34" charset="0"/>
-                          <a:cs typeface="Verdana" pitchFamily="34" charset="0"/>
-                        </a:rPr>
-                        <a:t> 했지만 </a:t>
-                      </a:r>
-                      <a:r>
-                        <a:rPr lang="en-US" altLang="ko-KR" sz="1100" b="0" i="0" u="none" strike="noStrike" dirty="0">
-                          <a:solidFill>
-                            <a:srgbClr val="000000"/>
-                          </a:solidFill>
-                          <a:latin typeface="Verdana" pitchFamily="34" charset="0"/>
-                          <a:ea typeface="Verdana" pitchFamily="34" charset="0"/>
-                          <a:cs typeface="Verdana" pitchFamily="34" charset="0"/>
-                        </a:rPr>
-                        <a:t>push</a:t>
-                      </a:r>
-                      <a:r>
-                        <a:rPr lang="ko-KR" altLang="en-US" sz="1100" b="0" i="0" u="none" strike="noStrike" dirty="0">
-                          <a:solidFill>
-                            <a:srgbClr val="000000"/>
-                          </a:solidFill>
-                          <a:latin typeface="Verdana" pitchFamily="34" charset="0"/>
-                          <a:cs typeface="Verdana" pitchFamily="34" charset="0"/>
-                        </a:rPr>
-                        <a:t>하지 않은 경우 유용 </a:t>
-                      </a:r>
-                      <a:r>
-                        <a:rPr lang="en-US" altLang="ko-KR" sz="1100" b="0" i="0" u="none" strike="noStrike" dirty="0">
-                          <a:solidFill>
-                            <a:srgbClr val="000000"/>
-                          </a:solidFill>
-                          <a:latin typeface="Verdana" pitchFamily="34" charset="0"/>
-                          <a:ea typeface="Verdana" pitchFamily="34" charset="0"/>
-                          <a:cs typeface="Verdana" pitchFamily="34" charset="0"/>
-                        </a:rPr>
-                        <a:t>HEAD^</a:t>
-                      </a:r>
-                      <a:r>
-                        <a:rPr lang="ko-KR" altLang="en-US" sz="1100" b="0" i="0" u="none" strike="noStrike" dirty="0">
-                          <a:solidFill>
-                            <a:srgbClr val="000000"/>
-                          </a:solidFill>
-                          <a:latin typeface="Verdana" pitchFamily="34" charset="0"/>
-                          <a:cs typeface="Verdana" pitchFamily="34" charset="0"/>
-                        </a:rPr>
-                        <a:t>는 </a:t>
-                      </a:r>
-                      <a:endParaRPr lang="en-US" altLang="ko-KR" sz="1100" b="0" i="0" u="none" strike="noStrike" dirty="0" smtClean="0">
-                        <a:solidFill>
-                          <a:srgbClr val="000000"/>
-                        </a:solidFill>
-                        <a:latin typeface="Verdana" pitchFamily="34" charset="0"/>
-                        <a:cs typeface="Verdana" pitchFamily="34" charset="0"/>
-                      </a:endParaRPr>
-                    </a:p>
-                    <a:p>
-                      <a:pPr algn="l" fontAlgn="ctr"/>
-                      <a:r>
-                        <a:rPr lang="ko-KR" altLang="en-US" sz="1100" b="0" i="0" u="none" strike="noStrike" dirty="0" err="1" smtClean="0">
-                          <a:solidFill>
-                            <a:srgbClr val="000000"/>
-                          </a:solidFill>
-                          <a:latin typeface="Verdana" pitchFamily="34" charset="0"/>
-                          <a:cs typeface="Verdana" pitchFamily="34" charset="0"/>
-                        </a:rPr>
-                        <a:t>최신커밋을</a:t>
-                      </a:r>
-                      <a:r>
-                        <a:rPr lang="ko-KR" altLang="en-US" sz="1100" b="0" i="0" u="none" strike="noStrike" dirty="0" smtClean="0">
-                          <a:solidFill>
-                            <a:srgbClr val="000000"/>
-                          </a:solidFill>
-                          <a:latin typeface="Verdana" pitchFamily="34" charset="0"/>
-                          <a:cs typeface="Verdana" pitchFamily="34" charset="0"/>
-                        </a:rPr>
-                        <a:t> </a:t>
-                      </a:r>
-                      <a:r>
-                        <a:rPr lang="ko-KR" altLang="en-US" sz="1100" b="0" i="0" u="none" strike="noStrike" dirty="0">
-                          <a:solidFill>
-                            <a:srgbClr val="000000"/>
-                          </a:solidFill>
-                          <a:latin typeface="Verdana" pitchFamily="34" charset="0"/>
-                          <a:cs typeface="Verdana" pitchFamily="34" charset="0"/>
-                        </a:rPr>
-                        <a:t>포함 </a:t>
-                      </a:r>
-                      <a:r>
-                        <a:rPr lang="ko-KR" altLang="en-US" sz="1100" b="0" i="0" u="none" strike="noStrike" dirty="0" err="1">
-                          <a:solidFill>
-                            <a:srgbClr val="000000"/>
-                          </a:solidFill>
-                          <a:latin typeface="Verdana" pitchFamily="34" charset="0"/>
-                          <a:cs typeface="Verdana" pitchFamily="34" charset="0"/>
-                        </a:rPr>
-                        <a:t>두개의</a:t>
-                      </a:r>
-                      <a:r>
-                        <a:rPr lang="ko-KR" altLang="en-US" sz="1100" b="0" i="0" u="none" strike="noStrike" dirty="0">
-                          <a:solidFill>
-                            <a:srgbClr val="000000"/>
-                          </a:solidFill>
-                          <a:latin typeface="Verdana" pitchFamily="34" charset="0"/>
-                          <a:cs typeface="Verdana" pitchFamily="34" charset="0"/>
-                        </a:rPr>
-                        <a:t> </a:t>
-                      </a:r>
-                      <a:r>
-                        <a:rPr lang="ko-KR" altLang="en-US" sz="1100" b="0" i="0" u="none" strike="noStrike" dirty="0" err="1">
-                          <a:solidFill>
-                            <a:srgbClr val="000000"/>
-                          </a:solidFill>
-                          <a:latin typeface="Verdana" pitchFamily="34" charset="0"/>
-                          <a:cs typeface="Verdana" pitchFamily="34" charset="0"/>
-                        </a:rPr>
-                        <a:t>커밋을</a:t>
-                      </a:r>
-                      <a:r>
-                        <a:rPr lang="ko-KR" altLang="en-US" sz="1100" b="0" i="0" u="none" strike="noStrike" dirty="0">
-                          <a:solidFill>
-                            <a:srgbClr val="000000"/>
-                          </a:solidFill>
-                          <a:latin typeface="Verdana" pitchFamily="34" charset="0"/>
-                          <a:cs typeface="Verdana" pitchFamily="34" charset="0"/>
-                        </a:rPr>
-                        <a:t> 의미</a:t>
-                      </a:r>
-                    </a:p>
-                  </a:txBody>
-                  <a:tcPr marL="9525" marR="9525" marT="9525" marB="0" anchor="ctr"/>
-                </a:tc>
-              </a:tr>
-              <a:tr h="0">
-                <a:tc vMerge="1">
-                  <a:txBody>
-                    <a:bodyPr/>
-                    <a:lstStyle/>
-                    <a:p>
-                      <a:pPr latinLnBrk="1"/>
-                      <a:endParaRPr lang="ko-KR" altLang="en-US"/>
-                    </a:p>
-                  </a:txBody>
-                  <a:tcPr/>
-                </a:tc>
-                <a:tc>
-                  <a:txBody>
-                    <a:bodyPr/>
-                    <a:lstStyle/>
-                    <a:p>
-                      <a:pPr algn="l" fontAlgn="ctr"/>
-                      <a:r>
-                        <a:rPr lang="en-US" sz="1100" b="0" i="0" u="none" strike="noStrike">
-                          <a:solidFill>
-                            <a:srgbClr val="000000"/>
-                          </a:solidFill>
-                          <a:latin typeface="Verdana" pitchFamily="34" charset="0"/>
-                          <a:ea typeface="Verdana" pitchFamily="34" charset="0"/>
-                          <a:cs typeface="Verdana" pitchFamily="34" charset="0"/>
-                        </a:rPr>
-                        <a:t>reset HEAD~2</a:t>
-                      </a:r>
-                    </a:p>
-                  </a:txBody>
-                  <a:tcPr marL="9525" marR="9525" marT="9525" marB="0" anchor="ctr"/>
-                </a:tc>
-                <a:tc>
-                  <a:txBody>
-                    <a:bodyPr/>
-                    <a:lstStyle/>
-                    <a:p>
-                      <a:pPr algn="ctr" fontAlgn="ctr"/>
-                      <a:r>
-                        <a:rPr lang="ko-KR" altLang="en-US" sz="1100" b="0" i="0" u="none" strike="noStrike">
-                          <a:solidFill>
-                            <a:srgbClr val="000000"/>
-                          </a:solidFill>
-                          <a:latin typeface="Verdana" pitchFamily="34" charset="0"/>
-                          <a:cs typeface="Verdana" pitchFamily="34" charset="0"/>
-                        </a:rPr>
-                        <a:t>유지</a:t>
-                      </a:r>
-                    </a:p>
-                  </a:txBody>
-                  <a:tcPr marL="9525" marR="9525" marT="9525" marB="0" anchor="ctr"/>
-                </a:tc>
-                <a:tc>
-                  <a:txBody>
-                    <a:bodyPr/>
-                    <a:lstStyle/>
-                    <a:p>
-                      <a:pPr algn="ctr" fontAlgn="ctr"/>
-                      <a:r>
-                        <a:rPr lang="ko-KR" altLang="en-US" sz="1100" b="0" i="0" u="none" strike="noStrike">
-                          <a:solidFill>
-                            <a:srgbClr val="000000"/>
-                          </a:solidFill>
-                          <a:latin typeface="Verdana" pitchFamily="34" charset="0"/>
-                          <a:cs typeface="Verdana" pitchFamily="34" charset="0"/>
-                        </a:rPr>
-                        <a:t>취소</a:t>
-                      </a:r>
-                    </a:p>
-                  </a:txBody>
-                  <a:tcPr marL="9525" marR="9525" marT="9525" marB="0" anchor="ctr"/>
-                </a:tc>
-                <a:tc>
-                  <a:txBody>
-                    <a:bodyPr/>
-                    <a:lstStyle/>
-                    <a:p>
-                      <a:pPr algn="ctr" fontAlgn="ctr"/>
-                      <a:r>
-                        <a:rPr lang="ko-KR" altLang="en-US" sz="1100" b="0" i="0" u="none" strike="noStrike" dirty="0" err="1" smtClean="0">
-                          <a:solidFill>
-                            <a:srgbClr val="000000"/>
-                          </a:solidFill>
-                          <a:latin typeface="Verdana" pitchFamily="34" charset="0"/>
-                          <a:cs typeface="Verdana" pitchFamily="34" charset="0"/>
-                        </a:rPr>
-                        <a:t>최신커밋</a:t>
-                      </a:r>
-                      <a:r>
-                        <a:rPr lang="ko-KR" altLang="en-US" sz="1100" b="0" i="0" u="none" strike="noStrike" dirty="0" smtClean="0">
-                          <a:solidFill>
-                            <a:srgbClr val="000000"/>
-                          </a:solidFill>
-                          <a:latin typeface="Verdana" pitchFamily="34" charset="0"/>
+                          <a:latin typeface="나눔고딕" pitchFamily="50" charset="-127"/>
+                          <a:ea typeface="나눔고딕" pitchFamily="50" charset="-127"/>
                           <a:cs typeface="Verdana" pitchFamily="34" charset="0"/>
                         </a:rPr>
                         <a:t> </a:t>
@@ -11861,10 +12047,10 @@
                       <a:r>
                         <a:rPr lang="en-US" altLang="ko-KR" sz="1100" b="0" i="0" u="none" strike="noStrike" dirty="0" smtClean="0">
                           <a:solidFill>
-                            <a:srgbClr val="000000"/>
+                            <a:schemeClr val="tx1"/>
                           </a:solidFill>
-                          <a:latin typeface="Verdana" pitchFamily="34" charset="0"/>
-                          <a:ea typeface="Verdana" pitchFamily="34" charset="0"/>
+                          <a:latin typeface="나눔고딕" pitchFamily="50" charset="-127"/>
+                          <a:ea typeface="나눔고딕" pitchFamily="50" charset="-127"/>
                           <a:cs typeface="Verdana" pitchFamily="34" charset="0"/>
                         </a:rPr>
                         <a:t>-2</a:t>
@@ -11872,170 +12058,20 @@
                       <a:r>
                         <a:rPr lang="ko-KR" altLang="en-US" sz="1100" b="0" i="0" u="none" strike="noStrike" dirty="0" smtClean="0">
                           <a:solidFill>
-                            <a:srgbClr val="000000"/>
+                            <a:schemeClr val="tx1"/>
                           </a:solidFill>
-                          <a:latin typeface="Verdana" pitchFamily="34" charset="0"/>
-                          <a:cs typeface="Verdana" pitchFamily="34" charset="0"/>
-                        </a:rPr>
-                        <a:t>번 취소</a:t>
-                      </a:r>
-                      <a:endParaRPr lang="ko-KR" altLang="en-US" sz="1100" b="0" i="0" u="none" strike="noStrike" dirty="0">
-                        <a:solidFill>
-                          <a:srgbClr val="000000"/>
-                        </a:solidFill>
-                        <a:latin typeface="Verdana" pitchFamily="34" charset="0"/>
-                        <a:cs typeface="Verdana" pitchFamily="34" charset="0"/>
-                      </a:endParaRPr>
-                    </a:p>
-                  </a:txBody>
-                  <a:tcPr marL="9525" marR="9525" marT="9525" marB="0" anchor="ctr"/>
-                </a:tc>
-                <a:tc>
-                  <a:txBody>
-                    <a:bodyPr/>
-                    <a:lstStyle/>
-                    <a:p>
-                      <a:pPr algn="l" fontAlgn="ctr"/>
-                      <a:r>
-                        <a:rPr lang="ko-KR" altLang="en-US" sz="1100" b="0" i="0" u="none" strike="noStrike" dirty="0">
-                          <a:solidFill>
-                            <a:srgbClr val="000000"/>
-                          </a:solidFill>
-                          <a:latin typeface="Verdana" pitchFamily="34" charset="0"/>
-                          <a:cs typeface="Verdana" pitchFamily="34" charset="0"/>
-                        </a:rPr>
-                        <a:t>　</a:t>
-                      </a:r>
-                    </a:p>
-                  </a:txBody>
-                  <a:tcPr marL="9525" marR="9525" marT="9525" marB="0" anchor="ctr"/>
-                </a:tc>
-              </a:tr>
-              <a:tr h="0">
-                <a:tc vMerge="1">
-                  <a:txBody>
-                    <a:bodyPr/>
-                    <a:lstStyle/>
-                    <a:p>
-                      <a:pPr latinLnBrk="1"/>
-                      <a:endParaRPr lang="ko-KR" altLang="en-US"/>
-                    </a:p>
-                  </a:txBody>
-                  <a:tcPr/>
-                </a:tc>
-                <a:tc>
-                  <a:txBody>
-                    <a:bodyPr/>
-                    <a:lstStyle/>
-                    <a:p>
-                      <a:pPr algn="l" fontAlgn="ctr"/>
-                      <a:r>
-                        <a:rPr lang="en-US" sz="1100" b="0" i="0" u="none" strike="noStrike">
-                          <a:solidFill>
-                            <a:srgbClr val="000000"/>
-                          </a:solidFill>
-                          <a:latin typeface="Verdana" pitchFamily="34" charset="0"/>
-                          <a:ea typeface="Verdana" pitchFamily="34" charset="0"/>
-                          <a:cs typeface="Verdana" pitchFamily="34" charset="0"/>
-                        </a:rPr>
-                        <a:t>reset --hard HEAD~2</a:t>
-                      </a:r>
-                    </a:p>
-                  </a:txBody>
-                  <a:tcPr marL="9525" marR="9525" marT="9525" marB="0" anchor="ctr"/>
-                </a:tc>
-                <a:tc>
-                  <a:txBody>
-                    <a:bodyPr/>
-                    <a:lstStyle/>
-                    <a:p>
-                      <a:pPr algn="ctr" fontAlgn="ctr"/>
-                      <a:r>
-                        <a:rPr lang="ko-KR" altLang="en-US" sz="1100" b="0" i="0" u="none" strike="noStrike">
-                          <a:solidFill>
-                            <a:srgbClr val="000000"/>
-                          </a:solidFill>
-                          <a:latin typeface="Verdana" pitchFamily="34" charset="0"/>
-                          <a:cs typeface="Verdana" pitchFamily="34" charset="0"/>
-                        </a:rPr>
-                        <a:t>취소</a:t>
-                      </a:r>
-                    </a:p>
-                  </a:txBody>
-                  <a:tcPr marL="9525" marR="9525" marT="9525" marB="0" anchor="ctr"/>
-                </a:tc>
-                <a:tc>
-                  <a:txBody>
-                    <a:bodyPr/>
-                    <a:lstStyle/>
-                    <a:p>
-                      <a:pPr algn="ctr" fontAlgn="ctr"/>
-                      <a:r>
-                        <a:rPr lang="ko-KR" altLang="en-US" sz="1100" b="0" i="0" u="none" strike="noStrike">
-                          <a:solidFill>
-                            <a:srgbClr val="000000"/>
-                          </a:solidFill>
-                          <a:latin typeface="Verdana" pitchFamily="34" charset="0"/>
-                          <a:cs typeface="Verdana" pitchFamily="34" charset="0"/>
-                        </a:rPr>
-                        <a:t>취소</a:t>
-                      </a:r>
-                    </a:p>
-                  </a:txBody>
-                  <a:tcPr marL="9525" marR="9525" marT="9525" marB="0" anchor="ctr"/>
-                </a:tc>
-                <a:tc>
-                  <a:txBody>
-                    <a:bodyPr/>
-                    <a:lstStyle/>
-                    <a:p>
-                      <a:pPr algn="ctr" fontAlgn="ctr"/>
-                      <a:r>
-                        <a:rPr lang="ko-KR" altLang="en-US" sz="1100" b="0" i="0" u="none" strike="noStrike" dirty="0" err="1" smtClean="0">
-                          <a:solidFill>
-                            <a:srgbClr val="000000"/>
-                          </a:solidFill>
-                          <a:latin typeface="Verdana" pitchFamily="34" charset="0"/>
-                          <a:cs typeface="Verdana" pitchFamily="34" charset="0"/>
-                        </a:rPr>
-                        <a:t>최신커밋</a:t>
-                      </a:r>
-                      <a:r>
-                        <a:rPr lang="ko-KR" altLang="en-US" sz="1100" b="0" i="0" u="none" strike="noStrike" dirty="0" smtClean="0">
-                          <a:solidFill>
-                            <a:srgbClr val="000000"/>
-                          </a:solidFill>
-                          <a:latin typeface="Verdana" pitchFamily="34" charset="0"/>
-                          <a:cs typeface="Verdana" pitchFamily="34" charset="0"/>
-                        </a:rPr>
-                        <a:t> </a:t>
-                      </a:r>
-                      <a:r>
-                        <a:rPr lang="en-US" altLang="ko-KR" sz="1100" b="0" i="0" u="none" strike="noStrike" dirty="0" smtClean="0">
-                          <a:solidFill>
-                            <a:srgbClr val="000000"/>
-                          </a:solidFill>
-                          <a:latin typeface="Verdana" pitchFamily="34" charset="0"/>
-                          <a:ea typeface="Verdana" pitchFamily="34" charset="0"/>
-                          <a:cs typeface="Verdana" pitchFamily="34" charset="0"/>
-                        </a:rPr>
-                        <a:t>-2</a:t>
-                      </a:r>
-                      <a:r>
-                        <a:rPr lang="ko-KR" altLang="en-US" sz="1100" b="0" i="0" u="none" strike="noStrike" dirty="0" smtClean="0">
-                          <a:solidFill>
-                            <a:srgbClr val="000000"/>
-                          </a:solidFill>
-                          <a:latin typeface="Verdana" pitchFamily="34" charset="0"/>
+                          <a:latin typeface="나눔고딕" pitchFamily="50" charset="-127"/>
+                          <a:ea typeface="나눔고딕" pitchFamily="50" charset="-127"/>
                           <a:cs typeface="Verdana" pitchFamily="34" charset="0"/>
                         </a:rPr>
                         <a:t>개 취소</a:t>
                       </a:r>
                       <a:endParaRPr lang="ko-KR" altLang="en-US" sz="1100" b="0" i="0" u="none" strike="noStrike" dirty="0">
                         <a:solidFill>
-                          <a:srgbClr val="000000"/>
+                          <a:schemeClr val="tx1"/>
                         </a:solidFill>
-                        <a:latin typeface="Verdana" pitchFamily="34" charset="0"/>
+                        <a:latin typeface="나눔고딕" pitchFamily="50" charset="-127"/>
+                        <a:ea typeface="나눔고딕" pitchFamily="50" charset="-127"/>
                         <a:cs typeface="Verdana" pitchFamily="34" charset="0"/>
                       </a:endParaRPr>
                     </a:p>
@@ -12051,10 +12087,10 @@
                       <a:r>
                         <a:rPr lang="en-US" sz="1100" b="0" i="0" u="none" strike="noStrike" dirty="0">
                           <a:solidFill>
-                            <a:srgbClr val="000000"/>
+                            <a:schemeClr val="tx1"/>
                           </a:solidFill>
-                          <a:latin typeface="Verdana" pitchFamily="34" charset="0"/>
-                          <a:ea typeface="Verdana" pitchFamily="34" charset="0"/>
+                          <a:latin typeface="나눔고딕" pitchFamily="50" charset="-127"/>
+                          <a:ea typeface="나눔고딕" pitchFamily="50" charset="-127"/>
                           <a:cs typeface="Verdana" pitchFamily="34" charset="0"/>
                         </a:rPr>
                         <a:t>-- hard</a:t>
@@ -12062,9 +12098,10 @@
                       <a:r>
                         <a:rPr lang="ko-KR" altLang="en-US" sz="1100" b="0" i="0" u="none" strike="noStrike" dirty="0">
                           <a:solidFill>
-                            <a:srgbClr val="000000"/>
+                            <a:schemeClr val="tx1"/>
                           </a:solidFill>
-                          <a:latin typeface="Verdana" pitchFamily="34" charset="0"/>
+                          <a:latin typeface="나눔고딕" pitchFamily="50" charset="-127"/>
+                          <a:ea typeface="나눔고딕" pitchFamily="50" charset="-127"/>
                           <a:cs typeface="Verdana" pitchFamily="34" charset="0"/>
                         </a:rPr>
                         <a:t>는 </a:t>
@@ -12072,10 +12109,10 @@
                       <a:r>
                         <a:rPr lang="en-US" sz="1100" b="0" i="0" u="none" strike="noStrike" dirty="0">
                           <a:solidFill>
-                            <a:srgbClr val="000000"/>
+                            <a:schemeClr val="tx1"/>
                           </a:solidFill>
-                          <a:latin typeface="Verdana" pitchFamily="34" charset="0"/>
-                          <a:ea typeface="Verdana" pitchFamily="34" charset="0"/>
+                          <a:latin typeface="나눔고딕" pitchFamily="50" charset="-127"/>
+                          <a:ea typeface="나눔고딕" pitchFamily="50" charset="-127"/>
                           <a:cs typeface="Verdana" pitchFamily="34" charset="0"/>
                         </a:rPr>
                         <a:t>working</a:t>
@@ -12083,9 +12120,10 @@
                       <a:r>
                         <a:rPr lang="ko-KR" altLang="en-US" sz="1100" b="0" i="0" u="none" strike="noStrike" dirty="0">
                           <a:solidFill>
-                            <a:srgbClr val="000000"/>
+                            <a:schemeClr val="tx1"/>
                           </a:solidFill>
-                          <a:latin typeface="Verdana" pitchFamily="34" charset="0"/>
+                          <a:latin typeface="나눔고딕" pitchFamily="50" charset="-127"/>
+                          <a:ea typeface="나눔고딕" pitchFamily="50" charset="-127"/>
                           <a:cs typeface="Verdana" pitchFamily="34" charset="0"/>
                         </a:rPr>
                         <a:t>과 </a:t>
@@ -12093,10 +12131,10 @@
                       <a:r>
                         <a:rPr lang="en-US" sz="1100" b="0" i="0" u="none" strike="noStrike" dirty="0">
                           <a:solidFill>
-                            <a:srgbClr val="000000"/>
+                            <a:schemeClr val="tx1"/>
                           </a:solidFill>
-                          <a:latin typeface="Verdana" pitchFamily="34" charset="0"/>
-                          <a:ea typeface="Verdana" pitchFamily="34" charset="0"/>
+                          <a:latin typeface="나눔고딕" pitchFamily="50" charset="-127"/>
+                          <a:ea typeface="나눔고딕" pitchFamily="50" charset="-127"/>
                           <a:cs typeface="Verdana" pitchFamily="34" charset="0"/>
                         </a:rPr>
                         <a:t>staging </a:t>
@@ -12104,9 +12142,10 @@
                       <a:r>
                         <a:rPr lang="ko-KR" altLang="en-US" sz="1100" b="0" i="0" u="none" strike="noStrike" dirty="0">
                           <a:solidFill>
-                            <a:srgbClr val="000000"/>
+                            <a:schemeClr val="tx1"/>
                           </a:solidFill>
-                          <a:latin typeface="Verdana" pitchFamily="34" charset="0"/>
+                          <a:latin typeface="나눔고딕" pitchFamily="50" charset="-127"/>
+                          <a:ea typeface="나눔고딕" pitchFamily="50" charset="-127"/>
                           <a:cs typeface="Verdana" pitchFamily="34" charset="0"/>
                         </a:rPr>
                         <a:t>모두 취소</a:t>
@@ -12137,10 +12176,10 @@
                       <a:r>
                         <a:rPr lang="en-US" sz="1100" b="0" i="0" u="none" strike="noStrike">
                           <a:solidFill>
-                            <a:srgbClr val="000000"/>
+                            <a:schemeClr val="tx1"/>
                           </a:solidFill>
-                          <a:latin typeface="Verdana" pitchFamily="34" charset="0"/>
-                          <a:ea typeface="Verdana" pitchFamily="34" charset="0"/>
+                          <a:latin typeface="나눔고딕" pitchFamily="50" charset="-127"/>
+                          <a:ea typeface="나눔고딕" pitchFamily="50" charset="-127"/>
                           <a:cs typeface="Verdana" pitchFamily="34" charset="0"/>
                         </a:rPr>
                         <a:t>reset --soft HEAD~2</a:t>
@@ -12158,9 +12197,10 @@
                       <a:r>
                         <a:rPr lang="ko-KR" altLang="en-US" sz="1100" b="0" i="0" u="none" strike="noStrike">
                           <a:solidFill>
-                            <a:srgbClr val="000000"/>
+                            <a:schemeClr val="tx1"/>
                           </a:solidFill>
-                          <a:latin typeface="Verdana" pitchFamily="34" charset="0"/>
+                          <a:latin typeface="나눔고딕" pitchFamily="50" charset="-127"/>
+                          <a:ea typeface="나눔고딕" pitchFamily="50" charset="-127"/>
                           <a:cs typeface="Verdana" pitchFamily="34" charset="0"/>
                         </a:rPr>
                         <a:t>유지</a:t>
@@ -12178,9 +12218,10 @@
                       <a:r>
                         <a:rPr lang="ko-KR" altLang="en-US" sz="1100" b="0" i="0" u="none" strike="noStrike">
                           <a:solidFill>
-                            <a:srgbClr val="000000"/>
+                            <a:schemeClr val="tx1"/>
                           </a:solidFill>
-                          <a:latin typeface="Verdana" pitchFamily="34" charset="0"/>
+                          <a:latin typeface="나눔고딕" pitchFamily="50" charset="-127"/>
+                          <a:ea typeface="나눔고딕" pitchFamily="50" charset="-127"/>
                           <a:cs typeface="Verdana" pitchFamily="34" charset="0"/>
                         </a:rPr>
                         <a:t>유지</a:t>
@@ -12198,9 +12239,10 @@
                       <a:r>
                         <a:rPr lang="ko-KR" altLang="en-US" sz="1100" b="0" i="0" u="none" strike="noStrike" dirty="0" err="1" smtClean="0">
                           <a:solidFill>
-                            <a:srgbClr val="000000"/>
+                            <a:schemeClr val="tx1"/>
                           </a:solidFill>
-                          <a:latin typeface="Verdana" pitchFamily="34" charset="0"/>
+                          <a:latin typeface="나눔고딕" pitchFamily="50" charset="-127"/>
+                          <a:ea typeface="나눔고딕" pitchFamily="50" charset="-127"/>
                           <a:cs typeface="Verdana" pitchFamily="34" charset="0"/>
                         </a:rPr>
                         <a:t>최신커밋</a:t>
@@ -12208,9 +12250,10 @@
                       <a:r>
                         <a:rPr lang="ko-KR" altLang="en-US" sz="1100" b="0" i="0" u="none" strike="noStrike" dirty="0" smtClean="0">
                           <a:solidFill>
-                            <a:srgbClr val="000000"/>
+                            <a:schemeClr val="tx1"/>
                           </a:solidFill>
-                          <a:latin typeface="Verdana" pitchFamily="34" charset="0"/>
+                          <a:latin typeface="나눔고딕" pitchFamily="50" charset="-127"/>
+                          <a:ea typeface="나눔고딕" pitchFamily="50" charset="-127"/>
                           <a:cs typeface="Verdana" pitchFamily="34" charset="0"/>
                         </a:rPr>
                         <a:t> </a:t>
@@ -12218,39 +12261,31 @@
                       <a:r>
                         <a:rPr lang="en-US" altLang="ko-KR" sz="1100" b="0" i="0" u="none" strike="noStrike" dirty="0" smtClean="0">
                           <a:solidFill>
-                            <a:srgbClr val="000000"/>
+                            <a:schemeClr val="tx1"/>
                           </a:solidFill>
-                          <a:latin typeface="Verdana" pitchFamily="34" charset="0"/>
+                          <a:latin typeface="나눔고딕" pitchFamily="50" charset="-127"/>
+                          <a:ea typeface="나눔고딕" pitchFamily="50" charset="-127"/>
                           <a:cs typeface="Verdana" pitchFamily="34" charset="0"/>
                         </a:rPr>
-                        <a:t>-</a:t>
-                      </a:r>
-                      <a:r>
-                        <a:rPr lang="en-US" altLang="ko-KR" sz="1100" b="0" i="0" u="none" strike="noStrike" dirty="0" smtClean="0">
-                          <a:solidFill>
-                            <a:srgbClr val="000000"/>
-                          </a:solidFill>
-                          <a:latin typeface="Verdana" pitchFamily="34" charset="0"/>
-                          <a:ea typeface="Verdana" pitchFamily="34" charset="0"/>
-                          <a:cs typeface="Verdana" pitchFamily="34" charset="0"/>
-                        </a:rPr>
-                        <a:t>2</a:t>
+                        <a:t>-2</a:t>
                       </a:r>
                       <a:r>
                         <a:rPr lang="ko-KR" altLang="en-US" sz="1100" b="0" i="0" u="none" strike="noStrike" dirty="0" smtClean="0">
                           <a:solidFill>
-                            <a:srgbClr val="000000"/>
+                            <a:schemeClr val="tx1"/>
                           </a:solidFill>
-                          <a:latin typeface="Verdana" pitchFamily="34" charset="0"/>
+                          <a:latin typeface="나눔고딕" pitchFamily="50" charset="-127"/>
+                          <a:ea typeface="나눔고딕" pitchFamily="50" charset="-127"/>
                           <a:cs typeface="Verdana" pitchFamily="34" charset="0"/>
                         </a:rPr>
                         <a:t>개 취소</a:t>
                       </a:r>
                       <a:endParaRPr lang="ko-KR" altLang="en-US" sz="1100" b="0" i="0" u="none" strike="noStrike" dirty="0">
                         <a:solidFill>
-                          <a:srgbClr val="000000"/>
+                          <a:schemeClr val="tx1"/>
                         </a:solidFill>
-                        <a:latin typeface="Verdana" pitchFamily="34" charset="0"/>
+                        <a:latin typeface="나눔고딕" pitchFamily="50" charset="-127"/>
+                        <a:ea typeface="나눔고딕" pitchFamily="50" charset="-127"/>
                         <a:cs typeface="Verdana" pitchFamily="34" charset="0"/>
                       </a:endParaRPr>
                     </a:p>
@@ -12266,10 +12301,10 @@
                       <a:r>
                         <a:rPr lang="en-US" sz="1100" b="0" i="0" u="none" strike="noStrike" dirty="0">
                           <a:solidFill>
-                            <a:srgbClr val="000000"/>
+                            <a:schemeClr val="tx1"/>
                           </a:solidFill>
-                          <a:latin typeface="Verdana" pitchFamily="34" charset="0"/>
-                          <a:ea typeface="Verdana" pitchFamily="34" charset="0"/>
+                          <a:latin typeface="나눔고딕" pitchFamily="50" charset="-127"/>
+                          <a:ea typeface="나눔고딕" pitchFamily="50" charset="-127"/>
                           <a:cs typeface="Verdana" pitchFamily="34" charset="0"/>
                         </a:rPr>
                         <a:t>--soft</a:t>
@@ -12277,9 +12312,10 @@
                       <a:r>
                         <a:rPr lang="ko-KR" altLang="en-US" sz="1100" b="0" i="0" u="none" strike="noStrike" dirty="0">
                           <a:solidFill>
-                            <a:srgbClr val="000000"/>
+                            <a:schemeClr val="tx1"/>
                           </a:solidFill>
-                          <a:latin typeface="Verdana" pitchFamily="34" charset="0"/>
+                          <a:latin typeface="나눔고딕" pitchFamily="50" charset="-127"/>
+                          <a:ea typeface="나눔고딕" pitchFamily="50" charset="-127"/>
                           <a:cs typeface="Verdana" pitchFamily="34" charset="0"/>
                         </a:rPr>
                         <a:t>는 </a:t>
@@ -12287,10 +12323,10 @@
                       <a:r>
                         <a:rPr lang="en-US" sz="1100" b="0" i="0" u="none" strike="noStrike" dirty="0">
                           <a:solidFill>
-                            <a:srgbClr val="000000"/>
+                            <a:schemeClr val="tx1"/>
                           </a:solidFill>
-                          <a:latin typeface="Verdana" pitchFamily="34" charset="0"/>
-                          <a:ea typeface="Verdana" pitchFamily="34" charset="0"/>
+                          <a:latin typeface="나눔고딕" pitchFamily="50" charset="-127"/>
+                          <a:ea typeface="나눔고딕" pitchFamily="50" charset="-127"/>
                           <a:cs typeface="Verdana" pitchFamily="34" charset="0"/>
                         </a:rPr>
                         <a:t>working</a:t>
@@ -12298,9 +12334,10 @@
                       <a:r>
                         <a:rPr lang="ko-KR" altLang="en-US" sz="1100" b="0" i="0" u="none" strike="noStrike" dirty="0">
                           <a:solidFill>
-                            <a:srgbClr val="000000"/>
+                            <a:schemeClr val="tx1"/>
                           </a:solidFill>
-                          <a:latin typeface="Verdana" pitchFamily="34" charset="0"/>
+                          <a:latin typeface="나눔고딕" pitchFamily="50" charset="-127"/>
+                          <a:ea typeface="나눔고딕" pitchFamily="50" charset="-127"/>
                           <a:cs typeface="Verdana" pitchFamily="34" charset="0"/>
                         </a:rPr>
                         <a:t>과 </a:t>
@@ -12308,10 +12345,10 @@
                       <a:r>
                         <a:rPr lang="en-US" sz="1100" b="0" i="0" u="none" strike="noStrike" dirty="0">
                           <a:solidFill>
-                            <a:srgbClr val="000000"/>
+                            <a:schemeClr val="tx1"/>
                           </a:solidFill>
-                          <a:latin typeface="Verdana" pitchFamily="34" charset="0"/>
-                          <a:ea typeface="Verdana" pitchFamily="34" charset="0"/>
+                          <a:latin typeface="나눔고딕" pitchFamily="50" charset="-127"/>
+                          <a:ea typeface="나눔고딕" pitchFamily="50" charset="-127"/>
                           <a:cs typeface="Verdana" pitchFamily="34" charset="0"/>
                         </a:rPr>
                         <a:t>staging </a:t>
@@ -12319,9 +12356,10 @@
                       <a:r>
                         <a:rPr lang="ko-KR" altLang="en-US" sz="1100" b="0" i="0" u="none" strike="noStrike" dirty="0">
                           <a:solidFill>
-                            <a:srgbClr val="000000"/>
+                            <a:schemeClr val="tx1"/>
                           </a:solidFill>
-                          <a:latin typeface="Verdana" pitchFamily="34" charset="0"/>
+                          <a:latin typeface="나눔고딕" pitchFamily="50" charset="-127"/>
+                          <a:ea typeface="나눔고딕" pitchFamily="50" charset="-127"/>
                           <a:cs typeface="Verdana" pitchFamily="34" charset="0"/>
                         </a:rPr>
                         <a:t>모두 유지</a:t>
@@ -12352,10 +12390,10 @@
                       <a:r>
                         <a:rPr lang="en-US" sz="1100" b="0" i="0" u="none" strike="noStrike">
                           <a:solidFill>
-                            <a:srgbClr val="000000"/>
+                            <a:schemeClr val="tx1"/>
                           </a:solidFill>
-                          <a:latin typeface="Verdana" pitchFamily="34" charset="0"/>
-                          <a:ea typeface="Verdana" pitchFamily="34" charset="0"/>
+                          <a:latin typeface="나눔고딕" pitchFamily="50" charset="-127"/>
+                          <a:ea typeface="나눔고딕" pitchFamily="50" charset="-127"/>
                           <a:cs typeface="Verdana" pitchFamily="34" charset="0"/>
                         </a:rPr>
                         <a:t>reset --hard ORIG_HEAD</a:t>
@@ -12372,9 +12410,10 @@
                       <a:pPr algn="ctr" fontAlgn="ctr"/>
                       <a:endParaRPr lang="ko-KR" altLang="en-US" sz="1100" b="0" i="0" u="none" strike="noStrike" dirty="0">
                         <a:solidFill>
-                          <a:srgbClr val="000000"/>
+                          <a:schemeClr val="tx1"/>
                         </a:solidFill>
-                        <a:latin typeface="Verdana" pitchFamily="34" charset="0"/>
+                        <a:latin typeface="나눔고딕" pitchFamily="50" charset="-127"/>
+                        <a:ea typeface="나눔고딕" pitchFamily="50" charset="-127"/>
                         <a:cs typeface="Verdana" pitchFamily="34" charset="0"/>
                       </a:endParaRPr>
                     </a:p>
@@ -12389,9 +12428,10 @@
                       <a:pPr algn="ctr" fontAlgn="ctr"/>
                       <a:endParaRPr lang="ko-KR" altLang="en-US" sz="1100" b="0" i="0" u="none" strike="noStrike" dirty="0">
                         <a:solidFill>
-                          <a:srgbClr val="000000"/>
+                          <a:schemeClr val="tx1"/>
                         </a:solidFill>
-                        <a:latin typeface="Verdana" pitchFamily="34" charset="0"/>
+                        <a:latin typeface="나눔고딕" pitchFamily="50" charset="-127"/>
+                        <a:ea typeface="나눔고딕" pitchFamily="50" charset="-127"/>
                         <a:cs typeface="Verdana" pitchFamily="34" charset="0"/>
                       </a:endParaRPr>
                     </a:p>
@@ -12407,9 +12447,10 @@
                       <a:r>
                         <a:rPr lang="ko-KR" altLang="en-US" sz="1100" b="0" i="0" u="none" strike="noStrike" dirty="0">
                           <a:solidFill>
-                            <a:srgbClr val="000000"/>
+                            <a:schemeClr val="tx1"/>
                           </a:solidFill>
-                          <a:latin typeface="Verdana" pitchFamily="34" charset="0"/>
+                          <a:latin typeface="나눔고딕" pitchFamily="50" charset="-127"/>
+                          <a:ea typeface="나눔고딕" pitchFamily="50" charset="-127"/>
                           <a:cs typeface="Verdana" pitchFamily="34" charset="0"/>
                         </a:rPr>
                         <a:t>병합한 </a:t>
@@ -12417,9 +12458,10 @@
                       <a:r>
                         <a:rPr lang="ko-KR" altLang="en-US" sz="1100" b="0" i="0" u="none" strike="noStrike" dirty="0" err="1" smtClean="0">
                           <a:solidFill>
-                            <a:srgbClr val="000000"/>
+                            <a:schemeClr val="tx1"/>
                           </a:solidFill>
-                          <a:latin typeface="Verdana" pitchFamily="34" charset="0"/>
+                          <a:latin typeface="나눔고딕" pitchFamily="50" charset="-127"/>
+                          <a:ea typeface="나눔고딕" pitchFamily="50" charset="-127"/>
                           <a:cs typeface="Verdana" pitchFamily="34" charset="0"/>
                         </a:rPr>
                         <a:t>커밋을</a:t>
@@ -12427,18 +12469,20 @@
                       <a:r>
                         <a:rPr lang="ko-KR" altLang="en-US" sz="1100" b="0" i="0" u="none" strike="noStrike" dirty="0" smtClean="0">
                           <a:solidFill>
-                            <a:srgbClr val="000000"/>
+                            <a:schemeClr val="tx1"/>
                           </a:solidFill>
-                          <a:latin typeface="Verdana" pitchFamily="34" charset="0"/>
+                          <a:latin typeface="나눔고딕" pitchFamily="50" charset="-127"/>
+                          <a:ea typeface="나눔고딕" pitchFamily="50" charset="-127"/>
                           <a:cs typeface="Verdana" pitchFamily="34" charset="0"/>
                         </a:rPr>
                         <a:t> 취소</a:t>
                       </a:r>
                       <a:endParaRPr lang="ko-KR" altLang="en-US" sz="1100" b="0" i="0" u="none" strike="noStrike" dirty="0">
                         <a:solidFill>
-                          <a:srgbClr val="000000"/>
+                          <a:schemeClr val="tx1"/>
                         </a:solidFill>
-                        <a:latin typeface="Verdana" pitchFamily="34" charset="0"/>
+                        <a:latin typeface="나눔고딕" pitchFamily="50" charset="-127"/>
+                        <a:ea typeface="나눔고딕" pitchFamily="50" charset="-127"/>
                         <a:cs typeface="Verdana" pitchFamily="34" charset="0"/>
                       </a:endParaRPr>
                     </a:p>
@@ -12454,10 +12498,10 @@
                       <a:r>
                         <a:rPr lang="en-US" altLang="ko-KR" sz="1100" b="0" i="0" u="none" strike="noStrike" dirty="0">
                           <a:solidFill>
-                            <a:srgbClr val="000000"/>
+                            <a:schemeClr val="tx1"/>
                           </a:solidFill>
-                          <a:latin typeface="Verdana" pitchFamily="34" charset="0"/>
-                          <a:ea typeface="Verdana" pitchFamily="34" charset="0"/>
+                          <a:latin typeface="나눔고딕" pitchFamily="50" charset="-127"/>
+                          <a:ea typeface="나눔고딕" pitchFamily="50" charset="-127"/>
                           <a:cs typeface="Verdana" pitchFamily="34" charset="0"/>
                         </a:rPr>
                         <a:t>ORIG_HEAD</a:t>
@@ -12465,9 +12509,10 @@
                       <a:r>
                         <a:rPr lang="ko-KR" altLang="en-US" sz="1100" b="0" i="0" u="none" strike="noStrike" dirty="0">
                           <a:solidFill>
-                            <a:srgbClr val="000000"/>
+                            <a:schemeClr val="tx1"/>
                           </a:solidFill>
-                          <a:latin typeface="Verdana" pitchFamily="34" charset="0"/>
+                          <a:latin typeface="나눔고딕" pitchFamily="50" charset="-127"/>
+                          <a:ea typeface="나눔고딕" pitchFamily="50" charset="-127"/>
                           <a:cs typeface="Verdana" pitchFamily="34" charset="0"/>
                         </a:rPr>
                         <a:t>는 위험한 작업에 대한 </a:t>
@@ -12475,18 +12520,20 @@
                       <a:r>
                         <a:rPr lang="ko-KR" altLang="en-US" sz="1100" b="0" i="0" u="none" strike="noStrike" dirty="0" smtClean="0">
                           <a:solidFill>
-                            <a:srgbClr val="000000"/>
+                            <a:schemeClr val="tx1"/>
                           </a:solidFill>
-                          <a:latin typeface="Verdana" pitchFamily="34" charset="0"/>
+                          <a:latin typeface="나눔고딕" pitchFamily="50" charset="-127"/>
+                          <a:ea typeface="나눔고딕" pitchFamily="50" charset="-127"/>
                           <a:cs typeface="Verdana" pitchFamily="34" charset="0"/>
                         </a:rPr>
                         <a:t>포인터로</a:t>
                       </a:r>
                       <a:endParaRPr lang="en-US" altLang="ko-KR" sz="1100" b="0" i="0" u="none" strike="noStrike" dirty="0" smtClean="0">
                         <a:solidFill>
-                          <a:srgbClr val="000000"/>
+                          <a:schemeClr val="tx1"/>
                         </a:solidFill>
-                        <a:latin typeface="Verdana" pitchFamily="34" charset="0"/>
+                        <a:latin typeface="나눔고딕" pitchFamily="50" charset="-127"/>
+                        <a:ea typeface="나눔고딕" pitchFamily="50" charset="-127"/>
                         <a:cs typeface="Verdana" pitchFamily="34" charset="0"/>
                       </a:endParaRPr>
                     </a:p>
@@ -12495,10 +12542,10 @@
                       <a:r>
                         <a:rPr lang="en-US" altLang="ko-KR" sz="1100" b="0" i="0" u="none" strike="noStrike" dirty="0" smtClean="0">
                           <a:solidFill>
-                            <a:srgbClr val="000000"/>
+                            <a:schemeClr val="tx1"/>
                           </a:solidFill>
-                          <a:latin typeface="Verdana" pitchFamily="34" charset="0"/>
-                          <a:ea typeface="Verdana" pitchFamily="34" charset="0"/>
+                          <a:latin typeface="나눔고딕" pitchFamily="50" charset="-127"/>
+                          <a:ea typeface="나눔고딕" pitchFamily="50" charset="-127"/>
                           <a:cs typeface="Verdana" pitchFamily="34" charset="0"/>
                         </a:rPr>
                         <a:t>push</a:t>
@@ -12506,9 +12553,10 @@
                       <a:r>
                         <a:rPr lang="ko-KR" altLang="en-US" sz="1100" b="0" i="0" u="none" strike="noStrike" dirty="0">
                           <a:solidFill>
-                            <a:srgbClr val="000000"/>
+                            <a:schemeClr val="tx1"/>
                           </a:solidFill>
-                          <a:latin typeface="Verdana" pitchFamily="34" charset="0"/>
+                          <a:latin typeface="나눔고딕" pitchFamily="50" charset="-127"/>
+                          <a:ea typeface="나눔고딕" pitchFamily="50" charset="-127"/>
                           <a:cs typeface="Verdana" pitchFamily="34" charset="0"/>
                         </a:rPr>
                         <a:t>나 </a:t>
@@ -12516,10 +12564,10 @@
                       <a:r>
                         <a:rPr lang="en-US" altLang="ko-KR" sz="1100" b="0" i="0" u="none" strike="noStrike" dirty="0">
                           <a:solidFill>
-                            <a:srgbClr val="000000"/>
+                            <a:schemeClr val="tx1"/>
                           </a:solidFill>
-                          <a:latin typeface="Verdana" pitchFamily="34" charset="0"/>
-                          <a:ea typeface="Verdana" pitchFamily="34" charset="0"/>
+                          <a:latin typeface="나눔고딕" pitchFamily="50" charset="-127"/>
+                          <a:ea typeface="나눔고딕" pitchFamily="50" charset="-127"/>
                           <a:cs typeface="Verdana" pitchFamily="34" charset="0"/>
                         </a:rPr>
                         <a:t>merge</a:t>
@@ -12527,9 +12575,10 @@
                       <a:r>
                         <a:rPr lang="ko-KR" altLang="en-US" sz="1100" b="0" i="0" u="none" strike="noStrike" dirty="0">
                           <a:solidFill>
-                            <a:srgbClr val="000000"/>
+                            <a:schemeClr val="tx1"/>
                           </a:solidFill>
-                          <a:latin typeface="Verdana" pitchFamily="34" charset="0"/>
+                          <a:latin typeface="나눔고딕" pitchFamily="50" charset="-127"/>
+                          <a:ea typeface="나눔고딕" pitchFamily="50" charset="-127"/>
                           <a:cs typeface="Verdana" pitchFamily="34" charset="0"/>
                         </a:rPr>
                         <a:t>가 여기에 해당됨</a:t>
@@ -12558,12 +12607,12 @@
                     <a:p>
                       <a:pPr algn="l" fontAlgn="ctr"/>
                       <a:r>
-                        <a:rPr lang="en-US" sz="1100" b="0" i="0" u="none" strike="noStrike">
+                        <a:rPr lang="en-US" sz="1100" b="0" i="0" u="none" strike="noStrike" dirty="0">
                           <a:solidFill>
-                            <a:srgbClr val="000000"/>
+                            <a:schemeClr val="tx1"/>
                           </a:solidFill>
-                          <a:latin typeface="Verdana" pitchFamily="34" charset="0"/>
-                          <a:ea typeface="Verdana" pitchFamily="34" charset="0"/>
+                          <a:latin typeface="나눔고딕" pitchFamily="50" charset="-127"/>
+                          <a:ea typeface="나눔고딕" pitchFamily="50" charset="-127"/>
                           <a:cs typeface="Verdana" pitchFamily="34" charset="0"/>
                         </a:rPr>
                         <a:t>revert HEAD</a:t>
@@ -12581,9 +12630,10 @@
                       <a:r>
                         <a:rPr lang="ko-KR" altLang="en-US" sz="1100" b="0" i="0" u="none" strike="noStrike">
                           <a:solidFill>
-                            <a:srgbClr val="000000"/>
+                            <a:schemeClr val="tx1"/>
                           </a:solidFill>
-                          <a:latin typeface="Verdana" pitchFamily="34" charset="0"/>
+                          <a:latin typeface="나눔고딕" pitchFamily="50" charset="-127"/>
+                          <a:ea typeface="나눔고딕" pitchFamily="50" charset="-127"/>
                           <a:cs typeface="Verdana" pitchFamily="34" charset="0"/>
                         </a:rPr>
                         <a:t>거부</a:t>
@@ -12601,9 +12651,10 @@
                       <a:r>
                         <a:rPr lang="ko-KR" altLang="en-US" sz="1100" b="0" i="0" u="none" strike="noStrike">
                           <a:solidFill>
-                            <a:srgbClr val="000000"/>
+                            <a:schemeClr val="tx1"/>
                           </a:solidFill>
-                          <a:latin typeface="Verdana" pitchFamily="34" charset="0"/>
+                          <a:latin typeface="나눔고딕" pitchFamily="50" charset="-127"/>
+                          <a:ea typeface="나눔고딕" pitchFamily="50" charset="-127"/>
                           <a:cs typeface="Verdana" pitchFamily="34" charset="0"/>
                         </a:rPr>
                         <a:t>거부</a:t>
@@ -12621,9 +12672,10 @@
                       <a:r>
                         <a:rPr lang="ko-KR" altLang="en-US" sz="1100" b="0" i="0" u="none" strike="noStrike">
                           <a:solidFill>
-                            <a:srgbClr val="000000"/>
+                            <a:schemeClr val="tx1"/>
                           </a:solidFill>
-                          <a:latin typeface="Verdana" pitchFamily="34" charset="0"/>
+                          <a:latin typeface="나눔고딕" pitchFamily="50" charset="-127"/>
+                          <a:ea typeface="나눔고딕" pitchFamily="50" charset="-127"/>
                           <a:cs typeface="Verdana" pitchFamily="34" charset="0"/>
                         </a:rPr>
                         <a:t>최신 커밋 취소</a:t>
@@ -12641,9 +12693,10 @@
                       <a:r>
                         <a:rPr lang="ko-KR" altLang="en-US" sz="1100" b="0" i="0" u="none" strike="noStrike" dirty="0" err="1">
                           <a:solidFill>
-                            <a:srgbClr val="000000"/>
+                            <a:schemeClr val="tx1"/>
                           </a:solidFill>
-                          <a:latin typeface="Verdana" pitchFamily="34" charset="0"/>
+                          <a:latin typeface="나눔고딕" pitchFamily="50" charset="-127"/>
+                          <a:ea typeface="나눔고딕" pitchFamily="50" charset="-127"/>
                           <a:cs typeface="Verdana" pitchFamily="34" charset="0"/>
                         </a:rPr>
                         <a:t>커밋을</a:t>
@@ -12651,9 +12704,10 @@
                       <a:r>
                         <a:rPr lang="ko-KR" altLang="en-US" sz="1100" b="0" i="0" u="none" strike="noStrike" dirty="0">
                           <a:solidFill>
-                            <a:srgbClr val="000000"/>
+                            <a:schemeClr val="tx1"/>
                           </a:solidFill>
-                          <a:latin typeface="Verdana" pitchFamily="34" charset="0"/>
+                          <a:latin typeface="나눔고딕" pitchFamily="50" charset="-127"/>
+                          <a:ea typeface="나눔고딕" pitchFamily="50" charset="-127"/>
                           <a:cs typeface="Verdana" pitchFamily="34" charset="0"/>
                         </a:rPr>
                         <a:t> 이미 </a:t>
@@ -12661,10 +12715,10 @@
                       <a:r>
                         <a:rPr lang="en-US" altLang="ko-KR" sz="1100" b="0" i="0" u="none" strike="noStrike" dirty="0">
                           <a:solidFill>
-                            <a:srgbClr val="000000"/>
+                            <a:schemeClr val="tx1"/>
                           </a:solidFill>
-                          <a:latin typeface="Verdana" pitchFamily="34" charset="0"/>
-                          <a:ea typeface="Verdana" pitchFamily="34" charset="0"/>
+                          <a:latin typeface="나눔고딕" pitchFamily="50" charset="-127"/>
+                          <a:ea typeface="나눔고딕" pitchFamily="50" charset="-127"/>
                           <a:cs typeface="Verdana" pitchFamily="34" charset="0"/>
                         </a:rPr>
                         <a:t>push</a:t>
@@ -12672,9 +12726,10 @@
                       <a:r>
                         <a:rPr lang="ko-KR" altLang="en-US" sz="1100" b="0" i="0" u="none" strike="noStrike" dirty="0">
                           <a:solidFill>
-                            <a:srgbClr val="000000"/>
+                            <a:schemeClr val="tx1"/>
                           </a:solidFill>
-                          <a:latin typeface="Verdana" pitchFamily="34" charset="0"/>
+                          <a:latin typeface="나눔고딕" pitchFamily="50" charset="-127"/>
+                          <a:ea typeface="나눔고딕" pitchFamily="50" charset="-127"/>
                           <a:cs typeface="Verdana" pitchFamily="34" charset="0"/>
                         </a:rPr>
                         <a:t>한 경우</a:t>
@@ -12705,10 +12760,10 @@
                       <a:r>
                         <a:rPr lang="en-US" sz="1100" b="0" i="0" u="none" strike="noStrike">
                           <a:solidFill>
-                            <a:srgbClr val="000000"/>
+                            <a:schemeClr val="tx1"/>
                           </a:solidFill>
-                          <a:latin typeface="Verdana" pitchFamily="34" charset="0"/>
-                          <a:ea typeface="Verdana" pitchFamily="34" charset="0"/>
+                          <a:latin typeface="나눔고딕" pitchFamily="50" charset="-127"/>
+                          <a:ea typeface="나눔고딕" pitchFamily="50" charset="-127"/>
                           <a:cs typeface="Verdana" pitchFamily="34" charset="0"/>
                         </a:rPr>
                         <a:t>reset --hard HEAD</a:t>
@@ -12726,9 +12781,10 @@
                       <a:r>
                         <a:rPr lang="ko-KR" altLang="en-US" sz="1100" b="0" i="0" u="none" strike="noStrike">
                           <a:solidFill>
-                            <a:srgbClr val="000000"/>
+                            <a:schemeClr val="tx1"/>
                           </a:solidFill>
-                          <a:latin typeface="Verdana" pitchFamily="34" charset="0"/>
+                          <a:latin typeface="나눔고딕" pitchFamily="50" charset="-127"/>
+                          <a:ea typeface="나눔고딕" pitchFamily="50" charset="-127"/>
                           <a:cs typeface="Verdana" pitchFamily="34" charset="0"/>
                         </a:rPr>
                         <a:t>취소</a:t>
@@ -12746,9 +12802,10 @@
                       <a:r>
                         <a:rPr lang="ko-KR" altLang="en-US" sz="1100" b="0" i="0" u="none" strike="noStrike">
                           <a:solidFill>
-                            <a:srgbClr val="000000"/>
+                            <a:schemeClr val="tx1"/>
                           </a:solidFill>
-                          <a:latin typeface="Verdana" pitchFamily="34" charset="0"/>
+                          <a:latin typeface="나눔고딕" pitchFamily="50" charset="-127"/>
+                          <a:ea typeface="나눔고딕" pitchFamily="50" charset="-127"/>
                           <a:cs typeface="Verdana" pitchFamily="34" charset="0"/>
                         </a:rPr>
                         <a:t>취소</a:t>
@@ -12766,9 +12823,10 @@
                       <a:r>
                         <a:rPr lang="ko-KR" altLang="en-US" sz="1100" b="0" i="0" u="none" strike="noStrike">
                           <a:solidFill>
-                            <a:srgbClr val="000000"/>
+                            <a:schemeClr val="tx1"/>
                           </a:solidFill>
-                          <a:latin typeface="Verdana" pitchFamily="34" charset="0"/>
+                          <a:latin typeface="나눔고딕" pitchFamily="50" charset="-127"/>
+                          <a:ea typeface="나눔고딕" pitchFamily="50" charset="-127"/>
                           <a:cs typeface="Verdana" pitchFamily="34" charset="0"/>
                         </a:rPr>
                         <a:t>유지</a:t>
@@ -12786,9 +12844,10 @@
                       <a:r>
                         <a:rPr lang="ko-KR" altLang="en-US" sz="1100" b="0" i="0" u="none" strike="noStrike" dirty="0">
                           <a:solidFill>
-                            <a:srgbClr val="000000"/>
+                            <a:schemeClr val="tx1"/>
                           </a:solidFill>
-                          <a:latin typeface="Verdana" pitchFamily="34" charset="0"/>
+                          <a:latin typeface="나눔고딕" pitchFamily="50" charset="-127"/>
+                          <a:ea typeface="나눔고딕" pitchFamily="50" charset="-127"/>
                           <a:cs typeface="Verdana" pitchFamily="34" charset="0"/>
                         </a:rPr>
                         <a:t>신규파일에 </a:t>
@@ -12796,18 +12855,20 @@
                       <a:r>
                         <a:rPr lang="ko-KR" altLang="en-US" sz="1100" b="0" i="0" u="none" strike="noStrike" dirty="0" err="1">
                           <a:solidFill>
-                            <a:srgbClr val="000000"/>
+                            <a:schemeClr val="tx1"/>
                           </a:solidFill>
-                          <a:latin typeface="Verdana" pitchFamily="34" charset="0"/>
+                          <a:latin typeface="나눔고딕" pitchFamily="50" charset="-127"/>
+                          <a:ea typeface="나눔고딕" pitchFamily="50" charset="-127"/>
                           <a:cs typeface="Verdana" pitchFamily="34" charset="0"/>
                         </a:rPr>
                         <a:t>영향없음</a:t>
                       </a:r>
                       <a:endParaRPr lang="ko-KR" altLang="en-US" sz="1100" b="0" i="0" u="none" strike="noStrike" dirty="0">
                         <a:solidFill>
-                          <a:srgbClr val="000000"/>
+                          <a:schemeClr val="tx1"/>
                         </a:solidFill>
-                        <a:latin typeface="Verdana" pitchFamily="34" charset="0"/>
+                        <a:latin typeface="나눔고딕" pitchFamily="50" charset="-127"/>
+                        <a:ea typeface="나눔고딕" pitchFamily="50" charset="-127"/>
                         <a:cs typeface="Verdana" pitchFamily="34" charset="0"/>
                       </a:endParaRPr>
                     </a:p>
@@ -12836,10 +12897,10 @@
                       <a:r>
                         <a:rPr lang="en-US" sz="1100" b="0" i="0" u="none" strike="noStrike">
                           <a:solidFill>
-                            <a:srgbClr val="000000"/>
+                            <a:schemeClr val="tx1"/>
                           </a:solidFill>
-                          <a:latin typeface="Verdana" pitchFamily="34" charset="0"/>
-                          <a:ea typeface="Verdana" pitchFamily="34" charset="0"/>
+                          <a:latin typeface="나눔고딕" pitchFamily="50" charset="-127"/>
+                          <a:ea typeface="나눔고딕" pitchFamily="50" charset="-127"/>
                           <a:cs typeface="Verdana" pitchFamily="34" charset="0"/>
                         </a:rPr>
                         <a:t>checkout HEAD</a:t>
@@ -12857,9 +12918,10 @@
                       <a:r>
                         <a:rPr lang="ko-KR" altLang="en-US" sz="1100" b="0" i="0" u="none" strike="noStrike">
                           <a:solidFill>
-                            <a:srgbClr val="000000"/>
+                            <a:schemeClr val="tx1"/>
                           </a:solidFill>
-                          <a:latin typeface="Verdana" pitchFamily="34" charset="0"/>
+                          <a:latin typeface="나눔고딕" pitchFamily="50" charset="-127"/>
+                          <a:ea typeface="나눔고딕" pitchFamily="50" charset="-127"/>
                           <a:cs typeface="Verdana" pitchFamily="34" charset="0"/>
                         </a:rPr>
                         <a:t>취소</a:t>
@@ -12877,9 +12939,10 @@
                       <a:r>
                         <a:rPr lang="ko-KR" altLang="en-US" sz="1100" b="0" i="0" u="none" strike="noStrike">
                           <a:solidFill>
-                            <a:srgbClr val="000000"/>
+                            <a:schemeClr val="tx1"/>
                           </a:solidFill>
-                          <a:latin typeface="Verdana" pitchFamily="34" charset="0"/>
+                          <a:latin typeface="나눔고딕" pitchFamily="50" charset="-127"/>
+                          <a:ea typeface="나눔고딕" pitchFamily="50" charset="-127"/>
                           <a:cs typeface="Verdana" pitchFamily="34" charset="0"/>
                         </a:rPr>
                         <a:t>취소</a:t>
@@ -12897,9 +12960,10 @@
                       <a:r>
                         <a:rPr lang="ko-KR" altLang="en-US" sz="1100" b="0" i="0" u="none" strike="noStrike">
                           <a:solidFill>
-                            <a:srgbClr val="000000"/>
+                            <a:schemeClr val="tx1"/>
                           </a:solidFill>
-                          <a:latin typeface="Verdana" pitchFamily="34" charset="0"/>
+                          <a:latin typeface="나눔고딕" pitchFamily="50" charset="-127"/>
+                          <a:ea typeface="나눔고딕" pitchFamily="50" charset="-127"/>
                           <a:cs typeface="Verdana" pitchFamily="34" charset="0"/>
                         </a:rPr>
                         <a:t>유지</a:t>
@@ -12917,9 +12981,10 @@
                       <a:r>
                         <a:rPr lang="ko-KR" altLang="en-US" sz="1100" b="0" i="0" u="none" strike="noStrike" dirty="0">
                           <a:solidFill>
-                            <a:srgbClr val="000000"/>
+                            <a:schemeClr val="tx1"/>
                           </a:solidFill>
-                          <a:latin typeface="Verdana" pitchFamily="34" charset="0"/>
+                          <a:latin typeface="나눔고딕" pitchFamily="50" charset="-127"/>
+                          <a:ea typeface="나눔고딕" pitchFamily="50" charset="-127"/>
                           <a:cs typeface="Verdana" pitchFamily="34" charset="0"/>
                         </a:rPr>
                         <a:t>신규파일에 </a:t>
@@ -12927,18 +12992,20 @@
                       <a:r>
                         <a:rPr lang="ko-KR" altLang="en-US" sz="1100" b="0" i="0" u="none" strike="noStrike" dirty="0" err="1">
                           <a:solidFill>
-                            <a:srgbClr val="000000"/>
+                            <a:schemeClr val="tx1"/>
                           </a:solidFill>
-                          <a:latin typeface="Verdana" pitchFamily="34" charset="0"/>
+                          <a:latin typeface="나눔고딕" pitchFamily="50" charset="-127"/>
+                          <a:ea typeface="나눔고딕" pitchFamily="50" charset="-127"/>
                           <a:cs typeface="Verdana" pitchFamily="34" charset="0"/>
                         </a:rPr>
                         <a:t>영향없음</a:t>
                       </a:r>
                       <a:endParaRPr lang="ko-KR" altLang="en-US" sz="1100" b="0" i="0" u="none" strike="noStrike" dirty="0">
                         <a:solidFill>
-                          <a:srgbClr val="000000"/>
+                          <a:schemeClr val="tx1"/>
                         </a:solidFill>
-                        <a:latin typeface="Verdana" pitchFamily="34" charset="0"/>
+                        <a:latin typeface="나눔고딕" pitchFamily="50" charset="-127"/>
+                        <a:ea typeface="나눔고딕" pitchFamily="50" charset="-127"/>
                         <a:cs typeface="Verdana" pitchFamily="34" charset="0"/>
                       </a:endParaRPr>
                     </a:p>
@@ -12967,10 +13034,10 @@
                       <a:r>
                         <a:rPr lang="en-US" sz="1100" b="0" i="0" u="none" strike="noStrike">
                           <a:solidFill>
-                            <a:srgbClr val="000000"/>
+                            <a:schemeClr val="tx1"/>
                           </a:solidFill>
-                          <a:latin typeface="Verdana" pitchFamily="34" charset="0"/>
-                          <a:ea typeface="Verdana" pitchFamily="34" charset="0"/>
+                          <a:latin typeface="나눔고딕" pitchFamily="50" charset="-127"/>
+                          <a:ea typeface="나눔고딕" pitchFamily="50" charset="-127"/>
                           <a:cs typeface="Verdana" pitchFamily="34" charset="0"/>
                         </a:rPr>
                         <a:t>checkout -f</a:t>
@@ -12988,9 +13055,10 @@
                       <a:r>
                         <a:rPr lang="ko-KR" altLang="en-US" sz="1100" b="0" i="0" u="none" strike="noStrike">
                           <a:solidFill>
-                            <a:srgbClr val="000000"/>
+                            <a:schemeClr val="tx1"/>
                           </a:solidFill>
-                          <a:latin typeface="Verdana" pitchFamily="34" charset="0"/>
+                          <a:latin typeface="나눔고딕" pitchFamily="50" charset="-127"/>
+                          <a:ea typeface="나눔고딕" pitchFamily="50" charset="-127"/>
                           <a:cs typeface="Verdana" pitchFamily="34" charset="0"/>
                         </a:rPr>
                         <a:t>취소</a:t>
@@ -13008,9 +13076,10 @@
                       <a:r>
                         <a:rPr lang="ko-KR" altLang="en-US" sz="1100" b="0" i="0" u="none" strike="noStrike">
                           <a:solidFill>
-                            <a:srgbClr val="000000"/>
+                            <a:schemeClr val="tx1"/>
                           </a:solidFill>
-                          <a:latin typeface="Verdana" pitchFamily="34" charset="0"/>
+                          <a:latin typeface="나눔고딕" pitchFamily="50" charset="-127"/>
+                          <a:ea typeface="나눔고딕" pitchFamily="50" charset="-127"/>
                           <a:cs typeface="Verdana" pitchFamily="34" charset="0"/>
                         </a:rPr>
                         <a:t>취소</a:t>
@@ -13028,9 +13097,10 @@
                       <a:r>
                         <a:rPr lang="ko-KR" altLang="en-US" sz="1100" b="0" i="0" u="none" strike="noStrike">
                           <a:solidFill>
-                            <a:srgbClr val="000000"/>
+                            <a:schemeClr val="tx1"/>
                           </a:solidFill>
-                          <a:latin typeface="Verdana" pitchFamily="34" charset="0"/>
+                          <a:latin typeface="나눔고딕" pitchFamily="50" charset="-127"/>
+                          <a:ea typeface="나눔고딕" pitchFamily="50" charset="-127"/>
                           <a:cs typeface="Verdana" pitchFamily="34" charset="0"/>
                         </a:rPr>
                         <a:t>유지</a:t>
@@ -13048,9 +13118,10 @@
                       <a:r>
                         <a:rPr lang="ko-KR" altLang="en-US" sz="1100" b="0" i="0" u="none" strike="noStrike" dirty="0">
                           <a:solidFill>
-                            <a:srgbClr val="000000"/>
+                            <a:schemeClr val="tx1"/>
                           </a:solidFill>
-                          <a:latin typeface="Verdana" pitchFamily="34" charset="0"/>
+                          <a:latin typeface="나눔고딕" pitchFamily="50" charset="-127"/>
+                          <a:ea typeface="나눔고딕" pitchFamily="50" charset="-127"/>
                           <a:cs typeface="Verdana" pitchFamily="34" charset="0"/>
                         </a:rPr>
                         <a:t>신규파일에 </a:t>
@@ -13058,18 +13129,20 @@
                       <a:r>
                         <a:rPr lang="ko-KR" altLang="en-US" sz="1100" b="0" i="0" u="none" strike="noStrike" dirty="0" err="1">
                           <a:solidFill>
-                            <a:srgbClr val="000000"/>
+                            <a:schemeClr val="tx1"/>
                           </a:solidFill>
-                          <a:latin typeface="Verdana" pitchFamily="34" charset="0"/>
+                          <a:latin typeface="나눔고딕" pitchFamily="50" charset="-127"/>
+                          <a:ea typeface="나눔고딕" pitchFamily="50" charset="-127"/>
                           <a:cs typeface="Verdana" pitchFamily="34" charset="0"/>
                         </a:rPr>
                         <a:t>영향없음</a:t>
                       </a:r>
                       <a:endParaRPr lang="ko-KR" altLang="en-US" sz="1100" b="0" i="0" u="none" strike="noStrike" dirty="0">
                         <a:solidFill>
-                          <a:srgbClr val="000000"/>
+                          <a:schemeClr val="tx1"/>
                         </a:solidFill>
-                        <a:latin typeface="Verdana" pitchFamily="34" charset="0"/>
+                        <a:latin typeface="나눔고딕" pitchFamily="50" charset="-127"/>
+                        <a:ea typeface="나눔고딕" pitchFamily="50" charset="-127"/>
                         <a:cs typeface="Verdana" pitchFamily="34" charset="0"/>
                       </a:endParaRPr>
                     </a:p>
@@ -13098,10 +13171,10 @@
                       <a:r>
                         <a:rPr lang="en-US" sz="1100" b="0" i="0" u="none" strike="noStrike">
                           <a:solidFill>
-                            <a:srgbClr val="000000"/>
+                            <a:schemeClr val="tx1"/>
                           </a:solidFill>
-                          <a:latin typeface="Verdana" pitchFamily="34" charset="0"/>
-                          <a:ea typeface="Verdana" pitchFamily="34" charset="0"/>
+                          <a:latin typeface="나눔고딕" pitchFamily="50" charset="-127"/>
+                          <a:ea typeface="나눔고딕" pitchFamily="50" charset="-127"/>
                           <a:cs typeface="Verdana" pitchFamily="34" charset="0"/>
                         </a:rPr>
                         <a:t>clean -f -d</a:t>
@@ -13119,20 +13192,20 @@
                       <a:r>
                         <a:rPr lang="en-US" altLang="ko-KR" sz="1100" b="0" i="0" u="none" strike="noStrike" dirty="0" smtClean="0">
                           <a:solidFill>
-                            <a:srgbClr val="000000"/>
+                            <a:schemeClr val="tx1"/>
                           </a:solidFill>
-                          <a:latin typeface="Verdana" pitchFamily="34" charset="0"/>
-                          <a:ea typeface="Verdana" pitchFamily="34" charset="0"/>
+                          <a:latin typeface="나눔고딕" pitchFamily="50" charset="-127"/>
+                          <a:ea typeface="나눔고딕" pitchFamily="50" charset="-127"/>
                           <a:cs typeface="Verdana" pitchFamily="34" charset="0"/>
                         </a:rPr>
                         <a:t>untracked</a:t>
                       </a:r>
                       <a:endParaRPr lang="en-US" altLang="ko-KR" sz="1100" b="0" i="0" u="none" strike="noStrike" dirty="0">
                         <a:solidFill>
-                          <a:srgbClr val="000000"/>
+                          <a:schemeClr val="tx1"/>
                         </a:solidFill>
-                        <a:latin typeface="Verdana" pitchFamily="34" charset="0"/>
-                        <a:ea typeface="Verdana" pitchFamily="34" charset="0"/>
+                        <a:latin typeface="나눔고딕" pitchFamily="50" charset="-127"/>
+                        <a:ea typeface="나눔고딕" pitchFamily="50" charset="-127"/>
                         <a:cs typeface="Verdana" pitchFamily="34" charset="0"/>
                       </a:endParaRPr>
                     </a:p>
@@ -13148,9 +13221,10 @@
                       <a:r>
                         <a:rPr lang="ko-KR" altLang="en-US" sz="1100" b="0" i="0" u="none" strike="noStrike" dirty="0">
                           <a:solidFill>
-                            <a:srgbClr val="000000"/>
+                            <a:schemeClr val="tx1"/>
                           </a:solidFill>
-                          <a:latin typeface="Verdana" pitchFamily="34" charset="0"/>
+                          <a:latin typeface="나눔고딕" pitchFamily="50" charset="-127"/>
+                          <a:ea typeface="나눔고딕" pitchFamily="50" charset="-127"/>
                           <a:cs typeface="Verdana" pitchFamily="34" charset="0"/>
                         </a:rPr>
                         <a:t>유지</a:t>
@@ -13168,9 +13242,10 @@
                       <a:r>
                         <a:rPr lang="ko-KR" altLang="en-US" sz="1100" b="0" i="0" u="none" strike="noStrike">
                           <a:solidFill>
-                            <a:srgbClr val="000000"/>
+                            <a:schemeClr val="tx1"/>
                           </a:solidFill>
-                          <a:latin typeface="Verdana" pitchFamily="34" charset="0"/>
+                          <a:latin typeface="나눔고딕" pitchFamily="50" charset="-127"/>
+                          <a:ea typeface="나눔고딕" pitchFamily="50" charset="-127"/>
                           <a:cs typeface="Verdana" pitchFamily="34" charset="0"/>
                         </a:rPr>
                         <a:t>유지</a:t>
@@ -13188,10 +13263,10 @@
                       <a:r>
                         <a:rPr lang="en-US" altLang="ko-KR" sz="1100" b="0" i="0" u="none" strike="noStrike" dirty="0" smtClean="0">
                           <a:solidFill>
-                            <a:srgbClr val="000000"/>
+                            <a:schemeClr val="tx1"/>
                           </a:solidFill>
-                          <a:latin typeface="Verdana" pitchFamily="34" charset="0"/>
-                          <a:ea typeface="Verdana" pitchFamily="34" charset="0"/>
+                          <a:latin typeface="나눔고딕" pitchFamily="50" charset="-127"/>
+                          <a:ea typeface="나눔고딕" pitchFamily="50" charset="-127"/>
                           <a:cs typeface="Verdana" pitchFamily="34" charset="0"/>
                         </a:rPr>
                         <a:t>Untracked</a:t>
@@ -13199,10 +13274,10 @@
                       <a:r>
                         <a:rPr lang="ko-KR" altLang="en-US" sz="1100" b="0" i="0" u="none" strike="noStrike" dirty="0" smtClean="0">
                           <a:solidFill>
-                            <a:srgbClr val="000000"/>
+                            <a:schemeClr val="tx1"/>
                           </a:solidFill>
-                          <a:latin typeface="Verdana" pitchFamily="34" charset="0"/>
-                          <a:ea typeface="Verdana" pitchFamily="34" charset="0"/>
+                          <a:latin typeface="나눔고딕" pitchFamily="50" charset="-127"/>
+                          <a:ea typeface="나눔고딕" pitchFamily="50" charset="-127"/>
                           <a:cs typeface="Verdana" pitchFamily="34" charset="0"/>
                         </a:rPr>
                         <a:t>인</a:t>
@@ -13210,10 +13285,10 @@
                       <a:r>
                         <a:rPr lang="en-US" altLang="ko-KR" sz="1100" b="0" i="0" u="none" strike="noStrike" dirty="0" smtClean="0">
                           <a:solidFill>
-                            <a:srgbClr val="000000"/>
+                            <a:schemeClr val="tx1"/>
                           </a:solidFill>
-                          <a:latin typeface="Verdana" pitchFamily="34" charset="0"/>
-                          <a:ea typeface="Verdana" pitchFamily="34" charset="0"/>
+                          <a:latin typeface="나눔고딕" pitchFamily="50" charset="-127"/>
+                          <a:ea typeface="나눔고딕" pitchFamily="50" charset="-127"/>
                           <a:cs typeface="Verdana" pitchFamily="34" charset="0"/>
                         </a:rPr>
                         <a:t> </a:t>
@@ -13221,9 +13296,10 @@
                       <a:r>
                         <a:rPr lang="ko-KR" altLang="en-US" sz="1100" b="0" i="0" u="none" strike="noStrike" dirty="0" smtClean="0">
                           <a:solidFill>
-                            <a:srgbClr val="000000"/>
+                            <a:schemeClr val="tx1"/>
                           </a:solidFill>
-                          <a:latin typeface="Verdana" pitchFamily="34" charset="0"/>
+                          <a:latin typeface="나눔고딕" pitchFamily="50" charset="-127"/>
+                          <a:ea typeface="나눔고딕" pitchFamily="50" charset="-127"/>
                           <a:cs typeface="Verdana" pitchFamily="34" charset="0"/>
                         </a:rPr>
                         <a:t>파일제거</a:t>
@@ -13231,10 +13307,10 @@
                       <a:r>
                         <a:rPr lang="en-US" altLang="ko-KR" sz="1100" b="0" i="0" u="none" strike="noStrike" dirty="0" smtClean="0">
                           <a:solidFill>
-                            <a:srgbClr val="000000"/>
+                            <a:schemeClr val="tx1"/>
                           </a:solidFill>
-                          <a:latin typeface="Verdana" pitchFamily="34" charset="0"/>
-                          <a:ea typeface="Verdana" pitchFamily="34" charset="0"/>
+                          <a:latin typeface="나눔고딕" pitchFamily="50" charset="-127"/>
+                          <a:ea typeface="나눔고딕" pitchFamily="50" charset="-127"/>
                           <a:cs typeface="Verdana" pitchFamily="34" charset="0"/>
                         </a:rPr>
                         <a:t>(</a:t>
@@ -13242,9 +13318,10 @@
                       <a:r>
                         <a:rPr lang="ko-KR" altLang="en-US" sz="1100" b="0" i="0" u="none" strike="noStrike" dirty="0" err="1" smtClean="0">
                           <a:solidFill>
-                            <a:srgbClr val="000000"/>
+                            <a:schemeClr val="tx1"/>
                           </a:solidFill>
-                          <a:latin typeface="Verdana" pitchFamily="34" charset="0"/>
+                          <a:latin typeface="나눔고딕" pitchFamily="50" charset="-127"/>
+                          <a:ea typeface="나눔고딕" pitchFamily="50" charset="-127"/>
                           <a:cs typeface="Verdana" pitchFamily="34" charset="0"/>
                         </a:rPr>
                         <a:t>디렉토리포함</a:t>
@@ -13252,18 +13329,20 @@
                       <a:r>
                         <a:rPr lang="en-US" altLang="ko-KR" sz="1100" b="0" i="0" u="none" strike="noStrike" dirty="0" smtClean="0">
                           <a:solidFill>
-                            <a:srgbClr val="000000"/>
+                            <a:schemeClr val="tx1"/>
                           </a:solidFill>
-                          <a:latin typeface="Verdana" pitchFamily="34" charset="0"/>
+                          <a:latin typeface="나눔고딕" pitchFamily="50" charset="-127"/>
+                          <a:ea typeface="나눔고딕" pitchFamily="50" charset="-127"/>
                           <a:cs typeface="Verdana" pitchFamily="34" charset="0"/>
                         </a:rPr>
                         <a:t>)</a:t>
                       </a:r>
                       <a:endParaRPr lang="ko-KR" altLang="en-US" sz="1100" b="0" i="0" u="none" strike="noStrike" dirty="0">
                         <a:solidFill>
-                          <a:srgbClr val="000000"/>
+                          <a:schemeClr val="tx1"/>
                         </a:solidFill>
-                        <a:latin typeface="Verdana" pitchFamily="34" charset="0"/>
+                        <a:latin typeface="나눔고딕" pitchFamily="50" charset="-127"/>
+                        <a:ea typeface="나눔고딕" pitchFamily="50" charset="-127"/>
                         <a:cs typeface="Verdana" pitchFamily="34" charset="0"/>
                       </a:endParaRPr>
                     </a:p>
@@ -13278,7 +13357,7 @@
     </p:spTree>
     <p:extLst>
       <p:ext uri="{BB962C8B-B14F-4D97-AF65-F5344CB8AC3E}">
-        <p14:creationId xmlns="" xmlns:p14="http://schemas.microsoft.com/office/powerpoint/2010/main" val="3426603863"/>
+        <p14:creationId xmlns:p14="http://schemas.microsoft.com/office/powerpoint/2010/main" xmlns="" val="3426603863"/>
       </p:ext>
     </p:extLst>
   </p:cSld>
@@ -13816,7 +13895,7 @@
     </p:spTree>
     <p:extLst>
       <p:ext uri="{BB962C8B-B14F-4D97-AF65-F5344CB8AC3E}">
-        <p14:creationId xmlns="" xmlns:p14="http://schemas.microsoft.com/office/powerpoint/2010/main" val="3426603863"/>
+        <p14:creationId xmlns:p14="http://schemas.microsoft.com/office/powerpoint/2010/main" xmlns="" val="3426603863"/>
       </p:ext>
     </p:extLst>
   </p:cSld>
@@ -14478,7 +14557,7 @@
     </p:spTree>
     <p:extLst>
       <p:ext uri="{BB962C8B-B14F-4D97-AF65-F5344CB8AC3E}">
-        <p14:creationId xmlns="" xmlns:p14="http://schemas.microsoft.com/office/powerpoint/2010/main" val="3426603863"/>
+        <p14:creationId xmlns:p14="http://schemas.microsoft.com/office/powerpoint/2010/main" xmlns="" val="3426603863"/>
       </p:ext>
     </p:extLst>
   </p:cSld>
@@ -15230,7 +15309,7 @@
     </p:spTree>
     <p:extLst>
       <p:ext uri="{BB962C8B-B14F-4D97-AF65-F5344CB8AC3E}">
-        <p14:creationId xmlns="" xmlns:p14="http://schemas.microsoft.com/office/powerpoint/2010/main" val="3426603863"/>
+        <p14:creationId xmlns:p14="http://schemas.microsoft.com/office/powerpoint/2010/main" xmlns="" val="3426603863"/>
       </p:ext>
     </p:extLst>
   </p:cSld>
@@ -15535,14 +15614,14 @@
           <a:effectLst/>
           <a:extLst>
             <a:ext uri="{909E8E84-426E-40DD-AFC4-6F175D3DCCD1}">
-              <a14:hiddenFill xmlns="" xmlns:a14="http://schemas.microsoft.com/office/drawing/2010/main">
+              <a14:hiddenFill xmlns:a14="http://schemas.microsoft.com/office/drawing/2010/main" xmlns="">
                 <a:solidFill>
                   <a:schemeClr val="accent1"/>
                 </a:solidFill>
               </a14:hiddenFill>
             </a:ext>
             <a:ext uri="{91240B29-F687-4F45-9708-019B960494DF}">
-              <a14:hiddenLine xmlns="" xmlns:a14="http://schemas.microsoft.com/office/drawing/2010/main" w="9525">
+              <a14:hiddenLine xmlns:a14="http://schemas.microsoft.com/office/drawing/2010/main" xmlns="" w="9525">
                 <a:solidFill>
                   <a:schemeClr val="tx1"/>
                 </a:solidFill>
@@ -15552,7 +15631,7 @@
               </a14:hiddenLine>
             </a:ext>
             <a:ext uri="{AF507438-7753-43E0-B8FC-AC1667EBCBE1}">
-              <a14:hiddenEffects xmlns="" xmlns:a14="http://schemas.microsoft.com/office/drawing/2010/main">
+              <a14:hiddenEffects xmlns:a14="http://schemas.microsoft.com/office/drawing/2010/main" xmlns="">
                 <a:effectLst>
                   <a:outerShdw dist="35921" dir="2700000" algn="ctr" rotWithShape="0">
                     <a:schemeClr val="bg2"/>
@@ -15742,14 +15821,14 @@
           <a:effectLst/>
           <a:extLst>
             <a:ext uri="{909E8E84-426E-40DD-AFC4-6F175D3DCCD1}">
-              <a14:hiddenFill xmlns="" xmlns:a14="http://schemas.microsoft.com/office/drawing/2010/main">
+              <a14:hiddenFill xmlns:a14="http://schemas.microsoft.com/office/drawing/2010/main" xmlns="">
                 <a:solidFill>
                   <a:schemeClr val="accent1"/>
                 </a:solidFill>
               </a14:hiddenFill>
             </a:ext>
             <a:ext uri="{91240B29-F687-4F45-9708-019B960494DF}">
-              <a14:hiddenLine xmlns="" xmlns:a14="http://schemas.microsoft.com/office/drawing/2010/main" w="9525">
+              <a14:hiddenLine xmlns:a14="http://schemas.microsoft.com/office/drawing/2010/main" xmlns="" w="9525">
                 <a:solidFill>
                   <a:schemeClr val="tx1"/>
                 </a:solidFill>
@@ -15759,7 +15838,7 @@
               </a14:hiddenLine>
             </a:ext>
             <a:ext uri="{AF507438-7753-43E0-B8FC-AC1667EBCBE1}">
-              <a14:hiddenEffects xmlns="" xmlns:a14="http://schemas.microsoft.com/office/drawing/2010/main">
+              <a14:hiddenEffects xmlns:a14="http://schemas.microsoft.com/office/drawing/2010/main" xmlns="">
                 <a:effectLst>
                   <a:outerShdw dist="35921" dir="2700000" algn="ctr" rotWithShape="0">
                     <a:schemeClr val="bg2"/>
@@ -16239,7 +16318,7 @@
     </p:spTree>
     <p:extLst>
       <p:ext uri="{BB962C8B-B14F-4D97-AF65-F5344CB8AC3E}">
-        <p14:creationId xmlns="" xmlns:p14="http://schemas.microsoft.com/office/powerpoint/2010/main" val="55105146"/>
+        <p14:creationId xmlns:p14="http://schemas.microsoft.com/office/powerpoint/2010/main" xmlns="" val="55105146"/>
       </p:ext>
     </p:extLst>
   </p:cSld>
@@ -16457,7 +16536,7 @@
     </p:spTree>
     <p:extLst>
       <p:ext uri="{BB962C8B-B14F-4D97-AF65-F5344CB8AC3E}">
-        <p14:creationId xmlns="" xmlns:p14="http://schemas.microsoft.com/office/powerpoint/2010/main" val="3426603863"/>
+        <p14:creationId xmlns:p14="http://schemas.microsoft.com/office/powerpoint/2010/main" xmlns="" val="3426603863"/>
       </p:ext>
     </p:extLst>
   </p:cSld>
@@ -17349,7 +17428,7 @@
     </p:spTree>
     <p:extLst>
       <p:ext uri="{BB962C8B-B14F-4D97-AF65-F5344CB8AC3E}">
-        <p14:creationId xmlns="" xmlns:p14="http://schemas.microsoft.com/office/powerpoint/2010/main" val="3426603863"/>
+        <p14:creationId xmlns:p14="http://schemas.microsoft.com/office/powerpoint/2010/main" xmlns="" val="3426603863"/>
       </p:ext>
     </p:extLst>
   </p:cSld>
@@ -17574,7 +17653,7 @@
     </p:spTree>
     <p:extLst>
       <p:ext uri="{BB962C8B-B14F-4D97-AF65-F5344CB8AC3E}">
-        <p14:creationId xmlns="" xmlns:p14="http://schemas.microsoft.com/office/powerpoint/2010/main" val="3426603863"/>
+        <p14:creationId xmlns:p14="http://schemas.microsoft.com/office/powerpoint/2010/main" xmlns="" val="3426603863"/>
       </p:ext>
     </p:extLst>
   </p:cSld>
@@ -17956,7 +18035,7 @@
     </p:spTree>
     <p:extLst>
       <p:ext uri="{BB962C8B-B14F-4D97-AF65-F5344CB8AC3E}">
-        <p14:creationId xmlns="" xmlns:p14="http://schemas.microsoft.com/office/powerpoint/2010/main" val="3426603863"/>
+        <p14:creationId xmlns:p14="http://schemas.microsoft.com/office/powerpoint/2010/main" xmlns="" val="3426603863"/>
       </p:ext>
     </p:extLst>
   </p:cSld>
@@ -18092,40 +18171,24 @@
           <a:p>
             <a:r>
               <a:rPr lang="en-US" altLang="ko-KR" dirty="0" smtClean="0"/>
-              <a:t>	※ </a:t>
-            </a:r>
+              <a:t>	※ origin</a:t>
+            </a:r>
+          </a:p>
+          <a:p>
             <a:r>
               <a:rPr lang="en-US" altLang="ko-KR" dirty="0" smtClean="0"/>
-              <a:t>origin</a:t>
-            </a:r>
+              <a:t>		- origin</a:t>
+            </a:r>
+            <a:r>
+              <a:rPr lang="ko-KR" altLang="en-US" dirty="0" smtClean="0"/>
+              <a:t>은 리모트 저장소의 별명</a:t>
+            </a:r>
+            <a:endParaRPr lang="en-US" altLang="ko-KR" dirty="0" smtClean="0"/>
           </a:p>
           <a:p>
             <a:r>
               <a:rPr lang="en-US" altLang="ko-KR" dirty="0" smtClean="0"/>
-              <a:t>	</a:t>
-            </a:r>
-            <a:r>
-              <a:rPr lang="en-US" altLang="ko-KR" dirty="0" smtClean="0"/>
-              <a:t>	- origin</a:t>
-            </a:r>
-            <a:r>
-              <a:rPr lang="ko-KR" altLang="en-US" dirty="0" smtClean="0"/>
-              <a:t>은 </a:t>
-            </a:r>
-            <a:r>
-              <a:rPr lang="ko-KR" altLang="en-US" dirty="0" smtClean="0"/>
-              <a:t>리모트 저장소의 별명</a:t>
-            </a:r>
-            <a:endParaRPr lang="en-US" altLang="ko-KR" dirty="0" smtClean="0"/>
-          </a:p>
-          <a:p>
-            <a:r>
-              <a:rPr lang="en-US" altLang="ko-KR" dirty="0" smtClean="0"/>
-              <a:t>	</a:t>
-            </a:r>
-            <a:r>
-              <a:rPr lang="en-US" altLang="ko-KR" dirty="0" smtClean="0"/>
-              <a:t>	- clone </a:t>
+              <a:t>		- clone </a:t>
             </a:r>
             <a:r>
               <a:rPr lang="ko-KR" altLang="en-US" dirty="0" err="1" smtClean="0"/>
@@ -18133,11 +18196,7 @@
             </a:r>
             <a:r>
               <a:rPr lang="ko-KR" altLang="en-US" dirty="0" smtClean="0"/>
-              <a:t> </a:t>
-            </a:r>
-            <a:r>
-              <a:rPr lang="ko-KR" altLang="en-US" dirty="0" smtClean="0"/>
-              <a:t>자동으로 </a:t>
+              <a:t> 자동으로 </a:t>
             </a:r>
             <a:r>
               <a:rPr lang="en-US" altLang="ko-KR" dirty="0" smtClean="0"/>
@@ -18152,11 +18211,7 @@
           <a:p>
             <a:r>
               <a:rPr lang="en-US" altLang="ko-KR" dirty="0" smtClean="0"/>
-              <a:t>	</a:t>
-            </a:r>
-            <a:r>
-              <a:rPr lang="en-US" altLang="ko-KR" dirty="0" smtClean="0"/>
-              <a:t>	- </a:t>
+              <a:t>		- </a:t>
             </a:r>
             <a:r>
               <a:rPr lang="ko-KR" altLang="en-US" dirty="0" err="1" smtClean="0"/>
@@ -18369,6 +18424,8 @@
               </a:rPr>
               <a:t> </a:t>
             </a:r>
+          </a:p>
+          <a:p>
             <a:endParaRPr lang="en-US" altLang="ko-KR" sz="1600" dirty="0" smtClean="0">
               <a:solidFill>
                 <a:schemeClr val="tx1"/>
@@ -18379,6 +18436,84 @@
             </a:endParaRPr>
           </a:p>
           <a:p>
+            <a:r>
+              <a:rPr lang="en-US" altLang="ko-KR" sz="1600" dirty="0" smtClean="0">
+                <a:solidFill>
+                  <a:schemeClr val="tx1"/>
+                </a:solidFill>
+                <a:latin typeface="Verdana" pitchFamily="34" charset="0"/>
+                <a:ea typeface="Verdana" pitchFamily="34" charset="0"/>
+                <a:cs typeface="Verdana" pitchFamily="34" charset="0"/>
+              </a:rPr>
+              <a:t> $ </a:t>
+            </a:r>
+            <a:r>
+              <a:rPr lang="en-US" altLang="ko-KR" sz="1600" dirty="0" err="1" smtClean="0">
+                <a:solidFill>
+                  <a:schemeClr val="tx1"/>
+                </a:solidFill>
+                <a:latin typeface="Verdana" pitchFamily="34" charset="0"/>
+                <a:ea typeface="Verdana" pitchFamily="34" charset="0"/>
+                <a:cs typeface="Verdana" pitchFamily="34" charset="0"/>
+              </a:rPr>
+              <a:t>git</a:t>
+            </a:r>
+            <a:r>
+              <a:rPr lang="en-US" altLang="ko-KR" sz="1600" dirty="0" smtClean="0">
+                <a:solidFill>
+                  <a:schemeClr val="tx1"/>
+                </a:solidFill>
+                <a:latin typeface="Verdana" pitchFamily="34" charset="0"/>
+                <a:ea typeface="Verdana" pitchFamily="34" charset="0"/>
+                <a:cs typeface="Verdana" pitchFamily="34" charset="0"/>
+              </a:rPr>
+              <a:t> </a:t>
+            </a:r>
+            <a:r>
+              <a:rPr lang="en-US" altLang="ko-KR" sz="1600" b="1" dirty="0" smtClean="0">
+                <a:solidFill>
+                  <a:schemeClr val="tx1"/>
+                </a:solidFill>
+                <a:latin typeface="Verdana" pitchFamily="34" charset="0"/>
+                <a:ea typeface="Verdana" pitchFamily="34" charset="0"/>
+                <a:cs typeface="Verdana" pitchFamily="34" charset="0"/>
+              </a:rPr>
+              <a:t>pull origin master</a:t>
+            </a:r>
+          </a:p>
+          <a:p>
+            <a:r>
+              <a:rPr lang="en-US" altLang="ko-KR" sz="1600" dirty="0" smtClean="0">
+                <a:solidFill>
+                  <a:schemeClr val="tx1"/>
+                </a:solidFill>
+                <a:latin typeface="Verdana" pitchFamily="34" charset="0"/>
+                <a:ea typeface="Verdana" pitchFamily="34" charset="0"/>
+                <a:cs typeface="Verdana" pitchFamily="34" charset="0"/>
+              </a:rPr>
+              <a:t>   : </a:t>
+            </a:r>
+            <a:r>
+              <a:rPr lang="en-US" altLang="ko-KR" sz="1600" dirty="0" err="1" smtClean="0">
+                <a:solidFill>
+                  <a:schemeClr val="tx1"/>
+                </a:solidFill>
+                <a:latin typeface="Verdana" pitchFamily="34" charset="0"/>
+                <a:ea typeface="Verdana" pitchFamily="34" charset="0"/>
+                <a:cs typeface="Verdana" pitchFamily="34" charset="0"/>
+              </a:rPr>
+              <a:t>Github</a:t>
+            </a:r>
+            <a:r>
+              <a:rPr lang="ko-KR" altLang="en-US" sz="1600" dirty="0" smtClean="0">
+                <a:solidFill>
+                  <a:schemeClr val="tx1"/>
+                </a:solidFill>
+                <a:latin typeface="Verdana" pitchFamily="34" charset="0"/>
+                <a:cs typeface="Verdana" pitchFamily="34" charset="0"/>
+              </a:rPr>
+              <a:t>에서 최신 프로젝트 가져오기</a:t>
+            </a:r>
             <a:endParaRPr lang="en-US" altLang="ko-KR" sz="1600" dirty="0" smtClean="0">
               <a:solidFill>
                 <a:schemeClr val="tx1"/>
@@ -18389,84 +18524,6 @@
             </a:endParaRPr>
           </a:p>
           <a:p>
-            <a:r>
-              <a:rPr lang="en-US" altLang="ko-KR" sz="1600" dirty="0" smtClean="0">
-                <a:solidFill>
-                  <a:schemeClr val="tx1"/>
-                </a:solidFill>
-                <a:latin typeface="Verdana" pitchFamily="34" charset="0"/>
-                <a:ea typeface="Verdana" pitchFamily="34" charset="0"/>
-                <a:cs typeface="Verdana" pitchFamily="34" charset="0"/>
-              </a:rPr>
-              <a:t> $ </a:t>
-            </a:r>
-            <a:r>
-              <a:rPr lang="en-US" altLang="ko-KR" sz="1600" dirty="0" err="1" smtClean="0">
-                <a:solidFill>
-                  <a:schemeClr val="tx1"/>
-                </a:solidFill>
-                <a:latin typeface="Verdana" pitchFamily="34" charset="0"/>
-                <a:ea typeface="Verdana" pitchFamily="34" charset="0"/>
-                <a:cs typeface="Verdana" pitchFamily="34" charset="0"/>
-              </a:rPr>
-              <a:t>git</a:t>
-            </a:r>
-            <a:r>
-              <a:rPr lang="en-US" altLang="ko-KR" sz="1600" dirty="0" smtClean="0">
-                <a:solidFill>
-                  <a:schemeClr val="tx1"/>
-                </a:solidFill>
-                <a:latin typeface="Verdana" pitchFamily="34" charset="0"/>
-                <a:ea typeface="Verdana" pitchFamily="34" charset="0"/>
-                <a:cs typeface="Verdana" pitchFamily="34" charset="0"/>
-              </a:rPr>
-              <a:t> </a:t>
-            </a:r>
-            <a:r>
-              <a:rPr lang="en-US" altLang="ko-KR" sz="1600" b="1" dirty="0" smtClean="0">
-                <a:solidFill>
-                  <a:schemeClr val="tx1"/>
-                </a:solidFill>
-                <a:latin typeface="Verdana" pitchFamily="34" charset="0"/>
-                <a:ea typeface="Verdana" pitchFamily="34" charset="0"/>
-                <a:cs typeface="Verdana" pitchFamily="34" charset="0"/>
-              </a:rPr>
-              <a:t>pull origin master</a:t>
-            </a:r>
-          </a:p>
-          <a:p>
-            <a:r>
-              <a:rPr lang="en-US" altLang="ko-KR" sz="1600" dirty="0" smtClean="0">
-                <a:solidFill>
-                  <a:schemeClr val="tx1"/>
-                </a:solidFill>
-                <a:latin typeface="Verdana" pitchFamily="34" charset="0"/>
-                <a:ea typeface="Verdana" pitchFamily="34" charset="0"/>
-                <a:cs typeface="Verdana" pitchFamily="34" charset="0"/>
-              </a:rPr>
-              <a:t>   : </a:t>
-            </a:r>
-            <a:r>
-              <a:rPr lang="en-US" altLang="ko-KR" sz="1600" dirty="0" err="1" smtClean="0">
-                <a:solidFill>
-                  <a:schemeClr val="tx1"/>
-                </a:solidFill>
-                <a:latin typeface="Verdana" pitchFamily="34" charset="0"/>
-                <a:ea typeface="Verdana" pitchFamily="34" charset="0"/>
-                <a:cs typeface="Verdana" pitchFamily="34" charset="0"/>
-              </a:rPr>
-              <a:t>Github</a:t>
-            </a:r>
-            <a:r>
-              <a:rPr lang="ko-KR" altLang="en-US" sz="1600" dirty="0" smtClean="0">
-                <a:solidFill>
-                  <a:schemeClr val="tx1"/>
-                </a:solidFill>
-                <a:latin typeface="Verdana" pitchFamily="34" charset="0"/>
-                <a:cs typeface="Verdana" pitchFamily="34" charset="0"/>
-              </a:rPr>
-              <a:t>에서 최신 프로젝트 가져오기</a:t>
-            </a:r>
             <a:endParaRPr lang="en-US" altLang="ko-KR" sz="1600" dirty="0" smtClean="0">
               <a:solidFill>
                 <a:schemeClr val="tx1"/>
@@ -18477,6 +18534,84 @@
             </a:endParaRPr>
           </a:p>
           <a:p>
+            <a:r>
+              <a:rPr lang="en-US" altLang="ko-KR" sz="1600" dirty="0" smtClean="0">
+                <a:solidFill>
+                  <a:schemeClr val="tx1"/>
+                </a:solidFill>
+                <a:latin typeface="Verdana" pitchFamily="34" charset="0"/>
+                <a:ea typeface="Verdana" pitchFamily="34" charset="0"/>
+                <a:cs typeface="Verdana" pitchFamily="34" charset="0"/>
+              </a:rPr>
+              <a:t> $ </a:t>
+            </a:r>
+            <a:r>
+              <a:rPr lang="en-US" altLang="ko-KR" sz="1600" dirty="0" err="1" smtClean="0">
+                <a:solidFill>
+                  <a:schemeClr val="tx1"/>
+                </a:solidFill>
+                <a:latin typeface="Verdana" pitchFamily="34" charset="0"/>
+                <a:ea typeface="Verdana" pitchFamily="34" charset="0"/>
+                <a:cs typeface="Verdana" pitchFamily="34" charset="0"/>
+              </a:rPr>
+              <a:t>git</a:t>
+            </a:r>
+            <a:r>
+              <a:rPr lang="en-US" altLang="ko-KR" sz="1600" dirty="0" smtClean="0">
+                <a:solidFill>
+                  <a:schemeClr val="tx1"/>
+                </a:solidFill>
+                <a:latin typeface="Verdana" pitchFamily="34" charset="0"/>
+                <a:ea typeface="Verdana" pitchFamily="34" charset="0"/>
+                <a:cs typeface="Verdana" pitchFamily="34" charset="0"/>
+              </a:rPr>
+              <a:t> </a:t>
+            </a:r>
+            <a:r>
+              <a:rPr lang="en-US" altLang="ko-KR" sz="1600" b="1" dirty="0" smtClean="0">
+                <a:solidFill>
+                  <a:schemeClr val="tx1"/>
+                </a:solidFill>
+                <a:latin typeface="Verdana" pitchFamily="34" charset="0"/>
+                <a:ea typeface="Verdana" pitchFamily="34" charset="0"/>
+                <a:cs typeface="Verdana" pitchFamily="34" charset="0"/>
+              </a:rPr>
+              <a:t>push origin master</a:t>
+            </a:r>
+          </a:p>
+          <a:p>
+            <a:r>
+              <a:rPr lang="en-US" altLang="ko-KR" sz="1600" dirty="0" smtClean="0">
+                <a:solidFill>
+                  <a:schemeClr val="tx1"/>
+                </a:solidFill>
+                <a:latin typeface="Verdana" pitchFamily="34" charset="0"/>
+                <a:ea typeface="Verdana" pitchFamily="34" charset="0"/>
+                <a:cs typeface="Verdana" pitchFamily="34" charset="0"/>
+              </a:rPr>
+              <a:t>   : </a:t>
+            </a:r>
+            <a:r>
+              <a:rPr lang="en-US" altLang="ko-KR" sz="1600" dirty="0" err="1" smtClean="0">
+                <a:solidFill>
+                  <a:schemeClr val="tx1"/>
+                </a:solidFill>
+                <a:latin typeface="Verdana" pitchFamily="34" charset="0"/>
+                <a:ea typeface="Verdana" pitchFamily="34" charset="0"/>
+                <a:cs typeface="Verdana" pitchFamily="34" charset="0"/>
+              </a:rPr>
+              <a:t>Github</a:t>
+            </a:r>
+            <a:r>
+              <a:rPr lang="ko-KR" altLang="en-US" sz="1600" dirty="0" smtClean="0">
+                <a:solidFill>
+                  <a:schemeClr val="tx1"/>
+                </a:solidFill>
+                <a:latin typeface="Verdana" pitchFamily="34" charset="0"/>
+                <a:cs typeface="Verdana" pitchFamily="34" charset="0"/>
+              </a:rPr>
+              <a:t>에 작업한 프로젝트 올리기</a:t>
+            </a:r>
             <a:endParaRPr lang="en-US" altLang="ko-KR" sz="1600" dirty="0" smtClean="0">
               <a:solidFill>
                 <a:schemeClr val="tx1"/>
@@ -18487,84 +18622,6 @@
             </a:endParaRPr>
           </a:p>
           <a:p>
-            <a:r>
-              <a:rPr lang="en-US" altLang="ko-KR" sz="1600" dirty="0" smtClean="0">
-                <a:solidFill>
-                  <a:schemeClr val="tx1"/>
-                </a:solidFill>
-                <a:latin typeface="Verdana" pitchFamily="34" charset="0"/>
-                <a:ea typeface="Verdana" pitchFamily="34" charset="0"/>
-                <a:cs typeface="Verdana" pitchFamily="34" charset="0"/>
-              </a:rPr>
-              <a:t> $ </a:t>
-            </a:r>
-            <a:r>
-              <a:rPr lang="en-US" altLang="ko-KR" sz="1600" dirty="0" err="1" smtClean="0">
-                <a:solidFill>
-                  <a:schemeClr val="tx1"/>
-                </a:solidFill>
-                <a:latin typeface="Verdana" pitchFamily="34" charset="0"/>
-                <a:ea typeface="Verdana" pitchFamily="34" charset="0"/>
-                <a:cs typeface="Verdana" pitchFamily="34" charset="0"/>
-              </a:rPr>
-              <a:t>git</a:t>
-            </a:r>
-            <a:r>
-              <a:rPr lang="en-US" altLang="ko-KR" sz="1600" dirty="0" smtClean="0">
-                <a:solidFill>
-                  <a:schemeClr val="tx1"/>
-                </a:solidFill>
-                <a:latin typeface="Verdana" pitchFamily="34" charset="0"/>
-                <a:ea typeface="Verdana" pitchFamily="34" charset="0"/>
-                <a:cs typeface="Verdana" pitchFamily="34" charset="0"/>
-              </a:rPr>
-              <a:t> </a:t>
-            </a:r>
-            <a:r>
-              <a:rPr lang="en-US" altLang="ko-KR" sz="1600" b="1" dirty="0" smtClean="0">
-                <a:solidFill>
-                  <a:schemeClr val="tx1"/>
-                </a:solidFill>
-                <a:latin typeface="Verdana" pitchFamily="34" charset="0"/>
-                <a:ea typeface="Verdana" pitchFamily="34" charset="0"/>
-                <a:cs typeface="Verdana" pitchFamily="34" charset="0"/>
-              </a:rPr>
-              <a:t>push origin master</a:t>
-            </a:r>
-          </a:p>
-          <a:p>
-            <a:r>
-              <a:rPr lang="en-US" altLang="ko-KR" sz="1600" dirty="0" smtClean="0">
-                <a:solidFill>
-                  <a:schemeClr val="tx1"/>
-                </a:solidFill>
-                <a:latin typeface="Verdana" pitchFamily="34" charset="0"/>
-                <a:ea typeface="Verdana" pitchFamily="34" charset="0"/>
-                <a:cs typeface="Verdana" pitchFamily="34" charset="0"/>
-              </a:rPr>
-              <a:t>   : </a:t>
-            </a:r>
-            <a:r>
-              <a:rPr lang="en-US" altLang="ko-KR" sz="1600" dirty="0" err="1" smtClean="0">
-                <a:solidFill>
-                  <a:schemeClr val="tx1"/>
-                </a:solidFill>
-                <a:latin typeface="Verdana" pitchFamily="34" charset="0"/>
-                <a:ea typeface="Verdana" pitchFamily="34" charset="0"/>
-                <a:cs typeface="Verdana" pitchFamily="34" charset="0"/>
-              </a:rPr>
-              <a:t>Github</a:t>
-            </a:r>
-            <a:r>
-              <a:rPr lang="ko-KR" altLang="en-US" sz="1600" dirty="0" smtClean="0">
-                <a:solidFill>
-                  <a:schemeClr val="tx1"/>
-                </a:solidFill>
-                <a:latin typeface="Verdana" pitchFamily="34" charset="0"/>
-                <a:cs typeface="Verdana" pitchFamily="34" charset="0"/>
-              </a:rPr>
-              <a:t>에 작업한 프로젝트 올리기</a:t>
-            </a:r>
             <a:endParaRPr lang="en-US" altLang="ko-KR" sz="1600" dirty="0" smtClean="0">
               <a:solidFill>
                 <a:schemeClr val="tx1"/>
@@ -18575,6 +18632,144 @@
             </a:endParaRPr>
           </a:p>
           <a:p>
+            <a:r>
+              <a:rPr lang="en-US" altLang="ko-KR" sz="1600" dirty="0" smtClean="0">
+                <a:solidFill>
+                  <a:schemeClr val="tx1"/>
+                </a:solidFill>
+                <a:latin typeface="Verdana" pitchFamily="34" charset="0"/>
+                <a:ea typeface="Verdana" pitchFamily="34" charset="0"/>
+                <a:cs typeface="Verdana" pitchFamily="34" charset="0"/>
+              </a:rPr>
+              <a:t> $ </a:t>
+            </a:r>
+            <a:r>
+              <a:rPr lang="en-US" altLang="ko-KR" sz="1600" dirty="0" err="1" smtClean="0">
+                <a:solidFill>
+                  <a:schemeClr val="tx1"/>
+                </a:solidFill>
+                <a:latin typeface="Verdana" pitchFamily="34" charset="0"/>
+                <a:ea typeface="Verdana" pitchFamily="34" charset="0"/>
+                <a:cs typeface="Verdana" pitchFamily="34" charset="0"/>
+              </a:rPr>
+              <a:t>git</a:t>
+            </a:r>
+            <a:r>
+              <a:rPr lang="en-US" altLang="ko-KR" sz="1600" dirty="0" smtClean="0">
+                <a:solidFill>
+                  <a:schemeClr val="tx1"/>
+                </a:solidFill>
+                <a:latin typeface="Verdana" pitchFamily="34" charset="0"/>
+                <a:ea typeface="Verdana" pitchFamily="34" charset="0"/>
+                <a:cs typeface="Verdana" pitchFamily="34" charset="0"/>
+              </a:rPr>
+              <a:t> </a:t>
+            </a:r>
+            <a:r>
+              <a:rPr lang="en-US" altLang="ko-KR" sz="1600" b="1" dirty="0" smtClean="0">
+                <a:solidFill>
+                  <a:schemeClr val="tx1"/>
+                </a:solidFill>
+                <a:latin typeface="Verdana" pitchFamily="34" charset="0"/>
+                <a:ea typeface="Verdana" pitchFamily="34" charset="0"/>
+                <a:cs typeface="Verdana" pitchFamily="34" charset="0"/>
+              </a:rPr>
+              <a:t>remote add origin </a:t>
+            </a:r>
+            <a:r>
+              <a:rPr lang="en-US" altLang="ko-KR" sz="1600" b="1" dirty="0" err="1" smtClean="0">
+                <a:solidFill>
+                  <a:schemeClr val="tx1"/>
+                </a:solidFill>
+                <a:latin typeface="Verdana" pitchFamily="34" charset="0"/>
+                <a:ea typeface="Verdana" pitchFamily="34" charset="0"/>
+                <a:cs typeface="Verdana" pitchFamily="34" charset="0"/>
+                <a:hlinkClick r:id="rId3"/>
+              </a:rPr>
+              <a:t>git@github.com:foxworld</a:t>
+            </a:r>
+            <a:r>
+              <a:rPr lang="en-US" altLang="ko-KR" sz="1600" b="1" dirty="0" smtClean="0">
+                <a:solidFill>
+                  <a:schemeClr val="tx1"/>
+                </a:solidFill>
+                <a:latin typeface="Verdana" pitchFamily="34" charset="0"/>
+                <a:ea typeface="Verdana" pitchFamily="34" charset="0"/>
+                <a:cs typeface="Verdana" pitchFamily="34" charset="0"/>
+                <a:hlinkClick r:id="rId3"/>
+              </a:rPr>
+              <a:t>/helloworld.git</a:t>
+            </a:r>
+            <a:endParaRPr lang="en-US" altLang="ko-KR" sz="1600" b="1" dirty="0" smtClean="0">
+              <a:solidFill>
+                <a:schemeClr val="tx1"/>
+              </a:solidFill>
+              <a:latin typeface="Verdana" pitchFamily="34" charset="0"/>
+              <a:ea typeface="Verdana" pitchFamily="34" charset="0"/>
+              <a:cs typeface="Verdana" pitchFamily="34" charset="0"/>
+            </a:endParaRPr>
+          </a:p>
+          <a:p>
+            <a:r>
+              <a:rPr lang="ko-KR" altLang="en-US" sz="1600" dirty="0" smtClean="0">
+                <a:solidFill>
+                  <a:schemeClr val="tx1"/>
+                </a:solidFill>
+                <a:latin typeface="Verdana" pitchFamily="34" charset="0"/>
+                <a:cs typeface="Verdana" pitchFamily="34" charset="0"/>
+              </a:rPr>
+              <a:t>   </a:t>
+            </a:r>
+            <a:r>
+              <a:rPr lang="en-US" altLang="ko-KR" sz="1600" dirty="0" smtClean="0">
+                <a:solidFill>
+                  <a:schemeClr val="tx1"/>
+                </a:solidFill>
+                <a:latin typeface="Verdana" pitchFamily="34" charset="0"/>
+                <a:cs typeface="Verdana" pitchFamily="34" charset="0"/>
+              </a:rPr>
+              <a:t>: </a:t>
+            </a:r>
+            <a:r>
+              <a:rPr lang="ko-KR" altLang="en-US" sz="1600" dirty="0" err="1" smtClean="0">
+                <a:solidFill>
+                  <a:schemeClr val="tx1"/>
+                </a:solidFill>
+                <a:latin typeface="Verdana" pitchFamily="34" charset="0"/>
+                <a:cs typeface="Verdana" pitchFamily="34" charset="0"/>
+              </a:rPr>
+              <a:t>리모트</a:t>
+            </a:r>
+            <a:r>
+              <a:rPr lang="ko-KR" altLang="en-US" sz="1600" dirty="0" smtClean="0">
+                <a:solidFill>
+                  <a:schemeClr val="tx1"/>
+                </a:solidFill>
+                <a:latin typeface="Verdana" pitchFamily="34" charset="0"/>
+                <a:cs typeface="Verdana" pitchFamily="34" charset="0"/>
+              </a:rPr>
+              <a:t> 저장소 </a:t>
+            </a:r>
+            <a:r>
+              <a:rPr lang="en-US" altLang="ko-KR" sz="1600" dirty="0" smtClean="0">
+                <a:solidFill>
+                  <a:schemeClr val="tx1"/>
+                </a:solidFill>
+                <a:latin typeface="Verdana" pitchFamily="34" charset="0"/>
+                <a:cs typeface="Verdana" pitchFamily="34" charset="0"/>
+              </a:rPr>
+              <a:t>URL </a:t>
+            </a:r>
+            <a:r>
+              <a:rPr lang="ko-KR" altLang="en-US" sz="1600" dirty="0" smtClean="0">
+                <a:solidFill>
+                  <a:schemeClr val="tx1"/>
+                </a:solidFill>
+                <a:latin typeface="Verdana" pitchFamily="34" charset="0"/>
+                <a:cs typeface="Verdana" pitchFamily="34" charset="0"/>
+              </a:rPr>
+              <a:t>등록</a:t>
+            </a:r>
             <a:endParaRPr lang="en-US" altLang="ko-KR" sz="1600" dirty="0" smtClean="0">
               <a:solidFill>
                 <a:schemeClr val="tx1"/>
@@ -18585,144 +18780,6 @@
             </a:endParaRPr>
           </a:p>
           <a:p>
-            <a:r>
-              <a:rPr lang="en-US" altLang="ko-KR" sz="1600" dirty="0" smtClean="0">
-                <a:solidFill>
-                  <a:schemeClr val="tx1"/>
-                </a:solidFill>
-                <a:latin typeface="Verdana" pitchFamily="34" charset="0"/>
-                <a:ea typeface="Verdana" pitchFamily="34" charset="0"/>
-                <a:cs typeface="Verdana" pitchFamily="34" charset="0"/>
-              </a:rPr>
-              <a:t> $ </a:t>
-            </a:r>
-            <a:r>
-              <a:rPr lang="en-US" altLang="ko-KR" sz="1600" dirty="0" err="1" smtClean="0">
-                <a:solidFill>
-                  <a:schemeClr val="tx1"/>
-                </a:solidFill>
-                <a:latin typeface="Verdana" pitchFamily="34" charset="0"/>
-                <a:ea typeface="Verdana" pitchFamily="34" charset="0"/>
-                <a:cs typeface="Verdana" pitchFamily="34" charset="0"/>
-              </a:rPr>
-              <a:t>git</a:t>
-            </a:r>
-            <a:r>
-              <a:rPr lang="en-US" altLang="ko-KR" sz="1600" dirty="0" smtClean="0">
-                <a:solidFill>
-                  <a:schemeClr val="tx1"/>
-                </a:solidFill>
-                <a:latin typeface="Verdana" pitchFamily="34" charset="0"/>
-                <a:ea typeface="Verdana" pitchFamily="34" charset="0"/>
-                <a:cs typeface="Verdana" pitchFamily="34" charset="0"/>
-              </a:rPr>
-              <a:t> </a:t>
-            </a:r>
-            <a:r>
-              <a:rPr lang="en-US" altLang="ko-KR" sz="1600" b="1" dirty="0" smtClean="0">
-                <a:solidFill>
-                  <a:schemeClr val="tx1"/>
-                </a:solidFill>
-                <a:latin typeface="Verdana" pitchFamily="34" charset="0"/>
-                <a:ea typeface="Verdana" pitchFamily="34" charset="0"/>
-                <a:cs typeface="Verdana" pitchFamily="34" charset="0"/>
-              </a:rPr>
-              <a:t>remote add origin </a:t>
-            </a:r>
-            <a:r>
-              <a:rPr lang="en-US" altLang="ko-KR" sz="1600" b="1" dirty="0" err="1" smtClean="0">
-                <a:solidFill>
-                  <a:schemeClr val="tx1"/>
-                </a:solidFill>
-                <a:latin typeface="Verdana" pitchFamily="34" charset="0"/>
-                <a:ea typeface="Verdana" pitchFamily="34" charset="0"/>
-                <a:cs typeface="Verdana" pitchFamily="34" charset="0"/>
-                <a:hlinkClick r:id="rId3"/>
-              </a:rPr>
-              <a:t>git@github.com:foxworld</a:t>
-            </a:r>
-            <a:r>
-              <a:rPr lang="en-US" altLang="ko-KR" sz="1600" b="1" dirty="0" smtClean="0">
-                <a:solidFill>
-                  <a:schemeClr val="tx1"/>
-                </a:solidFill>
-                <a:latin typeface="Verdana" pitchFamily="34" charset="0"/>
-                <a:ea typeface="Verdana" pitchFamily="34" charset="0"/>
-                <a:cs typeface="Verdana" pitchFamily="34" charset="0"/>
-                <a:hlinkClick r:id="rId3"/>
-              </a:rPr>
-              <a:t>/helloworld.git</a:t>
-            </a:r>
-            <a:endParaRPr lang="en-US" altLang="ko-KR" sz="1600" b="1" dirty="0" smtClean="0">
-              <a:solidFill>
-                <a:schemeClr val="tx1"/>
-              </a:solidFill>
-              <a:latin typeface="Verdana" pitchFamily="34" charset="0"/>
-              <a:ea typeface="Verdana" pitchFamily="34" charset="0"/>
-              <a:cs typeface="Verdana" pitchFamily="34" charset="0"/>
-            </a:endParaRPr>
-          </a:p>
-          <a:p>
-            <a:r>
-              <a:rPr lang="ko-KR" altLang="en-US" sz="1600" dirty="0" smtClean="0">
-                <a:solidFill>
-                  <a:schemeClr val="tx1"/>
-                </a:solidFill>
-                <a:latin typeface="Verdana" pitchFamily="34" charset="0"/>
-                <a:cs typeface="Verdana" pitchFamily="34" charset="0"/>
-              </a:rPr>
-              <a:t>   </a:t>
-            </a:r>
-            <a:r>
-              <a:rPr lang="en-US" altLang="ko-KR" sz="1600" dirty="0" smtClean="0">
-                <a:solidFill>
-                  <a:schemeClr val="tx1"/>
-                </a:solidFill>
-                <a:latin typeface="Verdana" pitchFamily="34" charset="0"/>
-                <a:cs typeface="Verdana" pitchFamily="34" charset="0"/>
-              </a:rPr>
-              <a:t>: </a:t>
-            </a:r>
-            <a:r>
-              <a:rPr lang="ko-KR" altLang="en-US" sz="1600" dirty="0" err="1" smtClean="0">
-                <a:solidFill>
-                  <a:schemeClr val="tx1"/>
-                </a:solidFill>
-                <a:latin typeface="Verdana" pitchFamily="34" charset="0"/>
-                <a:cs typeface="Verdana" pitchFamily="34" charset="0"/>
-              </a:rPr>
-              <a:t>리모트</a:t>
-            </a:r>
-            <a:r>
-              <a:rPr lang="ko-KR" altLang="en-US" sz="1600" dirty="0" smtClean="0">
-                <a:solidFill>
-                  <a:schemeClr val="tx1"/>
-                </a:solidFill>
-                <a:latin typeface="Verdana" pitchFamily="34" charset="0"/>
-                <a:cs typeface="Verdana" pitchFamily="34" charset="0"/>
-              </a:rPr>
-              <a:t> 저장소 </a:t>
-            </a:r>
-            <a:r>
-              <a:rPr lang="en-US" altLang="ko-KR" sz="1600" dirty="0" smtClean="0">
-                <a:solidFill>
-                  <a:schemeClr val="tx1"/>
-                </a:solidFill>
-                <a:latin typeface="Verdana" pitchFamily="34" charset="0"/>
-                <a:cs typeface="Verdana" pitchFamily="34" charset="0"/>
-              </a:rPr>
-              <a:t>URL </a:t>
-            </a:r>
-            <a:r>
-              <a:rPr lang="ko-KR" altLang="en-US" sz="1600" dirty="0" smtClean="0">
-                <a:solidFill>
-                  <a:schemeClr val="tx1"/>
-                </a:solidFill>
-                <a:latin typeface="Verdana" pitchFamily="34" charset="0"/>
-                <a:cs typeface="Verdana" pitchFamily="34" charset="0"/>
-              </a:rPr>
-              <a:t>등록</a:t>
-            </a:r>
             <a:endParaRPr lang="en-US" altLang="ko-KR" sz="1600" dirty="0" smtClean="0">
               <a:solidFill>
                 <a:schemeClr val="tx1"/>
@@ -18733,6 +18790,134 @@
             </a:endParaRPr>
           </a:p>
           <a:p>
+            <a:r>
+              <a:rPr lang="en-US" altLang="ko-KR" sz="1600" dirty="0" smtClean="0">
+                <a:solidFill>
+                  <a:schemeClr val="tx1"/>
+                </a:solidFill>
+                <a:latin typeface="Verdana" pitchFamily="34" charset="0"/>
+                <a:ea typeface="Verdana" pitchFamily="34" charset="0"/>
+                <a:cs typeface="Verdana" pitchFamily="34" charset="0"/>
+              </a:rPr>
+              <a:t> $ </a:t>
+            </a:r>
+            <a:r>
+              <a:rPr lang="en-US" altLang="ko-KR" sz="1600" dirty="0" err="1" smtClean="0">
+                <a:solidFill>
+                  <a:schemeClr val="tx1"/>
+                </a:solidFill>
+                <a:latin typeface="Verdana" pitchFamily="34" charset="0"/>
+                <a:ea typeface="Verdana" pitchFamily="34" charset="0"/>
+                <a:cs typeface="Verdana" pitchFamily="34" charset="0"/>
+              </a:rPr>
+              <a:t>git</a:t>
+            </a:r>
+            <a:r>
+              <a:rPr lang="en-US" altLang="ko-KR" sz="1600" dirty="0" smtClean="0">
+                <a:solidFill>
+                  <a:schemeClr val="tx1"/>
+                </a:solidFill>
+                <a:latin typeface="Verdana" pitchFamily="34" charset="0"/>
+                <a:ea typeface="Verdana" pitchFamily="34" charset="0"/>
+                <a:cs typeface="Verdana" pitchFamily="34" charset="0"/>
+              </a:rPr>
+              <a:t> </a:t>
+            </a:r>
+            <a:r>
+              <a:rPr lang="en-US" altLang="ko-KR" sz="1600" b="1" dirty="0" smtClean="0">
+                <a:solidFill>
+                  <a:schemeClr val="tx1"/>
+                </a:solidFill>
+                <a:latin typeface="Verdana" pitchFamily="34" charset="0"/>
+                <a:ea typeface="Verdana" pitchFamily="34" charset="0"/>
+                <a:cs typeface="Verdana" pitchFamily="34" charset="0"/>
+              </a:rPr>
+              <a:t>remote </a:t>
+            </a:r>
+            <a:r>
+              <a:rPr lang="en-US" altLang="ko-KR" sz="1600" b="1" dirty="0" err="1" smtClean="0">
+                <a:solidFill>
+                  <a:schemeClr val="tx1"/>
+                </a:solidFill>
+                <a:latin typeface="Verdana" pitchFamily="34" charset="0"/>
+                <a:ea typeface="Verdana" pitchFamily="34" charset="0"/>
+                <a:cs typeface="Verdana" pitchFamily="34" charset="0"/>
+              </a:rPr>
+              <a:t>rm</a:t>
+            </a:r>
+            <a:r>
+              <a:rPr lang="en-US" altLang="ko-KR" sz="1600" b="1" dirty="0" smtClean="0">
+                <a:solidFill>
+                  <a:schemeClr val="tx1"/>
+                </a:solidFill>
+                <a:latin typeface="Verdana" pitchFamily="34" charset="0"/>
+                <a:ea typeface="Verdana" pitchFamily="34" charset="0"/>
+                <a:cs typeface="Verdana" pitchFamily="34" charset="0"/>
+              </a:rPr>
+              <a:t> origin</a:t>
+            </a:r>
+          </a:p>
+          <a:p>
+            <a:r>
+              <a:rPr lang="ko-KR" altLang="en-US" sz="1600" dirty="0" smtClean="0">
+                <a:solidFill>
+                  <a:schemeClr val="tx1"/>
+                </a:solidFill>
+                <a:latin typeface="Verdana" pitchFamily="34" charset="0"/>
+                <a:cs typeface="Verdana" pitchFamily="34" charset="0"/>
+              </a:rPr>
+              <a:t>   </a:t>
+            </a:r>
+            <a:r>
+              <a:rPr lang="en-US" altLang="ko-KR" sz="1600" dirty="0" smtClean="0">
+                <a:solidFill>
+                  <a:schemeClr val="tx1"/>
+                </a:solidFill>
+                <a:latin typeface="Verdana" pitchFamily="34" charset="0"/>
+                <a:cs typeface="Verdana" pitchFamily="34" charset="0"/>
+              </a:rPr>
+              <a:t>: </a:t>
+            </a:r>
+            <a:r>
+              <a:rPr lang="ko-KR" altLang="en-US" sz="1600" dirty="0" err="1" smtClean="0">
+                <a:solidFill>
+                  <a:schemeClr val="tx1"/>
+                </a:solidFill>
+                <a:latin typeface="Verdana" pitchFamily="34" charset="0"/>
+                <a:cs typeface="Verdana" pitchFamily="34" charset="0"/>
+              </a:rPr>
+              <a:t>리모트</a:t>
+            </a:r>
+            <a:r>
+              <a:rPr lang="ko-KR" altLang="en-US" sz="1600" dirty="0" smtClean="0">
+                <a:solidFill>
+                  <a:schemeClr val="tx1"/>
+                </a:solidFill>
+                <a:latin typeface="Verdana" pitchFamily="34" charset="0"/>
+                <a:cs typeface="Verdana" pitchFamily="34" charset="0"/>
+              </a:rPr>
+              <a:t> 저장소 </a:t>
+            </a:r>
+            <a:r>
+              <a:rPr lang="en-US" altLang="ko-KR" sz="1600" dirty="0" smtClean="0">
+                <a:solidFill>
+                  <a:schemeClr val="tx1"/>
+                </a:solidFill>
+                <a:latin typeface="Verdana" pitchFamily="34" charset="0"/>
+                <a:cs typeface="Verdana" pitchFamily="34" charset="0"/>
+              </a:rPr>
+              <a:t>URL</a:t>
+            </a:r>
+            <a:r>
+              <a:rPr lang="ko-KR" altLang="en-US" sz="1600" dirty="0" smtClean="0">
+                <a:solidFill>
+                  <a:schemeClr val="tx1"/>
+                </a:solidFill>
+                <a:latin typeface="Verdana" pitchFamily="34" charset="0"/>
+                <a:cs typeface="Verdana" pitchFamily="34" charset="0"/>
+              </a:rPr>
+              <a:t> 취소</a:t>
+            </a:r>
             <a:endParaRPr lang="en-US" altLang="ko-KR" sz="1600" dirty="0" smtClean="0">
               <a:solidFill>
                 <a:schemeClr val="tx1"/>
@@ -18742,160 +18927,12 @@
               <a:cs typeface="Verdana" pitchFamily="34" charset="0"/>
             </a:endParaRPr>
           </a:p>
-          <a:p>
-            <a:r>
-              <a:rPr lang="en-US" altLang="ko-KR" sz="1600" dirty="0" smtClean="0">
-                <a:solidFill>
-                  <a:schemeClr val="tx1"/>
-                </a:solidFill>
-                <a:latin typeface="Verdana" pitchFamily="34" charset="0"/>
-                <a:ea typeface="Verdana" pitchFamily="34" charset="0"/>
-                <a:cs typeface="Verdana" pitchFamily="34" charset="0"/>
-              </a:rPr>
-              <a:t> $ </a:t>
-            </a:r>
-            <a:r>
-              <a:rPr lang="en-US" altLang="ko-KR" sz="1600" dirty="0" err="1" smtClean="0">
-                <a:solidFill>
-                  <a:schemeClr val="tx1"/>
-                </a:solidFill>
-                <a:latin typeface="Verdana" pitchFamily="34" charset="0"/>
-                <a:ea typeface="Verdana" pitchFamily="34" charset="0"/>
-                <a:cs typeface="Verdana" pitchFamily="34" charset="0"/>
-              </a:rPr>
-              <a:t>git</a:t>
-            </a:r>
-            <a:r>
-              <a:rPr lang="en-US" altLang="ko-KR" sz="1600" dirty="0" smtClean="0">
-                <a:solidFill>
-                  <a:schemeClr val="tx1"/>
-                </a:solidFill>
-                <a:latin typeface="Verdana" pitchFamily="34" charset="0"/>
-                <a:ea typeface="Verdana" pitchFamily="34" charset="0"/>
-                <a:cs typeface="Verdana" pitchFamily="34" charset="0"/>
-              </a:rPr>
-              <a:t> </a:t>
-            </a:r>
-            <a:r>
-              <a:rPr lang="en-US" altLang="ko-KR" sz="1600" b="1" dirty="0" smtClean="0">
-                <a:solidFill>
-                  <a:schemeClr val="tx1"/>
-                </a:solidFill>
-                <a:latin typeface="Verdana" pitchFamily="34" charset="0"/>
-                <a:ea typeface="Verdana" pitchFamily="34" charset="0"/>
-                <a:cs typeface="Verdana" pitchFamily="34" charset="0"/>
-              </a:rPr>
-              <a:t>remote </a:t>
-            </a:r>
-            <a:r>
-              <a:rPr lang="en-US" altLang="ko-KR" sz="1600" b="1" dirty="0" err="1" smtClean="0">
-                <a:solidFill>
-                  <a:schemeClr val="tx1"/>
-                </a:solidFill>
-                <a:latin typeface="Verdana" pitchFamily="34" charset="0"/>
-                <a:ea typeface="Verdana" pitchFamily="34" charset="0"/>
-                <a:cs typeface="Verdana" pitchFamily="34" charset="0"/>
-              </a:rPr>
-              <a:t>rm</a:t>
-            </a:r>
-            <a:r>
-              <a:rPr lang="en-US" altLang="ko-KR" sz="1600" b="1" dirty="0" smtClean="0">
-                <a:solidFill>
-                  <a:schemeClr val="tx1"/>
-                </a:solidFill>
-                <a:latin typeface="Verdana" pitchFamily="34" charset="0"/>
-                <a:ea typeface="Verdana" pitchFamily="34" charset="0"/>
-                <a:cs typeface="Verdana" pitchFamily="34" charset="0"/>
-              </a:rPr>
-              <a:t> origin</a:t>
-            </a:r>
-          </a:p>
-          <a:p>
-            <a:r>
-              <a:rPr lang="ko-KR" altLang="en-US" sz="1600" dirty="0" smtClean="0">
-                <a:solidFill>
-                  <a:schemeClr val="tx1"/>
-                </a:solidFill>
-                <a:latin typeface="Verdana" pitchFamily="34" charset="0"/>
-                <a:cs typeface="Verdana" pitchFamily="34" charset="0"/>
-              </a:rPr>
-              <a:t>   </a:t>
-            </a:r>
-            <a:r>
-              <a:rPr lang="en-US" altLang="ko-KR" sz="1600" dirty="0" smtClean="0">
-                <a:solidFill>
-                  <a:schemeClr val="tx1"/>
-                </a:solidFill>
-                <a:latin typeface="Verdana" pitchFamily="34" charset="0"/>
-                <a:cs typeface="Verdana" pitchFamily="34" charset="0"/>
-              </a:rPr>
-              <a:t>: </a:t>
-            </a:r>
-            <a:r>
-              <a:rPr lang="ko-KR" altLang="en-US" sz="1600" dirty="0" err="1" smtClean="0">
-                <a:solidFill>
-                  <a:schemeClr val="tx1"/>
-                </a:solidFill>
-                <a:latin typeface="Verdana" pitchFamily="34" charset="0"/>
-                <a:cs typeface="Verdana" pitchFamily="34" charset="0"/>
-              </a:rPr>
-              <a:t>리모트</a:t>
-            </a:r>
-            <a:r>
-              <a:rPr lang="ko-KR" altLang="en-US" sz="1600" dirty="0" smtClean="0">
-                <a:solidFill>
-                  <a:schemeClr val="tx1"/>
-                </a:solidFill>
-                <a:latin typeface="Verdana" pitchFamily="34" charset="0"/>
-                <a:cs typeface="Verdana" pitchFamily="34" charset="0"/>
-              </a:rPr>
-              <a:t> 저장소 </a:t>
-            </a:r>
-            <a:r>
-              <a:rPr lang="en-US" altLang="ko-KR" sz="1600" dirty="0" smtClean="0">
-                <a:solidFill>
-                  <a:schemeClr val="tx1"/>
-                </a:solidFill>
-                <a:latin typeface="Verdana" pitchFamily="34" charset="0"/>
-                <a:cs typeface="Verdana" pitchFamily="34" charset="0"/>
-              </a:rPr>
-              <a:t>URL</a:t>
-            </a:r>
-            <a:r>
-              <a:rPr lang="ko-KR" altLang="en-US" sz="1600" dirty="0" smtClean="0">
-                <a:solidFill>
-                  <a:schemeClr val="tx1"/>
-                </a:solidFill>
-                <a:latin typeface="Verdana" pitchFamily="34" charset="0"/>
-                <a:cs typeface="Verdana" pitchFamily="34" charset="0"/>
-              </a:rPr>
-              <a:t> </a:t>
-            </a:r>
-            <a:r>
-              <a:rPr lang="ko-KR" altLang="en-US" sz="1600" dirty="0" smtClean="0">
-                <a:solidFill>
-                  <a:schemeClr val="tx1"/>
-                </a:solidFill>
-                <a:latin typeface="Verdana" pitchFamily="34" charset="0"/>
-                <a:cs typeface="Verdana" pitchFamily="34" charset="0"/>
-              </a:rPr>
-              <a:t>취소</a:t>
-            </a:r>
-            <a:endParaRPr lang="en-US" altLang="ko-KR" sz="1600" dirty="0" smtClean="0">
-              <a:solidFill>
-                <a:schemeClr val="tx1"/>
-              </a:solidFill>
-              <a:latin typeface="Verdana" pitchFamily="34" charset="0"/>
-              <a:ea typeface="Verdana" pitchFamily="34" charset="0"/>
-              <a:cs typeface="Verdana" pitchFamily="34" charset="0"/>
-            </a:endParaRPr>
-          </a:p>
         </p:txBody>
       </p:sp>
     </p:spTree>
     <p:extLst>
       <p:ext uri="{BB962C8B-B14F-4D97-AF65-F5344CB8AC3E}">
-        <p14:creationId xmlns="" xmlns:p14="http://schemas.microsoft.com/office/powerpoint/2010/main" val="3426603863"/>
+        <p14:creationId xmlns:p14="http://schemas.microsoft.com/office/powerpoint/2010/main" xmlns="" val="3426603863"/>
       </p:ext>
     </p:extLst>
   </p:cSld>
@@ -19038,7 +19075,6 @@
               <a:rPr lang="en-US" altLang="ko-KR" dirty="0" smtClean="0"/>
               <a:t>	</a:t>
             </a:r>
-            <a:endParaRPr lang="en-US" altLang="ko-KR" dirty="0" smtClean="0"/>
           </a:p>
         </p:txBody>
       </p:sp>
@@ -19094,9 +19130,55 @@
                 <a:ea typeface="Verdana" pitchFamily="34" charset="0"/>
                 <a:cs typeface="Verdana" pitchFamily="34" charset="0"/>
               </a:rPr>
+              <a:t>  $ </a:t>
+            </a:r>
+            <a:r>
+              <a:rPr lang="en-US" altLang="ko-KR" sz="1600" dirty="0" err="1" smtClean="0">
+                <a:solidFill>
+                  <a:schemeClr val="tx1"/>
+                </a:solidFill>
+                <a:latin typeface="Verdana" pitchFamily="34" charset="0"/>
+                <a:ea typeface="Verdana" pitchFamily="34" charset="0"/>
+                <a:cs typeface="Verdana" pitchFamily="34" charset="0"/>
+              </a:rPr>
+              <a:t>git</a:t>
+            </a:r>
+            <a:r>
+              <a:rPr lang="en-US" altLang="ko-KR" sz="1600" dirty="0" smtClean="0">
+                <a:solidFill>
+                  <a:schemeClr val="tx1"/>
+                </a:solidFill>
+                <a:latin typeface="Verdana" pitchFamily="34" charset="0"/>
+                <a:ea typeface="Verdana" pitchFamily="34" charset="0"/>
+                <a:cs typeface="Verdana" pitchFamily="34" charset="0"/>
+              </a:rPr>
               <a:t> </a:t>
             </a:r>
             <a:r>
+              <a:rPr lang="en-US" altLang="ko-KR" sz="1600" b="1" dirty="0" err="1" smtClean="0">
+                <a:solidFill>
+                  <a:schemeClr val="tx1"/>
+                </a:solidFill>
+                <a:latin typeface="Verdana" pitchFamily="34" charset="0"/>
+                <a:ea typeface="Verdana" pitchFamily="34" charset="0"/>
+                <a:cs typeface="Verdana" pitchFamily="34" charset="0"/>
+              </a:rPr>
+              <a:t>fatch</a:t>
+            </a:r>
+            <a:r>
+              <a:rPr lang="en-US" altLang="ko-KR" sz="1600" b="1" dirty="0" smtClean="0">
+                <a:solidFill>
+                  <a:schemeClr val="tx1"/>
+                </a:solidFill>
+                <a:latin typeface="Verdana" pitchFamily="34" charset="0"/>
+                <a:ea typeface="Verdana" pitchFamily="34" charset="0"/>
+                <a:cs typeface="Verdana" pitchFamily="34" charset="0"/>
+              </a:rPr>
+              <a:t> origin master</a:t>
+            </a:r>
+          </a:p>
+          <a:p>
+            <a:r>
               <a:rPr lang="en-US" altLang="ko-KR" sz="1600" dirty="0" smtClean="0">
                 <a:solidFill>
                   <a:schemeClr val="tx1"/>
@@ -19105,7 +19187,7 @@
                 <a:ea typeface="Verdana" pitchFamily="34" charset="0"/>
                 <a:cs typeface="Verdana" pitchFamily="34" charset="0"/>
               </a:rPr>
-              <a:t> $ </a:t>
+              <a:t>   : </a:t>
             </a:r>
             <a:r>
               <a:rPr lang="en-US" altLang="ko-KR" sz="1600" dirty="0" err="1" smtClean="0">
@@ -19116,74 +19198,6 @@
                 <a:ea typeface="Verdana" pitchFamily="34" charset="0"/>
                 <a:cs typeface="Verdana" pitchFamily="34" charset="0"/>
               </a:rPr>
-              <a:t>git</a:t>
-            </a:r>
-            <a:r>
-              <a:rPr lang="en-US" altLang="ko-KR" sz="1600" dirty="0" smtClean="0">
-                <a:solidFill>
-                  <a:schemeClr val="tx1"/>
-                </a:solidFill>
-                <a:latin typeface="Verdana" pitchFamily="34" charset="0"/>
-                <a:ea typeface="Verdana" pitchFamily="34" charset="0"/>
-                <a:cs typeface="Verdana" pitchFamily="34" charset="0"/>
-              </a:rPr>
-              <a:t> </a:t>
-            </a:r>
-            <a:r>
-              <a:rPr lang="en-US" altLang="ko-KR" sz="1600" b="1" dirty="0" err="1" smtClean="0">
-                <a:solidFill>
-                  <a:schemeClr val="tx1"/>
-                </a:solidFill>
-                <a:latin typeface="Verdana" pitchFamily="34" charset="0"/>
-                <a:ea typeface="Verdana" pitchFamily="34" charset="0"/>
-                <a:cs typeface="Verdana" pitchFamily="34" charset="0"/>
-              </a:rPr>
-              <a:t>fatch</a:t>
-            </a:r>
-            <a:r>
-              <a:rPr lang="en-US" altLang="ko-KR" sz="1600" b="1" dirty="0" smtClean="0">
-                <a:solidFill>
-                  <a:schemeClr val="tx1"/>
-                </a:solidFill>
-                <a:latin typeface="Verdana" pitchFamily="34" charset="0"/>
-                <a:ea typeface="Verdana" pitchFamily="34" charset="0"/>
-                <a:cs typeface="Verdana" pitchFamily="34" charset="0"/>
-              </a:rPr>
-              <a:t> origin </a:t>
-            </a:r>
-            <a:r>
-              <a:rPr lang="en-US" altLang="ko-KR" sz="1600" b="1" dirty="0" smtClean="0">
-                <a:solidFill>
-                  <a:schemeClr val="tx1"/>
-                </a:solidFill>
-                <a:latin typeface="Verdana" pitchFamily="34" charset="0"/>
-                <a:ea typeface="Verdana" pitchFamily="34" charset="0"/>
-                <a:cs typeface="Verdana" pitchFamily="34" charset="0"/>
-              </a:rPr>
-              <a:t>master</a:t>
-            </a:r>
-          </a:p>
-          <a:p>
-            <a:r>
-              <a:rPr lang="en-US" altLang="ko-KR" sz="1600" dirty="0" smtClean="0">
-                <a:solidFill>
-                  <a:schemeClr val="tx1"/>
-                </a:solidFill>
-                <a:latin typeface="Verdana" pitchFamily="34" charset="0"/>
-                <a:ea typeface="Verdana" pitchFamily="34" charset="0"/>
-                <a:cs typeface="Verdana" pitchFamily="34" charset="0"/>
-              </a:rPr>
-              <a:t>   : </a:t>
-            </a:r>
-            <a:r>
-              <a:rPr lang="en-US" altLang="ko-KR" sz="1600" dirty="0" err="1" smtClean="0">
-                <a:solidFill>
-                  <a:schemeClr val="tx1"/>
-                </a:solidFill>
-                <a:latin typeface="Verdana" pitchFamily="34" charset="0"/>
-                <a:ea typeface="Verdana" pitchFamily="34" charset="0"/>
-                <a:cs typeface="Verdana" pitchFamily="34" charset="0"/>
-              </a:rPr>
               <a:t>Github</a:t>
             </a:r>
             <a:r>
@@ -19194,17 +19208,7 @@
                 <a:latin typeface="Verdana" pitchFamily="34" charset="0"/>
                 <a:cs typeface="Verdana" pitchFamily="34" charset="0"/>
               </a:rPr>
-              <a:t>에서 최신 프로젝트 </a:t>
-            </a:r>
-            <a:r>
-              <a:rPr lang="ko-KR" altLang="en-US" sz="1600" dirty="0" smtClean="0">
-                <a:solidFill>
-                  <a:schemeClr val="tx1"/>
-                </a:solidFill>
-                <a:latin typeface="Verdana" pitchFamily="34" charset="0"/>
-                <a:cs typeface="Verdana" pitchFamily="34" charset="0"/>
-              </a:rPr>
-              <a:t>가져오기</a:t>
+              <a:t>에서 최신 프로젝트 가져오기</a:t>
             </a:r>
             <a:endParaRPr lang="en-US" altLang="ko-KR" sz="1600" dirty="0" smtClean="0">
               <a:solidFill>
@@ -19225,18 +19229,7 @@
                 <a:ea typeface="Verdana" pitchFamily="34" charset="0"/>
                 <a:cs typeface="Verdana" pitchFamily="34" charset="0"/>
               </a:rPr>
-              <a:t> </a:t>
-            </a:r>
-            <a:r>
-              <a:rPr lang="en-US" altLang="ko-KR" sz="1600" dirty="0" smtClean="0">
-                <a:solidFill>
-                  <a:schemeClr val="tx1"/>
-                </a:solidFill>
-                <a:latin typeface="Verdana" pitchFamily="34" charset="0"/>
-                <a:ea typeface="Verdana" pitchFamily="34" charset="0"/>
-                <a:cs typeface="Verdana" pitchFamily="34" charset="0"/>
-              </a:rPr>
-              <a:t>  : Repository </a:t>
+              <a:t>   : Repository </a:t>
             </a:r>
             <a:r>
               <a:rPr lang="ko-KR" altLang="en-US" sz="1600" dirty="0" smtClean="0">
@@ -19278,9 +19271,44 @@
                 <a:ea typeface="Verdana" pitchFamily="34" charset="0"/>
                 <a:cs typeface="Verdana" pitchFamily="34" charset="0"/>
               </a:rPr>
+              <a:t>  $ </a:t>
+            </a:r>
+            <a:r>
+              <a:rPr lang="en-US" altLang="ko-KR" sz="1600" dirty="0" err="1" smtClean="0">
+                <a:solidFill>
+                  <a:schemeClr val="tx1"/>
+                </a:solidFill>
+                <a:latin typeface="Verdana" pitchFamily="34" charset="0"/>
+                <a:ea typeface="Verdana" pitchFamily="34" charset="0"/>
+                <a:cs typeface="Verdana" pitchFamily="34" charset="0"/>
+              </a:rPr>
+              <a:t>git</a:t>
+            </a:r>
+            <a:r>
+              <a:rPr lang="en-US" altLang="ko-KR" sz="1600" dirty="0" smtClean="0">
+                <a:solidFill>
+                  <a:schemeClr val="tx1"/>
+                </a:solidFill>
+                <a:latin typeface="Verdana" pitchFamily="34" charset="0"/>
+                <a:ea typeface="Verdana" pitchFamily="34" charset="0"/>
+                <a:cs typeface="Verdana" pitchFamily="34" charset="0"/>
+              </a:rPr>
               <a:t> </a:t>
             </a:r>
             <a:r>
+              <a:rPr lang="en-US" altLang="ko-KR" sz="1600" b="1" dirty="0" smtClean="0">
+                <a:solidFill>
+                  <a:schemeClr val="tx1"/>
+                </a:solidFill>
+                <a:latin typeface="Verdana" pitchFamily="34" charset="0"/>
+                <a:ea typeface="Verdana" pitchFamily="34" charset="0"/>
+                <a:cs typeface="Verdana" pitchFamily="34" charset="0"/>
+              </a:rPr>
+              <a:t>pull origin master</a:t>
+            </a:r>
+          </a:p>
+          <a:p>
+            <a:r>
               <a:rPr lang="en-US" altLang="ko-KR" sz="1600" dirty="0" smtClean="0">
                 <a:solidFill>
                   <a:schemeClr val="tx1"/>
@@ -19289,18 +19317,7 @@
                 <a:ea typeface="Verdana" pitchFamily="34" charset="0"/>
                 <a:cs typeface="Verdana" pitchFamily="34" charset="0"/>
               </a:rPr>
-              <a:t> </a:t>
-            </a:r>
-            <a:r>
-              <a:rPr lang="en-US" altLang="ko-KR" sz="1600" dirty="0" smtClean="0">
-                <a:solidFill>
-                  <a:schemeClr val="tx1"/>
-                </a:solidFill>
-                <a:latin typeface="Verdana" pitchFamily="34" charset="0"/>
-                <a:ea typeface="Verdana" pitchFamily="34" charset="0"/>
-                <a:cs typeface="Verdana" pitchFamily="34" charset="0"/>
-              </a:rPr>
-              <a:t>$ </a:t>
+              <a:t>   : </a:t>
             </a:r>
             <a:r>
               <a:rPr lang="en-US" altLang="ko-KR" sz="1600" dirty="0" err="1" smtClean="0">
@@ -19311,52 +19328,6 @@
                 <a:ea typeface="Verdana" pitchFamily="34" charset="0"/>
                 <a:cs typeface="Verdana" pitchFamily="34" charset="0"/>
               </a:rPr>
-              <a:t>git</a:t>
-            </a:r>
-            <a:r>
-              <a:rPr lang="en-US" altLang="ko-KR" sz="1600" dirty="0" smtClean="0">
-                <a:solidFill>
-                  <a:schemeClr val="tx1"/>
-                </a:solidFill>
-                <a:latin typeface="Verdana" pitchFamily="34" charset="0"/>
-                <a:ea typeface="Verdana" pitchFamily="34" charset="0"/>
-                <a:cs typeface="Verdana" pitchFamily="34" charset="0"/>
-              </a:rPr>
-              <a:t> </a:t>
-            </a:r>
-            <a:r>
-              <a:rPr lang="en-US" altLang="ko-KR" sz="1600" b="1" dirty="0" smtClean="0">
-                <a:solidFill>
-                  <a:schemeClr val="tx1"/>
-                </a:solidFill>
-                <a:latin typeface="Verdana" pitchFamily="34" charset="0"/>
-                <a:ea typeface="Verdana" pitchFamily="34" charset="0"/>
-                <a:cs typeface="Verdana" pitchFamily="34" charset="0"/>
-              </a:rPr>
-              <a:t>pull origin master</a:t>
-            </a:r>
-          </a:p>
-          <a:p>
-            <a:r>
-              <a:rPr lang="en-US" altLang="ko-KR" sz="1600" dirty="0" smtClean="0">
-                <a:solidFill>
-                  <a:schemeClr val="tx1"/>
-                </a:solidFill>
-                <a:latin typeface="Verdana" pitchFamily="34" charset="0"/>
-                <a:ea typeface="Verdana" pitchFamily="34" charset="0"/>
-                <a:cs typeface="Verdana" pitchFamily="34" charset="0"/>
-              </a:rPr>
-              <a:t>   : </a:t>
-            </a:r>
-            <a:r>
-              <a:rPr lang="en-US" altLang="ko-KR" sz="1600" dirty="0" err="1" smtClean="0">
-                <a:solidFill>
-                  <a:schemeClr val="tx1"/>
-                </a:solidFill>
-                <a:latin typeface="Verdana" pitchFamily="34" charset="0"/>
-                <a:ea typeface="Verdana" pitchFamily="34" charset="0"/>
-                <a:cs typeface="Verdana" pitchFamily="34" charset="0"/>
-              </a:rPr>
               <a:t>Github</a:t>
             </a:r>
             <a:r>
@@ -19367,17 +19338,7 @@
                 <a:latin typeface="Verdana" pitchFamily="34" charset="0"/>
                 <a:cs typeface="Verdana" pitchFamily="34" charset="0"/>
               </a:rPr>
-              <a:t>에서 최신 프로젝트 </a:t>
-            </a:r>
-            <a:r>
-              <a:rPr lang="ko-KR" altLang="en-US" sz="1600" dirty="0" smtClean="0">
-                <a:solidFill>
-                  <a:schemeClr val="tx1"/>
-                </a:solidFill>
-                <a:latin typeface="Verdana" pitchFamily="34" charset="0"/>
-                <a:cs typeface="Verdana" pitchFamily="34" charset="0"/>
-              </a:rPr>
-              <a:t>가져오기</a:t>
+              <a:t>에서 최신 프로젝트 가져오기</a:t>
             </a:r>
             <a:endParaRPr lang="en-US" altLang="ko-KR" sz="1600" dirty="0" smtClean="0">
               <a:solidFill>
@@ -19398,18 +19359,7 @@
                 <a:ea typeface="Verdana" pitchFamily="34" charset="0"/>
                 <a:cs typeface="Verdana" pitchFamily="34" charset="0"/>
               </a:rPr>
-              <a:t> </a:t>
-            </a:r>
-            <a:r>
-              <a:rPr lang="en-US" altLang="ko-KR" sz="1600" dirty="0" smtClean="0">
-                <a:solidFill>
-                  <a:schemeClr val="tx1"/>
-                </a:solidFill>
-                <a:latin typeface="Verdana" pitchFamily="34" charset="0"/>
-                <a:ea typeface="Verdana" pitchFamily="34" charset="0"/>
-                <a:cs typeface="Verdana" pitchFamily="34" charset="0"/>
-              </a:rPr>
-              <a:t>  : </a:t>
+              <a:t>   : </a:t>
             </a:r>
             <a:r>
               <a:rPr lang="ko-KR" altLang="en-US" sz="1600" dirty="0" smtClean="0">
@@ -19461,18 +19411,7 @@
                 <a:ea typeface="Verdana" pitchFamily="34" charset="0"/>
                 <a:cs typeface="Verdana" pitchFamily="34" charset="0"/>
               </a:rPr>
-              <a:t> </a:t>
-            </a:r>
-            <a:r>
-              <a:rPr lang="en-US" altLang="ko-KR" sz="1600" dirty="0" smtClean="0">
-                <a:solidFill>
-                  <a:schemeClr val="tx1"/>
-                </a:solidFill>
-                <a:latin typeface="Verdana" pitchFamily="34" charset="0"/>
-                <a:ea typeface="Verdana" pitchFamily="34" charset="0"/>
-                <a:cs typeface="Verdana" pitchFamily="34" charset="0"/>
-              </a:rPr>
-              <a:t>  : Working directory </a:t>
+              <a:t>   : Working directory </a:t>
             </a:r>
             <a:r>
               <a:rPr lang="ko-KR" altLang="en-US" sz="1600" dirty="0" smtClean="0">
@@ -19581,17 +19520,7 @@
                 <a:latin typeface="Verdana" pitchFamily="34" charset="0"/>
                 <a:cs typeface="Verdana" pitchFamily="34" charset="0"/>
               </a:rPr>
-              <a:t>에 작업한 프로젝트 </a:t>
-            </a:r>
-            <a:r>
-              <a:rPr lang="ko-KR" altLang="en-US" sz="1600" dirty="0" smtClean="0">
-                <a:solidFill>
-                  <a:schemeClr val="tx1"/>
-                </a:solidFill>
-                <a:latin typeface="Verdana" pitchFamily="34" charset="0"/>
-                <a:cs typeface="Verdana" pitchFamily="34" charset="0"/>
-              </a:rPr>
-              <a:t>올리기</a:t>
+              <a:t>에 작업한 프로젝트 올리기</a:t>
             </a:r>
             <a:endParaRPr lang="en-US" altLang="ko-KR" sz="1600" dirty="0" smtClean="0">
               <a:solidFill>
@@ -19607,7 +19536,7 @@
     </p:spTree>
     <p:extLst>
       <p:ext uri="{BB962C8B-B14F-4D97-AF65-F5344CB8AC3E}">
-        <p14:creationId xmlns="" xmlns:p14="http://schemas.microsoft.com/office/powerpoint/2010/main" val="3426603863"/>
+        <p14:creationId xmlns:p14="http://schemas.microsoft.com/office/powerpoint/2010/main" xmlns="" val="3426603863"/>
       </p:ext>
     </p:extLst>
   </p:cSld>
@@ -19742,25 +19671,13 @@
           <a:p>
             <a:r>
               <a:rPr lang="en-US" altLang="ko-KR" dirty="0" smtClean="0"/>
-              <a:t>	</a:t>
-            </a:r>
+              <a:t>	※ master </a:t>
+            </a:r>
+          </a:p>
+          <a:p>
             <a:r>
               <a:rPr lang="en-US" altLang="ko-KR" dirty="0" smtClean="0"/>
-              <a:t>※ master </a:t>
-            </a:r>
-          </a:p>
-          <a:p>
-            <a:r>
-              <a:rPr lang="en-US" altLang="ko-KR" dirty="0" smtClean="0"/>
-              <a:t>	</a:t>
-            </a:r>
-            <a:r>
-              <a:rPr lang="en-US" altLang="ko-KR" dirty="0" smtClean="0"/>
-              <a:t>	</a:t>
-            </a:r>
-            <a:r>
-              <a:rPr lang="en-US" altLang="ko-KR" dirty="0" smtClean="0"/>
-              <a:t>- master </a:t>
+              <a:t>		- master </a:t>
             </a:r>
             <a:r>
               <a:rPr lang="ko-KR" altLang="en-US" dirty="0" smtClean="0"/>
@@ -19779,11 +19696,7 @@
           <a:p>
             <a:r>
               <a:rPr lang="en-US" altLang="ko-KR" dirty="0" smtClean="0"/>
-              <a:t>	</a:t>
-            </a:r>
-            <a:r>
-              <a:rPr lang="en-US" altLang="ko-KR" dirty="0" smtClean="0"/>
-              <a:t>	- </a:t>
+              <a:t>		- </a:t>
             </a:r>
             <a:r>
               <a:rPr lang="ko-KR" altLang="en-US" dirty="0" smtClean="0"/>
@@ -19853,18 +19766,7 @@
                 <a:ea typeface="Verdana" pitchFamily="34" charset="0"/>
                 <a:cs typeface="Verdana" pitchFamily="34" charset="0"/>
               </a:rPr>
-              <a:t> </a:t>
-            </a:r>
-            <a:r>
-              <a:rPr lang="en-US" altLang="ko-KR" sz="1600" dirty="0" smtClean="0">
-                <a:solidFill>
-                  <a:schemeClr val="tx1"/>
-                </a:solidFill>
-                <a:latin typeface="Verdana" pitchFamily="34" charset="0"/>
-                <a:ea typeface="Verdana" pitchFamily="34" charset="0"/>
-                <a:cs typeface="Verdana" pitchFamily="34" charset="0"/>
-              </a:rPr>
-              <a:t>$ </a:t>
+              <a:t> $ </a:t>
             </a:r>
             <a:r>
               <a:rPr lang="en-US" altLang="ko-KR" sz="1600" dirty="0" err="1" smtClean="0">
@@ -19929,18 +19831,7 @@
                 <a:ea typeface="Verdana" pitchFamily="34" charset="0"/>
                 <a:cs typeface="Verdana" pitchFamily="34" charset="0"/>
               </a:rPr>
-              <a:t>   </a:t>
-            </a:r>
-            <a:r>
-              <a:rPr lang="en-US" altLang="ko-KR" sz="1600" dirty="0" smtClean="0">
-                <a:solidFill>
-                  <a:schemeClr val="tx1"/>
-                </a:solidFill>
-                <a:latin typeface="Verdana" pitchFamily="34" charset="0"/>
-                <a:ea typeface="Verdana" pitchFamily="34" charset="0"/>
-                <a:cs typeface="Verdana" pitchFamily="34" charset="0"/>
-              </a:rPr>
-              <a:t>: </a:t>
+              <a:t>   : </a:t>
             </a:r>
             <a:r>
               <a:rPr lang="ko-KR" altLang="en-US" sz="1600" dirty="0" err="1" smtClean="0">
@@ -20079,17 +19970,7 @@
                 <a:latin typeface="Verdana" pitchFamily="34" charset="0"/>
                 <a:cs typeface="Verdana" pitchFamily="34" charset="0"/>
               </a:rPr>
-              <a:t>에 작업한 </a:t>
-            </a:r>
-            <a:r>
-              <a:rPr lang="ko-KR" altLang="en-US" sz="1600" dirty="0" smtClean="0">
-                <a:solidFill>
-                  <a:schemeClr val="tx1"/>
-                </a:solidFill>
-                <a:latin typeface="Verdana" pitchFamily="34" charset="0"/>
-                <a:cs typeface="Verdana" pitchFamily="34" charset="0"/>
-              </a:rPr>
-              <a:t>신규브랜치 올리기</a:t>
+              <a:t>에 작업한 신규브랜치 올리기</a:t>
             </a:r>
             <a:endParaRPr lang="en-US" altLang="ko-KR" sz="1600" dirty="0" smtClean="0">
               <a:solidFill>
@@ -20255,7 +20136,7 @@
     </p:spTree>
     <p:extLst>
       <p:ext uri="{BB962C8B-B14F-4D97-AF65-F5344CB8AC3E}">
-        <p14:creationId xmlns="" xmlns:p14="http://schemas.microsoft.com/office/powerpoint/2010/main" val="3426603863"/>
+        <p14:creationId xmlns:p14="http://schemas.microsoft.com/office/powerpoint/2010/main" xmlns="" val="3426603863"/>
       </p:ext>
     </p:extLst>
   </p:cSld>
@@ -20378,7 +20259,7 @@
     </p:spTree>
     <p:extLst>
       <p:ext uri="{BB962C8B-B14F-4D97-AF65-F5344CB8AC3E}">
-        <p14:creationId xmlns="" xmlns:p14="http://schemas.microsoft.com/office/powerpoint/2010/main" val="3349492334"/>
+        <p14:creationId xmlns:p14="http://schemas.microsoft.com/office/powerpoint/2010/main" xmlns="" val="3349492334"/>
       </p:ext>
     </p:extLst>
   </p:cSld>
@@ -20736,7 +20617,7 @@
     </p:spTree>
     <p:extLst>
       <p:ext uri="{BB962C8B-B14F-4D97-AF65-F5344CB8AC3E}">
-        <p14:creationId xmlns="" xmlns:p14="http://schemas.microsoft.com/office/powerpoint/2010/main" val="3426603863"/>
+        <p14:creationId xmlns:p14="http://schemas.microsoft.com/office/powerpoint/2010/main" xmlns="" val="3426603863"/>
       </p:ext>
     </p:extLst>
   </p:cSld>
@@ -20876,7 +20757,7 @@
     </p:spTree>
     <p:extLst>
       <p:ext uri="{BB962C8B-B14F-4D97-AF65-F5344CB8AC3E}">
-        <p14:creationId xmlns="" xmlns:p14="http://schemas.microsoft.com/office/powerpoint/2010/main" val="3426603863"/>
+        <p14:creationId xmlns:p14="http://schemas.microsoft.com/office/powerpoint/2010/main" xmlns="" val="3426603863"/>
       </p:ext>
     </p:extLst>
   </p:cSld>
@@ -21018,7 +20899,19 @@
           <a:p>
             <a:r>
               <a:rPr lang="en-US" altLang="ko-KR" dirty="0" smtClean="0"/>
-              <a:t>	※ SVC, Subversion, Perforce</a:t>
+              <a:t>	※ </a:t>
+            </a:r>
+            <a:r>
+              <a:rPr lang="en-US" altLang="ko-KR" dirty="0" smtClean="0"/>
+              <a:t>CVS</a:t>
+            </a:r>
+            <a:r>
+              <a:rPr lang="en-US" altLang="ko-KR" dirty="0" smtClean="0"/>
+              <a:t>, </a:t>
+            </a:r>
+            <a:r>
+              <a:rPr lang="en-US" altLang="ko-KR" dirty="0" smtClean="0"/>
+              <a:t>Subversion, Perforce</a:t>
             </a:r>
           </a:p>
           <a:p>
@@ -21061,7 +20954,7 @@
     </p:spTree>
     <p:extLst>
       <p:ext uri="{BB962C8B-B14F-4D97-AF65-F5344CB8AC3E}">
-        <p14:creationId xmlns="" xmlns:p14="http://schemas.microsoft.com/office/powerpoint/2010/main" val="3426603863"/>
+        <p14:creationId xmlns:p14="http://schemas.microsoft.com/office/powerpoint/2010/main" xmlns="" val="3426603863"/>
       </p:ext>
     </p:extLst>
   </p:cSld>
@@ -21267,7 +21160,7 @@
     </p:spTree>
     <p:extLst>
       <p:ext uri="{BB962C8B-B14F-4D97-AF65-F5344CB8AC3E}">
-        <p14:creationId xmlns="" xmlns:p14="http://schemas.microsoft.com/office/powerpoint/2010/main" val="3426603863"/>
+        <p14:creationId xmlns:p14="http://schemas.microsoft.com/office/powerpoint/2010/main" xmlns="" val="3426603863"/>
       </p:ext>
     </p:extLst>
   </p:cSld>
@@ -21657,7 +21550,7 @@
     </p:spTree>
     <p:extLst>
       <p:ext uri="{BB962C8B-B14F-4D97-AF65-F5344CB8AC3E}">
-        <p14:creationId xmlns="" xmlns:p14="http://schemas.microsoft.com/office/powerpoint/2010/main" val="3426603863"/>
+        <p14:creationId xmlns:p14="http://schemas.microsoft.com/office/powerpoint/2010/main" xmlns="" val="3426603863"/>
       </p:ext>
     </p:extLst>
   </p:cSld>
@@ -21950,7 +21843,7 @@
     </p:spTree>
     <p:extLst>
       <p:ext uri="{BB962C8B-B14F-4D97-AF65-F5344CB8AC3E}">
-        <p14:creationId xmlns="" xmlns:p14="http://schemas.microsoft.com/office/powerpoint/2010/main" val="3426603863"/>
+        <p14:creationId xmlns:p14="http://schemas.microsoft.com/office/powerpoint/2010/main" xmlns="" val="3426603863"/>
       </p:ext>
     </p:extLst>
   </p:cSld>
@@ -22268,7 +22161,7 @@
     </p:spTree>
     <p:extLst>
       <p:ext uri="{BB962C8B-B14F-4D97-AF65-F5344CB8AC3E}">
-        <p14:creationId xmlns="" xmlns:p14="http://schemas.microsoft.com/office/powerpoint/2010/main" val="3426603863"/>
+        <p14:creationId xmlns:p14="http://schemas.microsoft.com/office/powerpoint/2010/main" xmlns="" val="3426603863"/>
       </p:ext>
     </p:extLst>
   </p:cSld>
@@ -22538,7 +22431,7 @@
         <a:effectLst/>
         <a:extLst>
           <a:ext uri="{AF507438-7753-43E0-B8FC-AC1667EBCBE1}">
-            <a14:hiddenEffects xmlns="" xmlns:a14="http://schemas.microsoft.com/office/drawing/2010/main">
+            <a14:hiddenEffects xmlns:a14="http://schemas.microsoft.com/office/drawing/2010/main" xmlns="">
               <a:effectLst>
                 <a:outerShdw dist="35921" dir="2700000" algn="ctr" rotWithShape="0">
                   <a:schemeClr val="bg2"/>
@@ -22611,7 +22504,7 @@
         <a:effectLst/>
         <a:extLst>
           <a:ext uri="{AF507438-7753-43E0-B8FC-AC1667EBCBE1}">
-            <a14:hiddenEffects xmlns="" xmlns:a14="http://schemas.microsoft.com/office/drawing/2010/main">
+            <a14:hiddenEffects xmlns:a14="http://schemas.microsoft.com/office/drawing/2010/main" xmlns="">
               <a:effectLst>
                 <a:outerShdw dist="35921" dir="2700000" algn="ctr" rotWithShape="0">
                   <a:schemeClr val="bg2"/>

--- a/Git_20140210.pptx
+++ b/Git_20140210.pptx
@@ -298,7 +298,7 @@
     </p:spTree>
     <p:extLst>
       <p:ext uri="{BB962C8B-B14F-4D97-AF65-F5344CB8AC3E}">
-        <p14:creationId xmlns:p14="http://schemas.microsoft.com/office/powerpoint/2010/main" xmlns="" val="1280770348"/>
+        <p14:creationId xmlns="" xmlns:p14="http://schemas.microsoft.com/office/powerpoint/2010/main" val="1280770348"/>
       </p:ext>
     </p:extLst>
   </p:cSld>
@@ -558,7 +558,7 @@
     </p:spTree>
     <p:extLst>
       <p:ext uri="{BB962C8B-B14F-4D97-AF65-F5344CB8AC3E}">
-        <p14:creationId xmlns:p14="http://schemas.microsoft.com/office/powerpoint/2010/main" xmlns="" val="1904345690"/>
+        <p14:creationId xmlns="" xmlns:p14="http://schemas.microsoft.com/office/powerpoint/2010/main" val="1904345690"/>
       </p:ext>
     </p:extLst>
   </p:cSld>
@@ -733,7 +733,7 @@
     </p:spTree>
     <p:extLst>
       <p:ext uri="{BB962C8B-B14F-4D97-AF65-F5344CB8AC3E}">
-        <p14:creationId xmlns:p14="http://schemas.microsoft.com/office/powerpoint/2010/main" xmlns="" val="1192273510"/>
+        <p14:creationId xmlns="" xmlns:p14="http://schemas.microsoft.com/office/powerpoint/2010/main" val="1192273510"/>
       </p:ext>
     </p:extLst>
   </p:cSld>
@@ -818,7 +818,7 @@
     </p:spTree>
     <p:extLst>
       <p:ext uri="{BB962C8B-B14F-4D97-AF65-F5344CB8AC3E}">
-        <p14:creationId xmlns:p14="http://schemas.microsoft.com/office/powerpoint/2010/main" xmlns="" val="1607070737"/>
+        <p14:creationId xmlns="" xmlns:p14="http://schemas.microsoft.com/office/powerpoint/2010/main" val="1607070737"/>
       </p:ext>
     </p:extLst>
   </p:cSld>
@@ -903,7 +903,7 @@
     </p:spTree>
     <p:extLst>
       <p:ext uri="{BB962C8B-B14F-4D97-AF65-F5344CB8AC3E}">
-        <p14:creationId xmlns:p14="http://schemas.microsoft.com/office/powerpoint/2010/main" xmlns="" val="1607070737"/>
+        <p14:creationId xmlns="" xmlns:p14="http://schemas.microsoft.com/office/powerpoint/2010/main" val="1607070737"/>
       </p:ext>
     </p:extLst>
   </p:cSld>
@@ -988,7 +988,7 @@
     </p:spTree>
     <p:extLst>
       <p:ext uri="{BB962C8B-B14F-4D97-AF65-F5344CB8AC3E}">
-        <p14:creationId xmlns:p14="http://schemas.microsoft.com/office/powerpoint/2010/main" xmlns="" val="1607070737"/>
+        <p14:creationId xmlns="" xmlns:p14="http://schemas.microsoft.com/office/powerpoint/2010/main" val="1607070737"/>
       </p:ext>
     </p:extLst>
   </p:cSld>
@@ -1073,7 +1073,7 @@
     </p:spTree>
     <p:extLst>
       <p:ext uri="{BB962C8B-B14F-4D97-AF65-F5344CB8AC3E}">
-        <p14:creationId xmlns:p14="http://schemas.microsoft.com/office/powerpoint/2010/main" xmlns="" val="1607070737"/>
+        <p14:creationId xmlns="" xmlns:p14="http://schemas.microsoft.com/office/powerpoint/2010/main" val="1607070737"/>
       </p:ext>
     </p:extLst>
   </p:cSld>
@@ -1158,7 +1158,7 @@
     </p:spTree>
     <p:extLst>
       <p:ext uri="{BB962C8B-B14F-4D97-AF65-F5344CB8AC3E}">
-        <p14:creationId xmlns:p14="http://schemas.microsoft.com/office/powerpoint/2010/main" xmlns="" val="1607070737"/>
+        <p14:creationId xmlns="" xmlns:p14="http://schemas.microsoft.com/office/powerpoint/2010/main" val="1607070737"/>
       </p:ext>
     </p:extLst>
   </p:cSld>
@@ -1243,7 +1243,7 @@
     </p:spTree>
     <p:extLst>
       <p:ext uri="{BB962C8B-B14F-4D97-AF65-F5344CB8AC3E}">
-        <p14:creationId xmlns:p14="http://schemas.microsoft.com/office/powerpoint/2010/main" xmlns="" val="1607070737"/>
+        <p14:creationId xmlns="" xmlns:p14="http://schemas.microsoft.com/office/powerpoint/2010/main" val="1607070737"/>
       </p:ext>
     </p:extLst>
   </p:cSld>
@@ -1328,7 +1328,7 @@
     </p:spTree>
     <p:extLst>
       <p:ext uri="{BB962C8B-B14F-4D97-AF65-F5344CB8AC3E}">
-        <p14:creationId xmlns:p14="http://schemas.microsoft.com/office/powerpoint/2010/main" xmlns="" val="1607070737"/>
+        <p14:creationId xmlns="" xmlns:p14="http://schemas.microsoft.com/office/powerpoint/2010/main" val="1607070737"/>
       </p:ext>
     </p:extLst>
   </p:cSld>
@@ -1413,7 +1413,7 @@
     </p:spTree>
     <p:extLst>
       <p:ext uri="{BB962C8B-B14F-4D97-AF65-F5344CB8AC3E}">
-        <p14:creationId xmlns:p14="http://schemas.microsoft.com/office/powerpoint/2010/main" xmlns="" val="1607070737"/>
+        <p14:creationId xmlns="" xmlns:p14="http://schemas.microsoft.com/office/powerpoint/2010/main" val="1607070737"/>
       </p:ext>
     </p:extLst>
   </p:cSld>
@@ -1498,7 +1498,7 @@
     </p:spTree>
     <p:extLst>
       <p:ext uri="{BB962C8B-B14F-4D97-AF65-F5344CB8AC3E}">
-        <p14:creationId xmlns:p14="http://schemas.microsoft.com/office/powerpoint/2010/main" xmlns="" val="1607070737"/>
+        <p14:creationId xmlns="" xmlns:p14="http://schemas.microsoft.com/office/powerpoint/2010/main" val="1607070737"/>
       </p:ext>
     </p:extLst>
   </p:cSld>
@@ -1583,7 +1583,7 @@
     </p:spTree>
     <p:extLst>
       <p:ext uri="{BB962C8B-B14F-4D97-AF65-F5344CB8AC3E}">
-        <p14:creationId xmlns:p14="http://schemas.microsoft.com/office/powerpoint/2010/main" xmlns="" val="1607070737"/>
+        <p14:creationId xmlns="" xmlns:p14="http://schemas.microsoft.com/office/powerpoint/2010/main" val="1607070737"/>
       </p:ext>
     </p:extLst>
   </p:cSld>
@@ -1668,7 +1668,7 @@
     </p:spTree>
     <p:extLst>
       <p:ext uri="{BB962C8B-B14F-4D97-AF65-F5344CB8AC3E}">
-        <p14:creationId xmlns:p14="http://schemas.microsoft.com/office/powerpoint/2010/main" xmlns="" val="1177561318"/>
+        <p14:creationId xmlns="" xmlns:p14="http://schemas.microsoft.com/office/powerpoint/2010/main" val="1177561318"/>
       </p:ext>
     </p:extLst>
   </p:cSld>
@@ -1753,7 +1753,7 @@
     </p:spTree>
     <p:extLst>
       <p:ext uri="{BB962C8B-B14F-4D97-AF65-F5344CB8AC3E}">
-        <p14:creationId xmlns:p14="http://schemas.microsoft.com/office/powerpoint/2010/main" xmlns="" val="1607070737"/>
+        <p14:creationId xmlns="" xmlns:p14="http://schemas.microsoft.com/office/powerpoint/2010/main" val="1607070737"/>
       </p:ext>
     </p:extLst>
   </p:cSld>
@@ -1838,7 +1838,7 @@
     </p:spTree>
     <p:extLst>
       <p:ext uri="{BB962C8B-B14F-4D97-AF65-F5344CB8AC3E}">
-        <p14:creationId xmlns:p14="http://schemas.microsoft.com/office/powerpoint/2010/main" xmlns="" val="1607070737"/>
+        <p14:creationId xmlns="" xmlns:p14="http://schemas.microsoft.com/office/powerpoint/2010/main" val="1607070737"/>
       </p:ext>
     </p:extLst>
   </p:cSld>
@@ -1923,7 +1923,7 @@
     </p:spTree>
     <p:extLst>
       <p:ext uri="{BB962C8B-B14F-4D97-AF65-F5344CB8AC3E}">
-        <p14:creationId xmlns:p14="http://schemas.microsoft.com/office/powerpoint/2010/main" xmlns="" val="1607070737"/>
+        <p14:creationId xmlns="" xmlns:p14="http://schemas.microsoft.com/office/powerpoint/2010/main" val="1607070737"/>
       </p:ext>
     </p:extLst>
   </p:cSld>
@@ -2008,7 +2008,7 @@
     </p:spTree>
     <p:extLst>
       <p:ext uri="{BB962C8B-B14F-4D97-AF65-F5344CB8AC3E}">
-        <p14:creationId xmlns:p14="http://schemas.microsoft.com/office/powerpoint/2010/main" xmlns="" val="1607070737"/>
+        <p14:creationId xmlns="" xmlns:p14="http://schemas.microsoft.com/office/powerpoint/2010/main" val="1607070737"/>
       </p:ext>
     </p:extLst>
   </p:cSld>
@@ -2093,7 +2093,7 @@
     </p:spTree>
     <p:extLst>
       <p:ext uri="{BB962C8B-B14F-4D97-AF65-F5344CB8AC3E}">
-        <p14:creationId xmlns:p14="http://schemas.microsoft.com/office/powerpoint/2010/main" xmlns="" val="1607070737"/>
+        <p14:creationId xmlns="" xmlns:p14="http://schemas.microsoft.com/office/powerpoint/2010/main" val="1607070737"/>
       </p:ext>
     </p:extLst>
   </p:cSld>
@@ -2178,7 +2178,7 @@
     </p:spTree>
     <p:extLst>
       <p:ext uri="{BB962C8B-B14F-4D97-AF65-F5344CB8AC3E}">
-        <p14:creationId xmlns:p14="http://schemas.microsoft.com/office/powerpoint/2010/main" xmlns="" val="1607070737"/>
+        <p14:creationId xmlns="" xmlns:p14="http://schemas.microsoft.com/office/powerpoint/2010/main" val="1607070737"/>
       </p:ext>
     </p:extLst>
   </p:cSld>
@@ -2263,7 +2263,7 @@
     </p:spTree>
     <p:extLst>
       <p:ext uri="{BB962C8B-B14F-4D97-AF65-F5344CB8AC3E}">
-        <p14:creationId xmlns:p14="http://schemas.microsoft.com/office/powerpoint/2010/main" xmlns="" val="1607070737"/>
+        <p14:creationId xmlns="" xmlns:p14="http://schemas.microsoft.com/office/powerpoint/2010/main" val="1607070737"/>
       </p:ext>
     </p:extLst>
   </p:cSld>
@@ -2348,7 +2348,7 @@
     </p:spTree>
     <p:extLst>
       <p:ext uri="{BB962C8B-B14F-4D97-AF65-F5344CB8AC3E}">
-        <p14:creationId xmlns:p14="http://schemas.microsoft.com/office/powerpoint/2010/main" xmlns="" val="2331768756"/>
+        <p14:creationId xmlns="" xmlns:p14="http://schemas.microsoft.com/office/powerpoint/2010/main" val="2331768756"/>
       </p:ext>
     </p:extLst>
   </p:cSld>
@@ -2433,7 +2433,7 @@
     </p:spTree>
     <p:extLst>
       <p:ext uri="{BB962C8B-B14F-4D97-AF65-F5344CB8AC3E}">
-        <p14:creationId xmlns:p14="http://schemas.microsoft.com/office/powerpoint/2010/main" xmlns="" val="1607070737"/>
+        <p14:creationId xmlns="" xmlns:p14="http://schemas.microsoft.com/office/powerpoint/2010/main" val="1607070737"/>
       </p:ext>
     </p:extLst>
   </p:cSld>
@@ -2518,7 +2518,7 @@
     </p:spTree>
     <p:extLst>
       <p:ext uri="{BB962C8B-B14F-4D97-AF65-F5344CB8AC3E}">
-        <p14:creationId xmlns:p14="http://schemas.microsoft.com/office/powerpoint/2010/main" xmlns="" val="1607070737"/>
+        <p14:creationId xmlns="" xmlns:p14="http://schemas.microsoft.com/office/powerpoint/2010/main" val="1607070737"/>
       </p:ext>
     </p:extLst>
   </p:cSld>
@@ -2603,7 +2603,7 @@
     </p:spTree>
     <p:extLst>
       <p:ext uri="{BB962C8B-B14F-4D97-AF65-F5344CB8AC3E}">
-        <p14:creationId xmlns:p14="http://schemas.microsoft.com/office/powerpoint/2010/main" xmlns="" val="1607070737"/>
+        <p14:creationId xmlns="" xmlns:p14="http://schemas.microsoft.com/office/powerpoint/2010/main" val="1607070737"/>
       </p:ext>
     </p:extLst>
   </p:cSld>
@@ -2688,7 +2688,7 @@
     </p:spTree>
     <p:extLst>
       <p:ext uri="{BB962C8B-B14F-4D97-AF65-F5344CB8AC3E}">
-        <p14:creationId xmlns:p14="http://schemas.microsoft.com/office/powerpoint/2010/main" xmlns="" val="1607070737"/>
+        <p14:creationId xmlns="" xmlns:p14="http://schemas.microsoft.com/office/powerpoint/2010/main" val="1607070737"/>
       </p:ext>
     </p:extLst>
   </p:cSld>
@@ -2773,7 +2773,7 @@
     </p:spTree>
     <p:extLst>
       <p:ext uri="{BB962C8B-B14F-4D97-AF65-F5344CB8AC3E}">
-        <p14:creationId xmlns:p14="http://schemas.microsoft.com/office/powerpoint/2010/main" xmlns="" val="1607070737"/>
+        <p14:creationId xmlns="" xmlns:p14="http://schemas.microsoft.com/office/powerpoint/2010/main" val="1607070737"/>
       </p:ext>
     </p:extLst>
   </p:cSld>
@@ -2858,7 +2858,7 @@
     </p:spTree>
     <p:extLst>
       <p:ext uri="{BB962C8B-B14F-4D97-AF65-F5344CB8AC3E}">
-        <p14:creationId xmlns:p14="http://schemas.microsoft.com/office/powerpoint/2010/main" xmlns="" val="1607070737"/>
+        <p14:creationId xmlns="" xmlns:p14="http://schemas.microsoft.com/office/powerpoint/2010/main" val="1607070737"/>
       </p:ext>
     </p:extLst>
   </p:cSld>
@@ -2943,7 +2943,7 @@
     </p:spTree>
     <p:extLst>
       <p:ext uri="{BB962C8B-B14F-4D97-AF65-F5344CB8AC3E}">
-        <p14:creationId xmlns:p14="http://schemas.microsoft.com/office/powerpoint/2010/main" xmlns="" val="1607070737"/>
+        <p14:creationId xmlns="" xmlns:p14="http://schemas.microsoft.com/office/powerpoint/2010/main" val="1607070737"/>
       </p:ext>
     </p:extLst>
   </p:cSld>
@@ -3335,7 +3335,7 @@
     </p:spTree>
     <p:extLst>
       <p:ext uri="{BB962C8B-B14F-4D97-AF65-F5344CB8AC3E}">
-        <p14:creationId xmlns:p14="http://schemas.microsoft.com/office/powerpoint/2010/main" xmlns="" val="963014868"/>
+        <p14:creationId xmlns="" xmlns:p14="http://schemas.microsoft.com/office/powerpoint/2010/main" val="963014868"/>
       </p:ext>
     </p:extLst>
   </p:cSld>
@@ -3532,7 +3532,7 @@
     </p:spTree>
     <p:extLst>
       <p:ext uri="{BB962C8B-B14F-4D97-AF65-F5344CB8AC3E}">
-        <p14:creationId xmlns:p14="http://schemas.microsoft.com/office/powerpoint/2010/main" xmlns="" val="4111934042"/>
+        <p14:creationId xmlns="" xmlns:p14="http://schemas.microsoft.com/office/powerpoint/2010/main" val="4111934042"/>
       </p:ext>
     </p:extLst>
   </p:cSld>
@@ -3801,7 +3801,7 @@
     </p:spTree>
     <p:extLst>
       <p:ext uri="{BB962C8B-B14F-4D97-AF65-F5344CB8AC3E}">
-        <p14:creationId xmlns:p14="http://schemas.microsoft.com/office/powerpoint/2010/main" xmlns="" val="328320137"/>
+        <p14:creationId xmlns="" xmlns:p14="http://schemas.microsoft.com/office/powerpoint/2010/main" val="328320137"/>
       </p:ext>
     </p:extLst>
   </p:cSld>
@@ -4020,7 +4020,7 @@
           <a:blip r:embed="rId2" cstate="print">
             <a:extLst>
               <a:ext uri="{28A0092B-C50C-407E-A947-70E740481C1C}">
-                <a14:useLocalDpi xmlns:a14="http://schemas.microsoft.com/office/drawing/2010/main" xmlns="" val="0"/>
+                <a14:useLocalDpi xmlns="" xmlns:a14="http://schemas.microsoft.com/office/drawing/2010/main" val="0"/>
               </a:ext>
             </a:extLst>
           </a:blip>
@@ -4043,14 +4043,14 @@
           </a:ln>
           <a:extLst>
             <a:ext uri="{909E8E84-426E-40DD-AFC4-6F175D3DCCD1}">
-              <a14:hiddenFill xmlns:a14="http://schemas.microsoft.com/office/drawing/2010/main" xmlns="">
+              <a14:hiddenFill xmlns="" xmlns:a14="http://schemas.microsoft.com/office/drawing/2010/main">
                 <a:solidFill>
                   <a:srgbClr val="FFFFFF"/>
                 </a:solidFill>
               </a14:hiddenFill>
             </a:ext>
             <a:ext uri="{91240B29-F687-4F45-9708-019B960494DF}">
-              <a14:hiddenLine xmlns:a14="http://schemas.microsoft.com/office/drawing/2010/main" xmlns="" w="9525">
+              <a14:hiddenLine xmlns="" xmlns:a14="http://schemas.microsoft.com/office/drawing/2010/main" w="9525">
                 <a:solidFill>
                   <a:srgbClr val="000000"/>
                 </a:solidFill>
@@ -4078,8 +4078,8 @@
         </p:blipFill>
         <p:spPr bwMode="auto">
           <a:xfrm>
-            <a:off x="8394528" y="41190"/>
-            <a:ext cx="683568" cy="680417"/>
+            <a:off x="6895767" y="0"/>
+            <a:ext cx="2248233" cy="764704"/>
           </a:xfrm>
           <a:prstGeom prst="rect">
             <a:avLst/>
@@ -4097,7 +4097,7 @@
           </a:sp3d>
           <a:extLst>
             <a:ext uri="{909E8E84-426E-40DD-AFC4-6F175D3DCCD1}">
-              <a14:hiddenFill xmlns:a14="http://schemas.microsoft.com/office/drawing/2010/main" xmlns="">
+              <a14:hiddenFill xmlns="" xmlns:a14="http://schemas.microsoft.com/office/drawing/2010/main">
                 <a:solidFill>
                   <a:srgbClr val="FFFFFF"/>
                 </a:solidFill>
@@ -4109,7 +4109,7 @@
     </p:spTree>
     <p:extLst>
       <p:ext uri="{BB962C8B-B14F-4D97-AF65-F5344CB8AC3E}">
-        <p14:creationId xmlns:p14="http://schemas.microsoft.com/office/powerpoint/2010/main" xmlns="" val="2271989134"/>
+        <p14:creationId xmlns="" xmlns:p14="http://schemas.microsoft.com/office/powerpoint/2010/main" val="2271989134"/>
       </p:ext>
     </p:extLst>
   </p:cSld>
@@ -4325,7 +4325,7 @@
     </p:spTree>
     <p:extLst>
       <p:ext uri="{BB962C8B-B14F-4D97-AF65-F5344CB8AC3E}">
-        <p14:creationId xmlns:p14="http://schemas.microsoft.com/office/powerpoint/2010/main" xmlns="" val="2777282408"/>
+        <p14:creationId xmlns="" xmlns:p14="http://schemas.microsoft.com/office/powerpoint/2010/main" val="2777282408"/>
       </p:ext>
     </p:extLst>
   </p:cSld>
@@ -4630,7 +4630,7 @@
     </p:spTree>
     <p:extLst>
       <p:ext uri="{BB962C8B-B14F-4D97-AF65-F5344CB8AC3E}">
-        <p14:creationId xmlns:p14="http://schemas.microsoft.com/office/powerpoint/2010/main" xmlns="" val="3746822500"/>
+        <p14:creationId xmlns="" xmlns:p14="http://schemas.microsoft.com/office/powerpoint/2010/main" val="3746822500"/>
       </p:ext>
     </p:extLst>
   </p:cSld>
@@ -5081,7 +5081,7 @@
     </p:spTree>
     <p:extLst>
       <p:ext uri="{BB962C8B-B14F-4D97-AF65-F5344CB8AC3E}">
-        <p14:creationId xmlns:p14="http://schemas.microsoft.com/office/powerpoint/2010/main" xmlns="" val="362530932"/>
+        <p14:creationId xmlns="" xmlns:p14="http://schemas.microsoft.com/office/powerpoint/2010/main" val="362530932"/>
       </p:ext>
     </p:extLst>
   </p:cSld>
@@ -5216,7 +5216,7 @@
     </p:spTree>
     <p:extLst>
       <p:ext uri="{BB962C8B-B14F-4D97-AF65-F5344CB8AC3E}">
-        <p14:creationId xmlns:p14="http://schemas.microsoft.com/office/powerpoint/2010/main" xmlns="" val="2891360884"/>
+        <p14:creationId xmlns="" xmlns:p14="http://schemas.microsoft.com/office/powerpoint/2010/main" val="2891360884"/>
       </p:ext>
     </p:extLst>
   </p:cSld>
@@ -5335,7 +5335,7 @@
     </p:spTree>
     <p:extLst>
       <p:ext uri="{BB962C8B-B14F-4D97-AF65-F5344CB8AC3E}">
-        <p14:creationId xmlns:p14="http://schemas.microsoft.com/office/powerpoint/2010/main" xmlns="" val="3432399595"/>
+        <p14:creationId xmlns="" xmlns:p14="http://schemas.microsoft.com/office/powerpoint/2010/main" val="3432399595"/>
       </p:ext>
     </p:extLst>
   </p:cSld>
@@ -5629,7 +5629,7 @@
     </p:spTree>
     <p:extLst>
       <p:ext uri="{BB962C8B-B14F-4D97-AF65-F5344CB8AC3E}">
-        <p14:creationId xmlns:p14="http://schemas.microsoft.com/office/powerpoint/2010/main" xmlns="" val="4293005441"/>
+        <p14:creationId xmlns="" xmlns:p14="http://schemas.microsoft.com/office/powerpoint/2010/main" val="4293005441"/>
       </p:ext>
     </p:extLst>
   </p:cSld>
@@ -5903,7 +5903,7 @@
     </p:spTree>
     <p:extLst>
       <p:ext uri="{BB962C8B-B14F-4D97-AF65-F5344CB8AC3E}">
-        <p14:creationId xmlns:p14="http://schemas.microsoft.com/office/powerpoint/2010/main" xmlns="" val="2906465712"/>
+        <p14:creationId xmlns="" xmlns:p14="http://schemas.microsoft.com/office/powerpoint/2010/main" val="2906465712"/>
       </p:ext>
     </p:extLst>
   </p:cSld>
@@ -5970,14 +5970,14 @@
           <a:effectLst/>
           <a:extLst>
             <a:ext uri="{909E8E84-426E-40DD-AFC4-6F175D3DCCD1}">
-              <a14:hiddenFill xmlns:a14="http://schemas.microsoft.com/office/drawing/2010/main" xmlns="">
+              <a14:hiddenFill xmlns="" xmlns:a14="http://schemas.microsoft.com/office/drawing/2010/main">
                 <a:solidFill>
                   <a:schemeClr val="accent1"/>
                 </a:solidFill>
               </a14:hiddenFill>
             </a:ext>
             <a:ext uri="{91240B29-F687-4F45-9708-019B960494DF}">
-              <a14:hiddenLine xmlns:a14="http://schemas.microsoft.com/office/drawing/2010/main" xmlns="" w="9525">
+              <a14:hiddenLine xmlns="" xmlns:a14="http://schemas.microsoft.com/office/drawing/2010/main" w="9525">
                 <a:solidFill>
                   <a:schemeClr val="tx1"/>
                 </a:solidFill>
@@ -5987,7 +5987,7 @@
               </a14:hiddenLine>
             </a:ext>
             <a:ext uri="{AF507438-7753-43E0-B8FC-AC1667EBCBE1}">
-              <a14:hiddenEffects xmlns:a14="http://schemas.microsoft.com/office/drawing/2010/main" xmlns="">
+              <a14:hiddenEffects xmlns="" xmlns:a14="http://schemas.microsoft.com/office/drawing/2010/main">
                 <a:effectLst>
                   <a:outerShdw dist="35921" dir="2700000" algn="ctr" rotWithShape="0">
                     <a:schemeClr val="bg2"/>
@@ -6039,14 +6039,14 @@
           <a:effectLst/>
           <a:extLst>
             <a:ext uri="{909E8E84-426E-40DD-AFC4-6F175D3DCCD1}">
-              <a14:hiddenFill xmlns:a14="http://schemas.microsoft.com/office/drawing/2010/main" xmlns="">
+              <a14:hiddenFill xmlns="" xmlns:a14="http://schemas.microsoft.com/office/drawing/2010/main">
                 <a:solidFill>
                   <a:schemeClr val="accent1"/>
                 </a:solidFill>
               </a14:hiddenFill>
             </a:ext>
             <a:ext uri="{91240B29-F687-4F45-9708-019B960494DF}">
-              <a14:hiddenLine xmlns:a14="http://schemas.microsoft.com/office/drawing/2010/main" xmlns="" w="9525">
+              <a14:hiddenLine xmlns="" xmlns:a14="http://schemas.microsoft.com/office/drawing/2010/main" w="9525">
                 <a:solidFill>
                   <a:schemeClr val="tx1"/>
                 </a:solidFill>
@@ -6056,7 +6056,7 @@
               </a14:hiddenLine>
             </a:ext>
             <a:ext uri="{AF507438-7753-43E0-B8FC-AC1667EBCBE1}">
-              <a14:hiddenEffects xmlns:a14="http://schemas.microsoft.com/office/drawing/2010/main" xmlns="">
+              <a14:hiddenEffects xmlns="" xmlns:a14="http://schemas.microsoft.com/office/drawing/2010/main">
                 <a:effectLst>
                   <a:outerShdw dist="35921" dir="2700000" algn="ctr" rotWithShape="0">
                     <a:schemeClr val="bg2"/>
@@ -6136,14 +6136,14 @@
           <a:effectLst/>
           <a:extLst>
             <a:ext uri="{909E8E84-426E-40DD-AFC4-6F175D3DCCD1}">
-              <a14:hiddenFill xmlns:a14="http://schemas.microsoft.com/office/drawing/2010/main" xmlns="">
+              <a14:hiddenFill xmlns="" xmlns:a14="http://schemas.microsoft.com/office/drawing/2010/main">
                 <a:solidFill>
                   <a:schemeClr val="accent1"/>
                 </a:solidFill>
               </a14:hiddenFill>
             </a:ext>
             <a:ext uri="{91240B29-F687-4F45-9708-019B960494DF}">
-              <a14:hiddenLine xmlns:a14="http://schemas.microsoft.com/office/drawing/2010/main" xmlns="" w="9525">
+              <a14:hiddenLine xmlns="" xmlns:a14="http://schemas.microsoft.com/office/drawing/2010/main" w="9525">
                 <a:solidFill>
                   <a:schemeClr val="tx1"/>
                 </a:solidFill>
@@ -6153,7 +6153,7 @@
               </a14:hiddenLine>
             </a:ext>
             <a:ext uri="{AF507438-7753-43E0-B8FC-AC1667EBCBE1}">
-              <a14:hiddenEffects xmlns:a14="http://schemas.microsoft.com/office/drawing/2010/main" xmlns="">
+              <a14:hiddenEffects xmlns="" xmlns:a14="http://schemas.microsoft.com/office/drawing/2010/main">
                 <a:effectLst>
                   <a:outerShdw dist="35921" dir="2700000" algn="ctr" rotWithShape="0">
                     <a:schemeClr val="bg2"/>
@@ -6215,14 +6215,14 @@
           <a:effectLst/>
           <a:extLst>
             <a:ext uri="{909E8E84-426E-40DD-AFC4-6F175D3DCCD1}">
-              <a14:hiddenFill xmlns:a14="http://schemas.microsoft.com/office/drawing/2010/main" xmlns="">
+              <a14:hiddenFill xmlns="" xmlns:a14="http://schemas.microsoft.com/office/drawing/2010/main">
                 <a:solidFill>
                   <a:schemeClr val="accent1"/>
                 </a:solidFill>
               </a14:hiddenFill>
             </a:ext>
             <a:ext uri="{91240B29-F687-4F45-9708-019B960494DF}">
-              <a14:hiddenLine xmlns:a14="http://schemas.microsoft.com/office/drawing/2010/main" xmlns="" w="9525">
+              <a14:hiddenLine xmlns="" xmlns:a14="http://schemas.microsoft.com/office/drawing/2010/main" w="9525">
                 <a:solidFill>
                   <a:schemeClr val="tx1"/>
                 </a:solidFill>
@@ -6232,7 +6232,7 @@
               </a14:hiddenLine>
             </a:ext>
             <a:ext uri="{AF507438-7753-43E0-B8FC-AC1667EBCBE1}">
-              <a14:hiddenEffects xmlns:a14="http://schemas.microsoft.com/office/drawing/2010/main" xmlns="">
+              <a14:hiddenEffects xmlns="" xmlns:a14="http://schemas.microsoft.com/office/drawing/2010/main">
                 <a:effectLst>
                   <a:outerShdw dist="35921" dir="2700000" algn="ctr" rotWithShape="0">
                     <a:schemeClr val="bg2"/>
@@ -6289,14 +6289,14 @@
           <a:effectLst/>
           <a:extLst>
             <a:ext uri="{909E8E84-426E-40DD-AFC4-6F175D3DCCD1}">
-              <a14:hiddenFill xmlns:a14="http://schemas.microsoft.com/office/drawing/2010/main" xmlns="">
+              <a14:hiddenFill xmlns="" xmlns:a14="http://schemas.microsoft.com/office/drawing/2010/main">
                 <a:solidFill>
                   <a:schemeClr val="accent1"/>
                 </a:solidFill>
               </a14:hiddenFill>
             </a:ext>
             <a:ext uri="{91240B29-F687-4F45-9708-019B960494DF}">
-              <a14:hiddenLine xmlns:a14="http://schemas.microsoft.com/office/drawing/2010/main" xmlns="" w="9525">
+              <a14:hiddenLine xmlns="" xmlns:a14="http://schemas.microsoft.com/office/drawing/2010/main" w="9525">
                 <a:solidFill>
                   <a:schemeClr val="tx1"/>
                 </a:solidFill>
@@ -6306,7 +6306,7 @@
               </a14:hiddenLine>
             </a:ext>
             <a:ext uri="{AF507438-7753-43E0-B8FC-AC1667EBCBE1}">
-              <a14:hiddenEffects xmlns:a14="http://schemas.microsoft.com/office/drawing/2010/main" xmlns="">
+              <a14:hiddenEffects xmlns="" xmlns:a14="http://schemas.microsoft.com/office/drawing/2010/main">
                 <a:effectLst>
                   <a:outerShdw dist="35921" dir="2700000" algn="ctr" rotWithShape="0">
                     <a:schemeClr val="bg2"/>
@@ -6884,7 +6884,7 @@
           </a:sp3d>
           <a:extLst>
             <a:ext uri="{909E8E84-426E-40DD-AFC4-6F175D3DCCD1}">
-              <a14:hiddenFill xmlns:a14="http://schemas.microsoft.com/office/drawing/2010/main" xmlns="">
+              <a14:hiddenFill xmlns="" xmlns:a14="http://schemas.microsoft.com/office/drawing/2010/main">
                 <a:solidFill>
                   <a:srgbClr val="FFFFFF"/>
                 </a:solidFill>
@@ -6896,7 +6896,7 @@
     </p:spTree>
     <p:extLst>
       <p:ext uri="{BB962C8B-B14F-4D97-AF65-F5344CB8AC3E}">
-        <p14:creationId xmlns:p14="http://schemas.microsoft.com/office/powerpoint/2010/main" xmlns="" val="4221319903"/>
+        <p14:creationId xmlns="" xmlns:p14="http://schemas.microsoft.com/office/powerpoint/2010/main" val="4221319903"/>
       </p:ext>
     </p:extLst>
   </p:cSld>
@@ -7252,7 +7252,7 @@
     </p:spTree>
     <p:extLst>
       <p:ext uri="{BB962C8B-B14F-4D97-AF65-F5344CB8AC3E}">
-        <p14:creationId xmlns:p14="http://schemas.microsoft.com/office/powerpoint/2010/main" xmlns="" val="3426603863"/>
+        <p14:creationId xmlns="" xmlns:p14="http://schemas.microsoft.com/office/powerpoint/2010/main" val="3426603863"/>
       </p:ext>
     </p:extLst>
   </p:cSld>
@@ -7490,13 +7490,7 @@
               <a:rPr lang="en-US" altLang="ko-KR" dirty="0" smtClean="0">
                 <a:hlinkClick r:id="rId6"/>
               </a:rPr>
-              <a:t>http</a:t>
-            </a:r>
-            <a:r>
-              <a:rPr lang="en-US" altLang="ko-KR" dirty="0" smtClean="0">
-                <a:hlinkClick r:id="rId6"/>
-              </a:rPr>
-              <a:t>://www.git-scm.com/book</a:t>
+              <a:t>http://www.git-scm.com/book</a:t>
             </a:r>
             <a:endParaRPr lang="en-US" altLang="ko-KR" dirty="0" smtClean="0"/>
           </a:p>
@@ -7524,7 +7518,7 @@
     </p:spTree>
     <p:extLst>
       <p:ext uri="{BB962C8B-B14F-4D97-AF65-F5344CB8AC3E}">
-        <p14:creationId xmlns:p14="http://schemas.microsoft.com/office/powerpoint/2010/main" xmlns="" val="3426603863"/>
+        <p14:creationId xmlns="" xmlns:p14="http://schemas.microsoft.com/office/powerpoint/2010/main" val="3426603863"/>
       </p:ext>
     </p:extLst>
   </p:cSld>
@@ -8293,7 +8287,7 @@
     </p:spTree>
     <p:extLst>
       <p:ext uri="{BB962C8B-B14F-4D97-AF65-F5344CB8AC3E}">
-        <p14:creationId xmlns:p14="http://schemas.microsoft.com/office/powerpoint/2010/main" xmlns="" val="3426603863"/>
+        <p14:creationId xmlns="" xmlns:p14="http://schemas.microsoft.com/office/powerpoint/2010/main" val="3426603863"/>
       </p:ext>
     </p:extLst>
   </p:cSld>
@@ -9561,7 +9555,7 @@
     </p:spTree>
     <p:extLst>
       <p:ext uri="{BB962C8B-B14F-4D97-AF65-F5344CB8AC3E}">
-        <p14:creationId xmlns:p14="http://schemas.microsoft.com/office/powerpoint/2010/main" xmlns="" val="3426603863"/>
+        <p14:creationId xmlns="" xmlns:p14="http://schemas.microsoft.com/office/powerpoint/2010/main" val="3426603863"/>
       </p:ext>
     </p:extLst>
   </p:cSld>
@@ -10345,7 +10339,7 @@
     </p:spTree>
     <p:extLst>
       <p:ext uri="{BB962C8B-B14F-4D97-AF65-F5344CB8AC3E}">
-        <p14:creationId xmlns:p14="http://schemas.microsoft.com/office/powerpoint/2010/main" xmlns="" val="3426603863"/>
+        <p14:creationId xmlns="" xmlns:p14="http://schemas.microsoft.com/office/powerpoint/2010/main" val="3426603863"/>
       </p:ext>
     </p:extLst>
   </p:cSld>
@@ -10596,7 +10590,7 @@
     </p:spTree>
     <p:extLst>
       <p:ext uri="{BB962C8B-B14F-4D97-AF65-F5344CB8AC3E}">
-        <p14:creationId xmlns:p14="http://schemas.microsoft.com/office/powerpoint/2010/main" xmlns="" val="3426603863"/>
+        <p14:creationId xmlns="" xmlns:p14="http://schemas.microsoft.com/office/powerpoint/2010/main" val="3426603863"/>
       </p:ext>
     </p:extLst>
   </p:cSld>
@@ -13357,7 +13351,7 @@
     </p:spTree>
     <p:extLst>
       <p:ext uri="{BB962C8B-B14F-4D97-AF65-F5344CB8AC3E}">
-        <p14:creationId xmlns:p14="http://schemas.microsoft.com/office/powerpoint/2010/main" xmlns="" val="3426603863"/>
+        <p14:creationId xmlns="" xmlns:p14="http://schemas.microsoft.com/office/powerpoint/2010/main" val="3426603863"/>
       </p:ext>
     </p:extLst>
   </p:cSld>
@@ -13895,7 +13889,7 @@
     </p:spTree>
     <p:extLst>
       <p:ext uri="{BB962C8B-B14F-4D97-AF65-F5344CB8AC3E}">
-        <p14:creationId xmlns:p14="http://schemas.microsoft.com/office/powerpoint/2010/main" xmlns="" val="3426603863"/>
+        <p14:creationId xmlns="" xmlns:p14="http://schemas.microsoft.com/office/powerpoint/2010/main" val="3426603863"/>
       </p:ext>
     </p:extLst>
   </p:cSld>
@@ -14557,7 +14551,7 @@
     </p:spTree>
     <p:extLst>
       <p:ext uri="{BB962C8B-B14F-4D97-AF65-F5344CB8AC3E}">
-        <p14:creationId xmlns:p14="http://schemas.microsoft.com/office/powerpoint/2010/main" xmlns="" val="3426603863"/>
+        <p14:creationId xmlns="" xmlns:p14="http://schemas.microsoft.com/office/powerpoint/2010/main" val="3426603863"/>
       </p:ext>
     </p:extLst>
   </p:cSld>
@@ -15309,7 +15303,7 @@
     </p:spTree>
     <p:extLst>
       <p:ext uri="{BB962C8B-B14F-4D97-AF65-F5344CB8AC3E}">
-        <p14:creationId xmlns:p14="http://schemas.microsoft.com/office/powerpoint/2010/main" xmlns="" val="3426603863"/>
+        <p14:creationId xmlns="" xmlns:p14="http://schemas.microsoft.com/office/powerpoint/2010/main" val="3426603863"/>
       </p:ext>
     </p:extLst>
   </p:cSld>
@@ -15614,14 +15608,14 @@
           <a:effectLst/>
           <a:extLst>
             <a:ext uri="{909E8E84-426E-40DD-AFC4-6F175D3DCCD1}">
-              <a14:hiddenFill xmlns:a14="http://schemas.microsoft.com/office/drawing/2010/main" xmlns="">
+              <a14:hiddenFill xmlns="" xmlns:a14="http://schemas.microsoft.com/office/drawing/2010/main">
                 <a:solidFill>
                   <a:schemeClr val="accent1"/>
                 </a:solidFill>
               </a14:hiddenFill>
             </a:ext>
             <a:ext uri="{91240B29-F687-4F45-9708-019B960494DF}">
-              <a14:hiddenLine xmlns:a14="http://schemas.microsoft.com/office/drawing/2010/main" xmlns="" w="9525">
+              <a14:hiddenLine xmlns="" xmlns:a14="http://schemas.microsoft.com/office/drawing/2010/main" w="9525">
                 <a:solidFill>
                   <a:schemeClr val="tx1"/>
                 </a:solidFill>
@@ -15631,7 +15625,7 @@
               </a14:hiddenLine>
             </a:ext>
             <a:ext uri="{AF507438-7753-43E0-B8FC-AC1667EBCBE1}">
-              <a14:hiddenEffects xmlns:a14="http://schemas.microsoft.com/office/drawing/2010/main" xmlns="">
+              <a14:hiddenEffects xmlns="" xmlns:a14="http://schemas.microsoft.com/office/drawing/2010/main">
                 <a:effectLst>
                   <a:outerShdw dist="35921" dir="2700000" algn="ctr" rotWithShape="0">
                     <a:schemeClr val="bg2"/>
@@ -15821,14 +15815,14 @@
           <a:effectLst/>
           <a:extLst>
             <a:ext uri="{909E8E84-426E-40DD-AFC4-6F175D3DCCD1}">
-              <a14:hiddenFill xmlns:a14="http://schemas.microsoft.com/office/drawing/2010/main" xmlns="">
+              <a14:hiddenFill xmlns="" xmlns:a14="http://schemas.microsoft.com/office/drawing/2010/main">
                 <a:solidFill>
                   <a:schemeClr val="accent1"/>
                 </a:solidFill>
               </a14:hiddenFill>
             </a:ext>
             <a:ext uri="{91240B29-F687-4F45-9708-019B960494DF}">
-              <a14:hiddenLine xmlns:a14="http://schemas.microsoft.com/office/drawing/2010/main" xmlns="" w="9525">
+              <a14:hiddenLine xmlns="" xmlns:a14="http://schemas.microsoft.com/office/drawing/2010/main" w="9525">
                 <a:solidFill>
                   <a:schemeClr val="tx1"/>
                 </a:solidFill>
@@ -15838,7 +15832,7 @@
               </a14:hiddenLine>
             </a:ext>
             <a:ext uri="{AF507438-7753-43E0-B8FC-AC1667EBCBE1}">
-              <a14:hiddenEffects xmlns:a14="http://schemas.microsoft.com/office/drawing/2010/main" xmlns="">
+              <a14:hiddenEffects xmlns="" xmlns:a14="http://schemas.microsoft.com/office/drawing/2010/main">
                 <a:effectLst>
                   <a:outerShdw dist="35921" dir="2700000" algn="ctr" rotWithShape="0">
                     <a:schemeClr val="bg2"/>
@@ -16318,7 +16312,7 @@
     </p:spTree>
     <p:extLst>
       <p:ext uri="{BB962C8B-B14F-4D97-AF65-F5344CB8AC3E}">
-        <p14:creationId xmlns:p14="http://schemas.microsoft.com/office/powerpoint/2010/main" xmlns="" val="55105146"/>
+        <p14:creationId xmlns="" xmlns:p14="http://schemas.microsoft.com/office/powerpoint/2010/main" val="55105146"/>
       </p:ext>
     </p:extLst>
   </p:cSld>
@@ -16536,7 +16530,7 @@
     </p:spTree>
     <p:extLst>
       <p:ext uri="{BB962C8B-B14F-4D97-AF65-F5344CB8AC3E}">
-        <p14:creationId xmlns:p14="http://schemas.microsoft.com/office/powerpoint/2010/main" xmlns="" val="3426603863"/>
+        <p14:creationId xmlns="" xmlns:p14="http://schemas.microsoft.com/office/powerpoint/2010/main" val="3426603863"/>
       </p:ext>
     </p:extLst>
   </p:cSld>
@@ -17428,7 +17422,7 @@
     </p:spTree>
     <p:extLst>
       <p:ext uri="{BB962C8B-B14F-4D97-AF65-F5344CB8AC3E}">
-        <p14:creationId xmlns:p14="http://schemas.microsoft.com/office/powerpoint/2010/main" xmlns="" val="3426603863"/>
+        <p14:creationId xmlns="" xmlns:p14="http://schemas.microsoft.com/office/powerpoint/2010/main" val="3426603863"/>
       </p:ext>
     </p:extLst>
   </p:cSld>
@@ -17653,7 +17647,7 @@
     </p:spTree>
     <p:extLst>
       <p:ext uri="{BB962C8B-B14F-4D97-AF65-F5344CB8AC3E}">
-        <p14:creationId xmlns:p14="http://schemas.microsoft.com/office/powerpoint/2010/main" xmlns="" val="3426603863"/>
+        <p14:creationId xmlns="" xmlns:p14="http://schemas.microsoft.com/office/powerpoint/2010/main" val="3426603863"/>
       </p:ext>
     </p:extLst>
   </p:cSld>
@@ -18035,7 +18029,7 @@
     </p:spTree>
     <p:extLst>
       <p:ext uri="{BB962C8B-B14F-4D97-AF65-F5344CB8AC3E}">
-        <p14:creationId xmlns:p14="http://schemas.microsoft.com/office/powerpoint/2010/main" xmlns="" val="3426603863"/>
+        <p14:creationId xmlns="" xmlns:p14="http://schemas.microsoft.com/office/powerpoint/2010/main" val="3426603863"/>
       </p:ext>
     </p:extLst>
   </p:cSld>
@@ -18932,7 +18926,7 @@
     </p:spTree>
     <p:extLst>
       <p:ext uri="{BB962C8B-B14F-4D97-AF65-F5344CB8AC3E}">
-        <p14:creationId xmlns:p14="http://schemas.microsoft.com/office/powerpoint/2010/main" xmlns="" val="3426603863"/>
+        <p14:creationId xmlns="" xmlns:p14="http://schemas.microsoft.com/office/powerpoint/2010/main" val="3426603863"/>
       </p:ext>
     </p:extLst>
   </p:cSld>
@@ -19536,7 +19530,7 @@
     </p:spTree>
     <p:extLst>
       <p:ext uri="{BB962C8B-B14F-4D97-AF65-F5344CB8AC3E}">
-        <p14:creationId xmlns:p14="http://schemas.microsoft.com/office/powerpoint/2010/main" xmlns="" val="3426603863"/>
+        <p14:creationId xmlns="" xmlns:p14="http://schemas.microsoft.com/office/powerpoint/2010/main" val="3426603863"/>
       </p:ext>
     </p:extLst>
   </p:cSld>
@@ -20136,7 +20130,7 @@
     </p:spTree>
     <p:extLst>
       <p:ext uri="{BB962C8B-B14F-4D97-AF65-F5344CB8AC3E}">
-        <p14:creationId xmlns:p14="http://schemas.microsoft.com/office/powerpoint/2010/main" xmlns="" val="3426603863"/>
+        <p14:creationId xmlns="" xmlns:p14="http://schemas.microsoft.com/office/powerpoint/2010/main" val="3426603863"/>
       </p:ext>
     </p:extLst>
   </p:cSld>
@@ -20259,7 +20253,7 @@
     </p:spTree>
     <p:extLst>
       <p:ext uri="{BB962C8B-B14F-4D97-AF65-F5344CB8AC3E}">
-        <p14:creationId xmlns:p14="http://schemas.microsoft.com/office/powerpoint/2010/main" xmlns="" val="3349492334"/>
+        <p14:creationId xmlns="" xmlns:p14="http://schemas.microsoft.com/office/powerpoint/2010/main" val="3349492334"/>
       </p:ext>
     </p:extLst>
   </p:cSld>
@@ -20617,7 +20611,7 @@
     </p:spTree>
     <p:extLst>
       <p:ext uri="{BB962C8B-B14F-4D97-AF65-F5344CB8AC3E}">
-        <p14:creationId xmlns:p14="http://schemas.microsoft.com/office/powerpoint/2010/main" xmlns="" val="3426603863"/>
+        <p14:creationId xmlns="" xmlns:p14="http://schemas.microsoft.com/office/powerpoint/2010/main" val="3426603863"/>
       </p:ext>
     </p:extLst>
   </p:cSld>
@@ -20757,7 +20751,7 @@
     </p:spTree>
     <p:extLst>
       <p:ext uri="{BB962C8B-B14F-4D97-AF65-F5344CB8AC3E}">
-        <p14:creationId xmlns:p14="http://schemas.microsoft.com/office/powerpoint/2010/main" xmlns="" val="3426603863"/>
+        <p14:creationId xmlns="" xmlns:p14="http://schemas.microsoft.com/office/powerpoint/2010/main" val="3426603863"/>
       </p:ext>
     </p:extLst>
   </p:cSld>
@@ -20899,19 +20893,7 @@
           <a:p>
             <a:r>
               <a:rPr lang="en-US" altLang="ko-KR" dirty="0" smtClean="0"/>
-              <a:t>	※ </a:t>
-            </a:r>
-            <a:r>
-              <a:rPr lang="en-US" altLang="ko-KR" dirty="0" smtClean="0"/>
-              <a:t>CVS</a:t>
-            </a:r>
-            <a:r>
-              <a:rPr lang="en-US" altLang="ko-KR" dirty="0" smtClean="0"/>
-              <a:t>, </a:t>
-            </a:r>
-            <a:r>
-              <a:rPr lang="en-US" altLang="ko-KR" dirty="0" smtClean="0"/>
-              <a:t>Subversion, Perforce</a:t>
+              <a:t>	※ CVS, Subversion, Perforce</a:t>
             </a:r>
           </a:p>
           <a:p>
@@ -20954,7 +20936,7 @@
     </p:spTree>
     <p:extLst>
       <p:ext uri="{BB962C8B-B14F-4D97-AF65-F5344CB8AC3E}">
-        <p14:creationId xmlns:p14="http://schemas.microsoft.com/office/powerpoint/2010/main" xmlns="" val="3426603863"/>
+        <p14:creationId xmlns="" xmlns:p14="http://schemas.microsoft.com/office/powerpoint/2010/main" val="3426603863"/>
       </p:ext>
     </p:extLst>
   </p:cSld>
@@ -21160,7 +21142,7 @@
     </p:spTree>
     <p:extLst>
       <p:ext uri="{BB962C8B-B14F-4D97-AF65-F5344CB8AC3E}">
-        <p14:creationId xmlns:p14="http://schemas.microsoft.com/office/powerpoint/2010/main" xmlns="" val="3426603863"/>
+        <p14:creationId xmlns="" xmlns:p14="http://schemas.microsoft.com/office/powerpoint/2010/main" val="3426603863"/>
       </p:ext>
     </p:extLst>
   </p:cSld>
@@ -21550,7 +21532,7 @@
     </p:spTree>
     <p:extLst>
       <p:ext uri="{BB962C8B-B14F-4D97-AF65-F5344CB8AC3E}">
-        <p14:creationId xmlns:p14="http://schemas.microsoft.com/office/powerpoint/2010/main" xmlns="" val="3426603863"/>
+        <p14:creationId xmlns="" xmlns:p14="http://schemas.microsoft.com/office/powerpoint/2010/main" val="3426603863"/>
       </p:ext>
     </p:extLst>
   </p:cSld>
@@ -21843,7 +21825,7 @@
     </p:spTree>
     <p:extLst>
       <p:ext uri="{BB962C8B-B14F-4D97-AF65-F5344CB8AC3E}">
-        <p14:creationId xmlns:p14="http://schemas.microsoft.com/office/powerpoint/2010/main" xmlns="" val="3426603863"/>
+        <p14:creationId xmlns="" xmlns:p14="http://schemas.microsoft.com/office/powerpoint/2010/main" val="3426603863"/>
       </p:ext>
     </p:extLst>
   </p:cSld>
@@ -22161,7 +22143,7 @@
     </p:spTree>
     <p:extLst>
       <p:ext uri="{BB962C8B-B14F-4D97-AF65-F5344CB8AC3E}">
-        <p14:creationId xmlns:p14="http://schemas.microsoft.com/office/powerpoint/2010/main" xmlns="" val="3426603863"/>
+        <p14:creationId xmlns="" xmlns:p14="http://schemas.microsoft.com/office/powerpoint/2010/main" val="3426603863"/>
       </p:ext>
     </p:extLst>
   </p:cSld>
@@ -22431,7 +22413,7 @@
         <a:effectLst/>
         <a:extLst>
           <a:ext uri="{AF507438-7753-43E0-B8FC-AC1667EBCBE1}">
-            <a14:hiddenEffects xmlns:a14="http://schemas.microsoft.com/office/drawing/2010/main" xmlns="">
+            <a14:hiddenEffects xmlns="" xmlns:a14="http://schemas.microsoft.com/office/drawing/2010/main">
               <a:effectLst>
                 <a:outerShdw dist="35921" dir="2700000" algn="ctr" rotWithShape="0">
                   <a:schemeClr val="bg2"/>
@@ -22504,7 +22486,7 @@
         <a:effectLst/>
         <a:extLst>
           <a:ext uri="{AF507438-7753-43E0-B8FC-AC1667EBCBE1}">
-            <a14:hiddenEffects xmlns:a14="http://schemas.microsoft.com/office/drawing/2010/main" xmlns="">
+            <a14:hiddenEffects xmlns="" xmlns:a14="http://schemas.microsoft.com/office/drawing/2010/main">
               <a:effectLst>
                 <a:outerShdw dist="35921" dir="2700000" algn="ctr" rotWithShape="0">
                   <a:schemeClr val="bg2"/>
